--- a/Unity/Lesson6/Prefab.pptx
+++ b/Unity/Lesson6/Prefab.pptx
@@ -5,10 +5,10 @@
     <p:sldMasterId id="2147483673" r:id="rId1"/>
   </p:sldMasterIdLst>
   <p:notesMasterIdLst>
-    <p:notesMasterId r:id="rId22"/>
+    <p:notesMasterId r:id="rId14"/>
   </p:notesMasterIdLst>
   <p:handoutMasterIdLst>
-    <p:handoutMasterId r:id="rId23"/>
+    <p:handoutMasterId r:id="rId15"/>
   </p:handoutMasterIdLst>
   <p:sldIdLst>
     <p:sldId id="257" r:id="rId2"/>
@@ -16,21 +16,13 @@
     <p:sldId id="362" r:id="rId4"/>
     <p:sldId id="310" r:id="rId5"/>
     <p:sldId id="363" r:id="rId6"/>
-    <p:sldId id="322" r:id="rId7"/>
-    <p:sldId id="336" r:id="rId8"/>
-    <p:sldId id="345" r:id="rId9"/>
-    <p:sldId id="346" r:id="rId10"/>
-    <p:sldId id="361" r:id="rId11"/>
-    <p:sldId id="347" r:id="rId12"/>
-    <p:sldId id="351" r:id="rId13"/>
-    <p:sldId id="349" r:id="rId14"/>
-    <p:sldId id="331" r:id="rId15"/>
-    <p:sldId id="352" r:id="rId16"/>
-    <p:sldId id="359" r:id="rId17"/>
-    <p:sldId id="338" r:id="rId18"/>
-    <p:sldId id="355" r:id="rId19"/>
-    <p:sldId id="353" r:id="rId20"/>
-    <p:sldId id="360" r:id="rId21"/>
+    <p:sldId id="364" r:id="rId7"/>
+    <p:sldId id="365" r:id="rId8"/>
+    <p:sldId id="367" r:id="rId9"/>
+    <p:sldId id="314" r:id="rId10"/>
+    <p:sldId id="315" r:id="rId11"/>
+    <p:sldId id="316" r:id="rId12"/>
+    <p:sldId id="366" r:id="rId13"/>
   </p:sldIdLst>
   <p:sldSz cx="12192000" cy="6858000"/>
   <p:notesSz cx="6858000" cy="9144000"/>
@@ -236,7 +228,7 @@
             <a:pPr rtl="0"/>
             <a:fld id="{6B5C320A-F5C8-4FD6-86FF-35D2EBF085B6}" type="datetime1">
               <a:rPr lang="ru-RU" smtClean="0"/>
-              <a:t>17.09.2020</a:t>
+              <a:t>04.10.2020</a:t>
             </a:fld>
             <a:endParaRPr lang="en-US" dirty="0"/>
           </a:p>
@@ -406,7 +398,7 @@
             <a:pPr rtl="0"/>
             <a:fld id="{15C702C7-E599-40D9-B30E-0392896973B5}" type="datetime1">
               <a:rPr lang="ru-RU" smtClean="0"/>
-              <a:t>17.09.2020</a:t>
+              <a:t>04.10.2020</a:t>
             </a:fld>
             <a:endParaRPr lang="en-US"/>
           </a:p>
@@ -1151,7 +1143,7 @@
             <a:pPr rtl="0"/>
             <a:fld id="{6506E9A3-1561-45B7-908B-DACC52528ABB}" type="datetime1">
               <a:rPr lang="ru-RU" smtClean="0"/>
-              <a:t>17.09.2020</a:t>
+              <a:t>04.10.2020</a:t>
             </a:fld>
             <a:endParaRPr lang="en-US" dirty="0"/>
           </a:p>
@@ -1357,7 +1349,7 @@
             <a:pPr rtl="0"/>
             <a:fld id="{3E92B999-6CB2-48D4-8AF6-3D1A5D13436B}" type="datetime1">
               <a:rPr lang="ru-RU" smtClean="0"/>
-              <a:t>17.09.2020</a:t>
+              <a:t>04.10.2020</a:t>
             </a:fld>
             <a:endParaRPr lang="en-US"/>
           </a:p>
@@ -1541,7 +1533,7 @@
             <a:pPr rtl="0"/>
             <a:fld id="{B52C98DB-1092-48C4-AD4E-BD3E9D2E2345}" type="datetime1">
               <a:rPr lang="ru-RU" smtClean="0"/>
-              <a:t>17.09.2020</a:t>
+              <a:t>04.10.2020</a:t>
             </a:fld>
             <a:endParaRPr lang="en-US"/>
           </a:p>
@@ -1715,7 +1707,7 @@
             <a:pPr rtl="0"/>
             <a:fld id="{629C2F20-7994-4D1E-A01C-96ECBA4612EB}" type="datetime1">
               <a:rPr lang="ru-RU" smtClean="0"/>
-              <a:t>17.09.2020</a:t>
+              <a:t>04.10.2020</a:t>
             </a:fld>
             <a:endParaRPr lang="en-US"/>
           </a:p>
@@ -2318,7 +2310,7 @@
             <a:pPr rtl="0"/>
             <a:fld id="{7B2CE4EA-3B49-4A00-ADF3-7C7272A626C1}" type="datetime1">
               <a:rPr lang="ru-RU" smtClean="0"/>
-              <a:t>17.09.2020</a:t>
+              <a:t>04.10.2020</a:t>
             </a:fld>
             <a:endParaRPr lang="en-US" dirty="0"/>
           </a:p>
@@ -2642,7 +2634,7 @@
             <a:pPr rtl="0"/>
             <a:fld id="{9A16848F-27AD-43B9-904C-1CF05D24EB3C}" type="datetime1">
               <a:rPr lang="ru-RU" smtClean="0"/>
-              <a:t>17.09.2020</a:t>
+              <a:t>04.10.2020</a:t>
             </a:fld>
             <a:endParaRPr lang="en-US"/>
           </a:p>
@@ -3083,7 +3075,7 @@
             <a:pPr rtl="0"/>
             <a:fld id="{23090412-2DE5-405A-816E-F08FB54EB168}" type="datetime1">
               <a:rPr lang="ru-RU" smtClean="0"/>
-              <a:t>17.09.2020</a:t>
+              <a:t>04.10.2020</a:t>
             </a:fld>
             <a:endParaRPr lang="en-US"/>
           </a:p>
@@ -3205,7 +3197,7 @@
             <a:pPr rtl="0"/>
             <a:fld id="{F4C2D7CB-4DC1-4BB7-BF00-4C36160857E0}" type="datetime1">
               <a:rPr lang="ru-RU" smtClean="0"/>
-              <a:t>17.09.2020</a:t>
+              <a:t>04.10.2020</a:t>
             </a:fld>
             <a:endParaRPr lang="en-US"/>
           </a:p>
@@ -3303,7 +3295,7 @@
             <a:pPr rtl="0"/>
             <a:fld id="{4060D38F-E364-4ED4-9BF4-D7F00FFBE76A}" type="datetime1">
               <a:rPr lang="ru-RU" smtClean="0"/>
-              <a:t>17.09.2020</a:t>
+              <a:t>04.10.2020</a:t>
             </a:fld>
             <a:endParaRPr lang="en-US"/>
           </a:p>
@@ -3724,7 +3716,7 @@
             <a:pPr rtl="0"/>
             <a:fld id="{F183FEFD-AB08-4CB5-AE4D-2F6B12D8E3B0}" type="datetime1">
               <a:rPr lang="ru-RU" smtClean="0"/>
-              <a:t>17.09.2020</a:t>
+              <a:t>04.10.2020</a:t>
             </a:fld>
             <a:endParaRPr lang="en-US"/>
           </a:p>
@@ -3989,7 +3981,7 @@
             <a:pPr rtl="0"/>
             <a:fld id="{EBEA1583-5CEF-4E36-A7FC-D34B7E954D76}" type="datetime1">
               <a:rPr lang="ru-RU" smtClean="0"/>
-              <a:t>17.09.2020</a:t>
+              <a:t>04.10.2020</a:t>
             </a:fld>
             <a:endParaRPr lang="en-US" dirty="0"/>
           </a:p>
@@ -4509,7 +4501,7 @@
             <a:pPr rtl="0"/>
             <a:fld id="{1068A786-B8BF-4988-ACBA-DD9B5BC8D522}" type="datetime1">
               <a:rPr lang="ru-RU" smtClean="0"/>
-              <a:t>17.09.2020</a:t>
+              <a:t>04.10.2020</a:t>
             </a:fld>
             <a:endParaRPr lang="en-US" dirty="0"/>
           </a:p>
@@ -5248,7 +5240,7 @@
           <p:cNvPr id="4" name="Дата 3">
             <a:extLst>
               <a:ext uri="{FF2B5EF4-FFF2-40B4-BE49-F238E27FC236}">
-                <a16:creationId xmlns:a16="http://schemas.microsoft.com/office/drawing/2014/main" id="{A9577426-050A-4C6D-8771-B1DFD0D56CFB}"/>
+                <a16:creationId xmlns:a16="http://schemas.microsoft.com/office/drawing/2014/main" id="{A740430A-C502-4F9B-89E2-D51D1348D0C3}"/>
               </a:ext>
             </a:extLst>
           </p:cNvPr>
@@ -5267,7 +5259,7 @@
             <a:pPr rtl="0"/>
             <a:fld id="{629C2F20-7994-4D1E-A01C-96ECBA4612EB}" type="datetime1">
               <a:rPr lang="ru-RU" smtClean="0"/>
-              <a:t>17.09.2020</a:t>
+              <a:t>04.10.2020</a:t>
             </a:fld>
             <a:endParaRPr lang="en-US"/>
           </a:p>
@@ -5278,30 +5270,55 @@
           <p:cNvPr id="5" name="Заголовок 1">
             <a:extLst>
               <a:ext uri="{FF2B5EF4-FFF2-40B4-BE49-F238E27FC236}">
-                <a16:creationId xmlns:a16="http://schemas.microsoft.com/office/drawing/2014/main" id="{211AF984-8FAD-4380-9159-6A130D50EF68}"/>
+                <a16:creationId xmlns:a16="http://schemas.microsoft.com/office/drawing/2014/main" id="{894A68B8-8475-4BAC-B9EA-8C6D3471A70E}"/>
               </a:ext>
             </a:extLst>
           </p:cNvPr>
-          <p:cNvSpPr>
-            <a:spLocks noGrp="1"/>
+          <p:cNvSpPr txBox="1">
+            <a:spLocks/>
           </p:cNvSpPr>
-          <p:nvPr>
-            <p:ph type="title"/>
-          </p:nvPr>
-        </p:nvSpPr>
-        <p:spPr>
-          <a:xfrm>
-            <a:off x="1066800" y="231913"/>
-            <a:ext cx="10058400" cy="1371600"/>
-          </a:xfrm>
-        </p:spPr>
-        <p:txBody>
-          <a:bodyPr/>
-          <a:lstStyle/>
+          <p:nvPr/>
+        </p:nvSpPr>
+        <p:spPr>
+          <a:xfrm>
+            <a:off x="1066800" y="101338"/>
+            <a:ext cx="10058400" cy="1527313"/>
+          </a:xfrm>
+          <a:prstGeom prst="rect">
+            <a:avLst/>
+          </a:prstGeom>
+        </p:spPr>
+        <p:txBody>
+          <a:bodyPr vert="horz" lIns="91440" tIns="45720" rIns="91440" bIns="45720" rtlCol="0" anchor="ctr">
+            <a:normAutofit/>
+          </a:bodyPr>
+          <a:lstStyle>
+            <a:lvl1pPr algn="l" defTabSz="914400" rtl="0" eaLnBrk="1" latinLnBrk="0" hangingPunct="1">
+              <a:lnSpc>
+                <a:spcPct val="90000"/>
+              </a:lnSpc>
+              <a:spcBef>
+                <a:spcPct val="0"/>
+              </a:spcBef>
+              <a:buNone/>
+              <a:defRPr lang="en-US" sz="4000" i="0" kern="1200" cap="none" spc="0" baseline="0" dirty="0">
+                <a:solidFill>
+                  <a:schemeClr val="tx1">
+                    <a:lumMod val="85000"/>
+                    <a:lumOff val="15000"/>
+                  </a:schemeClr>
+                </a:solidFill>
+                <a:effectLst/>
+                <a:latin typeface="+mj-lt"/>
+                <a:ea typeface="+mn-ea"/>
+                <a:cs typeface="+mn-cs"/>
+              </a:defRPr>
+            </a:lvl1pPr>
+          </a:lstStyle>
           <a:p>
             <a:pPr algn="ctr"/>
             <a:r>
-              <a:rPr lang="en-US" b="1" dirty="0">
+              <a:rPr lang="ru-RU" b="1" dirty="0">
                 <a:solidFill>
                   <a:schemeClr val="accent3">
                     <a:lumMod val="75000"/>
@@ -5309,129 +5326,26 @@
                 </a:solidFill>
                 <a:latin typeface="Segoe Print" panose="02000600000000000000" pitchFamily="2" charset="0"/>
               </a:rPr>
-              <a:t>Kinematic</a:t>
-            </a:r>
-            <a:r>
-              <a:rPr lang="ru-RU" b="1" dirty="0">
-                <a:solidFill>
-                  <a:schemeClr val="accent3">
-                    <a:lumMod val="75000"/>
-                  </a:schemeClr>
-                </a:solidFill>
-                <a:latin typeface="Segoe Print" panose="02000600000000000000" pitchFamily="2" charset="0"/>
-              </a:rPr>
-              <a:t> </a:t>
-            </a:r>
-            <a:r>
-              <a:rPr lang="en-US" b="1" dirty="0">
-                <a:solidFill>
-                  <a:schemeClr val="accent3">
-                    <a:lumMod val="75000"/>
-                  </a:schemeClr>
-                </a:solidFill>
-                <a:latin typeface="Segoe Print" panose="02000600000000000000" pitchFamily="2" charset="0"/>
-              </a:rPr>
-              <a:t>Rigidbody2D</a:t>
-            </a:r>
-            <a:endParaRPr lang="ru-RU" b="1" dirty="0">
-              <a:solidFill>
-                <a:schemeClr val="accent3">
-                  <a:lumMod val="75000"/>
-                </a:schemeClr>
-              </a:solidFill>
-              <a:latin typeface="Segoe Print" panose="02000600000000000000" pitchFamily="2" charset="0"/>
-            </a:endParaRPr>
-          </a:p>
-        </p:txBody>
-      </p:sp>
-      <p:sp>
-        <p:nvSpPr>
-          <p:cNvPr id="8" name="TextBox 7">
+              <a:t>Индикатор здоровья</a:t>
+            </a:r>
+          </a:p>
+        </p:txBody>
+      </p:sp>
+      <p:pic>
+        <p:nvPicPr>
+          <p:cNvPr id="1026" name="Picture 2" descr="Unity 5: UI - 7.2 Controlling a slider in scripts - YouTube">
             <a:extLst>
               <a:ext uri="{FF2B5EF4-FFF2-40B4-BE49-F238E27FC236}">
-                <a16:creationId xmlns:a16="http://schemas.microsoft.com/office/drawing/2014/main" id="{33AAF002-45CB-4D80-BC2F-850EF5656912}"/>
-              </a:ext>
-            </a:extLst>
-          </p:cNvPr>
-          <p:cNvSpPr txBox="1"/>
-          <p:nvPr/>
-        </p:nvSpPr>
-        <p:spPr>
-          <a:xfrm>
-            <a:off x="394191" y="3230415"/>
-            <a:ext cx="4087850" cy="1200329"/>
-          </a:xfrm>
-          <a:prstGeom prst="rect">
-            <a:avLst/>
-          </a:prstGeom>
-          <a:noFill/>
-        </p:spPr>
-        <p:txBody>
-          <a:bodyPr wrap="square" rtlCol="0">
-            <a:spAutoFit/>
-          </a:bodyPr>
-          <a:lstStyle/>
-          <a:p>
-            <a:pPr algn="ctr"/>
-            <a:r>
-              <a:rPr lang="en-US" sz="3600" b="1" dirty="0">
-                <a:solidFill>
-                  <a:schemeClr val="accent6">
-                    <a:lumMod val="75000"/>
-                  </a:schemeClr>
-                </a:solidFill>
-                <a:latin typeface="Segoe Print" panose="02000600000000000000" pitchFamily="2" charset="0"/>
-              </a:rPr>
-              <a:t>Kinematic</a:t>
-            </a:r>
-            <a:endParaRPr lang="ru-RU" sz="3600" b="1" dirty="0">
-              <a:solidFill>
-                <a:schemeClr val="accent6">
-                  <a:lumMod val="75000"/>
-                </a:schemeClr>
-              </a:solidFill>
-              <a:latin typeface="Segoe Print" panose="02000600000000000000" pitchFamily="2" charset="0"/>
-            </a:endParaRPr>
-          </a:p>
-          <a:p>
-            <a:pPr algn="ctr"/>
-            <a:r>
-              <a:rPr lang="en-US" sz="3600" b="1" dirty="0">
-                <a:solidFill>
-                  <a:schemeClr val="accent6">
-                    <a:lumMod val="75000"/>
-                  </a:schemeClr>
-                </a:solidFill>
-                <a:latin typeface="Segoe Print" panose="02000600000000000000" pitchFamily="2" charset="0"/>
-              </a:rPr>
-              <a:t>Rigidbody2D</a:t>
-            </a:r>
-            <a:endParaRPr lang="ru-RU" sz="3600" b="1" dirty="0">
-              <a:solidFill>
-                <a:schemeClr val="accent6">
-                  <a:lumMod val="75000"/>
-                </a:schemeClr>
-              </a:solidFill>
-              <a:latin typeface="Segoe Print" panose="02000600000000000000" pitchFamily="2" charset="0"/>
-            </a:endParaRPr>
-          </a:p>
-        </p:txBody>
-      </p:sp>
-      <p:pic>
-        <p:nvPicPr>
-          <p:cNvPr id="9" name="Рисунок 8">
-            <a:extLst>
-              <a:ext uri="{FF2B5EF4-FFF2-40B4-BE49-F238E27FC236}">
-                <a16:creationId xmlns:a16="http://schemas.microsoft.com/office/drawing/2014/main" id="{C16140C0-B863-4138-9F6C-AAA6A82BCF41}"/>
+                <a16:creationId xmlns:a16="http://schemas.microsoft.com/office/drawing/2014/main" id="{10D508D9-D76E-4AF7-BC50-5BA11D4A4B6C}"/>
               </a:ext>
             </a:extLst>
           </p:cNvPr>
           <p:cNvPicPr>
-            <a:picLocks noChangeAspect="1"/>
+            <a:picLocks noChangeAspect="1" noChangeArrowheads="1"/>
           </p:cNvPicPr>
           <p:nvPr/>
         </p:nvPicPr>
-        <p:blipFill>
+        <p:blipFill rotWithShape="1">
           <a:blip r:embed="rId2">
             <a:extLst>
               <a:ext uri="{28A0092B-C50C-407E-A947-70E740481C1C}">
@@ -5439,72 +5353,35 @@
               </a:ext>
             </a:extLst>
           </a:blip>
-          <a:stretch>
-            <a:fillRect/>
-          </a:stretch>
+          <a:srcRect l="31342" t="30291" r="35558" b="13786"/>
+          <a:stretch/>
         </p:blipFill>
-        <p:spPr>
-          <a:xfrm>
-            <a:off x="878272" y="1136348"/>
-            <a:ext cx="3119688" cy="2436856"/>
+        <p:spPr bwMode="auto">
+          <a:xfrm>
+            <a:off x="4526132" y="1517575"/>
+            <a:ext cx="3139736" cy="2983805"/>
           </a:xfrm>
           <a:prstGeom prst="rect">
             <a:avLst/>
           </a:prstGeom>
-          <a:ln>
-            <a:noFill/>
-          </a:ln>
-          <a:effectLst>
-            <a:outerShdw blurRad="190500" algn="tl" rotWithShape="0">
-              <a:srgbClr val="000000">
-                <a:alpha val="70000"/>
-              </a:srgbClr>
-            </a:outerShdw>
-          </a:effectLst>
+          <a:noFill/>
+          <a:extLst>
+            <a:ext uri="{909E8E84-426E-40DD-AFC4-6F175D3DCCD1}">
+              <a14:hiddenFill xmlns:a14="http://schemas.microsoft.com/office/drawing/2010/main">
+                <a:solidFill>
+                  <a:srgbClr val="FFFFFF"/>
+                </a:solidFill>
+              </a14:hiddenFill>
+            </a:ext>
+          </a:extLst>
         </p:spPr>
       </p:pic>
-      <p:pic>
-        <p:nvPicPr>
-          <p:cNvPr id="10" name="Рисунок 9">
+      <p:sp>
+        <p:nvSpPr>
+          <p:cNvPr id="8" name="TextBox 7">
             <a:extLst>
               <a:ext uri="{FF2B5EF4-FFF2-40B4-BE49-F238E27FC236}">
-                <a16:creationId xmlns:a16="http://schemas.microsoft.com/office/drawing/2014/main" id="{0A5EAD0E-6EB6-4EB9-B6D3-1B035C516C55}"/>
-              </a:ext>
-            </a:extLst>
-          </p:cNvPr>
-          <p:cNvPicPr>
-            <a:picLocks noChangeAspect="1"/>
-          </p:cNvPicPr>
-          <p:nvPr/>
-        </p:nvPicPr>
-        <p:blipFill>
-          <a:blip r:embed="rId3">
-            <a:extLst>
-              <a:ext uri="{28A0092B-C50C-407E-A947-70E740481C1C}">
-                <a14:useLocalDpi xmlns:a14="http://schemas.microsoft.com/office/drawing/2010/main" val="0"/>
-              </a:ext>
-            </a:extLst>
-          </a:blip>
-          <a:stretch>
-            <a:fillRect/>
-          </a:stretch>
-        </p:blipFill>
-        <p:spPr>
-          <a:xfrm>
-            <a:off x="1792545" y="4328846"/>
-            <a:ext cx="1291142" cy="1371033"/>
-          </a:xfrm>
-          <a:prstGeom prst="rect">
-            <a:avLst/>
-          </a:prstGeom>
-        </p:spPr>
-      </p:pic>
-      <p:sp>
-        <p:nvSpPr>
-          <p:cNvPr id="13" name="TextBox 12">
-            <a:extLst>
-              <a:ext uri="{FF2B5EF4-FFF2-40B4-BE49-F238E27FC236}">
-                <a16:creationId xmlns:a16="http://schemas.microsoft.com/office/drawing/2014/main" id="{E5828F26-E314-4318-B8AF-A2F7D897B49F}"/>
+                <a16:creationId xmlns:a16="http://schemas.microsoft.com/office/drawing/2014/main" id="{FF7254F3-20C9-4572-8B26-F3F42D0A57CF}"/>
               </a:ext>
             </a:extLst>
           </p:cNvPr>
@@ -5513,8 +5390,8 @@
         </p:nvSpPr>
         <p:spPr>
           <a:xfrm>
-            <a:off x="7188900" y="2844225"/>
-            <a:ext cx="3709721" cy="584775"/>
+            <a:off x="1661959" y="3978160"/>
+            <a:ext cx="1930337" cy="523220"/>
           </a:xfrm>
           <a:prstGeom prst="rect">
             <a:avLst/>
@@ -5522,25 +5399,121 @@
           <a:noFill/>
         </p:spPr>
         <p:txBody>
-          <a:bodyPr wrap="square" rtlCol="0">
+          <a:bodyPr wrap="none" rtlCol="0">
             <a:spAutoFit/>
           </a:bodyPr>
           <a:lstStyle/>
           <a:p>
             <a:r>
-              <a:rPr lang="en-US" sz="3200" dirty="0" err="1"/>
-              <a:t>Transform.position</a:t>
-            </a:r>
-            <a:endParaRPr lang="ru-RU" sz="3200" dirty="0"/>
+              <a:rPr lang="en-US" sz="2800" b="1" dirty="0">
+                <a:solidFill>
+                  <a:srgbClr val="0070C0"/>
+                </a:solidFill>
+              </a:rPr>
+              <a:t>Min Value</a:t>
+            </a:r>
+            <a:endParaRPr lang="ru-RU" sz="2800" b="1" dirty="0">
+              <a:solidFill>
+                <a:srgbClr val="0070C0"/>
+              </a:solidFill>
+            </a:endParaRPr>
+          </a:p>
+        </p:txBody>
+      </p:sp>
+      <p:sp>
+        <p:nvSpPr>
+          <p:cNvPr id="9" name="TextBox 8">
+            <a:extLst>
+              <a:ext uri="{FF2B5EF4-FFF2-40B4-BE49-F238E27FC236}">
+                <a16:creationId xmlns:a16="http://schemas.microsoft.com/office/drawing/2014/main" id="{564A4ECB-80AC-4547-A555-948E19E30BFA}"/>
+              </a:ext>
+            </a:extLst>
+          </p:cNvPr>
+          <p:cNvSpPr txBox="1"/>
+          <p:nvPr/>
+        </p:nvSpPr>
+        <p:spPr>
+          <a:xfrm>
+            <a:off x="8783331" y="3978160"/>
+            <a:ext cx="2066591" cy="523220"/>
+          </a:xfrm>
+          <a:prstGeom prst="rect">
+            <a:avLst/>
+          </a:prstGeom>
+          <a:noFill/>
+        </p:spPr>
+        <p:txBody>
+          <a:bodyPr wrap="none" rtlCol="0">
+            <a:spAutoFit/>
+          </a:bodyPr>
+          <a:lstStyle/>
+          <a:p>
+            <a:r>
+              <a:rPr lang="en-US" sz="2800" b="1" dirty="0">
+                <a:solidFill>
+                  <a:srgbClr val="0070C0"/>
+                </a:solidFill>
+              </a:rPr>
+              <a:t>Max Value</a:t>
+            </a:r>
+            <a:endParaRPr lang="ru-RU" sz="2800" b="1" dirty="0">
+              <a:solidFill>
+                <a:srgbClr val="0070C0"/>
+              </a:solidFill>
+            </a:endParaRPr>
+          </a:p>
+        </p:txBody>
+      </p:sp>
+      <p:sp>
+        <p:nvSpPr>
+          <p:cNvPr id="10" name="TextBox 9">
+            <a:extLst>
+              <a:ext uri="{FF2B5EF4-FFF2-40B4-BE49-F238E27FC236}">
+                <a16:creationId xmlns:a16="http://schemas.microsoft.com/office/drawing/2014/main" id="{277CC84C-49E7-4510-AFB5-144B73393845}"/>
+              </a:ext>
+            </a:extLst>
+          </p:cNvPr>
+          <p:cNvSpPr txBox="1"/>
+          <p:nvPr/>
+        </p:nvSpPr>
+        <p:spPr>
+          <a:xfrm>
+            <a:off x="5493912" y="5269720"/>
+            <a:ext cx="1204176" cy="523220"/>
+          </a:xfrm>
+          <a:prstGeom prst="rect">
+            <a:avLst/>
+          </a:prstGeom>
+          <a:noFill/>
+        </p:spPr>
+        <p:txBody>
+          <a:bodyPr wrap="none" rtlCol="0">
+            <a:spAutoFit/>
+          </a:bodyPr>
+          <a:lstStyle/>
+          <a:p>
+            <a:r>
+              <a:rPr lang="en-US" sz="2800" b="1" dirty="0">
+                <a:solidFill>
+                  <a:srgbClr val="0070C0"/>
+                </a:solidFill>
+              </a:rPr>
+              <a:t>Value</a:t>
+            </a:r>
+            <a:endParaRPr lang="ru-RU" sz="2800" b="1" dirty="0">
+              <a:solidFill>
+                <a:srgbClr val="0070C0"/>
+              </a:solidFill>
+            </a:endParaRPr>
           </a:p>
         </p:txBody>
       </p:sp>
       <p:cxnSp>
         <p:nvCxnSpPr>
-          <p:cNvPr id="6" name="Прямая со стрелкой 5">
+          <p:cNvPr id="11" name="Прямая со стрелкой 10">
             <a:extLst>
               <a:ext uri="{FF2B5EF4-FFF2-40B4-BE49-F238E27FC236}">
-                <a16:creationId xmlns:a16="http://schemas.microsoft.com/office/drawing/2014/main" id="{E8C6EC73-F16C-425B-92BD-C8F744352D88}"/>
+                <a16:creationId xmlns:a16="http://schemas.microsoft.com/office/drawing/2014/main" id="{BCA259A5-9E23-4FE0-8153-D0A53F10E4CF}"/>
               </a:ext>
             </a:extLst>
           </p:cNvPr>
@@ -5548,9 +5521,9 @@
           <p:nvPr/>
         </p:nvCxnSpPr>
         <p:spPr>
-          <a:xfrm>
-            <a:off x="4482041" y="3230415"/>
-            <a:ext cx="2484367" cy="0"/>
+          <a:xfrm flipV="1">
+            <a:off x="3506680" y="2938509"/>
+            <a:ext cx="1535837" cy="1039651"/>
           </a:xfrm>
           <a:prstGeom prst="straightConnector1">
             <a:avLst/>
@@ -5561,62 +5534,106 @@
         </p:spPr>
         <p:style>
           <a:lnRef idx="3">
-            <a:schemeClr val="dk1"/>
+            <a:schemeClr val="accent2"/>
           </a:lnRef>
           <a:fillRef idx="0">
-            <a:schemeClr val="dk1"/>
+            <a:schemeClr val="accent2"/>
           </a:fillRef>
           <a:effectRef idx="2">
-            <a:schemeClr val="dk1"/>
+            <a:schemeClr val="accent2"/>
           </a:effectRef>
           <a:fontRef idx="minor">
             <a:schemeClr val="tx1"/>
           </a:fontRef>
         </p:style>
       </p:cxnSp>
-      <p:sp>
-        <p:nvSpPr>
-          <p:cNvPr id="17" name="TextBox 16">
+      <p:cxnSp>
+        <p:nvCxnSpPr>
+          <p:cNvPr id="13" name="Прямая со стрелкой 12">
             <a:extLst>
               <a:ext uri="{FF2B5EF4-FFF2-40B4-BE49-F238E27FC236}">
-                <a16:creationId xmlns:a16="http://schemas.microsoft.com/office/drawing/2014/main" id="{268784CC-C037-4916-8886-6F6C29EA4574}"/>
+                <a16:creationId xmlns:a16="http://schemas.microsoft.com/office/drawing/2014/main" id="{7905062D-47EA-46BE-8F11-8E94B05FF7B3}"/>
               </a:ext>
             </a:extLst>
           </p:cNvPr>
-          <p:cNvSpPr txBox="1"/>
+          <p:cNvCxnSpPr>
+            <a:cxnSpLocks/>
+          </p:cNvCxnSpPr>
           <p:nvPr/>
-        </p:nvSpPr>
-        <p:spPr>
-          <a:xfrm>
-            <a:off x="4407694" y="2674947"/>
-            <a:ext cx="2558714" cy="461665"/>
-          </a:xfrm>
-          <a:prstGeom prst="rect">
+        </p:nvCxnSpPr>
+        <p:spPr>
+          <a:xfrm flipH="1" flipV="1">
+            <a:off x="7051629" y="2938512"/>
+            <a:ext cx="1731702" cy="1127461"/>
+          </a:xfrm>
+          <a:prstGeom prst="straightConnector1">
             <a:avLst/>
           </a:prstGeom>
-          <a:noFill/>
-        </p:spPr>
-        <p:txBody>
-          <a:bodyPr wrap="none" rtlCol="0">
-            <a:spAutoFit/>
-          </a:bodyPr>
-          <a:lstStyle/>
-          <a:p>
-            <a:r>
-              <a:rPr lang="ru-RU" sz="2400" dirty="0">
-                <a:solidFill>
-                  <a:srgbClr val="FF0000"/>
-                </a:solidFill>
-              </a:rPr>
-              <a:t>Перемещение</a:t>
-            </a:r>
-          </a:p>
-        </p:txBody>
-      </p:sp>
+          <a:ln>
+            <a:tailEnd type="triangle"/>
+          </a:ln>
+        </p:spPr>
+        <p:style>
+          <a:lnRef idx="3">
+            <a:schemeClr val="accent2"/>
+          </a:lnRef>
+          <a:fillRef idx="0">
+            <a:schemeClr val="accent2"/>
+          </a:fillRef>
+          <a:effectRef idx="2">
+            <a:schemeClr val="accent2"/>
+          </a:effectRef>
+          <a:fontRef idx="minor">
+            <a:schemeClr val="tx1"/>
+          </a:fontRef>
+        </p:style>
+      </p:cxnSp>
+      <p:cxnSp>
+        <p:nvCxnSpPr>
+          <p:cNvPr id="18" name="Прямая со стрелкой 17">
+            <a:extLst>
+              <a:ext uri="{FF2B5EF4-FFF2-40B4-BE49-F238E27FC236}">
+                <a16:creationId xmlns:a16="http://schemas.microsoft.com/office/drawing/2014/main" id="{F5BEFA6B-04AB-4ADB-B768-7FBBFEB70D3F}"/>
+              </a:ext>
+            </a:extLst>
+          </p:cNvPr>
+          <p:cNvCxnSpPr>
+            <a:cxnSpLocks/>
+            <a:stCxn id="10" idx="0"/>
+          </p:cNvCxnSpPr>
+          <p:nvPr/>
+        </p:nvCxnSpPr>
+        <p:spPr>
+          <a:xfrm flipV="1">
+            <a:off x="6096000" y="3044888"/>
+            <a:ext cx="21793" cy="2224832"/>
+          </a:xfrm>
+          <a:prstGeom prst="straightConnector1">
+            <a:avLst/>
+          </a:prstGeom>
+          <a:ln>
+            <a:tailEnd type="triangle"/>
+          </a:ln>
+        </p:spPr>
+        <p:style>
+          <a:lnRef idx="3">
+            <a:schemeClr val="accent2"/>
+          </a:lnRef>
+          <a:fillRef idx="0">
+            <a:schemeClr val="accent2"/>
+          </a:fillRef>
+          <a:effectRef idx="2">
+            <a:schemeClr val="accent2"/>
+          </a:effectRef>
+          <a:fontRef idx="minor">
+            <a:schemeClr val="tx1"/>
+          </a:fontRef>
+        </p:style>
+      </p:cxnSp>
     </p:spTree>
     <p:extLst>
       <p:ext uri="{BB962C8B-B14F-4D97-AF65-F5344CB8AC3E}">
-        <p14:creationId xmlns:p14="http://schemas.microsoft.com/office/powerpoint/2010/main" val="1729046264"/>
+        <p14:creationId xmlns:p14="http://schemas.microsoft.com/office/powerpoint/2010/main" val="19393585"/>
       </p:ext>
     </p:extLst>
   </p:cSld>
@@ -5645,577 +5662,317 @@
       </p:grpSpPr>
       <p:sp>
         <p:nvSpPr>
-          <p:cNvPr id="4" name="Дата 3">
+          <p:cNvPr id="5" name="Заголовок 1">
             <a:extLst>
               <a:ext uri="{FF2B5EF4-FFF2-40B4-BE49-F238E27FC236}">
-                <a16:creationId xmlns:a16="http://schemas.microsoft.com/office/drawing/2014/main" id="{A9577426-050A-4C6D-8771-B1DFD0D56CFB}"/>
+                <a16:creationId xmlns:a16="http://schemas.microsoft.com/office/drawing/2014/main" id="{894A68B8-8475-4BAC-B9EA-8C6D3471A70E}"/>
               </a:ext>
             </a:extLst>
           </p:cNvPr>
-          <p:cNvSpPr>
-            <a:spLocks noGrp="1"/>
+          <p:cNvSpPr txBox="1">
+            <a:spLocks/>
           </p:cNvSpPr>
-          <p:nvPr>
-            <p:ph type="dt" sz="half" idx="10"/>
-          </p:nvPr>
-        </p:nvSpPr>
-        <p:spPr/>
-        <p:txBody>
-          <a:bodyPr/>
-          <a:lstStyle/>
-          <a:p>
-            <a:pPr rtl="0"/>
-            <a:fld id="{629C2F20-7994-4D1E-A01C-96ECBA4612EB}" type="datetime1">
-              <a:rPr lang="ru-RU" smtClean="0"/>
-              <a:t>17.09.2020</a:t>
-            </a:fld>
-            <a:endParaRPr lang="en-US"/>
-          </a:p>
-        </p:txBody>
-      </p:sp>
-      <p:sp>
-        <p:nvSpPr>
-          <p:cNvPr id="5" name="Заголовок 1">
+          <p:nvPr/>
+        </p:nvSpPr>
+        <p:spPr>
+          <a:xfrm>
+            <a:off x="1066800" y="101338"/>
+            <a:ext cx="10058400" cy="1527313"/>
+          </a:xfrm>
+          <a:prstGeom prst="rect">
+            <a:avLst/>
+          </a:prstGeom>
+        </p:spPr>
+        <p:txBody>
+          <a:bodyPr vert="horz" lIns="91440" tIns="45720" rIns="91440" bIns="45720" rtlCol="0" anchor="ctr">
+            <a:normAutofit/>
+          </a:bodyPr>
+          <a:lstStyle>
+            <a:lvl1pPr algn="l" defTabSz="914400" rtl="0" eaLnBrk="1" latinLnBrk="0" hangingPunct="1">
+              <a:lnSpc>
+                <a:spcPct val="90000"/>
+              </a:lnSpc>
+              <a:spcBef>
+                <a:spcPct val="0"/>
+              </a:spcBef>
+              <a:buNone/>
+              <a:defRPr lang="en-US" sz="4000" i="0" kern="1200" cap="none" spc="0" baseline="0" dirty="0">
+                <a:solidFill>
+                  <a:schemeClr val="tx1">
+                    <a:lumMod val="85000"/>
+                    <a:lumOff val="15000"/>
+                  </a:schemeClr>
+                </a:solidFill>
+                <a:effectLst/>
+                <a:latin typeface="+mj-lt"/>
+                <a:ea typeface="+mn-ea"/>
+                <a:cs typeface="+mn-cs"/>
+              </a:defRPr>
+            </a:lvl1pPr>
+          </a:lstStyle>
+          <a:p>
+            <a:pPr algn="ctr"/>
+            <a:r>
+              <a:rPr lang="ru-RU" b="1" dirty="0">
+                <a:solidFill>
+                  <a:schemeClr val="accent3">
+                    <a:lumMod val="75000"/>
+                  </a:schemeClr>
+                </a:solidFill>
+                <a:latin typeface="Segoe Print" panose="02000600000000000000" pitchFamily="2" charset="0"/>
+              </a:rPr>
+              <a:t>Индикатор здоровья</a:t>
+            </a:r>
+          </a:p>
+        </p:txBody>
+      </p:sp>
+      <p:sp>
+        <p:nvSpPr>
+          <p:cNvPr id="2" name="Прямоугольник 1">
             <a:extLst>
               <a:ext uri="{FF2B5EF4-FFF2-40B4-BE49-F238E27FC236}">
-                <a16:creationId xmlns:a16="http://schemas.microsoft.com/office/drawing/2014/main" id="{211AF984-8FAD-4380-9159-6A130D50EF68}"/>
+                <a16:creationId xmlns:a16="http://schemas.microsoft.com/office/drawing/2014/main" id="{1BEF9174-EC58-4924-87A0-12DEA357D644}"/>
               </a:ext>
             </a:extLst>
           </p:cNvPr>
-          <p:cNvSpPr>
-            <a:spLocks noGrp="1"/>
-          </p:cNvSpPr>
-          <p:nvPr>
-            <p:ph type="title"/>
-          </p:nvPr>
-        </p:nvSpPr>
-        <p:spPr>
-          <a:xfrm>
-            <a:off x="1066800" y="231913"/>
-            <a:ext cx="10058400" cy="1371600"/>
-          </a:xfrm>
-        </p:spPr>
-        <p:txBody>
-          <a:bodyPr/>
-          <a:lstStyle/>
-          <a:p>
-            <a:pPr algn="ctr"/>
-            <a:r>
-              <a:rPr lang="en-US" b="1" dirty="0">
-                <a:solidFill>
-                  <a:schemeClr val="accent3">
-                    <a:lumMod val="75000"/>
-                  </a:schemeClr>
-                </a:solidFill>
-                <a:latin typeface="Segoe Print" panose="02000600000000000000" pitchFamily="2" charset="0"/>
-              </a:rPr>
-              <a:t>Dynamic</a:t>
-            </a:r>
-            <a:r>
-              <a:rPr lang="ru-RU" b="1" dirty="0">
-                <a:solidFill>
-                  <a:schemeClr val="accent3">
-                    <a:lumMod val="75000"/>
-                  </a:schemeClr>
-                </a:solidFill>
-                <a:latin typeface="Segoe Print" panose="02000600000000000000" pitchFamily="2" charset="0"/>
-              </a:rPr>
-              <a:t> </a:t>
-            </a:r>
-            <a:r>
-              <a:rPr lang="en-US" b="1" dirty="0">
-                <a:solidFill>
-                  <a:schemeClr val="accent3">
-                    <a:lumMod val="75000"/>
-                  </a:schemeClr>
-                </a:solidFill>
-                <a:latin typeface="Segoe Print" panose="02000600000000000000" pitchFamily="2" charset="0"/>
-              </a:rPr>
-              <a:t>Rigidbody2D</a:t>
-            </a:r>
-            <a:endParaRPr lang="ru-RU" b="1" dirty="0">
-              <a:solidFill>
-                <a:schemeClr val="accent3">
-                  <a:lumMod val="75000"/>
-                </a:schemeClr>
-              </a:solidFill>
-              <a:latin typeface="Segoe Print" panose="02000600000000000000" pitchFamily="2" charset="0"/>
-            </a:endParaRPr>
-          </a:p>
-        </p:txBody>
-      </p:sp>
-      <p:sp>
-        <p:nvSpPr>
-          <p:cNvPr id="15" name="TextBox 14">
-            <a:extLst>
-              <a:ext uri="{FF2B5EF4-FFF2-40B4-BE49-F238E27FC236}">
-                <a16:creationId xmlns:a16="http://schemas.microsoft.com/office/drawing/2014/main" id="{17BBB32A-AFD8-423E-9A41-5133E622B1F7}"/>
-              </a:ext>
-            </a:extLst>
-          </p:cNvPr>
-          <p:cNvSpPr txBox="1"/>
+          <p:cNvSpPr/>
           <p:nvPr/>
         </p:nvSpPr>
         <p:spPr>
           <a:xfrm>
-            <a:off x="2013777" y="2799807"/>
-            <a:ext cx="3604830" cy="830997"/>
+            <a:off x="701335" y="2031637"/>
+            <a:ext cx="10502284" cy="3662541"/>
           </a:xfrm>
           <a:prstGeom prst="rect">
             <a:avLst/>
           </a:prstGeom>
-          <a:noFill/>
-        </p:spPr>
-        <p:txBody>
-          <a:bodyPr wrap="square" rtlCol="0">
+        </p:spPr>
+        <p:txBody>
+          <a:bodyPr wrap="square">
             <a:spAutoFit/>
           </a:bodyPr>
           <a:lstStyle/>
           <a:p>
-            <a:pPr algn="ctr"/>
-            <a:r>
-              <a:rPr lang="en-US" sz="2400" b="1" dirty="0">
-                <a:solidFill>
-                  <a:schemeClr val="accent6">
-                    <a:lumMod val="75000"/>
+            <a:r>
+              <a:rPr lang="ru-RU" sz="2000" b="1" dirty="0">
+                <a:solidFill>
+                  <a:srgbClr val="0070C0"/>
+                </a:solidFill>
+              </a:rPr>
+              <a:t>Как найти слайдер</a:t>
+            </a:r>
+          </a:p>
+          <a:p>
+            <a:endParaRPr lang="ru-RU" sz="2000" b="1" dirty="0">
+              <a:solidFill>
+                <a:srgbClr val="0070C0"/>
+              </a:solidFill>
+            </a:endParaRPr>
+          </a:p>
+          <a:p>
+            <a:r>
+              <a:rPr lang="en-US" sz="2400" dirty="0">
+                <a:solidFill>
+                  <a:schemeClr val="tx1">
+                    <a:lumMod val="95000"/>
+                    <a:lumOff val="5000"/>
                   </a:schemeClr>
                 </a:solidFill>
-                <a:latin typeface="Segoe Print" panose="02000600000000000000" pitchFamily="2" charset="0"/>
               </a:rPr>
-              <a:t>Dynamic</a:t>
-            </a:r>
-          </a:p>
-          <a:p>
-            <a:pPr algn="ctr"/>
-            <a:r>
-              <a:rPr lang="en-US" sz="2400" b="1" dirty="0">
-                <a:solidFill>
-                  <a:schemeClr val="accent6">
-                    <a:lumMod val="75000"/>
+              <a:t>Slider </a:t>
+            </a:r>
+            <a:r>
+              <a:rPr lang="en-US" sz="2400" dirty="0" err="1">
+                <a:solidFill>
+                  <a:schemeClr val="tx1">
+                    <a:lumMod val="95000"/>
+                    <a:lumOff val="5000"/>
                   </a:schemeClr>
                 </a:solidFill>
-                <a:latin typeface="Segoe Print" panose="02000600000000000000" pitchFamily="2" charset="0"/>
               </a:rPr>
-              <a:t>Rigidbody2D</a:t>
+              <a:t>mySlider</a:t>
+            </a:r>
+            <a:r>
+              <a:rPr lang="en-US" sz="2400" dirty="0">
+                <a:solidFill>
+                  <a:schemeClr val="tx1">
+                    <a:lumMod val="95000"/>
+                    <a:lumOff val="5000"/>
+                  </a:schemeClr>
+                </a:solidFill>
+              </a:rPr>
+              <a:t>;</a:t>
+            </a:r>
+          </a:p>
+          <a:p>
+            <a:r>
+              <a:rPr lang="en-US" sz="2400" dirty="0">
+                <a:solidFill>
+                  <a:schemeClr val="tx1">
+                    <a:lumMod val="95000"/>
+                    <a:lumOff val="5000"/>
+                  </a:schemeClr>
+                </a:solidFill>
+              </a:rPr>
+              <a:t>slider = </a:t>
+            </a:r>
+            <a:r>
+              <a:rPr lang="en-US" sz="2400" dirty="0" err="1">
+                <a:solidFill>
+                  <a:schemeClr val="tx1">
+                    <a:lumMod val="95000"/>
+                    <a:lumOff val="5000"/>
+                  </a:schemeClr>
+                </a:solidFill>
+              </a:rPr>
+              <a:t>GameObject.Find</a:t>
+            </a:r>
+            <a:r>
+              <a:rPr lang="en-US" sz="2400" dirty="0">
+                <a:solidFill>
+                  <a:schemeClr val="tx1">
+                    <a:lumMod val="95000"/>
+                    <a:lumOff val="5000"/>
+                  </a:schemeClr>
+                </a:solidFill>
+              </a:rPr>
+              <a:t>("Canvas/Slider").</a:t>
+            </a:r>
+            <a:r>
+              <a:rPr lang="en-US" sz="2400" dirty="0" err="1">
+                <a:solidFill>
+                  <a:schemeClr val="tx1">
+                    <a:lumMod val="95000"/>
+                    <a:lumOff val="5000"/>
+                  </a:schemeClr>
+                </a:solidFill>
+              </a:rPr>
+              <a:t>GetComponent</a:t>
+            </a:r>
+            <a:r>
+              <a:rPr lang="en-US" sz="2400" dirty="0">
+                <a:solidFill>
+                  <a:schemeClr val="tx1">
+                    <a:lumMod val="95000"/>
+                    <a:lumOff val="5000"/>
+                  </a:schemeClr>
+                </a:solidFill>
+              </a:rPr>
+              <a:t>&lt;Slider&gt;();</a:t>
+            </a:r>
+            <a:endParaRPr lang="ru-RU" sz="2400" dirty="0">
+              <a:solidFill>
+                <a:schemeClr val="tx1">
+                  <a:lumMod val="95000"/>
+                  <a:lumOff val="5000"/>
+                </a:schemeClr>
+              </a:solidFill>
+            </a:endParaRPr>
+          </a:p>
+          <a:p>
+            <a:endParaRPr lang="ru-RU" sz="2400" dirty="0">
+              <a:solidFill>
+                <a:schemeClr val="tx1">
+                  <a:lumMod val="95000"/>
+                  <a:lumOff val="5000"/>
+                </a:schemeClr>
+              </a:solidFill>
+            </a:endParaRPr>
+          </a:p>
+          <a:p>
+            <a:endParaRPr lang="ru-RU" sz="2400" dirty="0">
+              <a:solidFill>
+                <a:schemeClr val="tx1">
+                  <a:lumMod val="95000"/>
+                  <a:lumOff val="5000"/>
+                </a:schemeClr>
+              </a:solidFill>
+            </a:endParaRPr>
+          </a:p>
+          <a:p>
+            <a:r>
+              <a:rPr lang="ru-RU" sz="2400" b="1" dirty="0">
+                <a:solidFill>
+                  <a:srgbClr val="0070C0"/>
+                </a:solidFill>
+              </a:rPr>
+              <a:t>Как изменить значение слайдера</a:t>
+            </a:r>
+          </a:p>
+          <a:p>
+            <a:endParaRPr lang="en-US" sz="2400" b="1" dirty="0">
+              <a:solidFill>
+                <a:srgbClr val="0070C0"/>
+              </a:solidFill>
+            </a:endParaRPr>
+          </a:p>
+          <a:p>
+            <a:r>
+              <a:rPr lang="en-US" sz="2400" dirty="0" err="1">
+                <a:solidFill>
+                  <a:schemeClr val="tx1">
+                    <a:lumMod val="95000"/>
+                    <a:lumOff val="5000"/>
+                  </a:schemeClr>
+                </a:solidFill>
+              </a:rPr>
+              <a:t>slider.value</a:t>
+            </a:r>
+            <a:r>
+              <a:rPr lang="en-US" sz="2400" dirty="0">
+                <a:solidFill>
+                  <a:schemeClr val="tx1">
+                    <a:lumMod val="95000"/>
+                    <a:lumOff val="5000"/>
+                  </a:schemeClr>
+                </a:solidFill>
+              </a:rPr>
+              <a:t> = </a:t>
+            </a:r>
+            <a:r>
+              <a:rPr lang="en-US" sz="2400" dirty="0" err="1">
+                <a:solidFill>
+                  <a:schemeClr val="tx1">
+                    <a:lumMod val="95000"/>
+                    <a:lumOff val="5000"/>
+                  </a:schemeClr>
+                </a:solidFill>
+              </a:rPr>
+              <a:t>slider.value</a:t>
+            </a:r>
+            <a:r>
+              <a:rPr lang="en-US" sz="2400" dirty="0">
+                <a:solidFill>
+                  <a:schemeClr val="tx1">
+                    <a:lumMod val="95000"/>
+                    <a:lumOff val="5000"/>
+                  </a:schemeClr>
+                </a:solidFill>
+              </a:rPr>
+              <a:t> – 10;</a:t>
             </a:r>
             <a:endParaRPr lang="ru-RU" sz="2400" b="1" dirty="0">
               <a:solidFill>
-                <a:schemeClr val="accent6">
-                  <a:lumMod val="75000"/>
+                <a:srgbClr val="0070C0"/>
+              </a:solidFill>
+            </a:endParaRPr>
+          </a:p>
+          <a:p>
+            <a:endParaRPr lang="ru-RU" sz="2400" dirty="0">
+              <a:solidFill>
+                <a:schemeClr val="tx1">
+                  <a:lumMod val="95000"/>
+                  <a:lumOff val="5000"/>
                 </a:schemeClr>
               </a:solidFill>
-              <a:latin typeface="Segoe Print" panose="02000600000000000000" pitchFamily="2" charset="0"/>
             </a:endParaRPr>
           </a:p>
         </p:txBody>
       </p:sp>
-      <p:pic>
-        <p:nvPicPr>
-          <p:cNvPr id="7" name="Рисунок 6">
-            <a:extLst>
-              <a:ext uri="{FF2B5EF4-FFF2-40B4-BE49-F238E27FC236}">
-                <a16:creationId xmlns:a16="http://schemas.microsoft.com/office/drawing/2014/main" id="{7E3EF2A2-5AA2-43C9-8871-FD6E2F0EBB46}"/>
-              </a:ext>
-            </a:extLst>
-          </p:cNvPr>
-          <p:cNvPicPr>
-            <a:picLocks noChangeAspect="1"/>
-          </p:cNvPicPr>
-          <p:nvPr/>
-        </p:nvPicPr>
-        <p:blipFill>
-          <a:blip r:embed="rId2">
-            <a:extLst>
-              <a:ext uri="{28A0092B-C50C-407E-A947-70E740481C1C}">
-                <a14:useLocalDpi xmlns:a14="http://schemas.microsoft.com/office/drawing/2010/main" val="0"/>
-              </a:ext>
-            </a:extLst>
-          </a:blip>
-          <a:stretch>
-            <a:fillRect/>
-          </a:stretch>
-        </p:blipFill>
-        <p:spPr>
-          <a:xfrm>
-            <a:off x="2768027" y="1139586"/>
-            <a:ext cx="2232227" cy="1743641"/>
-          </a:xfrm>
-          <a:prstGeom prst="rect">
-            <a:avLst/>
-          </a:prstGeom>
-          <a:ln>
-            <a:noFill/>
-          </a:ln>
-          <a:effectLst>
-            <a:outerShdw blurRad="190500" algn="tl" rotWithShape="0">
-              <a:srgbClr val="000000">
-                <a:alpha val="70000"/>
-              </a:srgbClr>
-            </a:outerShdw>
-          </a:effectLst>
-        </p:spPr>
-      </p:pic>
-      <p:pic>
-        <p:nvPicPr>
-          <p:cNvPr id="9" name="Рисунок 8">
-            <a:extLst>
-              <a:ext uri="{FF2B5EF4-FFF2-40B4-BE49-F238E27FC236}">
-                <a16:creationId xmlns:a16="http://schemas.microsoft.com/office/drawing/2014/main" id="{A9E5E883-987D-4B10-A749-F737EF8B89EE}"/>
-              </a:ext>
-            </a:extLst>
-          </p:cNvPr>
-          <p:cNvPicPr>
-            <a:picLocks noChangeAspect="1"/>
-          </p:cNvPicPr>
-          <p:nvPr/>
-        </p:nvPicPr>
-        <p:blipFill>
-          <a:blip r:embed="rId3">
-            <a:extLst>
-              <a:ext uri="{28A0092B-C50C-407E-A947-70E740481C1C}">
-                <a14:useLocalDpi xmlns:a14="http://schemas.microsoft.com/office/drawing/2010/main" val="0"/>
-              </a:ext>
-            </a:extLst>
-          </a:blip>
-          <a:stretch>
-            <a:fillRect/>
-          </a:stretch>
-        </p:blipFill>
-        <p:spPr>
-          <a:xfrm>
-            <a:off x="2213965" y="3864463"/>
-            <a:ext cx="1479797" cy="786759"/>
-          </a:xfrm>
-          <a:prstGeom prst="rect">
-            <a:avLst/>
-          </a:prstGeom>
-        </p:spPr>
-      </p:pic>
-      <p:grpSp>
-        <p:nvGrpSpPr>
-          <p:cNvPr id="25" name="Группа 24">
-            <a:extLst>
-              <a:ext uri="{FF2B5EF4-FFF2-40B4-BE49-F238E27FC236}">
-                <a16:creationId xmlns:a16="http://schemas.microsoft.com/office/drawing/2014/main" id="{B132EE61-D25F-412F-BDF8-011403737A5E}"/>
-              </a:ext>
-            </a:extLst>
-          </p:cNvPr>
-          <p:cNvGrpSpPr/>
-          <p:nvPr/>
-        </p:nvGrpSpPr>
-        <p:grpSpPr>
-          <a:xfrm>
-            <a:off x="6509787" y="1504929"/>
-            <a:ext cx="5828372" cy="1237959"/>
-            <a:chOff x="5669340" y="1792333"/>
-            <a:chExt cx="5828372" cy="1237959"/>
-          </a:xfrm>
-        </p:grpSpPr>
-        <p:sp>
-          <p:nvSpPr>
-            <p:cNvPr id="10" name="TextBox 9">
-              <a:extLst>
-                <a:ext uri="{FF2B5EF4-FFF2-40B4-BE49-F238E27FC236}">
-                  <a16:creationId xmlns:a16="http://schemas.microsoft.com/office/drawing/2014/main" id="{3F03F57A-F585-4051-B7A1-2A79811602B1}"/>
-                </a:ext>
-              </a:extLst>
-            </p:cNvPr>
-            <p:cNvSpPr txBox="1"/>
-            <p:nvPr/>
-          </p:nvSpPr>
-          <p:spPr>
-            <a:xfrm>
-              <a:off x="5669340" y="2156656"/>
-              <a:ext cx="5828372" cy="584775"/>
-            </a:xfrm>
-            <a:prstGeom prst="rect">
-              <a:avLst/>
-            </a:prstGeom>
-            <a:noFill/>
-          </p:spPr>
-          <p:txBody>
-            <a:bodyPr wrap="square" rtlCol="0">
-              <a:spAutoFit/>
-            </a:bodyPr>
-            <a:lstStyle/>
-            <a:p>
-              <a:r>
-                <a:rPr lang="en-US" sz="3200" dirty="0" err="1"/>
-                <a:t>Transform.position</a:t>
-              </a:r>
-              <a:endParaRPr lang="ru-RU" sz="3200" dirty="0"/>
-            </a:p>
-          </p:txBody>
-        </p:sp>
-        <p:cxnSp>
-          <p:nvCxnSpPr>
-            <p:cNvPr id="16" name="Прямая соединительная линия 15">
-              <a:extLst>
-                <a:ext uri="{FF2B5EF4-FFF2-40B4-BE49-F238E27FC236}">
-                  <a16:creationId xmlns:a16="http://schemas.microsoft.com/office/drawing/2014/main" id="{F39E7901-A38B-413E-B284-3EF0081F565A}"/>
-                </a:ext>
-              </a:extLst>
-            </p:cNvPr>
-            <p:cNvCxnSpPr/>
-            <p:nvPr/>
-          </p:nvCxnSpPr>
-          <p:spPr>
-            <a:xfrm>
-              <a:off x="6250898" y="1828800"/>
-              <a:ext cx="2332628" cy="1184223"/>
-            </a:xfrm>
-            <a:prstGeom prst="line">
-              <a:avLst/>
-            </a:prstGeom>
-            <a:ln w="28575"/>
-          </p:spPr>
-          <p:style>
-            <a:lnRef idx="1">
-              <a:schemeClr val="accent2"/>
-            </a:lnRef>
-            <a:fillRef idx="0">
-              <a:schemeClr val="accent2"/>
-            </a:fillRef>
-            <a:effectRef idx="0">
-              <a:schemeClr val="accent2"/>
-            </a:effectRef>
-            <a:fontRef idx="minor">
-              <a:schemeClr val="tx1"/>
-            </a:fontRef>
-          </p:style>
-        </p:cxnSp>
-        <p:cxnSp>
-          <p:nvCxnSpPr>
-            <p:cNvPr id="18" name="Прямая соединительная линия 17">
-              <a:extLst>
-                <a:ext uri="{FF2B5EF4-FFF2-40B4-BE49-F238E27FC236}">
-                  <a16:creationId xmlns:a16="http://schemas.microsoft.com/office/drawing/2014/main" id="{9B0F3943-7590-4756-B3C9-9390D2D67658}"/>
-                </a:ext>
-              </a:extLst>
-            </p:cNvPr>
-            <p:cNvCxnSpPr>
-              <a:cxnSpLocks/>
-            </p:cNvCxnSpPr>
-            <p:nvPr/>
-          </p:nvCxnSpPr>
-          <p:spPr>
-            <a:xfrm flipH="1">
-              <a:off x="6513137" y="1792333"/>
-              <a:ext cx="2070390" cy="1237959"/>
-            </a:xfrm>
-            <a:prstGeom prst="line">
-              <a:avLst/>
-            </a:prstGeom>
-            <a:ln w="34925"/>
-          </p:spPr>
-          <p:style>
-            <a:lnRef idx="1">
-              <a:schemeClr val="accent2"/>
-            </a:lnRef>
-            <a:fillRef idx="0">
-              <a:schemeClr val="accent2"/>
-            </a:fillRef>
-            <a:effectRef idx="0">
-              <a:schemeClr val="accent2"/>
-            </a:effectRef>
-            <a:fontRef idx="minor">
-              <a:schemeClr val="tx1"/>
-            </a:fontRef>
-          </p:style>
-        </p:cxnSp>
-      </p:grpSp>
-      <p:grpSp>
-        <p:nvGrpSpPr>
-          <p:cNvPr id="22" name="Группа 21">
-            <a:extLst>
-              <a:ext uri="{FF2B5EF4-FFF2-40B4-BE49-F238E27FC236}">
-                <a16:creationId xmlns:a16="http://schemas.microsoft.com/office/drawing/2014/main" id="{314C29CC-918F-4932-8332-0636DA095B87}"/>
-              </a:ext>
-            </a:extLst>
-          </p:cNvPr>
-          <p:cNvGrpSpPr/>
-          <p:nvPr/>
-        </p:nvGrpSpPr>
-        <p:grpSpPr>
-          <a:xfrm>
-            <a:off x="5944728" y="2912996"/>
-            <a:ext cx="5517175" cy="1588957"/>
-            <a:chOff x="5174409" y="3795635"/>
-            <a:chExt cx="5517175" cy="1588957"/>
-          </a:xfrm>
-        </p:grpSpPr>
-        <p:sp>
-          <p:nvSpPr>
-            <p:cNvPr id="12" name="TextBox 11">
-              <a:extLst>
-                <a:ext uri="{FF2B5EF4-FFF2-40B4-BE49-F238E27FC236}">
-                  <a16:creationId xmlns:a16="http://schemas.microsoft.com/office/drawing/2014/main" id="{5C351B7F-3CEF-4E1F-B58E-2A8B7EAE36C2}"/>
-                </a:ext>
-              </a:extLst>
-            </p:cNvPr>
-            <p:cNvSpPr txBox="1"/>
-            <p:nvPr/>
-          </p:nvSpPr>
-          <p:spPr>
-            <a:xfrm>
-              <a:off x="5327908" y="4297727"/>
-              <a:ext cx="5363676" cy="584775"/>
-            </a:xfrm>
-            <a:prstGeom prst="rect">
-              <a:avLst/>
-            </a:prstGeom>
-            <a:noFill/>
-          </p:spPr>
-          <p:txBody>
-            <a:bodyPr wrap="square" rtlCol="0">
-              <a:spAutoFit/>
-            </a:bodyPr>
-            <a:lstStyle/>
-            <a:p>
-              <a:r>
-                <a:rPr lang="en-US" sz="3200" dirty="0"/>
-                <a:t>Ridgidbody2D.velocity</a:t>
-              </a:r>
-              <a:endParaRPr lang="ru-RU" sz="3200" dirty="0"/>
-            </a:p>
-          </p:txBody>
-        </p:sp>
-        <p:sp>
-          <p:nvSpPr>
-            <p:cNvPr id="21" name="Овал 20">
-              <a:extLst>
-                <a:ext uri="{FF2B5EF4-FFF2-40B4-BE49-F238E27FC236}">
-                  <a16:creationId xmlns:a16="http://schemas.microsoft.com/office/drawing/2014/main" id="{ACBE6E97-7313-4577-872E-EE2D131BC463}"/>
-                </a:ext>
-              </a:extLst>
-            </p:cNvPr>
-            <p:cNvSpPr/>
-            <p:nvPr/>
-          </p:nvSpPr>
-          <p:spPr>
-            <a:xfrm>
-              <a:off x="5174409" y="3795635"/>
-              <a:ext cx="5210177" cy="1588957"/>
-            </a:xfrm>
-            <a:prstGeom prst="ellipse">
-              <a:avLst/>
-            </a:prstGeom>
-            <a:noFill/>
-            <a:ln w="57150">
-              <a:solidFill>
-                <a:srgbClr val="27870D"/>
-              </a:solidFill>
-            </a:ln>
-          </p:spPr>
-          <p:style>
-            <a:lnRef idx="2">
-              <a:schemeClr val="accent1">
-                <a:shade val="50000"/>
-              </a:schemeClr>
-            </a:lnRef>
-            <a:fillRef idx="1">
-              <a:schemeClr val="accent1"/>
-            </a:fillRef>
-            <a:effectRef idx="0">
-              <a:schemeClr val="accent1"/>
-            </a:effectRef>
-            <a:fontRef idx="minor">
-              <a:schemeClr val="lt1"/>
-            </a:fontRef>
-          </p:style>
-          <p:txBody>
-            <a:bodyPr rtlCol="0" anchor="ctr"/>
-            <a:lstStyle/>
-            <a:p>
-              <a:pPr algn="ctr"/>
-              <a:endParaRPr lang="ru-RU"/>
-            </a:p>
-          </p:txBody>
-        </p:sp>
-      </p:grpSp>
-      <p:sp>
-        <p:nvSpPr>
-          <p:cNvPr id="24" name="TextBox 23">
-            <a:extLst>
-              <a:ext uri="{FF2B5EF4-FFF2-40B4-BE49-F238E27FC236}">
-                <a16:creationId xmlns:a16="http://schemas.microsoft.com/office/drawing/2014/main" id="{8BA276C4-4A2C-4808-8DFA-6C820F8C19A5}"/>
-              </a:ext>
-            </a:extLst>
-          </p:cNvPr>
-          <p:cNvSpPr txBox="1"/>
-          <p:nvPr/>
-        </p:nvSpPr>
-        <p:spPr>
-          <a:xfrm>
-            <a:off x="678534" y="5120223"/>
-            <a:ext cx="7015396" cy="584775"/>
-          </a:xfrm>
-          <a:prstGeom prst="rect">
-            <a:avLst/>
-          </a:prstGeom>
-          <a:noFill/>
-        </p:spPr>
-        <p:txBody>
-          <a:bodyPr wrap="square" rtlCol="0">
-            <a:spAutoFit/>
-          </a:bodyPr>
-          <a:lstStyle/>
-          <a:p>
-            <a:r>
-              <a:rPr lang="en-US" sz="3200" dirty="0" err="1"/>
-              <a:t>GetComponent</a:t>
-            </a:r>
-            <a:r>
-              <a:rPr lang="en-US" sz="3200" dirty="0"/>
-              <a:t>&lt;Rigidbody2D&gt;();</a:t>
-            </a:r>
-            <a:endParaRPr lang="ru-RU" sz="3200" dirty="0"/>
-          </a:p>
-        </p:txBody>
-      </p:sp>
-      <p:cxnSp>
-        <p:nvCxnSpPr>
-          <p:cNvPr id="27" name="Прямая со стрелкой 26">
-            <a:extLst>
-              <a:ext uri="{FF2B5EF4-FFF2-40B4-BE49-F238E27FC236}">
-                <a16:creationId xmlns:a16="http://schemas.microsoft.com/office/drawing/2014/main" id="{39005F24-799E-484D-BC16-EE5E1004D536}"/>
-              </a:ext>
-            </a:extLst>
-          </p:cNvPr>
-          <p:cNvCxnSpPr/>
-          <p:nvPr/>
-        </p:nvCxnSpPr>
-        <p:spPr>
-          <a:xfrm>
-            <a:off x="3824882" y="3724100"/>
-            <a:ext cx="0" cy="1244880"/>
-          </a:xfrm>
-          <a:prstGeom prst="straightConnector1">
-            <a:avLst/>
-          </a:prstGeom>
-          <a:ln w="38100">
-            <a:tailEnd type="triangle"/>
-          </a:ln>
-        </p:spPr>
-        <p:style>
-          <a:lnRef idx="2">
-            <a:schemeClr val="accent3"/>
-          </a:lnRef>
-          <a:fillRef idx="0">
-            <a:schemeClr val="accent3"/>
-          </a:fillRef>
-          <a:effectRef idx="1">
-            <a:schemeClr val="accent3"/>
-          </a:effectRef>
-          <a:fontRef idx="minor">
-            <a:schemeClr val="tx1"/>
-          </a:fontRef>
-        </p:style>
-      </p:cxnSp>
     </p:spTree>
     <p:extLst>
       <p:ext uri="{BB962C8B-B14F-4D97-AF65-F5344CB8AC3E}">
-        <p14:creationId xmlns:p14="http://schemas.microsoft.com/office/powerpoint/2010/main" val="1157754125"/>
+        <p14:creationId xmlns:p14="http://schemas.microsoft.com/office/powerpoint/2010/main" val="1872532882"/>
       </p:ext>
     </p:extLst>
   </p:cSld>
@@ -6266,7 +6023,7 @@
             <a:pPr rtl="0"/>
             <a:fld id="{629C2F20-7994-4D1E-A01C-96ECBA4612EB}" type="datetime1">
               <a:rPr lang="ru-RU" smtClean="0"/>
-              <a:t>17.09.2020</a:t>
+              <a:t>04.10.2020</a:t>
             </a:fld>
             <a:endParaRPr lang="en-US"/>
           </a:p>
@@ -6290,7 +6047,7 @@
         </p:nvSpPr>
         <p:spPr>
           <a:xfrm>
-            <a:off x="1066800" y="623297"/>
+            <a:off x="1066800" y="231913"/>
             <a:ext cx="10058400" cy="1371600"/>
           </a:xfrm>
         </p:spPr>
@@ -6300,7 +6057,7 @@
           <a:p>
             <a:pPr algn="ctr"/>
             <a:r>
-              <a:rPr lang="ru-RU" b="1" dirty="0">
+              <a:rPr lang="ru-RU" b="1" dirty="0" err="1">
                 <a:solidFill>
                   <a:schemeClr val="accent3">
                     <a:lumMod val="75000"/>
@@ -6308,9 +6065,9 @@
                 </a:solidFill>
                 <a:latin typeface="Segoe Print" panose="02000600000000000000" pitchFamily="2" charset="0"/>
               </a:rPr>
-              <a:t>Анализ столкновений.</a:t>
-            </a:r>
-            <a:br>
+              <a:t>Содание</a:t>
+            </a:r>
+            <a:r>
               <a:rPr lang="ru-RU" b="1" dirty="0">
                 <a:solidFill>
                   <a:schemeClr val="accent3">
@@ -6319,9 +6076,10 @@
                 </a:solidFill>
                 <a:latin typeface="Segoe Print" panose="02000600000000000000" pitchFamily="2" charset="0"/>
               </a:rPr>
-            </a:br>
-            <a:r>
-              <a:rPr lang="ru-RU" b="1" dirty="0">
+              <a:t> </a:t>
+            </a:r>
+            <a:r>
+              <a:rPr lang="ru-RU" b="1" dirty="0" err="1">
                 <a:solidFill>
                   <a:schemeClr val="accent3">
                     <a:lumMod val="75000"/>
@@ -6329,194 +6087,8 @@
                 </a:solidFill>
                 <a:latin typeface="Segoe Print" panose="02000600000000000000" pitchFamily="2" charset="0"/>
               </a:rPr>
-              <a:t>В чем же сложность?</a:t>
-            </a:r>
-          </a:p>
-        </p:txBody>
-      </p:sp>
-      <p:pic>
-        <p:nvPicPr>
-          <p:cNvPr id="39" name="Рисунок 38">
-            <a:extLst>
-              <a:ext uri="{FF2B5EF4-FFF2-40B4-BE49-F238E27FC236}">
-                <a16:creationId xmlns:a16="http://schemas.microsoft.com/office/drawing/2014/main" id="{BFCB11BF-B995-4CAF-90FB-0E3529D0E693}"/>
-              </a:ext>
-            </a:extLst>
-          </p:cNvPr>
-          <p:cNvPicPr>
-            <a:picLocks noChangeAspect="1"/>
-          </p:cNvPicPr>
-          <p:nvPr/>
-        </p:nvPicPr>
-        <p:blipFill>
-          <a:blip r:embed="rId2"/>
-          <a:stretch>
-            <a:fillRect/>
-          </a:stretch>
-        </p:blipFill>
-        <p:spPr>
-          <a:xfrm>
-            <a:off x="-328965" y="2792375"/>
-            <a:ext cx="4863999" cy="3242665"/>
-          </a:xfrm>
-          <a:prstGeom prst="rect">
-            <a:avLst/>
-          </a:prstGeom>
-        </p:spPr>
-      </p:pic>
-      <p:pic>
-        <p:nvPicPr>
-          <p:cNvPr id="46" name="Рисунок 45">
-            <a:extLst>
-              <a:ext uri="{FF2B5EF4-FFF2-40B4-BE49-F238E27FC236}">
-                <a16:creationId xmlns:a16="http://schemas.microsoft.com/office/drawing/2014/main" id="{3A3A14A4-01B4-4ECF-917E-293D56A08F9A}"/>
-              </a:ext>
-            </a:extLst>
-          </p:cNvPr>
-          <p:cNvPicPr>
-            <a:picLocks noChangeAspect="1"/>
-          </p:cNvPicPr>
-          <p:nvPr/>
-        </p:nvPicPr>
-        <p:blipFill>
-          <a:blip r:embed="rId3"/>
-          <a:stretch>
-            <a:fillRect/>
-          </a:stretch>
-        </p:blipFill>
-        <p:spPr>
-          <a:xfrm>
-            <a:off x="3852667" y="2244954"/>
-            <a:ext cx="2629267" cy="3267531"/>
-          </a:xfrm>
-          <a:prstGeom prst="rect">
-            <a:avLst/>
-          </a:prstGeom>
-        </p:spPr>
-      </p:pic>
-      <p:pic>
-        <p:nvPicPr>
-          <p:cNvPr id="13" name="Рисунок 12">
-            <a:extLst>
-              <a:ext uri="{FF2B5EF4-FFF2-40B4-BE49-F238E27FC236}">
-                <a16:creationId xmlns:a16="http://schemas.microsoft.com/office/drawing/2014/main" id="{87F1F370-8715-4457-9E03-B02E18635F75}"/>
-              </a:ext>
-            </a:extLst>
-          </p:cNvPr>
-          <p:cNvPicPr>
-            <a:picLocks noChangeAspect="1"/>
-          </p:cNvPicPr>
-          <p:nvPr/>
-        </p:nvPicPr>
-        <p:blipFill>
-          <a:blip r:embed="rId4">
-            <a:extLst>
-              <a:ext uri="{28A0092B-C50C-407E-A947-70E740481C1C}">
-                <a14:useLocalDpi xmlns:a14="http://schemas.microsoft.com/office/drawing/2010/main" val="0"/>
-              </a:ext>
-            </a:extLst>
-          </a:blip>
-          <a:stretch>
-            <a:fillRect/>
-          </a:stretch>
-        </p:blipFill>
-        <p:spPr>
-          <a:xfrm>
-            <a:off x="6375999" y="1802466"/>
-            <a:ext cx="5061496" cy="3910006"/>
-          </a:xfrm>
-          <a:prstGeom prst="rect">
-            <a:avLst/>
-          </a:prstGeom>
-        </p:spPr>
-      </p:pic>
-    </p:spTree>
-    <p:extLst>
-      <p:ext uri="{BB962C8B-B14F-4D97-AF65-F5344CB8AC3E}">
-        <p14:creationId xmlns:p14="http://schemas.microsoft.com/office/powerpoint/2010/main" val="3337385806"/>
-      </p:ext>
-    </p:extLst>
-  </p:cSld>
-  <p:clrMapOvr>
-    <a:masterClrMapping/>
-  </p:clrMapOvr>
-</p:sld>
-</file>
-
-<file path=ppt/slides/slide13.xml><?xml version="1.0" encoding="utf-8"?>
-<p:sld xmlns:a="http://schemas.openxmlformats.org/drawingml/2006/main" xmlns:r="http://schemas.openxmlformats.org/officeDocument/2006/relationships" xmlns:p="http://schemas.openxmlformats.org/presentationml/2006/main">
-  <p:cSld>
-    <p:spTree>
-      <p:nvGrpSpPr>
-        <p:cNvPr id="1" name=""/>
-        <p:cNvGrpSpPr/>
-        <p:nvPr/>
-      </p:nvGrpSpPr>
-      <p:grpSpPr>
-        <a:xfrm>
-          <a:off x="0" y="0"/>
-          <a:ext cx="0" cy="0"/>
-          <a:chOff x="0" y="0"/>
-          <a:chExt cx="0" cy="0"/>
-        </a:xfrm>
-      </p:grpSpPr>
-      <p:sp>
-        <p:nvSpPr>
-          <p:cNvPr id="4" name="Дата 3">
-            <a:extLst>
-              <a:ext uri="{FF2B5EF4-FFF2-40B4-BE49-F238E27FC236}">
-                <a16:creationId xmlns:a16="http://schemas.microsoft.com/office/drawing/2014/main" id="{A9577426-050A-4C6D-8771-B1DFD0D56CFB}"/>
-              </a:ext>
-            </a:extLst>
-          </p:cNvPr>
-          <p:cNvSpPr>
-            <a:spLocks noGrp="1"/>
-          </p:cNvSpPr>
-          <p:nvPr>
-            <p:ph type="dt" sz="half" idx="10"/>
-          </p:nvPr>
-        </p:nvSpPr>
-        <p:spPr/>
-        <p:txBody>
-          <a:bodyPr/>
-          <a:lstStyle/>
-          <a:p>
-            <a:pPr rtl="0"/>
-            <a:fld id="{629C2F20-7994-4D1E-A01C-96ECBA4612EB}" type="datetime1">
-              <a:rPr lang="ru-RU" smtClean="0"/>
-              <a:t>17.09.2020</a:t>
-            </a:fld>
-            <a:endParaRPr lang="en-US"/>
-          </a:p>
-        </p:txBody>
-      </p:sp>
-      <p:sp>
-        <p:nvSpPr>
-          <p:cNvPr id="5" name="Заголовок 1">
-            <a:extLst>
-              <a:ext uri="{FF2B5EF4-FFF2-40B4-BE49-F238E27FC236}">
-                <a16:creationId xmlns:a16="http://schemas.microsoft.com/office/drawing/2014/main" id="{211AF984-8FAD-4380-9159-6A130D50EF68}"/>
-              </a:ext>
-            </a:extLst>
-          </p:cNvPr>
-          <p:cNvSpPr>
-            <a:spLocks noGrp="1"/>
-          </p:cNvSpPr>
-          <p:nvPr>
-            <p:ph type="title"/>
-          </p:nvPr>
-        </p:nvSpPr>
-        <p:spPr>
-          <a:xfrm>
-            <a:off x="1066800" y="231913"/>
-            <a:ext cx="10058400" cy="1371600"/>
-          </a:xfrm>
-        </p:spPr>
-        <p:txBody>
-          <a:bodyPr/>
-          <a:lstStyle/>
-          <a:p>
-            <a:pPr algn="ctr"/>
+              <a:t>префаба</a:t>
+            </a:r>
             <a:r>
               <a:rPr lang="ru-RU" b="1" dirty="0">
                 <a:solidFill>
@@ -6526,459 +6098,17 @@
                 </a:solidFill>
                 <a:latin typeface="Segoe Print" panose="02000600000000000000" pitchFamily="2" charset="0"/>
               </a:rPr>
-              <a:t>Что такое коллайдер</a:t>
-            </a:r>
-          </a:p>
-        </p:txBody>
-      </p:sp>
-      <p:grpSp>
-        <p:nvGrpSpPr>
-          <p:cNvPr id="26" name="Группа 25">
+              <a:t> в нужный момент</a:t>
+            </a:r>
+          </a:p>
+        </p:txBody>
+      </p:sp>
+      <p:sp>
+        <p:nvSpPr>
+          <p:cNvPr id="20" name="TextBox 19">
             <a:extLst>
               <a:ext uri="{FF2B5EF4-FFF2-40B4-BE49-F238E27FC236}">
-                <a16:creationId xmlns:a16="http://schemas.microsoft.com/office/drawing/2014/main" id="{CE32D132-1E75-48D2-AEF7-3BB98F7EFDB3}"/>
-              </a:ext>
-            </a:extLst>
-          </p:cNvPr>
-          <p:cNvGrpSpPr/>
-          <p:nvPr/>
-        </p:nvGrpSpPr>
-        <p:grpSpPr>
-          <a:xfrm>
-            <a:off x="792696" y="2888003"/>
-            <a:ext cx="2188752" cy="1709682"/>
-            <a:chOff x="1558810" y="2272271"/>
-            <a:chExt cx="2188752" cy="1709682"/>
-          </a:xfrm>
-        </p:grpSpPr>
-        <p:pic>
-          <p:nvPicPr>
-            <p:cNvPr id="2" name="Рисунок 1">
-              <a:extLst>
-                <a:ext uri="{FF2B5EF4-FFF2-40B4-BE49-F238E27FC236}">
-                  <a16:creationId xmlns:a16="http://schemas.microsoft.com/office/drawing/2014/main" id="{EDC35FE0-AE5C-4920-97A0-098ECF84510F}"/>
-                </a:ext>
-              </a:extLst>
-            </p:cNvPr>
-            <p:cNvPicPr>
-              <a:picLocks noChangeAspect="1"/>
-            </p:cNvPicPr>
-            <p:nvPr/>
-          </p:nvPicPr>
-          <p:blipFill>
-            <a:blip r:embed="rId2">
-              <a:extLst>
-                <a:ext uri="{28A0092B-C50C-407E-A947-70E740481C1C}">
-                  <a14:useLocalDpi xmlns:a14="http://schemas.microsoft.com/office/drawing/2010/main" val="0"/>
-                </a:ext>
-              </a:extLst>
-            </a:blip>
-            <a:stretch>
-              <a:fillRect/>
-            </a:stretch>
-          </p:blipFill>
-          <p:spPr>
-            <a:xfrm>
-              <a:off x="1558810" y="2272271"/>
-              <a:ext cx="2188752" cy="1709682"/>
-            </a:xfrm>
-            <a:prstGeom prst="rect">
-              <a:avLst/>
-            </a:prstGeom>
-            <a:ln>
-              <a:noFill/>
-            </a:ln>
-            <a:effectLst>
-              <a:outerShdw blurRad="190500" algn="tl" rotWithShape="0">
-                <a:srgbClr val="000000">
-                  <a:alpha val="70000"/>
-                </a:srgbClr>
-              </a:outerShdw>
-            </a:effectLst>
-          </p:spPr>
-        </p:pic>
-        <p:sp>
-          <p:nvSpPr>
-            <p:cNvPr id="23" name="Прямоугольник 22">
-              <a:extLst>
-                <a:ext uri="{FF2B5EF4-FFF2-40B4-BE49-F238E27FC236}">
-                  <a16:creationId xmlns:a16="http://schemas.microsoft.com/office/drawing/2014/main" id="{C0674184-D9D9-4AFA-8D71-5ED87F770D19}"/>
-                </a:ext>
-              </a:extLst>
-            </p:cNvPr>
-            <p:cNvSpPr/>
-            <p:nvPr/>
-          </p:nvSpPr>
-          <p:spPr>
-            <a:xfrm>
-              <a:off x="1963638" y="2698229"/>
-              <a:ext cx="1379096" cy="993067"/>
-            </a:xfrm>
-            <a:prstGeom prst="rect">
-              <a:avLst/>
-            </a:prstGeom>
-            <a:noFill/>
-            <a:ln w="38100">
-              <a:solidFill>
-                <a:srgbClr val="FF0000"/>
-              </a:solidFill>
-            </a:ln>
-          </p:spPr>
-          <p:style>
-            <a:lnRef idx="2">
-              <a:schemeClr val="accent6"/>
-            </a:lnRef>
-            <a:fillRef idx="1">
-              <a:schemeClr val="lt1"/>
-            </a:fillRef>
-            <a:effectRef idx="0">
-              <a:schemeClr val="accent6"/>
-            </a:effectRef>
-            <a:fontRef idx="minor">
-              <a:schemeClr val="dk1"/>
-            </a:fontRef>
-          </p:style>
-          <p:txBody>
-            <a:bodyPr rtlCol="0" anchor="ctr"/>
-            <a:lstStyle/>
-            <a:p>
-              <a:pPr algn="ctr"/>
-              <a:endParaRPr lang="ru-RU"/>
-            </a:p>
-          </p:txBody>
-        </p:sp>
-      </p:grpSp>
-      <p:grpSp>
-        <p:nvGrpSpPr>
-          <p:cNvPr id="27" name="Группа 26">
-            <a:extLst>
-              <a:ext uri="{FF2B5EF4-FFF2-40B4-BE49-F238E27FC236}">
-                <a16:creationId xmlns:a16="http://schemas.microsoft.com/office/drawing/2014/main" id="{2290B293-6201-442C-8589-3FE77E108687}"/>
-              </a:ext>
-            </a:extLst>
-          </p:cNvPr>
-          <p:cNvGrpSpPr/>
-          <p:nvPr/>
-        </p:nvGrpSpPr>
-        <p:grpSpPr>
-          <a:xfrm>
-            <a:off x="3857675" y="3051680"/>
-            <a:ext cx="1116866" cy="1541477"/>
-            <a:chOff x="7799188" y="2179800"/>
-            <a:chExt cx="1116866" cy="1541477"/>
-          </a:xfrm>
-        </p:grpSpPr>
-        <p:pic>
-          <p:nvPicPr>
-            <p:cNvPr id="6" name="Рисунок 5">
-              <a:extLst>
-                <a:ext uri="{FF2B5EF4-FFF2-40B4-BE49-F238E27FC236}">
-                  <a16:creationId xmlns:a16="http://schemas.microsoft.com/office/drawing/2014/main" id="{CF56D789-285A-45CD-BEAD-28E4D20A07E7}"/>
-                </a:ext>
-              </a:extLst>
-            </p:cNvPr>
-            <p:cNvPicPr>
-              <a:picLocks noChangeAspect="1"/>
-            </p:cNvPicPr>
-            <p:nvPr/>
-          </p:nvPicPr>
-          <p:blipFill>
-            <a:blip r:embed="rId3">
-              <a:extLst>
-                <a:ext uri="{28A0092B-C50C-407E-A947-70E740481C1C}">
-                  <a14:useLocalDpi xmlns:a14="http://schemas.microsoft.com/office/drawing/2010/main" val="0"/>
-                </a:ext>
-              </a:extLst>
-            </a:blip>
-            <a:stretch>
-              <a:fillRect/>
-            </a:stretch>
-          </p:blipFill>
-          <p:spPr>
-            <a:xfrm>
-              <a:off x="7819582" y="2179800"/>
-              <a:ext cx="1096472" cy="1499450"/>
-            </a:xfrm>
-            <a:prstGeom prst="rect">
-              <a:avLst/>
-            </a:prstGeom>
-            <a:ln>
-              <a:noFill/>
-            </a:ln>
-            <a:effectLst>
-              <a:outerShdw blurRad="292100" dist="139700" dir="2700000" algn="tl" rotWithShape="0">
-                <a:srgbClr val="333333">
-                  <a:alpha val="65000"/>
-                </a:srgbClr>
-              </a:outerShdw>
-            </a:effectLst>
-          </p:spPr>
-        </p:pic>
-        <p:sp>
-          <p:nvSpPr>
-            <p:cNvPr id="24" name="Прямоугольник 23">
-              <a:extLst>
-                <a:ext uri="{FF2B5EF4-FFF2-40B4-BE49-F238E27FC236}">
-                  <a16:creationId xmlns:a16="http://schemas.microsoft.com/office/drawing/2014/main" id="{8F7938CC-7009-43C5-967D-46B9255FA76D}"/>
-                </a:ext>
-              </a:extLst>
-            </p:cNvPr>
-            <p:cNvSpPr/>
-            <p:nvPr/>
-          </p:nvSpPr>
-          <p:spPr>
-            <a:xfrm>
-              <a:off x="7799188" y="2179800"/>
-              <a:ext cx="1096472" cy="1541477"/>
-            </a:xfrm>
-            <a:prstGeom prst="rect">
-              <a:avLst/>
-            </a:prstGeom>
-            <a:noFill/>
-            <a:ln w="38100">
-              <a:solidFill>
-                <a:srgbClr val="FF0000"/>
-              </a:solidFill>
-            </a:ln>
-          </p:spPr>
-          <p:style>
-            <a:lnRef idx="2">
-              <a:schemeClr val="accent6"/>
-            </a:lnRef>
-            <a:fillRef idx="1">
-              <a:schemeClr val="lt1"/>
-            </a:fillRef>
-            <a:effectRef idx="0">
-              <a:schemeClr val="accent6"/>
-            </a:effectRef>
-            <a:fontRef idx="minor">
-              <a:schemeClr val="dk1"/>
-            </a:fontRef>
-          </p:style>
-          <p:txBody>
-            <a:bodyPr rtlCol="0" anchor="ctr"/>
-            <a:lstStyle/>
-            <a:p>
-              <a:pPr algn="ctr"/>
-              <a:endParaRPr lang="ru-RU"/>
-            </a:p>
-          </p:txBody>
-        </p:sp>
-      </p:grpSp>
-      <p:grpSp>
-        <p:nvGrpSpPr>
-          <p:cNvPr id="59" name="Группа 58">
-            <a:extLst>
-              <a:ext uri="{FF2B5EF4-FFF2-40B4-BE49-F238E27FC236}">
-                <a16:creationId xmlns:a16="http://schemas.microsoft.com/office/drawing/2014/main" id="{766490B7-1802-49AB-A9C1-CC8B6FB559CB}"/>
-              </a:ext>
-            </a:extLst>
-          </p:cNvPr>
-          <p:cNvGrpSpPr/>
-          <p:nvPr/>
-        </p:nvGrpSpPr>
-        <p:grpSpPr>
-          <a:xfrm>
-            <a:off x="5871162" y="1713472"/>
-            <a:ext cx="5254038" cy="4058744"/>
-            <a:chOff x="6011460" y="834063"/>
-            <a:chExt cx="5254038" cy="4058744"/>
-          </a:xfrm>
-        </p:grpSpPr>
-        <p:pic>
-          <p:nvPicPr>
-            <p:cNvPr id="52" name="Рисунок 51">
-              <a:extLst>
-                <a:ext uri="{FF2B5EF4-FFF2-40B4-BE49-F238E27FC236}">
-                  <a16:creationId xmlns:a16="http://schemas.microsoft.com/office/drawing/2014/main" id="{AF4607B7-D1FD-4CD9-BA53-66B1D40FE586}"/>
-                </a:ext>
-              </a:extLst>
-            </p:cNvPr>
-            <p:cNvPicPr>
-              <a:picLocks noChangeAspect="1"/>
-            </p:cNvPicPr>
-            <p:nvPr/>
-          </p:nvPicPr>
-          <p:blipFill>
-            <a:blip r:embed="rId4">
-              <a:extLst>
-                <a:ext uri="{28A0092B-C50C-407E-A947-70E740481C1C}">
-                  <a14:useLocalDpi xmlns:a14="http://schemas.microsoft.com/office/drawing/2010/main" val="0"/>
-                </a:ext>
-              </a:extLst>
-            </a:blip>
-            <a:stretch>
-              <a:fillRect/>
-            </a:stretch>
-          </p:blipFill>
-          <p:spPr>
-            <a:xfrm>
-              <a:off x="6011460" y="834063"/>
-              <a:ext cx="5254038" cy="4058744"/>
-            </a:xfrm>
-            <a:prstGeom prst="rect">
-              <a:avLst/>
-            </a:prstGeom>
-          </p:spPr>
-        </p:pic>
-        <p:sp>
-          <p:nvSpPr>
-            <p:cNvPr id="58" name="Прямоугольник 57">
-              <a:extLst>
-                <a:ext uri="{FF2B5EF4-FFF2-40B4-BE49-F238E27FC236}">
-                  <a16:creationId xmlns:a16="http://schemas.microsoft.com/office/drawing/2014/main" id="{0AA9B49D-72B8-494A-8D05-99FD3E66D112}"/>
-                </a:ext>
-              </a:extLst>
-            </p:cNvPr>
-            <p:cNvSpPr/>
-            <p:nvPr/>
-          </p:nvSpPr>
-          <p:spPr>
-            <a:xfrm>
-              <a:off x="6096000" y="1738860"/>
-              <a:ext cx="5169498" cy="2408300"/>
-            </a:xfrm>
-            <a:prstGeom prst="rect">
-              <a:avLst/>
-            </a:prstGeom>
-            <a:noFill/>
-            <a:ln w="38100">
-              <a:solidFill>
-                <a:srgbClr val="FF0000"/>
-              </a:solidFill>
-            </a:ln>
-          </p:spPr>
-          <p:style>
-            <a:lnRef idx="2">
-              <a:schemeClr val="accent6"/>
-            </a:lnRef>
-            <a:fillRef idx="1">
-              <a:schemeClr val="lt1"/>
-            </a:fillRef>
-            <a:effectRef idx="0">
-              <a:schemeClr val="accent6"/>
-            </a:effectRef>
-            <a:fontRef idx="minor">
-              <a:schemeClr val="dk1"/>
-            </a:fontRef>
-          </p:style>
-          <p:txBody>
-            <a:bodyPr rtlCol="0" anchor="ctr"/>
-            <a:lstStyle/>
-            <a:p>
-              <a:pPr algn="ctr"/>
-              <a:endParaRPr lang="ru-RU"/>
-            </a:p>
-          </p:txBody>
-        </p:sp>
-      </p:grpSp>
-    </p:spTree>
-    <p:extLst>
-      <p:ext uri="{BB962C8B-B14F-4D97-AF65-F5344CB8AC3E}">
-        <p14:creationId xmlns:p14="http://schemas.microsoft.com/office/powerpoint/2010/main" val="3196523856"/>
-      </p:ext>
-    </p:extLst>
-  </p:cSld>
-  <p:clrMapOvr>
-    <a:masterClrMapping/>
-  </p:clrMapOvr>
-</p:sld>
-</file>
-
-<file path=ppt/slides/slide14.xml><?xml version="1.0" encoding="utf-8"?>
-<p:sld xmlns:a="http://schemas.openxmlformats.org/drawingml/2006/main" xmlns:r="http://schemas.openxmlformats.org/officeDocument/2006/relationships" xmlns:p="http://schemas.openxmlformats.org/presentationml/2006/main">
-  <p:cSld>
-    <p:spTree>
-      <p:nvGrpSpPr>
-        <p:cNvPr id="1" name=""/>
-        <p:cNvGrpSpPr/>
-        <p:nvPr/>
-      </p:nvGrpSpPr>
-      <p:grpSpPr>
-        <a:xfrm>
-          <a:off x="0" y="0"/>
-          <a:ext cx="0" cy="0"/>
-          <a:chOff x="0" y="0"/>
-          <a:chExt cx="0" cy="0"/>
-        </a:xfrm>
-      </p:grpSpPr>
-      <p:sp>
-        <p:nvSpPr>
-          <p:cNvPr id="4" name="Дата 3">
-            <a:extLst>
-              <a:ext uri="{FF2B5EF4-FFF2-40B4-BE49-F238E27FC236}">
-                <a16:creationId xmlns:a16="http://schemas.microsoft.com/office/drawing/2014/main" id="{A9577426-050A-4C6D-8771-B1DFD0D56CFB}"/>
-              </a:ext>
-            </a:extLst>
-          </p:cNvPr>
-          <p:cNvSpPr>
-            <a:spLocks noGrp="1"/>
-          </p:cNvSpPr>
-          <p:nvPr>
-            <p:ph type="dt" sz="half" idx="10"/>
-          </p:nvPr>
-        </p:nvSpPr>
-        <p:spPr/>
-        <p:txBody>
-          <a:bodyPr/>
-          <a:lstStyle/>
-          <a:p>
-            <a:pPr rtl="0"/>
-            <a:fld id="{629C2F20-7994-4D1E-A01C-96ECBA4612EB}" type="datetime1">
-              <a:rPr lang="ru-RU" smtClean="0"/>
-              <a:t>17.09.2020</a:t>
-            </a:fld>
-            <a:endParaRPr lang="en-US"/>
-          </a:p>
-        </p:txBody>
-      </p:sp>
-      <p:sp>
-        <p:nvSpPr>
-          <p:cNvPr id="5" name="Заголовок 1">
-            <a:extLst>
-              <a:ext uri="{FF2B5EF4-FFF2-40B4-BE49-F238E27FC236}">
-                <a16:creationId xmlns:a16="http://schemas.microsoft.com/office/drawing/2014/main" id="{211AF984-8FAD-4380-9159-6A130D50EF68}"/>
-              </a:ext>
-            </a:extLst>
-          </p:cNvPr>
-          <p:cNvSpPr>
-            <a:spLocks noGrp="1"/>
-          </p:cNvSpPr>
-          <p:nvPr>
-            <p:ph type="title"/>
-          </p:nvPr>
-        </p:nvSpPr>
-        <p:spPr>
-          <a:xfrm>
-            <a:off x="1066800" y="231913"/>
-            <a:ext cx="10058400" cy="1371600"/>
-          </a:xfrm>
-        </p:spPr>
-        <p:txBody>
-          <a:bodyPr/>
-          <a:lstStyle/>
-          <a:p>
-            <a:pPr algn="ctr"/>
-            <a:r>
-              <a:rPr lang="ru-RU" b="1" dirty="0">
-                <a:solidFill>
-                  <a:schemeClr val="accent3">
-                    <a:lumMod val="75000"/>
-                  </a:schemeClr>
-                </a:solidFill>
-                <a:latin typeface="Segoe Print" panose="02000600000000000000" pitchFamily="2" charset="0"/>
-              </a:rPr>
-              <a:t>Что такое коллайдер</a:t>
-            </a:r>
-          </a:p>
-        </p:txBody>
-      </p:sp>
-      <p:sp>
-        <p:nvSpPr>
-          <p:cNvPr id="14" name="TextBox 13">
-            <a:extLst>
-              <a:ext uri="{FF2B5EF4-FFF2-40B4-BE49-F238E27FC236}">
-                <a16:creationId xmlns:a16="http://schemas.microsoft.com/office/drawing/2014/main" id="{A90B99BE-914F-408F-88B4-12C7D5FCB916}"/>
+                <a16:creationId xmlns:a16="http://schemas.microsoft.com/office/drawing/2014/main" id="{5811AB85-59DC-43C4-AC3C-9218C516EAD2}"/>
               </a:ext>
             </a:extLst>
           </p:cNvPr>
@@ -6987,8 +6117,8 @@
         </p:nvSpPr>
         <p:spPr>
           <a:xfrm>
-            <a:off x="1040049" y="5004938"/>
-            <a:ext cx="3400002" cy="1200329"/>
+            <a:off x="756356" y="1603513"/>
+            <a:ext cx="10679288" cy="5008102"/>
           </a:xfrm>
           <a:prstGeom prst="rect">
             <a:avLst/>
@@ -6996,3089 +6126,289 @@
           <a:noFill/>
         </p:spPr>
         <p:txBody>
-          <a:bodyPr wrap="square" rtlCol="0">
-            <a:spAutoFit/>
-          </a:bodyPr>
-          <a:lstStyle/>
-          <a:p>
-            <a:pPr algn="ctr"/>
-            <a:r>
-              <a:rPr lang="ru-RU" sz="3600" b="1" dirty="0">
-                <a:solidFill>
-                  <a:schemeClr val="accent6">
-                    <a:lumMod val="75000"/>
-                  </a:schemeClr>
-                </a:solidFill>
-                <a:latin typeface="Segoe Print" panose="02000600000000000000" pitchFamily="2" charset="0"/>
-              </a:rPr>
-              <a:t>Динамичный коллайдер</a:t>
-            </a:r>
-          </a:p>
-        </p:txBody>
-      </p:sp>
-      <p:sp>
-        <p:nvSpPr>
-          <p:cNvPr id="8" name="TextBox 7">
-            <a:extLst>
-              <a:ext uri="{FF2B5EF4-FFF2-40B4-BE49-F238E27FC236}">
-                <a16:creationId xmlns:a16="http://schemas.microsoft.com/office/drawing/2014/main" id="{F447754D-BA71-4D96-9F7F-AA2241229F59}"/>
-              </a:ext>
-            </a:extLst>
-          </p:cNvPr>
-          <p:cNvSpPr txBox="1"/>
-          <p:nvPr/>
-        </p:nvSpPr>
-        <p:spPr>
-          <a:xfrm>
-            <a:off x="4088799" y="2657231"/>
-            <a:ext cx="4014402" cy="646331"/>
-          </a:xfrm>
-          <a:prstGeom prst="rect">
-            <a:avLst/>
-          </a:prstGeom>
-          <a:noFill/>
-        </p:spPr>
-        <p:txBody>
-          <a:bodyPr wrap="square" rtlCol="0">
-            <a:spAutoFit/>
-          </a:bodyPr>
-          <a:lstStyle/>
-          <a:p>
-            <a:r>
-              <a:rPr lang="en-US" sz="3600" b="1" dirty="0">
-                <a:solidFill>
-                  <a:schemeClr val="accent6">
-                    <a:lumMod val="75000"/>
-                  </a:schemeClr>
-                </a:solidFill>
-                <a:latin typeface="Segoe Print" panose="02000600000000000000" pitchFamily="2" charset="0"/>
-              </a:rPr>
-              <a:t>Game Object</a:t>
-            </a:r>
-            <a:endParaRPr lang="ru-RU" sz="3600" b="1" dirty="0">
-              <a:solidFill>
-                <a:schemeClr val="accent6">
-                  <a:lumMod val="75000"/>
-                </a:schemeClr>
-              </a:solidFill>
-              <a:latin typeface="Segoe Print" panose="02000600000000000000" pitchFamily="2" charset="0"/>
-            </a:endParaRPr>
-          </a:p>
-        </p:txBody>
-      </p:sp>
-      <p:sp>
-        <p:nvSpPr>
-          <p:cNvPr id="25" name="TextBox 24">
-            <a:extLst>
-              <a:ext uri="{FF2B5EF4-FFF2-40B4-BE49-F238E27FC236}">
-                <a16:creationId xmlns:a16="http://schemas.microsoft.com/office/drawing/2014/main" id="{0ADA992D-6648-46DA-817C-CBF039AA2283}"/>
-              </a:ext>
-            </a:extLst>
-          </p:cNvPr>
-          <p:cNvSpPr txBox="1"/>
-          <p:nvPr/>
-        </p:nvSpPr>
-        <p:spPr>
-          <a:xfrm>
-            <a:off x="7434470" y="5004275"/>
-            <a:ext cx="3400002" cy="1200329"/>
-          </a:xfrm>
-          <a:prstGeom prst="rect">
-            <a:avLst/>
-          </a:prstGeom>
-          <a:noFill/>
-        </p:spPr>
-        <p:txBody>
-          <a:bodyPr wrap="square" rtlCol="0">
-            <a:spAutoFit/>
-          </a:bodyPr>
-          <a:lstStyle/>
-          <a:p>
-            <a:pPr algn="ctr"/>
-            <a:r>
-              <a:rPr lang="ru-RU" sz="3600" b="1" dirty="0">
-                <a:solidFill>
-                  <a:schemeClr val="accent6">
-                    <a:lumMod val="75000"/>
-                  </a:schemeClr>
-                </a:solidFill>
-                <a:latin typeface="Segoe Print" panose="02000600000000000000" pitchFamily="2" charset="0"/>
-              </a:rPr>
-              <a:t>Статичный коллайдер</a:t>
-            </a:r>
-          </a:p>
-        </p:txBody>
-      </p:sp>
-      <p:pic>
-        <p:nvPicPr>
-          <p:cNvPr id="2" name="Рисунок 1">
-            <a:extLst>
-              <a:ext uri="{FF2B5EF4-FFF2-40B4-BE49-F238E27FC236}">
-                <a16:creationId xmlns:a16="http://schemas.microsoft.com/office/drawing/2014/main" id="{D2113C4E-7B16-49E0-83FA-D04587C8621A}"/>
-              </a:ext>
-            </a:extLst>
-          </p:cNvPr>
-          <p:cNvPicPr>
-            <a:picLocks noChangeAspect="1"/>
-          </p:cNvPicPr>
-          <p:nvPr/>
-        </p:nvPicPr>
-        <p:blipFill>
-          <a:blip r:embed="rId2">
-            <a:extLst>
-              <a:ext uri="{28A0092B-C50C-407E-A947-70E740481C1C}">
-                <a14:useLocalDpi xmlns:a14="http://schemas.microsoft.com/office/drawing/2010/main" val="0"/>
-              </a:ext>
-            </a:extLst>
-          </a:blip>
-          <a:stretch>
-            <a:fillRect/>
-          </a:stretch>
-        </p:blipFill>
-        <p:spPr>
-          <a:xfrm>
-            <a:off x="4097571" y="1334404"/>
-            <a:ext cx="1962294" cy="1532791"/>
-          </a:xfrm>
-          <a:prstGeom prst="rect">
-            <a:avLst/>
-          </a:prstGeom>
-        </p:spPr>
-      </p:pic>
-      <p:pic>
-        <p:nvPicPr>
-          <p:cNvPr id="3" name="Рисунок 2">
-            <a:extLst>
-              <a:ext uri="{FF2B5EF4-FFF2-40B4-BE49-F238E27FC236}">
-                <a16:creationId xmlns:a16="http://schemas.microsoft.com/office/drawing/2014/main" id="{42D34778-8146-421C-A12E-01F1693C1C11}"/>
-              </a:ext>
-            </a:extLst>
-          </p:cNvPr>
-          <p:cNvPicPr>
-            <a:picLocks noChangeAspect="1"/>
-          </p:cNvPicPr>
-          <p:nvPr/>
-        </p:nvPicPr>
-        <p:blipFill>
-          <a:blip r:embed="rId3">
-            <a:extLst>
-              <a:ext uri="{28A0092B-C50C-407E-A947-70E740481C1C}">
-                <a14:useLocalDpi xmlns:a14="http://schemas.microsoft.com/office/drawing/2010/main" val="0"/>
-              </a:ext>
-            </a:extLst>
-          </a:blip>
-          <a:stretch>
-            <a:fillRect/>
-          </a:stretch>
-        </p:blipFill>
-        <p:spPr>
-          <a:xfrm>
-            <a:off x="6096000" y="1332836"/>
-            <a:ext cx="981397" cy="1342082"/>
-          </a:xfrm>
-          <a:prstGeom prst="rect">
-            <a:avLst/>
-          </a:prstGeom>
-        </p:spPr>
-      </p:pic>
-      <p:pic>
-        <p:nvPicPr>
-          <p:cNvPr id="6" name="Рисунок 5">
-            <a:extLst>
-              <a:ext uri="{FF2B5EF4-FFF2-40B4-BE49-F238E27FC236}">
-                <a16:creationId xmlns:a16="http://schemas.microsoft.com/office/drawing/2014/main" id="{85F858E0-D21C-4DDD-A24D-C3B447883DFC}"/>
-              </a:ext>
-            </a:extLst>
-          </p:cNvPr>
-          <p:cNvPicPr>
-            <a:picLocks noChangeAspect="1"/>
-          </p:cNvPicPr>
-          <p:nvPr/>
-        </p:nvPicPr>
-        <p:blipFill>
-          <a:blip r:embed="rId2">
-            <a:extLst>
-              <a:ext uri="{28A0092B-C50C-407E-A947-70E740481C1C}">
-                <a14:useLocalDpi xmlns:a14="http://schemas.microsoft.com/office/drawing/2010/main" val="0"/>
-              </a:ext>
-            </a:extLst>
-          </a:blip>
-          <a:stretch>
-            <a:fillRect/>
-          </a:stretch>
-        </p:blipFill>
-        <p:spPr>
-          <a:xfrm>
-            <a:off x="1717102" y="3471011"/>
-            <a:ext cx="2228281" cy="1740559"/>
-          </a:xfrm>
-          <a:prstGeom prst="rect">
-            <a:avLst/>
-          </a:prstGeom>
-        </p:spPr>
-      </p:pic>
-      <p:sp>
-        <p:nvSpPr>
-          <p:cNvPr id="10" name="Прямоугольник 9">
-            <a:extLst>
-              <a:ext uri="{FF2B5EF4-FFF2-40B4-BE49-F238E27FC236}">
-                <a16:creationId xmlns:a16="http://schemas.microsoft.com/office/drawing/2014/main" id="{A277F034-B432-4D85-8D60-58D879DFA52F}"/>
-              </a:ext>
-            </a:extLst>
-          </p:cNvPr>
-          <p:cNvSpPr/>
-          <p:nvPr/>
-        </p:nvSpPr>
-        <p:spPr>
-          <a:xfrm>
-            <a:off x="2094836" y="3959715"/>
-            <a:ext cx="1472811" cy="1035296"/>
-          </a:xfrm>
-          <a:prstGeom prst="rect">
-            <a:avLst/>
-          </a:prstGeom>
-          <a:solidFill>
-            <a:schemeClr val="accent2">
-              <a:alpha val="50000"/>
-            </a:schemeClr>
-          </a:solidFill>
-          <a:ln>
-            <a:noFill/>
-          </a:ln>
-        </p:spPr>
-        <p:style>
-          <a:lnRef idx="0">
-            <a:scrgbClr r="0" g="0" b="0"/>
-          </a:lnRef>
-          <a:fillRef idx="0">
-            <a:scrgbClr r="0" g="0" b="0"/>
-          </a:fillRef>
-          <a:effectRef idx="0">
-            <a:scrgbClr r="0" g="0" b="0"/>
-          </a:effectRef>
-          <a:fontRef idx="minor">
-            <a:schemeClr val="lt1"/>
-          </a:fontRef>
-        </p:style>
-        <p:txBody>
-          <a:bodyPr rtlCol="0" anchor="ctr"/>
-          <a:lstStyle/>
-          <a:p>
-            <a:pPr algn="ctr"/>
-            <a:endParaRPr lang="ru-RU" dirty="0"/>
-          </a:p>
-        </p:txBody>
-      </p:sp>
-      <p:pic>
-        <p:nvPicPr>
-          <p:cNvPr id="13" name="Рисунок 12">
-            <a:extLst>
-              <a:ext uri="{FF2B5EF4-FFF2-40B4-BE49-F238E27FC236}">
-                <a16:creationId xmlns:a16="http://schemas.microsoft.com/office/drawing/2014/main" id="{9A2F7B0A-86EE-452F-9783-70DF3A49D91F}"/>
-              </a:ext>
-            </a:extLst>
-          </p:cNvPr>
-          <p:cNvPicPr>
-            <a:picLocks noChangeAspect="1"/>
-          </p:cNvPicPr>
-          <p:nvPr/>
-        </p:nvPicPr>
-        <p:blipFill>
-          <a:blip r:embed="rId3">
-            <a:extLst>
-              <a:ext uri="{28A0092B-C50C-407E-A947-70E740481C1C}">
-                <a14:useLocalDpi xmlns:a14="http://schemas.microsoft.com/office/drawing/2010/main" val="0"/>
-              </a:ext>
-            </a:extLst>
-          </a:blip>
-          <a:stretch>
-            <a:fillRect/>
-          </a:stretch>
-        </p:blipFill>
-        <p:spPr>
-          <a:xfrm>
-            <a:off x="8579840" y="3658683"/>
-            <a:ext cx="977190" cy="1336328"/>
-          </a:xfrm>
-          <a:prstGeom prst="rect">
-            <a:avLst/>
-          </a:prstGeom>
-        </p:spPr>
-      </p:pic>
-      <p:sp>
-        <p:nvSpPr>
-          <p:cNvPr id="20" name="Прямоугольник 19">
-            <a:extLst>
-              <a:ext uri="{FF2B5EF4-FFF2-40B4-BE49-F238E27FC236}">
-                <a16:creationId xmlns:a16="http://schemas.microsoft.com/office/drawing/2014/main" id="{287A899D-FCC2-4031-A0A8-FD0F410FD528}"/>
-              </a:ext>
-            </a:extLst>
-          </p:cNvPr>
-          <p:cNvSpPr/>
-          <p:nvPr/>
-        </p:nvSpPr>
-        <p:spPr>
-          <a:xfrm>
-            <a:off x="8559540" y="3658683"/>
-            <a:ext cx="1018093" cy="1345592"/>
-          </a:xfrm>
-          <a:prstGeom prst="rect">
-            <a:avLst/>
-          </a:prstGeom>
-          <a:solidFill>
-            <a:schemeClr val="accent4">
-              <a:alpha val="50000"/>
-            </a:schemeClr>
-          </a:solidFill>
-          <a:ln>
-            <a:noFill/>
-          </a:ln>
-        </p:spPr>
-        <p:style>
-          <a:lnRef idx="0">
-            <a:scrgbClr r="0" g="0" b="0"/>
-          </a:lnRef>
-          <a:fillRef idx="0">
-            <a:scrgbClr r="0" g="0" b="0"/>
-          </a:fillRef>
-          <a:effectRef idx="0">
-            <a:scrgbClr r="0" g="0" b="0"/>
-          </a:effectRef>
-          <a:fontRef idx="minor">
-            <a:schemeClr val="lt1"/>
-          </a:fontRef>
-        </p:style>
-        <p:txBody>
-          <a:bodyPr rtlCol="0" anchor="ctr"/>
-          <a:lstStyle/>
-          <a:p>
-            <a:pPr algn="ctr"/>
-            <a:endParaRPr lang="ru-RU" dirty="0"/>
-          </a:p>
-        </p:txBody>
-      </p:sp>
-      <p:sp>
-        <p:nvSpPr>
-          <p:cNvPr id="15" name="TextBox 14">
-            <a:extLst>
-              <a:ext uri="{FF2B5EF4-FFF2-40B4-BE49-F238E27FC236}">
-                <a16:creationId xmlns:a16="http://schemas.microsoft.com/office/drawing/2014/main" id="{0C65430E-9E3F-4046-BC2C-1D136FABADEB}"/>
-              </a:ext>
-            </a:extLst>
-          </p:cNvPr>
-          <p:cNvSpPr txBox="1"/>
-          <p:nvPr/>
-        </p:nvSpPr>
-        <p:spPr>
-          <a:xfrm>
-            <a:off x="1598169" y="3471011"/>
-            <a:ext cx="2499402" cy="523220"/>
-          </a:xfrm>
-          <a:prstGeom prst="rect">
-            <a:avLst/>
-          </a:prstGeom>
-          <a:noFill/>
-        </p:spPr>
-        <p:txBody>
-          <a:bodyPr wrap="none" rtlCol="0">
-            <a:spAutoFit/>
-          </a:bodyPr>
-          <a:lstStyle/>
-          <a:p>
-            <a:r>
-              <a:rPr lang="en-US" sz="2800" b="1" dirty="0">
-                <a:solidFill>
-                  <a:schemeClr val="accent3">
-                    <a:lumMod val="75000"/>
-                  </a:schemeClr>
-                </a:solidFill>
-                <a:latin typeface="Segoe Print" panose="02000600000000000000" pitchFamily="2" charset="0"/>
-              </a:rPr>
-              <a:t>Rigidbody2D</a:t>
-            </a:r>
-            <a:endParaRPr lang="ru-RU" sz="2800" dirty="0"/>
-          </a:p>
-        </p:txBody>
-      </p:sp>
-      <p:sp>
-        <p:nvSpPr>
-          <p:cNvPr id="16" name="TextBox 15">
-            <a:extLst>
-              <a:ext uri="{FF2B5EF4-FFF2-40B4-BE49-F238E27FC236}">
-                <a16:creationId xmlns:a16="http://schemas.microsoft.com/office/drawing/2014/main" id="{7A2B940B-8621-49CA-AAB5-154E4BD216A8}"/>
-              </a:ext>
-            </a:extLst>
-          </p:cNvPr>
-          <p:cNvSpPr txBox="1"/>
-          <p:nvPr/>
-        </p:nvSpPr>
-        <p:spPr>
-          <a:xfrm>
-            <a:off x="7637286" y="3140050"/>
-            <a:ext cx="3477234" cy="523220"/>
-          </a:xfrm>
-          <a:prstGeom prst="rect">
-            <a:avLst/>
-          </a:prstGeom>
-          <a:noFill/>
-        </p:spPr>
-        <p:txBody>
-          <a:bodyPr wrap="none" rtlCol="0">
-            <a:spAutoFit/>
-          </a:bodyPr>
-          <a:lstStyle/>
-          <a:p>
-            <a:r>
-              <a:rPr lang="ru-RU" sz="2800" b="1" dirty="0">
-                <a:solidFill>
-                  <a:schemeClr val="accent3">
-                    <a:lumMod val="75000"/>
-                  </a:schemeClr>
-                </a:solidFill>
-                <a:latin typeface="Segoe Print" panose="02000600000000000000" pitchFamily="2" charset="0"/>
-              </a:rPr>
-              <a:t>Нет </a:t>
-            </a:r>
-            <a:r>
-              <a:rPr lang="en-US" sz="2800" b="1" dirty="0">
-                <a:solidFill>
-                  <a:schemeClr val="accent3">
-                    <a:lumMod val="75000"/>
-                  </a:schemeClr>
-                </a:solidFill>
-                <a:latin typeface="Segoe Print" panose="02000600000000000000" pitchFamily="2" charset="0"/>
-              </a:rPr>
-              <a:t>Rigidbody2D</a:t>
-            </a:r>
-            <a:endParaRPr lang="ru-RU" sz="2800" dirty="0"/>
-          </a:p>
-        </p:txBody>
-      </p:sp>
-    </p:spTree>
-    <p:extLst>
-      <p:ext uri="{BB962C8B-B14F-4D97-AF65-F5344CB8AC3E}">
-        <p14:creationId xmlns:p14="http://schemas.microsoft.com/office/powerpoint/2010/main" val="2713642410"/>
-      </p:ext>
-    </p:extLst>
-  </p:cSld>
-  <p:clrMapOvr>
-    <a:masterClrMapping/>
-  </p:clrMapOvr>
-</p:sld>
-</file>
-
-<file path=ppt/slides/slide15.xml><?xml version="1.0" encoding="utf-8"?>
-<p:sld xmlns:a="http://schemas.openxmlformats.org/drawingml/2006/main" xmlns:r="http://schemas.openxmlformats.org/officeDocument/2006/relationships" xmlns:p="http://schemas.openxmlformats.org/presentationml/2006/main">
-  <p:cSld>
-    <p:spTree>
-      <p:nvGrpSpPr>
-        <p:cNvPr id="1" name=""/>
-        <p:cNvGrpSpPr/>
-        <p:nvPr/>
-      </p:nvGrpSpPr>
-      <p:grpSpPr>
-        <a:xfrm>
-          <a:off x="0" y="0"/>
-          <a:ext cx="0" cy="0"/>
-          <a:chOff x="0" y="0"/>
-          <a:chExt cx="0" cy="0"/>
-        </a:xfrm>
-      </p:grpSpPr>
-      <p:sp>
-        <p:nvSpPr>
-          <p:cNvPr id="4" name="Дата 3">
-            <a:extLst>
-              <a:ext uri="{FF2B5EF4-FFF2-40B4-BE49-F238E27FC236}">
-                <a16:creationId xmlns:a16="http://schemas.microsoft.com/office/drawing/2014/main" id="{A9577426-050A-4C6D-8771-B1DFD0D56CFB}"/>
-              </a:ext>
-            </a:extLst>
-          </p:cNvPr>
-          <p:cNvSpPr>
-            <a:spLocks noGrp="1"/>
-          </p:cNvSpPr>
-          <p:nvPr>
-            <p:ph type="dt" sz="half" idx="10"/>
-          </p:nvPr>
-        </p:nvSpPr>
-        <p:spPr/>
-        <p:txBody>
-          <a:bodyPr/>
-          <a:lstStyle/>
-          <a:p>
-            <a:pPr rtl="0"/>
-            <a:fld id="{629C2F20-7994-4D1E-A01C-96ECBA4612EB}" type="datetime1">
-              <a:rPr lang="ru-RU" smtClean="0"/>
-              <a:t>17.09.2020</a:t>
-            </a:fld>
-            <a:endParaRPr lang="en-US"/>
-          </a:p>
-        </p:txBody>
-      </p:sp>
-      <p:sp>
-        <p:nvSpPr>
-          <p:cNvPr id="5" name="Заголовок 1">
-            <a:extLst>
-              <a:ext uri="{FF2B5EF4-FFF2-40B4-BE49-F238E27FC236}">
-                <a16:creationId xmlns:a16="http://schemas.microsoft.com/office/drawing/2014/main" id="{211AF984-8FAD-4380-9159-6A130D50EF68}"/>
-              </a:ext>
-            </a:extLst>
-          </p:cNvPr>
-          <p:cNvSpPr>
-            <a:spLocks noGrp="1"/>
-          </p:cNvSpPr>
-          <p:nvPr>
-            <p:ph type="title"/>
-          </p:nvPr>
-        </p:nvSpPr>
-        <p:spPr>
-          <a:xfrm>
-            <a:off x="1066800" y="231913"/>
-            <a:ext cx="10058400" cy="1371600"/>
-          </a:xfrm>
-        </p:spPr>
-        <p:txBody>
-          <a:bodyPr/>
-          <a:lstStyle/>
-          <a:p>
-            <a:pPr algn="ctr"/>
-            <a:r>
-              <a:rPr lang="ru-RU" b="1" dirty="0">
-                <a:solidFill>
-                  <a:schemeClr val="accent3">
-                    <a:lumMod val="75000"/>
-                  </a:schemeClr>
-                </a:solidFill>
-                <a:latin typeface="Segoe Print" panose="02000600000000000000" pitchFamily="2" charset="0"/>
-              </a:rPr>
-              <a:t>Динамический коллайдер</a:t>
-            </a:r>
-          </a:p>
-        </p:txBody>
-      </p:sp>
-      <p:pic>
-        <p:nvPicPr>
-          <p:cNvPr id="17" name="Рисунок 16">
-            <a:extLst>
-              <a:ext uri="{FF2B5EF4-FFF2-40B4-BE49-F238E27FC236}">
-                <a16:creationId xmlns:a16="http://schemas.microsoft.com/office/drawing/2014/main" id="{1073E7BE-0660-4B20-8417-776FAA989634}"/>
-              </a:ext>
-            </a:extLst>
-          </p:cNvPr>
-          <p:cNvPicPr>
-            <a:picLocks noChangeAspect="1"/>
-          </p:cNvPicPr>
-          <p:nvPr/>
-        </p:nvPicPr>
-        <p:blipFill>
-          <a:blip r:embed="rId2">
-            <a:extLst>
-              <a:ext uri="{28A0092B-C50C-407E-A947-70E740481C1C}">
-                <a14:useLocalDpi xmlns:a14="http://schemas.microsoft.com/office/drawing/2010/main" val="0"/>
-              </a:ext>
-            </a:extLst>
-          </a:blip>
-          <a:stretch>
-            <a:fillRect/>
-          </a:stretch>
-        </p:blipFill>
-        <p:spPr>
-          <a:xfrm>
-            <a:off x="4599554" y="3241951"/>
-            <a:ext cx="2228281" cy="1740559"/>
-          </a:xfrm>
-          <a:prstGeom prst="rect">
-            <a:avLst/>
-          </a:prstGeom>
-        </p:spPr>
-      </p:pic>
-      <p:sp>
-        <p:nvSpPr>
-          <p:cNvPr id="44" name="TextBox 43">
-            <a:extLst>
-              <a:ext uri="{FF2B5EF4-FFF2-40B4-BE49-F238E27FC236}">
-                <a16:creationId xmlns:a16="http://schemas.microsoft.com/office/drawing/2014/main" id="{61493271-F5D3-486C-8672-476181C28F5B}"/>
-              </a:ext>
-            </a:extLst>
-          </p:cNvPr>
-          <p:cNvSpPr txBox="1"/>
-          <p:nvPr/>
-        </p:nvSpPr>
-        <p:spPr>
-          <a:xfrm>
-            <a:off x="4485853" y="4719714"/>
-            <a:ext cx="2499402" cy="523220"/>
-          </a:xfrm>
-          <a:prstGeom prst="rect">
-            <a:avLst/>
-          </a:prstGeom>
-          <a:noFill/>
-        </p:spPr>
-        <p:txBody>
-          <a:bodyPr wrap="none" rtlCol="0">
-            <a:spAutoFit/>
-          </a:bodyPr>
-          <a:lstStyle/>
-          <a:p>
-            <a:r>
-              <a:rPr lang="en-US" sz="2800" b="1" dirty="0">
-                <a:solidFill>
-                  <a:schemeClr val="accent3">
-                    <a:lumMod val="75000"/>
-                  </a:schemeClr>
-                </a:solidFill>
-                <a:latin typeface="Segoe Print" panose="02000600000000000000" pitchFamily="2" charset="0"/>
-              </a:rPr>
-              <a:t>Rigidbody2D</a:t>
-            </a:r>
-            <a:endParaRPr lang="ru-RU" sz="2800" dirty="0"/>
-          </a:p>
-        </p:txBody>
-      </p:sp>
-      <p:sp>
-        <p:nvSpPr>
-          <p:cNvPr id="7" name="TextBox 6">
-            <a:extLst>
-              <a:ext uri="{FF2B5EF4-FFF2-40B4-BE49-F238E27FC236}">
-                <a16:creationId xmlns:a16="http://schemas.microsoft.com/office/drawing/2014/main" id="{0CA79770-9E9D-4CE4-9AA1-07B9214B63E2}"/>
-              </a:ext>
-            </a:extLst>
-          </p:cNvPr>
-          <p:cNvSpPr txBox="1"/>
-          <p:nvPr/>
-        </p:nvSpPr>
-        <p:spPr>
-          <a:xfrm>
-            <a:off x="8703316" y="4782462"/>
-            <a:ext cx="2196448" cy="1200329"/>
-          </a:xfrm>
-          <a:prstGeom prst="rect">
-            <a:avLst/>
-          </a:prstGeom>
-          <a:noFill/>
-        </p:spPr>
-        <p:txBody>
-          <a:bodyPr wrap="square" rtlCol="0">
-            <a:spAutoFit/>
-          </a:bodyPr>
-          <a:lstStyle/>
-          <a:p>
-            <a:pPr algn="ctr"/>
-            <a:r>
-              <a:rPr lang="en-US" sz="2400" b="1" dirty="0">
-                <a:solidFill>
-                  <a:schemeClr val="accent3">
-                    <a:lumMod val="75000"/>
-                  </a:schemeClr>
-                </a:solidFill>
-                <a:latin typeface="Segoe Print" panose="02000600000000000000" pitchFamily="2" charset="0"/>
-              </a:rPr>
-              <a:t>Rigidbody2</a:t>
-            </a:r>
-          </a:p>
-          <a:p>
-            <a:pPr algn="ctr"/>
-            <a:r>
-              <a:rPr lang="en-US" sz="2400" b="1" dirty="0">
-                <a:solidFill>
-                  <a:schemeClr val="accent6">
-                    <a:lumMod val="75000"/>
-                  </a:schemeClr>
-                </a:solidFill>
-                <a:latin typeface="Segoe Print" panose="02000600000000000000" pitchFamily="2" charset="0"/>
-              </a:rPr>
-              <a:t>+ </a:t>
-            </a:r>
-          </a:p>
-          <a:p>
-            <a:pPr algn="ctr"/>
-            <a:r>
-              <a:rPr lang="en-US" sz="2400" b="1" dirty="0">
-                <a:solidFill>
-                  <a:schemeClr val="accent6">
-                    <a:lumMod val="75000"/>
-                  </a:schemeClr>
-                </a:solidFill>
-                <a:latin typeface="Segoe Print" panose="02000600000000000000" pitchFamily="2" charset="0"/>
-              </a:rPr>
-              <a:t>Collider</a:t>
-            </a:r>
-            <a:endParaRPr lang="ru-RU" sz="2400" b="1" dirty="0">
-              <a:solidFill>
-                <a:schemeClr val="accent6">
-                  <a:lumMod val="75000"/>
-                </a:schemeClr>
-              </a:solidFill>
-              <a:latin typeface="Segoe Print" panose="02000600000000000000" pitchFamily="2" charset="0"/>
-            </a:endParaRPr>
-          </a:p>
-        </p:txBody>
-      </p:sp>
-      <p:pic>
-        <p:nvPicPr>
-          <p:cNvPr id="10" name="Рисунок 9">
-            <a:extLst>
-              <a:ext uri="{FF2B5EF4-FFF2-40B4-BE49-F238E27FC236}">
-                <a16:creationId xmlns:a16="http://schemas.microsoft.com/office/drawing/2014/main" id="{C87A1C99-03BD-4642-BEAE-D504AC31C6F0}"/>
-              </a:ext>
-            </a:extLst>
-          </p:cNvPr>
-          <p:cNvPicPr>
-            <a:picLocks noChangeAspect="1"/>
-          </p:cNvPicPr>
-          <p:nvPr/>
-        </p:nvPicPr>
-        <p:blipFill>
-          <a:blip r:embed="rId3"/>
-          <a:stretch>
-            <a:fillRect/>
-          </a:stretch>
-        </p:blipFill>
-        <p:spPr>
-          <a:xfrm>
-            <a:off x="823449" y="3283078"/>
-            <a:ext cx="2303944" cy="1803479"/>
-          </a:xfrm>
-          <a:prstGeom prst="rect">
-            <a:avLst/>
-          </a:prstGeom>
-        </p:spPr>
-      </p:pic>
-      <p:sp>
-        <p:nvSpPr>
-          <p:cNvPr id="13" name="TextBox 12">
-            <a:extLst>
-              <a:ext uri="{FF2B5EF4-FFF2-40B4-BE49-F238E27FC236}">
-                <a16:creationId xmlns:a16="http://schemas.microsoft.com/office/drawing/2014/main" id="{9496F624-C545-44BC-ADFC-A6291BAB8A56}"/>
-              </a:ext>
-            </a:extLst>
-          </p:cNvPr>
-          <p:cNvSpPr txBox="1"/>
-          <p:nvPr/>
-        </p:nvSpPr>
-        <p:spPr>
-          <a:xfrm>
-            <a:off x="861989" y="4855724"/>
-            <a:ext cx="4014402" cy="461665"/>
-          </a:xfrm>
-          <a:prstGeom prst="rect">
-            <a:avLst/>
-          </a:prstGeom>
-          <a:noFill/>
-        </p:spPr>
-        <p:txBody>
-          <a:bodyPr wrap="square" rtlCol="0">
-            <a:spAutoFit/>
-          </a:bodyPr>
-          <a:lstStyle/>
-          <a:p>
-            <a:r>
-              <a:rPr lang="en-US" sz="2400" b="1" dirty="0">
-                <a:solidFill>
-                  <a:schemeClr val="accent6">
-                    <a:lumMod val="75000"/>
-                  </a:schemeClr>
-                </a:solidFill>
-                <a:latin typeface="Segoe Print" panose="02000600000000000000" pitchFamily="2" charset="0"/>
-              </a:rPr>
-              <a:t>Game Object</a:t>
-            </a:r>
-            <a:endParaRPr lang="ru-RU" sz="2400" b="1" dirty="0">
-              <a:solidFill>
-                <a:schemeClr val="accent6">
-                  <a:lumMod val="75000"/>
-                </a:schemeClr>
-              </a:solidFill>
-              <a:latin typeface="Segoe Print" panose="02000600000000000000" pitchFamily="2" charset="0"/>
-            </a:endParaRPr>
-          </a:p>
-        </p:txBody>
-      </p:sp>
-      <p:pic>
-        <p:nvPicPr>
-          <p:cNvPr id="15" name="Рисунок 14">
-            <a:extLst>
-              <a:ext uri="{FF2B5EF4-FFF2-40B4-BE49-F238E27FC236}">
-                <a16:creationId xmlns:a16="http://schemas.microsoft.com/office/drawing/2014/main" id="{626754D4-AC5E-4984-BF34-F264557D58EB}"/>
-              </a:ext>
-            </a:extLst>
-          </p:cNvPr>
-          <p:cNvPicPr>
-            <a:picLocks noChangeAspect="1"/>
-          </p:cNvPicPr>
-          <p:nvPr/>
-        </p:nvPicPr>
-        <p:blipFill>
-          <a:blip r:embed="rId4">
-            <a:extLst>
-              <a:ext uri="{28A0092B-C50C-407E-A947-70E740481C1C}">
-                <a14:useLocalDpi xmlns:a14="http://schemas.microsoft.com/office/drawing/2010/main" val="0"/>
-              </a:ext>
-            </a:extLst>
-          </a:blip>
-          <a:stretch>
-            <a:fillRect/>
-          </a:stretch>
-        </p:blipFill>
-        <p:spPr>
-          <a:xfrm>
-            <a:off x="4485853" y="1210204"/>
-            <a:ext cx="2383040" cy="1266983"/>
-          </a:xfrm>
-          <a:prstGeom prst="rect">
-            <a:avLst/>
-          </a:prstGeom>
-        </p:spPr>
-      </p:pic>
-      <p:grpSp>
-        <p:nvGrpSpPr>
-          <p:cNvPr id="48" name="Группа 47">
-            <a:extLst>
-              <a:ext uri="{FF2B5EF4-FFF2-40B4-BE49-F238E27FC236}">
-                <a16:creationId xmlns:a16="http://schemas.microsoft.com/office/drawing/2014/main" id="{25199489-FB14-499A-9ECE-D92B2D620244}"/>
-              </a:ext>
-            </a:extLst>
-          </p:cNvPr>
-          <p:cNvGrpSpPr/>
-          <p:nvPr/>
-        </p:nvGrpSpPr>
-        <p:grpSpPr>
-          <a:xfrm>
-            <a:off x="7903125" y="3245970"/>
-            <a:ext cx="2188752" cy="1709682"/>
-            <a:chOff x="1558810" y="2272271"/>
-            <a:chExt cx="2188752" cy="1709682"/>
-          </a:xfrm>
-        </p:grpSpPr>
-        <p:pic>
-          <p:nvPicPr>
-            <p:cNvPr id="49" name="Рисунок 48">
-              <a:extLst>
-                <a:ext uri="{FF2B5EF4-FFF2-40B4-BE49-F238E27FC236}">
-                  <a16:creationId xmlns:a16="http://schemas.microsoft.com/office/drawing/2014/main" id="{EBCF92A9-C162-454F-9937-767167D61484}"/>
-                </a:ext>
-              </a:extLst>
-            </p:cNvPr>
-            <p:cNvPicPr>
-              <a:picLocks noChangeAspect="1"/>
-            </p:cNvPicPr>
-            <p:nvPr/>
-          </p:nvPicPr>
-          <p:blipFill>
-            <a:blip r:embed="rId2">
-              <a:extLst>
-                <a:ext uri="{28A0092B-C50C-407E-A947-70E740481C1C}">
-                  <a14:useLocalDpi xmlns:a14="http://schemas.microsoft.com/office/drawing/2010/main" val="0"/>
-                </a:ext>
-              </a:extLst>
-            </a:blip>
-            <a:stretch>
-              <a:fillRect/>
-            </a:stretch>
-          </p:blipFill>
-          <p:spPr>
-            <a:xfrm>
-              <a:off x="1558810" y="2272271"/>
-              <a:ext cx="2188752" cy="1709682"/>
-            </a:xfrm>
-            <a:prstGeom prst="rect">
-              <a:avLst/>
-            </a:prstGeom>
-            <a:ln>
-              <a:noFill/>
-            </a:ln>
-            <a:effectLst>
-              <a:outerShdw blurRad="190500" algn="tl" rotWithShape="0">
-                <a:srgbClr val="000000">
-                  <a:alpha val="70000"/>
-                </a:srgbClr>
-              </a:outerShdw>
-            </a:effectLst>
-          </p:spPr>
-        </p:pic>
-        <p:sp>
-          <p:nvSpPr>
-            <p:cNvPr id="50" name="Прямоугольник 49">
-              <a:extLst>
-                <a:ext uri="{FF2B5EF4-FFF2-40B4-BE49-F238E27FC236}">
-                  <a16:creationId xmlns:a16="http://schemas.microsoft.com/office/drawing/2014/main" id="{FDAB1678-65C1-4739-AB87-E56FD20860E5}"/>
-                </a:ext>
-              </a:extLst>
-            </p:cNvPr>
-            <p:cNvSpPr/>
-            <p:nvPr/>
-          </p:nvSpPr>
-          <p:spPr>
-            <a:xfrm>
-              <a:off x="1963638" y="2698229"/>
-              <a:ext cx="1379096" cy="993067"/>
-            </a:xfrm>
-            <a:prstGeom prst="rect">
-              <a:avLst/>
-            </a:prstGeom>
-            <a:noFill/>
-            <a:ln w="38100">
-              <a:solidFill>
-                <a:srgbClr val="FF0000"/>
-              </a:solidFill>
-            </a:ln>
-          </p:spPr>
-          <p:style>
-            <a:lnRef idx="2">
-              <a:schemeClr val="accent6"/>
-            </a:lnRef>
-            <a:fillRef idx="1">
-              <a:schemeClr val="lt1"/>
-            </a:fillRef>
-            <a:effectRef idx="0">
-              <a:schemeClr val="accent6"/>
-            </a:effectRef>
-            <a:fontRef idx="minor">
-              <a:schemeClr val="dk1"/>
-            </a:fontRef>
-          </p:style>
-          <p:txBody>
-            <a:bodyPr rtlCol="0" anchor="ctr"/>
-            <a:lstStyle/>
-            <a:p>
-              <a:pPr algn="ctr"/>
-              <a:endParaRPr lang="ru-RU"/>
-            </a:p>
-          </p:txBody>
-        </p:sp>
-      </p:grpSp>
-      <p:grpSp>
-        <p:nvGrpSpPr>
-          <p:cNvPr id="51" name="Группа 50">
-            <a:extLst>
-              <a:ext uri="{FF2B5EF4-FFF2-40B4-BE49-F238E27FC236}">
-                <a16:creationId xmlns:a16="http://schemas.microsoft.com/office/drawing/2014/main" id="{B27739DC-818E-465D-87E3-0E7193C8A380}"/>
-              </a:ext>
-            </a:extLst>
-          </p:cNvPr>
-          <p:cNvGrpSpPr/>
-          <p:nvPr/>
-        </p:nvGrpSpPr>
-        <p:grpSpPr>
-          <a:xfrm>
-            <a:off x="9938272" y="3123518"/>
-            <a:ext cx="1116866" cy="1541477"/>
-            <a:chOff x="7799188" y="2179800"/>
-            <a:chExt cx="1116866" cy="1541477"/>
-          </a:xfrm>
-        </p:grpSpPr>
-        <p:pic>
-          <p:nvPicPr>
-            <p:cNvPr id="52" name="Рисунок 51">
-              <a:extLst>
-                <a:ext uri="{FF2B5EF4-FFF2-40B4-BE49-F238E27FC236}">
-                  <a16:creationId xmlns:a16="http://schemas.microsoft.com/office/drawing/2014/main" id="{D70DB649-5368-46AF-89E1-92AB3DA1B78D}"/>
-                </a:ext>
-              </a:extLst>
-            </p:cNvPr>
-            <p:cNvPicPr>
-              <a:picLocks noChangeAspect="1"/>
-            </p:cNvPicPr>
-            <p:nvPr/>
-          </p:nvPicPr>
-          <p:blipFill>
-            <a:blip r:embed="rId5">
-              <a:extLst>
-                <a:ext uri="{28A0092B-C50C-407E-A947-70E740481C1C}">
-                  <a14:useLocalDpi xmlns:a14="http://schemas.microsoft.com/office/drawing/2010/main" val="0"/>
-                </a:ext>
-              </a:extLst>
-            </a:blip>
-            <a:stretch>
-              <a:fillRect/>
-            </a:stretch>
-          </p:blipFill>
-          <p:spPr>
-            <a:xfrm>
-              <a:off x="7819582" y="2179800"/>
-              <a:ext cx="1096472" cy="1499450"/>
-            </a:xfrm>
-            <a:prstGeom prst="rect">
-              <a:avLst/>
-            </a:prstGeom>
-            <a:ln>
-              <a:noFill/>
-            </a:ln>
-            <a:effectLst>
-              <a:outerShdw blurRad="292100" dist="139700" dir="2700000" algn="tl" rotWithShape="0">
-                <a:srgbClr val="333333">
-                  <a:alpha val="65000"/>
-                </a:srgbClr>
-              </a:outerShdw>
-            </a:effectLst>
-          </p:spPr>
-        </p:pic>
-        <p:sp>
-          <p:nvSpPr>
-            <p:cNvPr id="53" name="Прямоугольник 52">
-              <a:extLst>
-                <a:ext uri="{FF2B5EF4-FFF2-40B4-BE49-F238E27FC236}">
-                  <a16:creationId xmlns:a16="http://schemas.microsoft.com/office/drawing/2014/main" id="{ABC73ACE-0955-41D9-9A20-1EB2A8563256}"/>
-                </a:ext>
-              </a:extLst>
-            </p:cNvPr>
-            <p:cNvSpPr/>
-            <p:nvPr/>
-          </p:nvSpPr>
-          <p:spPr>
-            <a:xfrm>
-              <a:off x="7799188" y="2179800"/>
-              <a:ext cx="1096472" cy="1541477"/>
-            </a:xfrm>
-            <a:prstGeom prst="rect">
-              <a:avLst/>
-            </a:prstGeom>
-            <a:noFill/>
-            <a:ln w="38100">
-              <a:solidFill>
-                <a:srgbClr val="FF0000"/>
-              </a:solidFill>
-            </a:ln>
-          </p:spPr>
-          <p:style>
-            <a:lnRef idx="2">
-              <a:schemeClr val="accent6"/>
-            </a:lnRef>
-            <a:fillRef idx="1">
-              <a:schemeClr val="lt1"/>
-            </a:fillRef>
-            <a:effectRef idx="0">
-              <a:schemeClr val="accent6"/>
-            </a:effectRef>
-            <a:fontRef idx="minor">
-              <a:schemeClr val="dk1"/>
-            </a:fontRef>
-          </p:style>
-          <p:txBody>
-            <a:bodyPr rtlCol="0" anchor="ctr"/>
-            <a:lstStyle/>
-            <a:p>
-              <a:pPr algn="ctr"/>
-              <a:endParaRPr lang="ru-RU"/>
-            </a:p>
-          </p:txBody>
-        </p:sp>
-      </p:grpSp>
-      <p:pic>
-        <p:nvPicPr>
-          <p:cNvPr id="56" name="Рисунок 55">
-            <a:extLst>
-              <a:ext uri="{FF2B5EF4-FFF2-40B4-BE49-F238E27FC236}">
-                <a16:creationId xmlns:a16="http://schemas.microsoft.com/office/drawing/2014/main" id="{E99B1468-BB1B-4501-BDB7-630B3370A077}"/>
-              </a:ext>
-            </a:extLst>
-          </p:cNvPr>
-          <p:cNvPicPr>
-            <a:picLocks noChangeAspect="1"/>
-          </p:cNvPicPr>
-          <p:nvPr/>
-        </p:nvPicPr>
-        <p:blipFill>
-          <a:blip r:embed="rId6">
-            <a:extLst>
-              <a:ext uri="{28A0092B-C50C-407E-A947-70E740481C1C}">
-                <a14:useLocalDpi xmlns:a14="http://schemas.microsoft.com/office/drawing/2010/main" val="0"/>
-              </a:ext>
-            </a:extLst>
-          </a:blip>
-          <a:stretch>
-            <a:fillRect/>
-          </a:stretch>
-        </p:blipFill>
-        <p:spPr>
-          <a:xfrm>
-            <a:off x="1455224" y="2381718"/>
-            <a:ext cx="800490" cy="800490"/>
-          </a:xfrm>
-          <a:prstGeom prst="rect">
-            <a:avLst/>
-          </a:prstGeom>
-        </p:spPr>
-      </p:pic>
-      <p:pic>
-        <p:nvPicPr>
-          <p:cNvPr id="58" name="Рисунок 57">
-            <a:extLst>
-              <a:ext uri="{FF2B5EF4-FFF2-40B4-BE49-F238E27FC236}">
-                <a16:creationId xmlns:a16="http://schemas.microsoft.com/office/drawing/2014/main" id="{318B3AC8-0DBB-495E-A286-93484B07CDCA}"/>
-              </a:ext>
-            </a:extLst>
-          </p:cNvPr>
-          <p:cNvPicPr>
-            <a:picLocks noChangeAspect="1"/>
-          </p:cNvPicPr>
-          <p:nvPr/>
-        </p:nvPicPr>
-        <p:blipFill>
-          <a:blip r:embed="rId7">
-            <a:extLst>
-              <a:ext uri="{28A0092B-C50C-407E-A947-70E740481C1C}">
-                <a14:useLocalDpi xmlns:a14="http://schemas.microsoft.com/office/drawing/2010/main" val="0"/>
-              </a:ext>
-            </a:extLst>
-          </a:blip>
-          <a:stretch>
-            <a:fillRect/>
-          </a:stretch>
-        </p:blipFill>
-        <p:spPr>
-          <a:xfrm rot="19427632">
-            <a:off x="8276439" y="2326724"/>
-            <a:ext cx="805559" cy="805559"/>
-          </a:xfrm>
-          <a:prstGeom prst="rect">
-            <a:avLst/>
-          </a:prstGeom>
-        </p:spPr>
-      </p:pic>
-      <p:pic>
-        <p:nvPicPr>
-          <p:cNvPr id="19" name="Picture 2">
-            <a:extLst>
-              <a:ext uri="{FF2B5EF4-FFF2-40B4-BE49-F238E27FC236}">
-                <a16:creationId xmlns:a16="http://schemas.microsoft.com/office/drawing/2014/main" id="{79C04D7E-521B-4866-8BB9-6F679859E03F}"/>
-              </a:ext>
-            </a:extLst>
-          </p:cNvPr>
-          <p:cNvPicPr>
-            <a:picLocks noChangeAspect="1" noChangeArrowheads="1"/>
-          </p:cNvPicPr>
-          <p:nvPr/>
-        </p:nvPicPr>
-        <p:blipFill>
-          <a:blip r:embed="rId8">
-            <a:extLst>
-              <a:ext uri="{28A0092B-C50C-407E-A947-70E740481C1C}">
-                <a14:useLocalDpi xmlns:a14="http://schemas.microsoft.com/office/drawing/2010/main" val="0"/>
-              </a:ext>
-            </a:extLst>
-          </a:blip>
-          <a:srcRect/>
-          <a:stretch>
-            <a:fillRect/>
-          </a:stretch>
-        </p:blipFill>
-        <p:spPr bwMode="auto">
-          <a:xfrm>
-            <a:off x="5102229" y="2500022"/>
-            <a:ext cx="955456" cy="955456"/>
-          </a:xfrm>
-          <a:prstGeom prst="rect">
-            <a:avLst/>
-          </a:prstGeom>
-          <a:noFill/>
-          <a:extLst>
-            <a:ext uri="{909E8E84-426E-40DD-AFC4-6F175D3DCCD1}">
-              <a14:hiddenFill xmlns:a14="http://schemas.microsoft.com/office/drawing/2010/main">
-                <a:solidFill>
-                  <a:srgbClr val="FFFFFF"/>
-                </a:solidFill>
-              </a14:hiddenFill>
-            </a:ext>
-          </a:extLst>
-        </p:spPr>
-      </p:pic>
-    </p:spTree>
-    <p:extLst>
-      <p:ext uri="{BB962C8B-B14F-4D97-AF65-F5344CB8AC3E}">
-        <p14:creationId xmlns:p14="http://schemas.microsoft.com/office/powerpoint/2010/main" val="2971906826"/>
-      </p:ext>
-    </p:extLst>
-  </p:cSld>
-  <p:clrMapOvr>
-    <a:masterClrMapping/>
-  </p:clrMapOvr>
-</p:sld>
-</file>
-
-<file path=ppt/slides/slide16.xml><?xml version="1.0" encoding="utf-8"?>
-<p:sld xmlns:a="http://schemas.openxmlformats.org/drawingml/2006/main" xmlns:r="http://schemas.openxmlformats.org/officeDocument/2006/relationships" xmlns:p="http://schemas.openxmlformats.org/presentationml/2006/main">
-  <p:cSld>
-    <p:spTree>
-      <p:nvGrpSpPr>
-        <p:cNvPr id="1" name=""/>
-        <p:cNvGrpSpPr/>
-        <p:nvPr/>
-      </p:nvGrpSpPr>
-      <p:grpSpPr>
-        <a:xfrm>
-          <a:off x="0" y="0"/>
-          <a:ext cx="0" cy="0"/>
-          <a:chOff x="0" y="0"/>
-          <a:chExt cx="0" cy="0"/>
-        </a:xfrm>
-      </p:grpSpPr>
-      <p:sp>
-        <p:nvSpPr>
-          <p:cNvPr id="4" name="Дата 3">
-            <a:extLst>
-              <a:ext uri="{FF2B5EF4-FFF2-40B4-BE49-F238E27FC236}">
-                <a16:creationId xmlns:a16="http://schemas.microsoft.com/office/drawing/2014/main" id="{A9577426-050A-4C6D-8771-B1DFD0D56CFB}"/>
-              </a:ext>
-            </a:extLst>
-          </p:cNvPr>
-          <p:cNvSpPr>
-            <a:spLocks noGrp="1"/>
-          </p:cNvSpPr>
-          <p:nvPr>
-            <p:ph type="dt" sz="half" idx="10"/>
-          </p:nvPr>
-        </p:nvSpPr>
-        <p:spPr/>
-        <p:txBody>
-          <a:bodyPr/>
-          <a:lstStyle/>
-          <a:p>
-            <a:pPr rtl="0"/>
-            <a:fld id="{629C2F20-7994-4D1E-A01C-96ECBA4612EB}" type="datetime1">
-              <a:rPr lang="ru-RU" smtClean="0"/>
-              <a:t>17.09.2020</a:t>
-            </a:fld>
-            <a:endParaRPr lang="en-US"/>
-          </a:p>
-        </p:txBody>
-      </p:sp>
-      <p:sp>
-        <p:nvSpPr>
-          <p:cNvPr id="5" name="Заголовок 1">
-            <a:extLst>
-              <a:ext uri="{FF2B5EF4-FFF2-40B4-BE49-F238E27FC236}">
-                <a16:creationId xmlns:a16="http://schemas.microsoft.com/office/drawing/2014/main" id="{211AF984-8FAD-4380-9159-6A130D50EF68}"/>
-              </a:ext>
-            </a:extLst>
-          </p:cNvPr>
-          <p:cNvSpPr>
-            <a:spLocks noGrp="1"/>
-          </p:cNvSpPr>
-          <p:nvPr>
-            <p:ph type="title"/>
-          </p:nvPr>
-        </p:nvSpPr>
-        <p:spPr>
-          <a:xfrm>
-            <a:off x="1066800" y="457200"/>
-            <a:ext cx="10058400" cy="1371600"/>
-          </a:xfrm>
-        </p:spPr>
-        <p:txBody>
-          <a:bodyPr/>
-          <a:lstStyle/>
-          <a:p>
-            <a:pPr algn="ctr"/>
-            <a:r>
-              <a:rPr lang="ru-RU" b="1" dirty="0">
-                <a:solidFill>
-                  <a:schemeClr val="accent3">
-                    <a:lumMod val="75000"/>
-                  </a:schemeClr>
-                </a:solidFill>
-                <a:latin typeface="Segoe Print" panose="02000600000000000000" pitchFamily="2" charset="0"/>
-              </a:rPr>
-              <a:t>Что нужно сделать</a:t>
-            </a:r>
-          </a:p>
-        </p:txBody>
-      </p:sp>
-      <p:sp>
-        <p:nvSpPr>
-          <p:cNvPr id="3" name="TextBox 2">
-            <a:extLst>
-              <a:ext uri="{FF2B5EF4-FFF2-40B4-BE49-F238E27FC236}">
-                <a16:creationId xmlns:a16="http://schemas.microsoft.com/office/drawing/2014/main" id="{5BBFBB38-9710-4B39-89AD-C275D9C2F81B}"/>
-              </a:ext>
-            </a:extLst>
-          </p:cNvPr>
-          <p:cNvSpPr txBox="1"/>
-          <p:nvPr/>
-        </p:nvSpPr>
-        <p:spPr>
-          <a:xfrm>
-            <a:off x="795707" y="1828800"/>
-            <a:ext cx="5803876" cy="4124206"/>
-          </a:xfrm>
-          <a:prstGeom prst="rect">
-            <a:avLst/>
-          </a:prstGeom>
-          <a:noFill/>
-        </p:spPr>
-        <p:txBody>
           <a:bodyPr wrap="square">
             <a:spAutoFit/>
           </a:bodyPr>
           <a:lstStyle/>
           <a:p>
-            <a:r>
-              <a:rPr lang="ru-RU" sz="2800" dirty="0">
-                <a:solidFill>
-                  <a:srgbClr val="002060"/>
-                </a:solidFill>
-                <a:ea typeface="Calibri" panose="020F0502020204030204" pitchFamily="34" charset="0"/>
-                <a:cs typeface="Times New Roman" panose="02020603050405020304" pitchFamily="18" charset="0"/>
+            <a:pPr>
+              <a:lnSpc>
+                <a:spcPct val="150000"/>
+              </a:lnSpc>
+            </a:pPr>
+            <a:r>
+              <a:rPr lang="en-US" sz="2400" dirty="0">
+                <a:solidFill>
+                  <a:schemeClr val="tx1">
+                    <a:lumMod val="95000"/>
+                    <a:lumOff val="5000"/>
+                  </a:schemeClr>
+                </a:solidFill>
               </a:rPr>
-              <a:t>В проекте с самолетом добавить облако.</a:t>
-            </a:r>
-          </a:p>
-          <a:p>
-            <a:endParaRPr lang="ru-RU" sz="2800" dirty="0">
+              <a:t>1</a:t>
+            </a:r>
+            <a:r>
+              <a:rPr lang="ru-RU" sz="2400" dirty="0">
+                <a:solidFill>
+                  <a:schemeClr val="tx1">
+                    <a:lumMod val="95000"/>
+                    <a:lumOff val="5000"/>
+                  </a:schemeClr>
+                </a:solidFill>
+              </a:rPr>
+              <a:t>Определение переменной для </a:t>
+            </a:r>
+            <a:r>
+              <a:rPr lang="ru-RU" sz="2400" dirty="0" err="1">
+                <a:solidFill>
+                  <a:schemeClr val="tx1">
+                    <a:lumMod val="95000"/>
+                    <a:lumOff val="5000"/>
+                  </a:schemeClr>
+                </a:solidFill>
+              </a:rPr>
+              <a:t>префаба</a:t>
+            </a:r>
+            <a:endParaRPr lang="en-US" sz="2400" dirty="0">
               <a:solidFill>
-                <a:srgbClr val="002060"/>
-              </a:solidFill>
-              <a:ea typeface="Calibri" panose="020F0502020204030204" pitchFamily="34" charset="0"/>
-              <a:cs typeface="Times New Roman" panose="02020603050405020304" pitchFamily="18" charset="0"/>
-            </a:endParaRPr>
-          </a:p>
-          <a:p>
-            <a:r>
-              <a:rPr lang="ru-RU" sz="2800" dirty="0">
-                <a:solidFill>
-                  <a:srgbClr val="002060"/>
-                </a:solidFill>
-                <a:ea typeface="Calibri" panose="020F0502020204030204" pitchFamily="34" charset="0"/>
-                <a:cs typeface="Times New Roman" panose="02020603050405020304" pitchFamily="18" charset="0"/>
-              </a:rPr>
-              <a:t>Распределить различные типы </a:t>
-            </a:r>
-            <a:r>
-              <a:rPr lang="en-US" sz="2800" dirty="0" err="1">
-                <a:solidFill>
-                  <a:srgbClr val="002060"/>
-                </a:solidFill>
-                <a:ea typeface="Calibri" panose="020F0502020204030204" pitchFamily="34" charset="0"/>
-                <a:cs typeface="Times New Roman" panose="02020603050405020304" pitchFamily="18" charset="0"/>
-              </a:rPr>
-              <a:t>Rigidbody</a:t>
-            </a:r>
-            <a:r>
-              <a:rPr lang="en-US" sz="2800" dirty="0">
-                <a:solidFill>
-                  <a:srgbClr val="002060"/>
-                </a:solidFill>
-                <a:ea typeface="Calibri" panose="020F0502020204030204" pitchFamily="34" charset="0"/>
-                <a:cs typeface="Times New Roman" panose="02020603050405020304" pitchFamily="18" charset="0"/>
-              </a:rPr>
-              <a:t> 2D </a:t>
-            </a:r>
-            <a:r>
-              <a:rPr lang="ru-RU" sz="2800" dirty="0">
-                <a:solidFill>
-                  <a:srgbClr val="002060"/>
-                </a:solidFill>
-                <a:ea typeface="Calibri" panose="020F0502020204030204" pitchFamily="34" charset="0"/>
-                <a:cs typeface="Times New Roman" panose="02020603050405020304" pitchFamily="18" charset="0"/>
-              </a:rPr>
-              <a:t>для объектов.</a:t>
-            </a:r>
-          </a:p>
-          <a:p>
-            <a:endParaRPr lang="ru-RU" sz="2200" dirty="0">
-              <a:solidFill>
-                <a:srgbClr val="002060"/>
-              </a:solidFill>
-              <a:ea typeface="Calibri" panose="020F0502020204030204" pitchFamily="34" charset="0"/>
-              <a:cs typeface="Times New Roman" panose="02020603050405020304" pitchFamily="18" charset="0"/>
-            </a:endParaRPr>
-          </a:p>
-          <a:p>
-            <a:r>
-              <a:rPr lang="ru-RU" sz="2800" dirty="0">
-                <a:solidFill>
-                  <a:srgbClr val="002060"/>
-                </a:solidFill>
-                <a:cs typeface="Times New Roman" panose="02020603050405020304" pitchFamily="18" charset="0"/>
-              </a:rPr>
-              <a:t>Назначить различные коллайдеры для объектов.</a:t>
-            </a:r>
-          </a:p>
-          <a:p>
-            <a:endParaRPr lang="ru-RU" sz="2200" dirty="0">
-              <a:solidFill>
-                <a:srgbClr val="002060"/>
-              </a:solidFill>
-              <a:effectLst/>
-              <a:ea typeface="Calibri" panose="020F0502020204030204" pitchFamily="34" charset="0"/>
-              <a:cs typeface="Times New Roman" panose="02020603050405020304" pitchFamily="18" charset="0"/>
-            </a:endParaRPr>
-          </a:p>
-          <a:p>
-            <a:endParaRPr lang="ru-RU" sz="2200" dirty="0">
-              <a:solidFill>
-                <a:srgbClr val="002060"/>
+                <a:schemeClr val="tx1">
+                  <a:lumMod val="95000"/>
+                  <a:lumOff val="5000"/>
+                </a:schemeClr>
               </a:solidFill>
             </a:endParaRPr>
           </a:p>
-        </p:txBody>
-      </p:sp>
-      <p:sp>
-        <p:nvSpPr>
-          <p:cNvPr id="2" name="Прямоугольник 1">
-            <a:extLst>
-              <a:ext uri="{FF2B5EF4-FFF2-40B4-BE49-F238E27FC236}">
-                <a16:creationId xmlns:a16="http://schemas.microsoft.com/office/drawing/2014/main" id="{6C6E2B47-803B-4C65-B616-E4B49C47EC96}"/>
-              </a:ext>
-            </a:extLst>
-          </p:cNvPr>
-          <p:cNvSpPr/>
-          <p:nvPr/>
-        </p:nvSpPr>
-        <p:spPr>
-          <a:xfrm>
-            <a:off x="6811618" y="1580507"/>
-            <a:ext cx="4313582" cy="4454533"/>
-          </a:xfrm>
-          <a:prstGeom prst="rect">
-            <a:avLst/>
-          </a:prstGeom>
-        </p:spPr>
-        <p:style>
-          <a:lnRef idx="2">
-            <a:schemeClr val="accent3">
-              <a:shade val="50000"/>
-            </a:schemeClr>
-          </a:lnRef>
-          <a:fillRef idx="1">
-            <a:schemeClr val="accent3"/>
-          </a:fillRef>
-          <a:effectRef idx="0">
-            <a:schemeClr val="accent3"/>
-          </a:effectRef>
-          <a:fontRef idx="minor">
-            <a:schemeClr val="lt1"/>
-          </a:fontRef>
-        </p:style>
-        <p:txBody>
-          <a:bodyPr rtlCol="0" anchor="ctr"/>
-          <a:lstStyle/>
-          <a:p>
-            <a:pPr algn="ctr"/>
-            <a:endParaRPr lang="ru-RU" dirty="0"/>
-          </a:p>
-        </p:txBody>
-      </p:sp>
-      <p:pic>
-        <p:nvPicPr>
-          <p:cNvPr id="7" name="Рисунок 6">
-            <a:extLst>
-              <a:ext uri="{FF2B5EF4-FFF2-40B4-BE49-F238E27FC236}">
-                <a16:creationId xmlns:a16="http://schemas.microsoft.com/office/drawing/2014/main" id="{835E51D2-DA79-4A58-B008-46890E6293F7}"/>
-              </a:ext>
-            </a:extLst>
-          </p:cNvPr>
-          <p:cNvPicPr>
-            <a:picLocks noChangeAspect="1"/>
-          </p:cNvPicPr>
-          <p:nvPr/>
-        </p:nvPicPr>
-        <p:blipFill>
-          <a:blip r:embed="rId2">
-            <a:extLst>
-              <a:ext uri="{28A0092B-C50C-407E-A947-70E740481C1C}">
-                <a14:useLocalDpi xmlns:a14="http://schemas.microsoft.com/office/drawing/2010/main" val="0"/>
-              </a:ext>
-            </a:extLst>
-          </a:blip>
-          <a:stretch>
-            <a:fillRect/>
-          </a:stretch>
-        </p:blipFill>
-        <p:spPr>
-          <a:xfrm>
-            <a:off x="8491745" y="5100311"/>
-            <a:ext cx="953328" cy="746151"/>
-          </a:xfrm>
-          <a:prstGeom prst="rect">
-            <a:avLst/>
-          </a:prstGeom>
-        </p:spPr>
-      </p:pic>
-      <p:sp>
-        <p:nvSpPr>
-          <p:cNvPr id="6" name="Облако 5">
-            <a:extLst>
-              <a:ext uri="{FF2B5EF4-FFF2-40B4-BE49-F238E27FC236}">
-                <a16:creationId xmlns:a16="http://schemas.microsoft.com/office/drawing/2014/main" id="{4537CD8B-C05D-4DEF-911D-5385BF92693A}"/>
-              </a:ext>
-            </a:extLst>
-          </p:cNvPr>
-          <p:cNvSpPr/>
-          <p:nvPr/>
-        </p:nvSpPr>
-        <p:spPr>
-          <a:xfrm>
-            <a:off x="7521886" y="1741336"/>
-            <a:ext cx="2893045" cy="1497495"/>
-          </a:xfrm>
-          <a:prstGeom prst="cloud">
-            <a:avLst/>
-          </a:prstGeom>
-          <a:solidFill>
-            <a:schemeClr val="bg1"/>
-          </a:solidFill>
-        </p:spPr>
-        <p:style>
-          <a:lnRef idx="2">
-            <a:schemeClr val="accent1">
-              <a:shade val="50000"/>
-            </a:schemeClr>
-          </a:lnRef>
-          <a:fillRef idx="1">
-            <a:schemeClr val="accent1"/>
-          </a:fillRef>
-          <a:effectRef idx="0">
-            <a:schemeClr val="accent1"/>
-          </a:effectRef>
-          <a:fontRef idx="minor">
-            <a:schemeClr val="lt1"/>
-          </a:fontRef>
-        </p:style>
-        <p:txBody>
-          <a:bodyPr rtlCol="0" anchor="ctr"/>
-          <a:lstStyle/>
-          <a:p>
-            <a:pPr algn="ctr"/>
-            <a:endParaRPr lang="ru-RU"/>
+          <a:p>
+            <a:pPr>
+              <a:lnSpc>
+                <a:spcPct val="150000"/>
+              </a:lnSpc>
+            </a:pPr>
+            <a:r>
+              <a:rPr lang="ru-RU" sz="2400" dirty="0" err="1">
+                <a:solidFill>
+                  <a:srgbClr val="0070C0"/>
+                </a:solidFill>
+              </a:rPr>
+              <a:t>public</a:t>
+            </a:r>
+            <a:r>
+              <a:rPr lang="ru-RU" sz="2400" dirty="0"/>
+              <a:t> </a:t>
+            </a:r>
+            <a:r>
+              <a:rPr lang="ru-RU" sz="2400" dirty="0" err="1"/>
+              <a:t>GameObject</a:t>
+            </a:r>
+            <a:r>
+              <a:rPr lang="ru-RU" sz="2400" dirty="0"/>
+              <a:t> </a:t>
+            </a:r>
+            <a:r>
+              <a:rPr lang="en-US" sz="2400" dirty="0">
+                <a:solidFill>
+                  <a:srgbClr val="FF0000"/>
+                </a:solidFill>
+              </a:rPr>
+              <a:t>Explosion</a:t>
+            </a:r>
+            <a:r>
+              <a:rPr lang="ru-RU" sz="2400" dirty="0"/>
+              <a:t>;</a:t>
+            </a:r>
+            <a:endParaRPr lang="en-US" sz="2400" dirty="0"/>
+          </a:p>
+          <a:p>
+            <a:pPr>
+              <a:lnSpc>
+                <a:spcPct val="150000"/>
+              </a:lnSpc>
+            </a:pPr>
+            <a:endParaRPr lang="ru-RU" sz="2400" dirty="0">
+              <a:solidFill>
+                <a:schemeClr val="tx1">
+                  <a:lumMod val="95000"/>
+                  <a:lumOff val="5000"/>
+                </a:schemeClr>
+              </a:solidFill>
+            </a:endParaRPr>
+          </a:p>
+          <a:p>
+            <a:pPr>
+              <a:lnSpc>
+                <a:spcPct val="150000"/>
+              </a:lnSpc>
+            </a:pPr>
+            <a:r>
+              <a:rPr lang="ru-RU" sz="2400" dirty="0">
+                <a:solidFill>
+                  <a:schemeClr val="tx1">
+                    <a:lumMod val="95000"/>
+                    <a:lumOff val="5000"/>
+                  </a:schemeClr>
+                </a:solidFill>
+              </a:rPr>
+              <a:t>2 Создание </a:t>
+            </a:r>
+            <a:r>
+              <a:rPr lang="ru-RU" sz="2400" dirty="0" err="1">
+                <a:solidFill>
+                  <a:schemeClr val="tx1">
+                    <a:lumMod val="95000"/>
+                    <a:lumOff val="5000"/>
+                  </a:schemeClr>
+                </a:solidFill>
+              </a:rPr>
+              <a:t>префаба</a:t>
+            </a:r>
+            <a:endParaRPr lang="en-US" sz="2400" dirty="0">
+              <a:solidFill>
+                <a:schemeClr val="tx1">
+                  <a:lumMod val="95000"/>
+                  <a:lumOff val="5000"/>
+                </a:schemeClr>
+              </a:solidFill>
+            </a:endParaRPr>
+          </a:p>
+          <a:p>
+            <a:pPr>
+              <a:lnSpc>
+                <a:spcPct val="150000"/>
+              </a:lnSpc>
+            </a:pPr>
+            <a:r>
+              <a:rPr lang="fr-FR" sz="2400" dirty="0" err="1">
+                <a:solidFill>
+                  <a:srgbClr val="00B050"/>
+                </a:solidFill>
+              </a:rPr>
+              <a:t>Instantiate</a:t>
+            </a:r>
+            <a:r>
+              <a:rPr lang="fr-FR" sz="2400" dirty="0"/>
+              <a:t>(</a:t>
+            </a:r>
+            <a:r>
+              <a:rPr lang="en-US" sz="2400" dirty="0">
+                <a:solidFill>
+                  <a:srgbClr val="FF0000"/>
+                </a:solidFill>
+              </a:rPr>
+              <a:t>Explosion</a:t>
+            </a:r>
+            <a:r>
+              <a:rPr lang="fr-FR" sz="2400" dirty="0"/>
+              <a:t>, </a:t>
+            </a:r>
+            <a:r>
+              <a:rPr lang="fr-FR" sz="2400" dirty="0" err="1"/>
+              <a:t>transform.position</a:t>
+            </a:r>
+            <a:r>
+              <a:rPr lang="fr-FR" sz="2400" dirty="0"/>
+              <a:t>, </a:t>
+            </a:r>
+            <a:r>
+              <a:rPr lang="fr-FR" sz="2400" dirty="0" err="1"/>
+              <a:t>transform.rotation</a:t>
+            </a:r>
+            <a:r>
+              <a:rPr lang="fr-FR" sz="2400" dirty="0"/>
+              <a:t>);</a:t>
+            </a:r>
+            <a:endParaRPr lang="ru-RU" sz="2400" dirty="0"/>
+          </a:p>
+          <a:p>
+            <a:pPr>
+              <a:lnSpc>
+                <a:spcPct val="150000"/>
+              </a:lnSpc>
+            </a:pPr>
+            <a:endParaRPr lang="ru-RU" sz="2400" dirty="0"/>
+          </a:p>
+          <a:p>
+            <a:pPr>
+              <a:lnSpc>
+                <a:spcPct val="150000"/>
+              </a:lnSpc>
+            </a:pPr>
+            <a:r>
+              <a:rPr lang="ru-RU" sz="2400" dirty="0">
+                <a:solidFill>
+                  <a:schemeClr val="tx1">
+                    <a:lumMod val="95000"/>
+                    <a:lumOff val="5000"/>
+                  </a:schemeClr>
+                </a:solidFill>
+              </a:rPr>
+              <a:t>3 Уничтожение </a:t>
+            </a:r>
+            <a:r>
+              <a:rPr lang="ru-RU" sz="2400" dirty="0" err="1">
+                <a:solidFill>
+                  <a:schemeClr val="tx1">
+                    <a:lumMod val="95000"/>
+                    <a:lumOff val="5000"/>
+                  </a:schemeClr>
+                </a:solidFill>
+              </a:rPr>
+              <a:t>префаба</a:t>
+            </a:r>
+            <a:endParaRPr lang="en-US" sz="2400" dirty="0">
+              <a:solidFill>
+                <a:schemeClr val="tx1">
+                  <a:lumMod val="95000"/>
+                  <a:lumOff val="5000"/>
+                </a:schemeClr>
+              </a:solidFill>
+            </a:endParaRPr>
+          </a:p>
+          <a:p>
+            <a:pPr>
+              <a:lnSpc>
+                <a:spcPct val="150000"/>
+              </a:lnSpc>
+            </a:pPr>
+            <a:r>
+              <a:rPr lang="en-US" sz="2400" dirty="0">
+                <a:solidFill>
+                  <a:srgbClr val="00B050"/>
+                </a:solidFill>
+              </a:rPr>
+              <a:t>Destroy</a:t>
+            </a:r>
+            <a:r>
+              <a:rPr lang="fr-FR" sz="2400" dirty="0"/>
+              <a:t>(</a:t>
+            </a:r>
+            <a:r>
+              <a:rPr lang="en-US" sz="2400" dirty="0">
+                <a:solidFill>
+                  <a:srgbClr val="FF0000"/>
+                </a:solidFill>
+              </a:rPr>
+              <a:t>Explosion</a:t>
+            </a:r>
+            <a:r>
+              <a:rPr lang="fr-FR" sz="2400" dirty="0"/>
+              <a:t>);</a:t>
+            </a:r>
+            <a:endParaRPr lang="ru-RU" sz="2400" dirty="0"/>
+          </a:p>
+          <a:p>
+            <a:pPr>
+              <a:lnSpc>
+                <a:spcPct val="150000"/>
+              </a:lnSpc>
+            </a:pPr>
+            <a:endParaRPr lang="ru-RU" sz="2400" dirty="0"/>
           </a:p>
         </p:txBody>
       </p:sp>
     </p:spTree>
     <p:extLst>
       <p:ext uri="{BB962C8B-B14F-4D97-AF65-F5344CB8AC3E}">
-        <p14:creationId xmlns:p14="http://schemas.microsoft.com/office/powerpoint/2010/main" val="3958467324"/>
-      </p:ext>
-    </p:extLst>
-  </p:cSld>
-  <p:clrMapOvr>
-    <a:masterClrMapping/>
-  </p:clrMapOvr>
-</p:sld>
-</file>
-
-<file path=ppt/slides/slide17.xml><?xml version="1.0" encoding="utf-8"?>
-<p:sld xmlns:a="http://schemas.openxmlformats.org/drawingml/2006/main" xmlns:r="http://schemas.openxmlformats.org/officeDocument/2006/relationships" xmlns:p="http://schemas.openxmlformats.org/presentationml/2006/main">
-  <p:cSld>
-    <p:spTree>
-      <p:nvGrpSpPr>
-        <p:cNvPr id="1" name=""/>
-        <p:cNvGrpSpPr/>
-        <p:nvPr/>
-      </p:nvGrpSpPr>
-      <p:grpSpPr>
-        <a:xfrm>
-          <a:off x="0" y="0"/>
-          <a:ext cx="0" cy="0"/>
-          <a:chOff x="0" y="0"/>
-          <a:chExt cx="0" cy="0"/>
-        </a:xfrm>
-      </p:grpSpPr>
-      <p:sp>
-        <p:nvSpPr>
-          <p:cNvPr id="4" name="Дата 3">
-            <a:extLst>
-              <a:ext uri="{FF2B5EF4-FFF2-40B4-BE49-F238E27FC236}">
-                <a16:creationId xmlns:a16="http://schemas.microsoft.com/office/drawing/2014/main" id="{A9577426-050A-4C6D-8771-B1DFD0D56CFB}"/>
-              </a:ext>
-            </a:extLst>
-          </p:cNvPr>
-          <p:cNvSpPr>
-            <a:spLocks noGrp="1"/>
-          </p:cNvSpPr>
-          <p:nvPr>
-            <p:ph type="dt" sz="half" idx="10"/>
-          </p:nvPr>
-        </p:nvSpPr>
-        <p:spPr/>
-        <p:txBody>
-          <a:bodyPr/>
-          <a:lstStyle/>
-          <a:p>
-            <a:pPr rtl="0"/>
-            <a:fld id="{629C2F20-7994-4D1E-A01C-96ECBA4612EB}" type="datetime1">
-              <a:rPr lang="ru-RU" smtClean="0"/>
-              <a:t>17.09.2020</a:t>
-            </a:fld>
-            <a:endParaRPr lang="en-US"/>
-          </a:p>
-        </p:txBody>
-      </p:sp>
-      <p:sp>
-        <p:nvSpPr>
-          <p:cNvPr id="5" name="Заголовок 1">
-            <a:extLst>
-              <a:ext uri="{FF2B5EF4-FFF2-40B4-BE49-F238E27FC236}">
-                <a16:creationId xmlns:a16="http://schemas.microsoft.com/office/drawing/2014/main" id="{211AF984-8FAD-4380-9159-6A130D50EF68}"/>
-              </a:ext>
-            </a:extLst>
-          </p:cNvPr>
-          <p:cNvSpPr>
-            <a:spLocks noGrp="1"/>
-          </p:cNvSpPr>
-          <p:nvPr>
-            <p:ph type="title"/>
-          </p:nvPr>
-        </p:nvSpPr>
-        <p:spPr>
-          <a:xfrm>
-            <a:off x="-131136" y="383668"/>
-            <a:ext cx="12516787" cy="1371600"/>
-          </a:xfrm>
-        </p:spPr>
-        <p:txBody>
-          <a:bodyPr/>
-          <a:lstStyle/>
-          <a:p>
-            <a:pPr algn="ctr"/>
-            <a:r>
-              <a:rPr lang="ru-RU" b="1" dirty="0">
-                <a:solidFill>
-                  <a:schemeClr val="accent3">
-                    <a:lumMod val="75000"/>
-                  </a:schemeClr>
-                </a:solidFill>
-                <a:latin typeface="Segoe Print" panose="02000600000000000000" pitchFamily="2" charset="0"/>
-              </a:rPr>
-              <a:t>Момент соприкосновения коллайдеров</a:t>
-            </a:r>
-          </a:p>
-        </p:txBody>
-      </p:sp>
-      <p:pic>
-        <p:nvPicPr>
-          <p:cNvPr id="32" name="Рисунок 31">
-            <a:extLst>
-              <a:ext uri="{FF2B5EF4-FFF2-40B4-BE49-F238E27FC236}">
-                <a16:creationId xmlns:a16="http://schemas.microsoft.com/office/drawing/2014/main" id="{14C3D4B3-ED68-4CB1-8E86-5D75D4C90028}"/>
-              </a:ext>
-            </a:extLst>
-          </p:cNvPr>
-          <p:cNvPicPr>
-            <a:picLocks noChangeAspect="1"/>
-          </p:cNvPicPr>
-          <p:nvPr/>
-        </p:nvPicPr>
-        <p:blipFill>
-          <a:blip r:embed="rId2">
-            <a:extLst>
-              <a:ext uri="{28A0092B-C50C-407E-A947-70E740481C1C}">
-                <a14:useLocalDpi xmlns:a14="http://schemas.microsoft.com/office/drawing/2010/main" val="0"/>
-              </a:ext>
-            </a:extLst>
-          </a:blip>
-          <a:stretch>
-            <a:fillRect/>
-          </a:stretch>
-        </p:blipFill>
-        <p:spPr>
-          <a:xfrm>
-            <a:off x="6055227" y="1702533"/>
-            <a:ext cx="1114425" cy="1524000"/>
-          </a:xfrm>
-          <a:prstGeom prst="rect">
-            <a:avLst/>
-          </a:prstGeom>
-        </p:spPr>
-      </p:pic>
-      <p:grpSp>
-        <p:nvGrpSpPr>
-          <p:cNvPr id="2" name="Группа 1">
-            <a:extLst>
-              <a:ext uri="{FF2B5EF4-FFF2-40B4-BE49-F238E27FC236}">
-                <a16:creationId xmlns:a16="http://schemas.microsoft.com/office/drawing/2014/main" id="{3042240A-7ACB-4CDB-939E-23831FCA6114}"/>
-              </a:ext>
-            </a:extLst>
-          </p:cNvPr>
-          <p:cNvGrpSpPr/>
-          <p:nvPr/>
-        </p:nvGrpSpPr>
-        <p:grpSpPr>
-          <a:xfrm>
-            <a:off x="4256838" y="1586028"/>
-            <a:ext cx="2933113" cy="1932476"/>
-            <a:chOff x="7546818" y="3432416"/>
-            <a:chExt cx="2933113" cy="1932476"/>
-          </a:xfrm>
-        </p:grpSpPr>
-        <p:pic>
-          <p:nvPicPr>
-            <p:cNvPr id="36" name="Рисунок 35">
-              <a:extLst>
-                <a:ext uri="{FF2B5EF4-FFF2-40B4-BE49-F238E27FC236}">
-                  <a16:creationId xmlns:a16="http://schemas.microsoft.com/office/drawing/2014/main" id="{3B00573D-2839-434F-8FF2-D1D6D9C8FE11}"/>
-                </a:ext>
-              </a:extLst>
-            </p:cNvPr>
-            <p:cNvPicPr>
-              <a:picLocks noChangeAspect="1"/>
-            </p:cNvPicPr>
-            <p:nvPr/>
-          </p:nvPicPr>
-          <p:blipFill>
-            <a:blip r:embed="rId3">
-              <a:extLst>
-                <a:ext uri="{28A0092B-C50C-407E-A947-70E740481C1C}">
-                  <a14:useLocalDpi xmlns:a14="http://schemas.microsoft.com/office/drawing/2010/main" val="0"/>
-                </a:ext>
-              </a:extLst>
-            </a:blip>
-            <a:stretch>
-              <a:fillRect/>
-            </a:stretch>
-          </p:blipFill>
-          <p:spPr>
-            <a:xfrm>
-              <a:off x="7546818" y="3624333"/>
-              <a:ext cx="2228281" cy="1740559"/>
-            </a:xfrm>
-            <a:prstGeom prst="rect">
-              <a:avLst/>
-            </a:prstGeom>
-          </p:spPr>
-        </p:pic>
-        <p:sp>
-          <p:nvSpPr>
-            <p:cNvPr id="41" name="Прямоугольник 40">
-              <a:extLst>
-                <a:ext uri="{FF2B5EF4-FFF2-40B4-BE49-F238E27FC236}">
-                  <a16:creationId xmlns:a16="http://schemas.microsoft.com/office/drawing/2014/main" id="{0F1BBDCC-2BEE-495E-BC24-B1F19C9EC4A8}"/>
-                </a:ext>
-              </a:extLst>
-            </p:cNvPr>
-            <p:cNvSpPr/>
-            <p:nvPr/>
-          </p:nvSpPr>
-          <p:spPr>
-            <a:xfrm>
-              <a:off x="7894584" y="4128941"/>
-              <a:ext cx="1450623" cy="939628"/>
-            </a:xfrm>
-            <a:prstGeom prst="rect">
-              <a:avLst/>
-            </a:prstGeom>
-            <a:solidFill>
-              <a:schemeClr val="accent2">
-                <a:alpha val="50000"/>
-              </a:schemeClr>
-            </a:solidFill>
-            <a:ln>
-              <a:noFill/>
-            </a:ln>
-          </p:spPr>
-          <p:style>
-            <a:lnRef idx="0">
-              <a:scrgbClr r="0" g="0" b="0"/>
-            </a:lnRef>
-            <a:fillRef idx="0">
-              <a:scrgbClr r="0" g="0" b="0"/>
-            </a:fillRef>
-            <a:effectRef idx="0">
-              <a:scrgbClr r="0" g="0" b="0"/>
-            </a:effectRef>
-            <a:fontRef idx="minor">
-              <a:schemeClr val="lt1"/>
-            </a:fontRef>
-          </p:style>
-          <p:txBody>
-            <a:bodyPr rtlCol="0" anchor="ctr"/>
-            <a:lstStyle/>
-            <a:p>
-              <a:pPr algn="ctr"/>
-              <a:endParaRPr lang="ru-RU" dirty="0"/>
-            </a:p>
-          </p:txBody>
-        </p:sp>
-        <p:sp>
-          <p:nvSpPr>
-            <p:cNvPr id="43" name="Прямоугольник 42">
-              <a:extLst>
-                <a:ext uri="{FF2B5EF4-FFF2-40B4-BE49-F238E27FC236}">
-                  <a16:creationId xmlns:a16="http://schemas.microsoft.com/office/drawing/2014/main" id="{4CD29A39-B29E-416D-A1FF-A417170CA43C}"/>
-                </a:ext>
-              </a:extLst>
-            </p:cNvPr>
-            <p:cNvSpPr/>
-            <p:nvPr/>
-          </p:nvSpPr>
-          <p:spPr>
-            <a:xfrm>
-              <a:off x="9345207" y="3432416"/>
-              <a:ext cx="1134724" cy="1636153"/>
-            </a:xfrm>
-            <a:prstGeom prst="rect">
-              <a:avLst/>
-            </a:prstGeom>
-            <a:solidFill>
-              <a:schemeClr val="accent4">
-                <a:alpha val="50000"/>
-              </a:schemeClr>
-            </a:solidFill>
-            <a:ln>
-              <a:noFill/>
-            </a:ln>
-          </p:spPr>
-          <p:style>
-            <a:lnRef idx="0">
-              <a:scrgbClr r="0" g="0" b="0"/>
-            </a:lnRef>
-            <a:fillRef idx="0">
-              <a:scrgbClr r="0" g="0" b="0"/>
-            </a:fillRef>
-            <a:effectRef idx="0">
-              <a:scrgbClr r="0" g="0" b="0"/>
-            </a:effectRef>
-            <a:fontRef idx="minor">
-              <a:schemeClr val="lt1"/>
-            </a:fontRef>
-          </p:style>
-          <p:txBody>
-            <a:bodyPr rtlCol="0" anchor="ctr"/>
-            <a:lstStyle/>
-            <a:p>
-              <a:pPr algn="ctr"/>
-              <a:endParaRPr lang="ru-RU" dirty="0"/>
-            </a:p>
-          </p:txBody>
-        </p:sp>
-      </p:grpSp>
-      <p:sp>
-        <p:nvSpPr>
-          <p:cNvPr id="22" name="TextBox 21">
-            <a:extLst>
-              <a:ext uri="{FF2B5EF4-FFF2-40B4-BE49-F238E27FC236}">
-                <a16:creationId xmlns:a16="http://schemas.microsoft.com/office/drawing/2014/main" id="{87FF8FC2-F45D-4421-8D60-1C0B8CDA28AD}"/>
-              </a:ext>
-            </a:extLst>
-          </p:cNvPr>
-          <p:cNvSpPr txBox="1"/>
-          <p:nvPr/>
-        </p:nvSpPr>
-        <p:spPr>
-          <a:xfrm>
-            <a:off x="782607" y="3886977"/>
-            <a:ext cx="10689299" cy="1384995"/>
-          </a:xfrm>
-          <a:prstGeom prst="rect">
-            <a:avLst/>
-          </a:prstGeom>
-          <a:noFill/>
-        </p:spPr>
-        <p:txBody>
-          <a:bodyPr wrap="square">
-            <a:spAutoFit/>
-          </a:bodyPr>
-          <a:lstStyle/>
-          <a:p>
-            <a:r>
-              <a:rPr lang="ru-RU" sz="2800" b="1" dirty="0">
-                <a:solidFill>
-                  <a:schemeClr val="accent3">
-                    <a:lumMod val="50000"/>
-                  </a:schemeClr>
-                </a:solidFill>
-                <a:latin typeface="Segoe Print" panose="02000600000000000000" pitchFamily="2" charset="0"/>
-              </a:rPr>
-              <a:t>Метод </a:t>
-            </a:r>
-            <a:r>
-              <a:rPr lang="en-US" sz="2800" b="1" dirty="0">
-                <a:solidFill>
-                  <a:schemeClr val="accent3">
-                    <a:lumMod val="50000"/>
-                  </a:schemeClr>
-                </a:solidFill>
-                <a:latin typeface="Segoe Print" panose="02000600000000000000" pitchFamily="2" charset="0"/>
-              </a:rPr>
-              <a:t>Game Object </a:t>
-            </a:r>
-            <a:r>
-              <a:rPr lang="ru-RU" sz="2800" b="1" dirty="0">
-                <a:solidFill>
-                  <a:schemeClr val="accent3">
-                    <a:lumMod val="50000"/>
-                  </a:schemeClr>
-                </a:solidFill>
-                <a:latin typeface="Segoe Print" panose="02000600000000000000" pitchFamily="2" charset="0"/>
-              </a:rPr>
-              <a:t>«Машина»</a:t>
-            </a:r>
-          </a:p>
-          <a:p>
-            <a:r>
-              <a:rPr lang="ru-RU" sz="2800" dirty="0" err="1"/>
-              <a:t>void</a:t>
-            </a:r>
-            <a:r>
-              <a:rPr lang="ru-RU" sz="2800" dirty="0"/>
-              <a:t> OnCollisionEnter2D(</a:t>
-            </a:r>
-            <a:r>
-              <a:rPr lang="ru-RU" sz="2800" dirty="0">
-                <a:solidFill>
-                  <a:srgbClr val="C00000"/>
-                </a:solidFill>
-              </a:rPr>
-              <a:t>Collision2D </a:t>
-            </a:r>
-            <a:r>
-              <a:rPr lang="ru-RU" sz="2800" dirty="0" err="1">
-                <a:solidFill>
-                  <a:srgbClr val="C00000"/>
-                </a:solidFill>
-              </a:rPr>
-              <a:t>collision</a:t>
-            </a:r>
-            <a:r>
-              <a:rPr lang="ru-RU" sz="2800" dirty="0"/>
-              <a:t>)</a:t>
-            </a:r>
-            <a:endParaRPr lang="en-US" sz="2800" dirty="0"/>
-          </a:p>
-          <a:p>
-            <a:endParaRPr lang="ru-RU" sz="2800" dirty="0"/>
-          </a:p>
-        </p:txBody>
-      </p:sp>
-    </p:spTree>
-    <p:extLst>
-      <p:ext uri="{BB962C8B-B14F-4D97-AF65-F5344CB8AC3E}">
-        <p14:creationId xmlns:p14="http://schemas.microsoft.com/office/powerpoint/2010/main" val="2401781377"/>
-      </p:ext>
-    </p:extLst>
-  </p:cSld>
-  <p:clrMapOvr>
-    <a:masterClrMapping/>
-  </p:clrMapOvr>
-</p:sld>
-</file>
-
-<file path=ppt/slides/slide18.xml><?xml version="1.0" encoding="utf-8"?>
-<p:sld xmlns:a="http://schemas.openxmlformats.org/drawingml/2006/main" xmlns:r="http://schemas.openxmlformats.org/officeDocument/2006/relationships" xmlns:p="http://schemas.openxmlformats.org/presentationml/2006/main">
-  <p:cSld>
-    <p:spTree>
-      <p:nvGrpSpPr>
-        <p:cNvPr id="1" name=""/>
-        <p:cNvGrpSpPr/>
-        <p:nvPr/>
-      </p:nvGrpSpPr>
-      <p:grpSpPr>
-        <a:xfrm>
-          <a:off x="0" y="0"/>
-          <a:ext cx="0" cy="0"/>
-          <a:chOff x="0" y="0"/>
-          <a:chExt cx="0" cy="0"/>
-        </a:xfrm>
-      </p:grpSpPr>
-      <p:sp>
-        <p:nvSpPr>
-          <p:cNvPr id="4" name="Дата 3">
-            <a:extLst>
-              <a:ext uri="{FF2B5EF4-FFF2-40B4-BE49-F238E27FC236}">
-                <a16:creationId xmlns:a16="http://schemas.microsoft.com/office/drawing/2014/main" id="{A9577426-050A-4C6D-8771-B1DFD0D56CFB}"/>
-              </a:ext>
-            </a:extLst>
-          </p:cNvPr>
-          <p:cNvSpPr>
-            <a:spLocks noGrp="1"/>
-          </p:cNvSpPr>
-          <p:nvPr>
-            <p:ph type="dt" sz="half" idx="10"/>
-          </p:nvPr>
-        </p:nvSpPr>
-        <p:spPr/>
-        <p:txBody>
-          <a:bodyPr/>
-          <a:lstStyle/>
-          <a:p>
-            <a:pPr rtl="0"/>
-            <a:fld id="{629C2F20-7994-4D1E-A01C-96ECBA4612EB}" type="datetime1">
-              <a:rPr lang="ru-RU" smtClean="0"/>
-              <a:t>17.09.2020</a:t>
-            </a:fld>
-            <a:endParaRPr lang="en-US"/>
-          </a:p>
-        </p:txBody>
-      </p:sp>
-      <p:sp>
-        <p:nvSpPr>
-          <p:cNvPr id="5" name="Заголовок 1">
-            <a:extLst>
-              <a:ext uri="{FF2B5EF4-FFF2-40B4-BE49-F238E27FC236}">
-                <a16:creationId xmlns:a16="http://schemas.microsoft.com/office/drawing/2014/main" id="{211AF984-8FAD-4380-9159-6A130D50EF68}"/>
-              </a:ext>
-            </a:extLst>
-          </p:cNvPr>
-          <p:cNvSpPr>
-            <a:spLocks noGrp="1"/>
-          </p:cNvSpPr>
-          <p:nvPr>
-            <p:ph type="title"/>
-          </p:nvPr>
-        </p:nvSpPr>
-        <p:spPr>
-          <a:xfrm>
-            <a:off x="2604600" y="558019"/>
-            <a:ext cx="7545239" cy="957635"/>
-          </a:xfrm>
-        </p:spPr>
-        <p:txBody>
-          <a:bodyPr/>
-          <a:lstStyle/>
-          <a:p>
-            <a:r>
-              <a:rPr lang="ru-RU" sz="4000" b="1" dirty="0">
-                <a:solidFill>
-                  <a:schemeClr val="accent3">
-                    <a:lumMod val="50000"/>
-                  </a:schemeClr>
-                </a:solidFill>
-                <a:latin typeface="Segoe Print" panose="02000600000000000000" pitchFamily="2" charset="0"/>
-              </a:rPr>
-              <a:t>Привет! Как тебя зовут?</a:t>
-            </a:r>
-          </a:p>
-        </p:txBody>
-      </p:sp>
-      <p:sp>
-        <p:nvSpPr>
-          <p:cNvPr id="12" name="TextBox 11">
-            <a:extLst>
-              <a:ext uri="{FF2B5EF4-FFF2-40B4-BE49-F238E27FC236}">
-                <a16:creationId xmlns:a16="http://schemas.microsoft.com/office/drawing/2014/main" id="{6086EFF0-A6FC-44F1-A408-E162F9825C10}"/>
-              </a:ext>
-            </a:extLst>
-          </p:cNvPr>
-          <p:cNvSpPr txBox="1"/>
-          <p:nvPr/>
-        </p:nvSpPr>
-        <p:spPr>
-          <a:xfrm>
-            <a:off x="920805" y="5414778"/>
-            <a:ext cx="4014402" cy="646331"/>
-          </a:xfrm>
-          <a:prstGeom prst="rect">
-            <a:avLst/>
-          </a:prstGeom>
-          <a:noFill/>
-        </p:spPr>
-        <p:txBody>
-          <a:bodyPr wrap="square" rtlCol="0">
-            <a:spAutoFit/>
-          </a:bodyPr>
-          <a:lstStyle/>
-          <a:p>
-            <a:r>
-              <a:rPr lang="en-US" sz="3600" b="1" dirty="0">
-                <a:solidFill>
-                  <a:schemeClr val="accent6">
-                    <a:lumMod val="75000"/>
-                  </a:schemeClr>
-                </a:solidFill>
-                <a:latin typeface="Segoe Print" panose="02000600000000000000" pitchFamily="2" charset="0"/>
-              </a:rPr>
-              <a:t>Game Object</a:t>
-            </a:r>
-            <a:endParaRPr lang="ru-RU" sz="3600" b="1" dirty="0">
-              <a:solidFill>
-                <a:schemeClr val="accent6">
-                  <a:lumMod val="75000"/>
-                </a:schemeClr>
-              </a:solidFill>
-              <a:latin typeface="Segoe Print" panose="02000600000000000000" pitchFamily="2" charset="0"/>
-            </a:endParaRPr>
-          </a:p>
-        </p:txBody>
-      </p:sp>
-      <p:pic>
-        <p:nvPicPr>
-          <p:cNvPr id="14" name="Рисунок 13">
-            <a:extLst>
-              <a:ext uri="{FF2B5EF4-FFF2-40B4-BE49-F238E27FC236}">
-                <a16:creationId xmlns:a16="http://schemas.microsoft.com/office/drawing/2014/main" id="{922BC149-DD03-4075-95A8-E3641089B35C}"/>
-              </a:ext>
-            </a:extLst>
-          </p:cNvPr>
-          <p:cNvPicPr>
-            <a:picLocks noChangeAspect="1"/>
-          </p:cNvPicPr>
-          <p:nvPr/>
-        </p:nvPicPr>
-        <p:blipFill>
-          <a:blip r:embed="rId2">
-            <a:extLst>
-              <a:ext uri="{28A0092B-C50C-407E-A947-70E740481C1C}">
-                <a14:useLocalDpi xmlns:a14="http://schemas.microsoft.com/office/drawing/2010/main" val="0"/>
-              </a:ext>
-            </a:extLst>
-          </a:blip>
-          <a:stretch>
-            <a:fillRect/>
-          </a:stretch>
-        </p:blipFill>
-        <p:spPr>
-          <a:xfrm>
-            <a:off x="726068" y="3881987"/>
-            <a:ext cx="1962294" cy="1532791"/>
-          </a:xfrm>
-          <a:prstGeom prst="rect">
-            <a:avLst/>
-          </a:prstGeom>
-        </p:spPr>
-      </p:pic>
-      <p:pic>
-        <p:nvPicPr>
-          <p:cNvPr id="16" name="Рисунок 15">
-            <a:extLst>
-              <a:ext uri="{FF2B5EF4-FFF2-40B4-BE49-F238E27FC236}">
-                <a16:creationId xmlns:a16="http://schemas.microsoft.com/office/drawing/2014/main" id="{B56E94DB-85AD-4A57-96E9-92D59C128932}"/>
-              </a:ext>
-            </a:extLst>
-          </p:cNvPr>
-          <p:cNvPicPr>
-            <a:picLocks noChangeAspect="1"/>
-          </p:cNvPicPr>
-          <p:nvPr/>
-        </p:nvPicPr>
-        <p:blipFill>
-          <a:blip r:embed="rId3">
-            <a:extLst>
-              <a:ext uri="{28A0092B-C50C-407E-A947-70E740481C1C}">
-                <a14:useLocalDpi xmlns:a14="http://schemas.microsoft.com/office/drawing/2010/main" val="0"/>
-              </a:ext>
-            </a:extLst>
-          </a:blip>
-          <a:stretch>
-            <a:fillRect/>
-          </a:stretch>
-        </p:blipFill>
-        <p:spPr>
-          <a:xfrm>
-            <a:off x="2724497" y="3880419"/>
-            <a:ext cx="981397" cy="1342082"/>
-          </a:xfrm>
-          <a:prstGeom prst="rect">
-            <a:avLst/>
-          </a:prstGeom>
-        </p:spPr>
-      </p:pic>
-      <p:pic>
-        <p:nvPicPr>
-          <p:cNvPr id="18" name="Рисунок 17">
-            <a:extLst>
-              <a:ext uri="{FF2B5EF4-FFF2-40B4-BE49-F238E27FC236}">
-                <a16:creationId xmlns:a16="http://schemas.microsoft.com/office/drawing/2014/main" id="{932D998E-91D6-422B-BC54-CF5A17D306DC}"/>
-              </a:ext>
-            </a:extLst>
-          </p:cNvPr>
-          <p:cNvPicPr>
-            <a:picLocks noChangeAspect="1"/>
-          </p:cNvPicPr>
-          <p:nvPr/>
-        </p:nvPicPr>
-        <p:blipFill>
-          <a:blip r:embed="rId2">
-            <a:extLst>
-              <a:ext uri="{28A0092B-C50C-407E-A947-70E740481C1C}">
-                <a14:useLocalDpi xmlns:a14="http://schemas.microsoft.com/office/drawing/2010/main" val="0"/>
-              </a:ext>
-            </a:extLst>
-          </a:blip>
-          <a:stretch>
-            <a:fillRect/>
-          </a:stretch>
-        </p:blipFill>
-        <p:spPr>
-          <a:xfrm>
-            <a:off x="7308016" y="3881987"/>
-            <a:ext cx="1962294" cy="1532791"/>
-          </a:xfrm>
-          <a:prstGeom prst="rect">
-            <a:avLst/>
-          </a:prstGeom>
-        </p:spPr>
-      </p:pic>
-      <p:pic>
-        <p:nvPicPr>
-          <p:cNvPr id="20" name="Рисунок 19">
-            <a:extLst>
-              <a:ext uri="{FF2B5EF4-FFF2-40B4-BE49-F238E27FC236}">
-                <a16:creationId xmlns:a16="http://schemas.microsoft.com/office/drawing/2014/main" id="{F6EABFF9-27F1-476F-9F04-11E67A836D81}"/>
-              </a:ext>
-            </a:extLst>
-          </p:cNvPr>
-          <p:cNvPicPr>
-            <a:picLocks noChangeAspect="1"/>
-          </p:cNvPicPr>
-          <p:nvPr/>
-        </p:nvPicPr>
-        <p:blipFill>
-          <a:blip r:embed="rId3">
-            <a:extLst>
-              <a:ext uri="{28A0092B-C50C-407E-A947-70E740481C1C}">
-                <a14:useLocalDpi xmlns:a14="http://schemas.microsoft.com/office/drawing/2010/main" val="0"/>
-              </a:ext>
-            </a:extLst>
-          </a:blip>
-          <a:stretch>
-            <a:fillRect/>
-          </a:stretch>
-        </p:blipFill>
-        <p:spPr>
-          <a:xfrm>
-            <a:off x="9942233" y="3855692"/>
-            <a:ext cx="981397" cy="1342082"/>
-          </a:xfrm>
-          <a:prstGeom prst="rect">
-            <a:avLst/>
-          </a:prstGeom>
-        </p:spPr>
-      </p:pic>
-      <p:cxnSp>
-        <p:nvCxnSpPr>
-          <p:cNvPr id="24" name="Прямая со стрелкой 23">
-            <a:extLst>
-              <a:ext uri="{FF2B5EF4-FFF2-40B4-BE49-F238E27FC236}">
-                <a16:creationId xmlns:a16="http://schemas.microsoft.com/office/drawing/2014/main" id="{9AAC357F-E845-40B4-8864-FFFDEB55CFA1}"/>
-              </a:ext>
-            </a:extLst>
-          </p:cNvPr>
-          <p:cNvCxnSpPr/>
-          <p:nvPr/>
-        </p:nvCxnSpPr>
-        <p:spPr>
-          <a:xfrm>
-            <a:off x="4731698" y="4652750"/>
-            <a:ext cx="2469999" cy="0"/>
-          </a:xfrm>
-          <a:prstGeom prst="straightConnector1">
-            <a:avLst/>
-          </a:prstGeom>
-          <a:ln>
-            <a:tailEnd type="triangle"/>
-          </a:ln>
-        </p:spPr>
-        <p:style>
-          <a:lnRef idx="3">
-            <a:schemeClr val="accent3"/>
-          </a:lnRef>
-          <a:fillRef idx="0">
-            <a:schemeClr val="accent3"/>
-          </a:fillRef>
-          <a:effectRef idx="2">
-            <a:schemeClr val="accent3"/>
-          </a:effectRef>
-          <a:fontRef idx="minor">
-            <a:schemeClr val="tx1"/>
-          </a:fontRef>
-        </p:style>
-      </p:cxnSp>
-      <p:sp>
-        <p:nvSpPr>
-          <p:cNvPr id="25" name="TextBox 24">
-            <a:extLst>
-              <a:ext uri="{FF2B5EF4-FFF2-40B4-BE49-F238E27FC236}">
-                <a16:creationId xmlns:a16="http://schemas.microsoft.com/office/drawing/2014/main" id="{E5659C3B-E751-4B4B-9B7E-0F29CCEA3F6A}"/>
-              </a:ext>
-            </a:extLst>
-          </p:cNvPr>
-          <p:cNvSpPr txBox="1"/>
-          <p:nvPr/>
-        </p:nvSpPr>
-        <p:spPr>
-          <a:xfrm>
-            <a:off x="5356594" y="3878851"/>
-            <a:ext cx="1220206" cy="769441"/>
-          </a:xfrm>
-          <a:prstGeom prst="rect">
-            <a:avLst/>
-          </a:prstGeom>
-          <a:noFill/>
-        </p:spPr>
-        <p:txBody>
-          <a:bodyPr wrap="none" rtlCol="0">
-            <a:spAutoFit/>
-          </a:bodyPr>
-          <a:lstStyle/>
-          <a:p>
-            <a:r>
-              <a:rPr lang="en-US" sz="4400" dirty="0">
-                <a:solidFill>
-                  <a:schemeClr val="accent3">
-                    <a:lumMod val="50000"/>
-                  </a:schemeClr>
-                </a:solidFill>
-                <a:latin typeface="Segoe Print" panose="02000600000000000000" pitchFamily="2" charset="0"/>
-              </a:rPr>
-              <a:t>Tag</a:t>
-            </a:r>
-            <a:endParaRPr lang="ru-RU" sz="4400" dirty="0">
-              <a:solidFill>
-                <a:schemeClr val="accent3">
-                  <a:lumMod val="50000"/>
-                </a:schemeClr>
-              </a:solidFill>
-              <a:latin typeface="Segoe Print" panose="02000600000000000000" pitchFamily="2" charset="0"/>
-            </a:endParaRPr>
-          </a:p>
-        </p:txBody>
-      </p:sp>
-      <p:sp>
-        <p:nvSpPr>
-          <p:cNvPr id="27" name="TextBox 26">
-            <a:extLst>
-              <a:ext uri="{FF2B5EF4-FFF2-40B4-BE49-F238E27FC236}">
-                <a16:creationId xmlns:a16="http://schemas.microsoft.com/office/drawing/2014/main" id="{6F1495F3-3AB1-41AB-B66B-B77CECFFD6A2}"/>
-              </a:ext>
-            </a:extLst>
-          </p:cNvPr>
-          <p:cNvSpPr txBox="1"/>
-          <p:nvPr/>
-        </p:nvSpPr>
-        <p:spPr>
-          <a:xfrm>
-            <a:off x="7722323" y="5229716"/>
-            <a:ext cx="1133679" cy="646331"/>
-          </a:xfrm>
-          <a:prstGeom prst="rect">
-            <a:avLst/>
-          </a:prstGeom>
-          <a:noFill/>
-        </p:spPr>
-        <p:txBody>
-          <a:bodyPr wrap="square" rtlCol="0">
-            <a:spAutoFit/>
-          </a:bodyPr>
-          <a:lstStyle/>
-          <a:p>
-            <a:r>
-              <a:rPr lang="en-US" sz="3600" b="1" dirty="0">
-                <a:solidFill>
-                  <a:schemeClr val="accent6">
-                    <a:lumMod val="75000"/>
-                  </a:schemeClr>
-                </a:solidFill>
-                <a:latin typeface="Segoe Print" panose="02000600000000000000" pitchFamily="2" charset="0"/>
-              </a:rPr>
-              <a:t>Car</a:t>
-            </a:r>
-            <a:endParaRPr lang="ru-RU" sz="3600" b="1" dirty="0">
-              <a:solidFill>
-                <a:schemeClr val="accent6">
-                  <a:lumMod val="75000"/>
-                </a:schemeClr>
-              </a:solidFill>
-              <a:latin typeface="Segoe Print" panose="02000600000000000000" pitchFamily="2" charset="0"/>
-            </a:endParaRPr>
-          </a:p>
-        </p:txBody>
-      </p:sp>
-      <p:sp>
-        <p:nvSpPr>
-          <p:cNvPr id="31" name="TextBox 30">
-            <a:extLst>
-              <a:ext uri="{FF2B5EF4-FFF2-40B4-BE49-F238E27FC236}">
-                <a16:creationId xmlns:a16="http://schemas.microsoft.com/office/drawing/2014/main" id="{BC777A3C-2AB8-4A34-A766-5F2FE058D511}"/>
-              </a:ext>
-            </a:extLst>
-          </p:cNvPr>
-          <p:cNvSpPr txBox="1"/>
-          <p:nvPr/>
-        </p:nvSpPr>
-        <p:spPr>
-          <a:xfrm>
-            <a:off x="9684618" y="5229716"/>
-            <a:ext cx="1736904" cy="646331"/>
-          </a:xfrm>
-          <a:prstGeom prst="rect">
-            <a:avLst/>
-          </a:prstGeom>
-          <a:noFill/>
-        </p:spPr>
-        <p:txBody>
-          <a:bodyPr wrap="square" rtlCol="0">
-            <a:spAutoFit/>
-          </a:bodyPr>
-          <a:lstStyle/>
-          <a:p>
-            <a:r>
-              <a:rPr lang="en-US" sz="3600" b="1" dirty="0">
-                <a:solidFill>
-                  <a:schemeClr val="accent6">
-                    <a:lumMod val="75000"/>
-                  </a:schemeClr>
-                </a:solidFill>
-                <a:latin typeface="Segoe Print" panose="02000600000000000000" pitchFamily="2" charset="0"/>
-              </a:rPr>
-              <a:t>Cactus</a:t>
-            </a:r>
-            <a:endParaRPr lang="ru-RU" sz="3600" b="1" dirty="0">
-              <a:solidFill>
-                <a:schemeClr val="accent6">
-                  <a:lumMod val="75000"/>
-                </a:schemeClr>
-              </a:solidFill>
-              <a:latin typeface="Segoe Print" panose="02000600000000000000" pitchFamily="2" charset="0"/>
-            </a:endParaRPr>
-          </a:p>
-        </p:txBody>
-      </p:sp>
-      <p:pic>
-        <p:nvPicPr>
-          <p:cNvPr id="33" name="Рисунок 32">
-            <a:extLst>
-              <a:ext uri="{FF2B5EF4-FFF2-40B4-BE49-F238E27FC236}">
-                <a16:creationId xmlns:a16="http://schemas.microsoft.com/office/drawing/2014/main" id="{B9AE5544-781D-45DD-8A36-9F77F3740525}"/>
-              </a:ext>
-            </a:extLst>
-          </p:cNvPr>
-          <p:cNvPicPr>
-            <a:picLocks noChangeAspect="1"/>
-          </p:cNvPicPr>
-          <p:nvPr/>
-        </p:nvPicPr>
-        <p:blipFill>
-          <a:blip r:embed="rId4">
-            <a:extLst>
-              <a:ext uri="{28A0092B-C50C-407E-A947-70E740481C1C}">
-                <a14:useLocalDpi xmlns:a14="http://schemas.microsoft.com/office/drawing/2010/main" val="0"/>
-              </a:ext>
-            </a:extLst>
-          </a:blip>
-          <a:stretch>
-            <a:fillRect/>
-          </a:stretch>
-        </p:blipFill>
-        <p:spPr>
-          <a:xfrm>
-            <a:off x="865039" y="1591099"/>
-            <a:ext cx="3167261" cy="1781585"/>
-          </a:xfrm>
-          <a:prstGeom prst="rect">
-            <a:avLst/>
-          </a:prstGeom>
-        </p:spPr>
-      </p:pic>
-      <p:cxnSp>
-        <p:nvCxnSpPr>
-          <p:cNvPr id="35" name="Прямая со стрелкой 34">
-            <a:extLst>
-              <a:ext uri="{FF2B5EF4-FFF2-40B4-BE49-F238E27FC236}">
-                <a16:creationId xmlns:a16="http://schemas.microsoft.com/office/drawing/2014/main" id="{C2FA5798-5D69-4E24-82B8-4B3B50302B81}"/>
-              </a:ext>
-            </a:extLst>
-          </p:cNvPr>
-          <p:cNvCxnSpPr/>
-          <p:nvPr/>
-        </p:nvCxnSpPr>
-        <p:spPr>
-          <a:xfrm>
-            <a:off x="4608869" y="2699481"/>
-            <a:ext cx="2469999" cy="0"/>
-          </a:xfrm>
-          <a:prstGeom prst="straightConnector1">
-            <a:avLst/>
-          </a:prstGeom>
-          <a:ln>
-            <a:tailEnd type="triangle"/>
-          </a:ln>
-        </p:spPr>
-        <p:style>
-          <a:lnRef idx="3">
-            <a:schemeClr val="accent3"/>
-          </a:lnRef>
-          <a:fillRef idx="0">
-            <a:schemeClr val="accent3"/>
-          </a:fillRef>
-          <a:effectRef idx="2">
-            <a:schemeClr val="accent3"/>
-          </a:effectRef>
-          <a:fontRef idx="minor">
-            <a:schemeClr val="tx1"/>
-          </a:fontRef>
-        </p:style>
-      </p:cxnSp>
-      <p:sp>
-        <p:nvSpPr>
-          <p:cNvPr id="36" name="TextBox 35">
-            <a:extLst>
-              <a:ext uri="{FF2B5EF4-FFF2-40B4-BE49-F238E27FC236}">
-                <a16:creationId xmlns:a16="http://schemas.microsoft.com/office/drawing/2014/main" id="{A2ABF575-5010-425A-98BE-F271C0E43582}"/>
-              </a:ext>
-            </a:extLst>
-          </p:cNvPr>
-          <p:cNvSpPr txBox="1"/>
-          <p:nvPr/>
-        </p:nvSpPr>
-        <p:spPr>
-          <a:xfrm>
-            <a:off x="5233765" y="1925582"/>
-            <a:ext cx="1500732" cy="769441"/>
-          </a:xfrm>
-          <a:prstGeom prst="rect">
-            <a:avLst/>
-          </a:prstGeom>
-          <a:noFill/>
-        </p:spPr>
-        <p:txBody>
-          <a:bodyPr wrap="none" rtlCol="0">
-            <a:spAutoFit/>
-          </a:bodyPr>
-          <a:lstStyle/>
-          <a:p>
-            <a:r>
-              <a:rPr lang="ru-RU" sz="4400" dirty="0">
-                <a:solidFill>
-                  <a:schemeClr val="accent3">
-                    <a:lumMod val="50000"/>
-                  </a:schemeClr>
-                </a:solidFill>
-                <a:latin typeface="Segoe Print" panose="02000600000000000000" pitchFamily="2" charset="0"/>
-              </a:rPr>
-              <a:t>Имя</a:t>
-            </a:r>
-          </a:p>
-        </p:txBody>
-      </p:sp>
-      <p:pic>
-        <p:nvPicPr>
-          <p:cNvPr id="39" name="Рисунок 38">
-            <a:extLst>
-              <a:ext uri="{FF2B5EF4-FFF2-40B4-BE49-F238E27FC236}">
-                <a16:creationId xmlns:a16="http://schemas.microsoft.com/office/drawing/2014/main" id="{81480859-6E0D-4202-AFA0-3752FF7B197C}"/>
-              </a:ext>
-            </a:extLst>
-          </p:cNvPr>
-          <p:cNvPicPr>
-            <a:picLocks noChangeAspect="1"/>
-          </p:cNvPicPr>
-          <p:nvPr/>
-        </p:nvPicPr>
-        <p:blipFill>
-          <a:blip r:embed="rId5"/>
-          <a:stretch>
-            <a:fillRect/>
-          </a:stretch>
-        </p:blipFill>
-        <p:spPr>
-          <a:xfrm>
-            <a:off x="7359393" y="1515654"/>
-            <a:ext cx="3708941" cy="2070107"/>
-          </a:xfrm>
-          <a:prstGeom prst="rect">
-            <a:avLst/>
-          </a:prstGeom>
-        </p:spPr>
-      </p:pic>
-    </p:spTree>
-    <p:extLst>
-      <p:ext uri="{BB962C8B-B14F-4D97-AF65-F5344CB8AC3E}">
-        <p14:creationId xmlns:p14="http://schemas.microsoft.com/office/powerpoint/2010/main" val="3527643383"/>
-      </p:ext>
-    </p:extLst>
-  </p:cSld>
-  <p:clrMapOvr>
-    <a:masterClrMapping/>
-  </p:clrMapOvr>
-</p:sld>
-</file>
-
-<file path=ppt/slides/slide19.xml><?xml version="1.0" encoding="utf-8"?>
-<p:sld xmlns:a="http://schemas.openxmlformats.org/drawingml/2006/main" xmlns:r="http://schemas.openxmlformats.org/officeDocument/2006/relationships" xmlns:p="http://schemas.openxmlformats.org/presentationml/2006/main">
-  <p:cSld>
-    <p:spTree>
-      <p:nvGrpSpPr>
-        <p:cNvPr id="1" name=""/>
-        <p:cNvGrpSpPr/>
-        <p:nvPr/>
-      </p:nvGrpSpPr>
-      <p:grpSpPr>
-        <a:xfrm>
-          <a:off x="0" y="0"/>
-          <a:ext cx="0" cy="0"/>
-          <a:chOff x="0" y="0"/>
-          <a:chExt cx="0" cy="0"/>
-        </a:xfrm>
-      </p:grpSpPr>
-      <p:sp>
-        <p:nvSpPr>
-          <p:cNvPr id="4" name="Дата 3">
-            <a:extLst>
-              <a:ext uri="{FF2B5EF4-FFF2-40B4-BE49-F238E27FC236}">
-                <a16:creationId xmlns:a16="http://schemas.microsoft.com/office/drawing/2014/main" id="{A9577426-050A-4C6D-8771-B1DFD0D56CFB}"/>
-              </a:ext>
-            </a:extLst>
-          </p:cNvPr>
-          <p:cNvSpPr>
-            <a:spLocks noGrp="1"/>
-          </p:cNvSpPr>
-          <p:nvPr>
-            <p:ph type="dt" sz="half" idx="10"/>
-          </p:nvPr>
-        </p:nvSpPr>
-        <p:spPr/>
-        <p:txBody>
-          <a:bodyPr/>
-          <a:lstStyle/>
-          <a:p>
-            <a:pPr rtl="0"/>
-            <a:fld id="{629C2F20-7994-4D1E-A01C-96ECBA4612EB}" type="datetime1">
-              <a:rPr lang="ru-RU" smtClean="0"/>
-              <a:t>17.09.2020</a:t>
-            </a:fld>
-            <a:endParaRPr lang="en-US"/>
-          </a:p>
-        </p:txBody>
-      </p:sp>
-      <p:sp>
-        <p:nvSpPr>
-          <p:cNvPr id="5" name="Заголовок 1">
-            <a:extLst>
-              <a:ext uri="{FF2B5EF4-FFF2-40B4-BE49-F238E27FC236}">
-                <a16:creationId xmlns:a16="http://schemas.microsoft.com/office/drawing/2014/main" id="{211AF984-8FAD-4380-9159-6A130D50EF68}"/>
-              </a:ext>
-            </a:extLst>
-          </p:cNvPr>
-          <p:cNvSpPr>
-            <a:spLocks noGrp="1"/>
-          </p:cNvSpPr>
-          <p:nvPr>
-            <p:ph type="title"/>
-          </p:nvPr>
-        </p:nvSpPr>
-        <p:spPr>
-          <a:xfrm>
-            <a:off x="-162394" y="235620"/>
-            <a:ext cx="12516787" cy="1371600"/>
-          </a:xfrm>
-        </p:spPr>
-        <p:txBody>
-          <a:bodyPr/>
-          <a:lstStyle/>
-          <a:p>
-            <a:pPr algn="ctr"/>
-            <a:r>
-              <a:rPr lang="ru-RU" sz="4000" dirty="0" err="1">
-                <a:solidFill>
-                  <a:schemeClr val="accent3"/>
-                </a:solidFill>
-              </a:rPr>
-              <a:t>collision</a:t>
-            </a:r>
-            <a:r>
-              <a:rPr lang="en-US" sz="4000" dirty="0">
-                <a:solidFill>
-                  <a:schemeClr val="accent3"/>
-                </a:solidFill>
-              </a:rPr>
-              <a:t>.</a:t>
-            </a:r>
-            <a:r>
-              <a:rPr lang="en-US" sz="4000" dirty="0" err="1">
-                <a:solidFill>
-                  <a:schemeClr val="accent3"/>
-                </a:solidFill>
-              </a:rPr>
-              <a:t>gameObject</a:t>
-            </a:r>
-            <a:endParaRPr lang="ru-RU" b="1" dirty="0">
-              <a:solidFill>
-                <a:schemeClr val="accent3">
-                  <a:lumMod val="75000"/>
-                </a:schemeClr>
-              </a:solidFill>
-              <a:latin typeface="Segoe Print" panose="02000600000000000000" pitchFamily="2" charset="0"/>
-            </a:endParaRPr>
-          </a:p>
-        </p:txBody>
-      </p:sp>
-      <p:sp>
-        <p:nvSpPr>
-          <p:cNvPr id="22" name="TextBox 21">
-            <a:extLst>
-              <a:ext uri="{FF2B5EF4-FFF2-40B4-BE49-F238E27FC236}">
-                <a16:creationId xmlns:a16="http://schemas.microsoft.com/office/drawing/2014/main" id="{87FF8FC2-F45D-4421-8D60-1C0B8CDA28AD}"/>
-              </a:ext>
-            </a:extLst>
-          </p:cNvPr>
-          <p:cNvSpPr txBox="1"/>
-          <p:nvPr/>
-        </p:nvSpPr>
-        <p:spPr>
-          <a:xfrm>
-            <a:off x="742121" y="1464417"/>
-            <a:ext cx="11158330" cy="4893647"/>
-          </a:xfrm>
-          <a:prstGeom prst="rect">
-            <a:avLst/>
-          </a:prstGeom>
-          <a:noFill/>
-        </p:spPr>
-        <p:txBody>
-          <a:bodyPr wrap="square">
-            <a:spAutoFit/>
-          </a:bodyPr>
-          <a:lstStyle/>
-          <a:p>
-            <a:r>
-              <a:rPr lang="ru-RU" sz="2400" dirty="0" err="1">
-                <a:solidFill>
-                  <a:srgbClr val="C00000"/>
-                </a:solidFill>
-              </a:rPr>
-              <a:t>collision</a:t>
-            </a:r>
-            <a:r>
-              <a:rPr lang="en-US" sz="2400" dirty="0">
-                <a:solidFill>
-                  <a:srgbClr val="C00000"/>
-                </a:solidFill>
-              </a:rPr>
-              <a:t>.</a:t>
-            </a:r>
-            <a:r>
-              <a:rPr lang="en-US" sz="2400" dirty="0" err="1">
-                <a:solidFill>
-                  <a:srgbClr val="C00000"/>
-                </a:solidFill>
-              </a:rPr>
-              <a:t>gameObject</a:t>
-            </a:r>
-            <a:r>
-              <a:rPr lang="en-US" sz="2400" dirty="0">
-                <a:solidFill>
-                  <a:srgbClr val="C00000"/>
-                </a:solidFill>
-              </a:rPr>
-              <a:t> </a:t>
-            </a:r>
-            <a:r>
-              <a:rPr lang="en-US" sz="2400" dirty="0"/>
-              <a:t>- </a:t>
-            </a:r>
-            <a:r>
-              <a:rPr lang="ru-RU" sz="2400" dirty="0"/>
-              <a:t>информация об объекте столкновения</a:t>
-            </a:r>
-          </a:p>
-          <a:p>
-            <a:endParaRPr lang="ru-RU" sz="2400" dirty="0"/>
-          </a:p>
-          <a:p>
-            <a:r>
-              <a:rPr lang="ru-RU" sz="2400" dirty="0" err="1">
-                <a:solidFill>
-                  <a:srgbClr val="C00000"/>
-                </a:solidFill>
-              </a:rPr>
-              <a:t>collision</a:t>
-            </a:r>
-            <a:r>
-              <a:rPr lang="en-US" sz="2400" dirty="0">
-                <a:solidFill>
-                  <a:srgbClr val="C00000"/>
-                </a:solidFill>
-              </a:rPr>
-              <a:t>.</a:t>
-            </a:r>
-            <a:r>
-              <a:rPr lang="en-US" sz="2400" dirty="0" err="1">
-                <a:solidFill>
-                  <a:srgbClr val="C00000"/>
-                </a:solidFill>
-              </a:rPr>
-              <a:t>gameObject</a:t>
-            </a:r>
-            <a:r>
-              <a:rPr lang="en-US" sz="2400" dirty="0" err="1">
-                <a:solidFill>
-                  <a:schemeClr val="accent3"/>
-                </a:solidFill>
-              </a:rPr>
-              <a:t>.</a:t>
-            </a:r>
-            <a:r>
-              <a:rPr lang="en-US" sz="2400" dirty="0" err="1">
-                <a:solidFill>
-                  <a:srgbClr val="27870D"/>
-                </a:solidFill>
-              </a:rPr>
-              <a:t>tag</a:t>
-            </a:r>
-            <a:r>
-              <a:rPr lang="en-US" sz="2400" dirty="0">
-                <a:solidFill>
-                  <a:schemeClr val="accent3"/>
-                </a:solidFill>
-              </a:rPr>
-              <a:t> </a:t>
-            </a:r>
-            <a:r>
-              <a:rPr lang="en-US" sz="2400" dirty="0"/>
-              <a:t>– </a:t>
-            </a:r>
-            <a:r>
-              <a:rPr lang="ru-RU" sz="2400" dirty="0"/>
-              <a:t>тэг объекта столкновения</a:t>
-            </a:r>
-          </a:p>
-          <a:p>
-            <a:r>
-              <a:rPr lang="ru-RU" sz="2400" dirty="0" err="1">
-                <a:solidFill>
-                  <a:srgbClr val="C00000"/>
-                </a:solidFill>
-              </a:rPr>
-              <a:t>collision</a:t>
-            </a:r>
-            <a:r>
-              <a:rPr lang="en-US" sz="2400" dirty="0">
-                <a:solidFill>
-                  <a:srgbClr val="C00000"/>
-                </a:solidFill>
-              </a:rPr>
-              <a:t>.gameObject</a:t>
-            </a:r>
-            <a:r>
-              <a:rPr lang="en-US" sz="2400" dirty="0">
-                <a:solidFill>
-                  <a:schemeClr val="accent3"/>
-                </a:solidFill>
-              </a:rPr>
-              <a:t>.</a:t>
-            </a:r>
-            <a:r>
-              <a:rPr lang="en-US" sz="2400" dirty="0">
-                <a:solidFill>
-                  <a:srgbClr val="27870D"/>
-                </a:solidFill>
-              </a:rPr>
-              <a:t>name</a:t>
-            </a:r>
-            <a:r>
-              <a:rPr lang="en-US" sz="2400" dirty="0">
-                <a:solidFill>
-                  <a:schemeClr val="accent3"/>
-                </a:solidFill>
-              </a:rPr>
-              <a:t> </a:t>
-            </a:r>
-            <a:r>
-              <a:rPr lang="en-US" sz="2400" dirty="0"/>
-              <a:t>– </a:t>
-            </a:r>
-            <a:r>
-              <a:rPr lang="ru-RU" sz="2400" dirty="0"/>
-              <a:t>имя объекта столкновения</a:t>
-            </a:r>
-          </a:p>
-          <a:p>
-            <a:endParaRPr lang="ru-RU" sz="2400" dirty="0"/>
-          </a:p>
-          <a:p>
-            <a:r>
-              <a:rPr lang="ru-RU" sz="2400" dirty="0" err="1">
-                <a:solidFill>
-                  <a:srgbClr val="C00000"/>
-                </a:solidFill>
-              </a:rPr>
-              <a:t>collision</a:t>
-            </a:r>
-            <a:r>
-              <a:rPr lang="en-US" sz="2400" dirty="0">
-                <a:solidFill>
-                  <a:srgbClr val="C00000"/>
-                </a:solidFill>
-              </a:rPr>
-              <a:t>.</a:t>
-            </a:r>
-            <a:r>
-              <a:rPr lang="en-US" sz="2400" dirty="0" err="1">
-                <a:solidFill>
-                  <a:srgbClr val="C00000"/>
-                </a:solidFill>
-              </a:rPr>
-              <a:t>gameObject</a:t>
-            </a:r>
-            <a:r>
-              <a:rPr lang="en-US" sz="2400" dirty="0" err="1">
-                <a:solidFill>
-                  <a:schemeClr val="accent3"/>
-                </a:solidFill>
-              </a:rPr>
-              <a:t>.</a:t>
-            </a:r>
-            <a:r>
-              <a:rPr lang="en-US" sz="2400" dirty="0" err="1">
-                <a:solidFill>
-                  <a:srgbClr val="27870D"/>
-                </a:solidFill>
-              </a:rPr>
-              <a:t>transform</a:t>
-            </a:r>
-            <a:r>
-              <a:rPr lang="en-US" sz="2400" dirty="0">
-                <a:solidFill>
-                  <a:schemeClr val="accent3"/>
-                </a:solidFill>
-              </a:rPr>
-              <a:t> </a:t>
-            </a:r>
-            <a:r>
-              <a:rPr lang="en-US" sz="2400" dirty="0"/>
-              <a:t>– </a:t>
-            </a:r>
-            <a:r>
-              <a:rPr lang="ru-RU" sz="2400" dirty="0"/>
-              <a:t>положение объекта столкновения</a:t>
-            </a:r>
-          </a:p>
-          <a:p>
-            <a:r>
-              <a:rPr lang="ru-RU" sz="2400" dirty="0" err="1">
-                <a:solidFill>
-                  <a:srgbClr val="C00000"/>
-                </a:solidFill>
-              </a:rPr>
-              <a:t>collision</a:t>
-            </a:r>
-            <a:r>
-              <a:rPr lang="en-US" sz="2400" dirty="0">
-                <a:solidFill>
-                  <a:srgbClr val="C00000"/>
-                </a:solidFill>
-              </a:rPr>
-              <a:t>.</a:t>
-            </a:r>
-            <a:r>
-              <a:rPr lang="en-US" sz="2400" dirty="0" err="1">
-                <a:solidFill>
-                  <a:srgbClr val="C00000"/>
-                </a:solidFill>
-              </a:rPr>
-              <a:t>gameObject</a:t>
-            </a:r>
-            <a:r>
-              <a:rPr lang="en-US" sz="2400" dirty="0" err="1">
-                <a:solidFill>
-                  <a:schemeClr val="accent3"/>
-                </a:solidFill>
-              </a:rPr>
-              <a:t>.</a:t>
-            </a:r>
-            <a:r>
-              <a:rPr lang="en-US" sz="2400" dirty="0" err="1">
-                <a:solidFill>
-                  <a:srgbClr val="27870D"/>
-                </a:solidFill>
-              </a:rPr>
-              <a:t>GetComponent</a:t>
-            </a:r>
-            <a:r>
-              <a:rPr lang="en-US" sz="2400" dirty="0">
-                <a:solidFill>
-                  <a:srgbClr val="27870D"/>
-                </a:solidFill>
-              </a:rPr>
-              <a:t>&lt;&gt;() </a:t>
-            </a:r>
-            <a:r>
-              <a:rPr lang="en-US" sz="2400" dirty="0"/>
-              <a:t>– </a:t>
-            </a:r>
-            <a:r>
-              <a:rPr lang="ru-RU" sz="2400" dirty="0"/>
-              <a:t>компоненты объекта столкновения</a:t>
-            </a:r>
-          </a:p>
-          <a:p>
-            <a:endParaRPr lang="ru-RU" sz="2400" dirty="0"/>
-          </a:p>
-          <a:p>
-            <a:r>
-              <a:rPr lang="ru-RU" sz="2400" dirty="0" err="1">
-                <a:solidFill>
-                  <a:srgbClr val="C00000"/>
-                </a:solidFill>
-              </a:rPr>
-              <a:t>collision</a:t>
-            </a:r>
-            <a:r>
-              <a:rPr lang="en-US" sz="2400" dirty="0">
-                <a:solidFill>
-                  <a:srgbClr val="C00000"/>
-                </a:solidFill>
-              </a:rPr>
-              <a:t>.</a:t>
-            </a:r>
-            <a:r>
-              <a:rPr lang="en-US" sz="2400" dirty="0" err="1">
-                <a:solidFill>
-                  <a:srgbClr val="C00000"/>
-                </a:solidFill>
-              </a:rPr>
-              <a:t>gameObject</a:t>
-            </a:r>
-            <a:r>
-              <a:rPr lang="en-US" sz="2400" dirty="0" err="1">
-                <a:solidFill>
-                  <a:schemeClr val="accent3"/>
-                </a:solidFill>
-              </a:rPr>
-              <a:t>.</a:t>
-            </a:r>
-            <a:r>
-              <a:rPr lang="en-US" sz="2400" dirty="0" err="1">
-                <a:solidFill>
-                  <a:srgbClr val="27870D"/>
-                </a:solidFill>
-              </a:rPr>
-              <a:t>GetComponent</a:t>
-            </a:r>
-            <a:r>
-              <a:rPr lang="en-US" sz="2400" dirty="0">
-                <a:solidFill>
-                  <a:srgbClr val="27870D"/>
-                </a:solidFill>
-              </a:rPr>
-              <a:t>&lt;</a:t>
-            </a:r>
-            <a:r>
-              <a:rPr lang="en-US" sz="2400" dirty="0" err="1">
-                <a:solidFill>
-                  <a:srgbClr val="27870D"/>
-                </a:solidFill>
-              </a:rPr>
-              <a:t>AudioSource</a:t>
-            </a:r>
-            <a:r>
-              <a:rPr lang="en-US" sz="2400" dirty="0">
-                <a:solidFill>
-                  <a:srgbClr val="27870D"/>
-                </a:solidFill>
-              </a:rPr>
-              <a:t>&gt;().Play() </a:t>
-            </a:r>
-            <a:r>
-              <a:rPr lang="en-US" sz="2400" dirty="0"/>
-              <a:t>–</a:t>
-            </a:r>
-            <a:r>
-              <a:rPr lang="ru-RU" sz="2400" dirty="0"/>
-              <a:t> проиграть аудио ресурс объекта столкновения</a:t>
-            </a:r>
-          </a:p>
-          <a:p>
-            <a:endParaRPr lang="ru-RU" sz="2400" dirty="0"/>
-          </a:p>
-          <a:p>
-            <a:endParaRPr lang="ru-RU" sz="2400" dirty="0"/>
-          </a:p>
-        </p:txBody>
-      </p:sp>
-    </p:spTree>
-    <p:extLst>
-      <p:ext uri="{BB962C8B-B14F-4D97-AF65-F5344CB8AC3E}">
-        <p14:creationId xmlns:p14="http://schemas.microsoft.com/office/powerpoint/2010/main" val="1706180478"/>
+        <p14:creationId xmlns:p14="http://schemas.microsoft.com/office/powerpoint/2010/main" val="1963700559"/>
       </p:ext>
     </p:extLst>
   </p:cSld>
@@ -10129,7 +6459,7 @@
             <a:pPr rtl="0"/>
             <a:fld id="{629C2F20-7994-4D1E-A01C-96ECBA4612EB}" type="datetime1">
               <a:rPr lang="ru-RU" smtClean="0"/>
-              <a:t>17.09.2020</a:t>
+              <a:t>04.10.2020</a:t>
             </a:fld>
             <a:endParaRPr lang="en-US"/>
           </a:p>
@@ -10631,338 +6961,6 @@
 </p:sld>
 </file>
 
-<file path=ppt/slides/slide20.xml><?xml version="1.0" encoding="utf-8"?>
-<p:sld xmlns:a="http://schemas.openxmlformats.org/drawingml/2006/main" xmlns:r="http://schemas.openxmlformats.org/officeDocument/2006/relationships" xmlns:p="http://schemas.openxmlformats.org/presentationml/2006/main">
-  <p:cSld>
-    <p:spTree>
-      <p:nvGrpSpPr>
-        <p:cNvPr id="1" name=""/>
-        <p:cNvGrpSpPr/>
-        <p:nvPr/>
-      </p:nvGrpSpPr>
-      <p:grpSpPr>
-        <a:xfrm>
-          <a:off x="0" y="0"/>
-          <a:ext cx="0" cy="0"/>
-          <a:chOff x="0" y="0"/>
-          <a:chExt cx="0" cy="0"/>
-        </a:xfrm>
-      </p:grpSpPr>
-      <p:sp>
-        <p:nvSpPr>
-          <p:cNvPr id="4" name="Дата 3">
-            <a:extLst>
-              <a:ext uri="{FF2B5EF4-FFF2-40B4-BE49-F238E27FC236}">
-                <a16:creationId xmlns:a16="http://schemas.microsoft.com/office/drawing/2014/main" id="{A9577426-050A-4C6D-8771-B1DFD0D56CFB}"/>
-              </a:ext>
-            </a:extLst>
-          </p:cNvPr>
-          <p:cNvSpPr>
-            <a:spLocks noGrp="1"/>
-          </p:cNvSpPr>
-          <p:nvPr>
-            <p:ph type="dt" sz="half" idx="10"/>
-          </p:nvPr>
-        </p:nvSpPr>
-        <p:spPr/>
-        <p:txBody>
-          <a:bodyPr/>
-          <a:lstStyle/>
-          <a:p>
-            <a:pPr rtl="0"/>
-            <a:fld id="{629C2F20-7994-4D1E-A01C-96ECBA4612EB}" type="datetime1">
-              <a:rPr lang="ru-RU" smtClean="0"/>
-              <a:t>17.09.2020</a:t>
-            </a:fld>
-            <a:endParaRPr lang="en-US"/>
-          </a:p>
-        </p:txBody>
-      </p:sp>
-      <p:sp>
-        <p:nvSpPr>
-          <p:cNvPr id="5" name="Заголовок 1">
-            <a:extLst>
-              <a:ext uri="{FF2B5EF4-FFF2-40B4-BE49-F238E27FC236}">
-                <a16:creationId xmlns:a16="http://schemas.microsoft.com/office/drawing/2014/main" id="{211AF984-8FAD-4380-9159-6A130D50EF68}"/>
-              </a:ext>
-            </a:extLst>
-          </p:cNvPr>
-          <p:cNvSpPr>
-            <a:spLocks noGrp="1"/>
-          </p:cNvSpPr>
-          <p:nvPr>
-            <p:ph type="title"/>
-          </p:nvPr>
-        </p:nvSpPr>
-        <p:spPr>
-          <a:xfrm>
-            <a:off x="1066800" y="457200"/>
-            <a:ext cx="10058400" cy="1371600"/>
-          </a:xfrm>
-        </p:spPr>
-        <p:txBody>
-          <a:bodyPr/>
-          <a:lstStyle/>
-          <a:p>
-            <a:pPr algn="ctr"/>
-            <a:r>
-              <a:rPr lang="ru-RU" b="1" dirty="0">
-                <a:solidFill>
-                  <a:schemeClr val="accent3">
-                    <a:lumMod val="75000"/>
-                  </a:schemeClr>
-                </a:solidFill>
-                <a:latin typeface="Segoe Print" panose="02000600000000000000" pitchFamily="2" charset="0"/>
-              </a:rPr>
-              <a:t>Что нужно сделать</a:t>
-            </a:r>
-          </a:p>
-        </p:txBody>
-      </p:sp>
-      <p:sp>
-        <p:nvSpPr>
-          <p:cNvPr id="3" name="TextBox 2">
-            <a:extLst>
-              <a:ext uri="{FF2B5EF4-FFF2-40B4-BE49-F238E27FC236}">
-                <a16:creationId xmlns:a16="http://schemas.microsoft.com/office/drawing/2014/main" id="{5BBFBB38-9710-4B39-89AD-C275D9C2F81B}"/>
-              </a:ext>
-            </a:extLst>
-          </p:cNvPr>
-          <p:cNvSpPr txBox="1"/>
-          <p:nvPr/>
-        </p:nvSpPr>
-        <p:spPr>
-          <a:xfrm>
-            <a:off x="795707" y="1828800"/>
-            <a:ext cx="5803876" cy="4462760"/>
-          </a:xfrm>
-          <a:prstGeom prst="rect">
-            <a:avLst/>
-          </a:prstGeom>
-          <a:noFill/>
-        </p:spPr>
-        <p:txBody>
-          <a:bodyPr wrap="square">
-            <a:spAutoFit/>
-          </a:bodyPr>
-          <a:lstStyle/>
-          <a:p>
-            <a:r>
-              <a:rPr lang="ru-RU" sz="2800" dirty="0">
-                <a:solidFill>
-                  <a:srgbClr val="002060"/>
-                </a:solidFill>
-                <a:ea typeface="Calibri" panose="020F0502020204030204" pitchFamily="34" charset="0"/>
-                <a:cs typeface="Times New Roman" panose="02020603050405020304" pitchFamily="18" charset="0"/>
-              </a:rPr>
-              <a:t>В проекте с самолетом добавить облако.</a:t>
-            </a:r>
-          </a:p>
-          <a:p>
-            <a:r>
-              <a:rPr lang="ru-RU" sz="2800" dirty="0">
-                <a:solidFill>
-                  <a:srgbClr val="002060"/>
-                </a:solidFill>
-                <a:ea typeface="Calibri" panose="020F0502020204030204" pitchFamily="34" charset="0"/>
-                <a:cs typeface="Times New Roman" panose="02020603050405020304" pitchFamily="18" charset="0"/>
-              </a:rPr>
-              <a:t>Реализовать столкновение самолета с облаком как с твердым объектом.</a:t>
-            </a:r>
-          </a:p>
-          <a:p>
-            <a:r>
-              <a:rPr lang="ru-RU" sz="2800" dirty="0">
-                <a:solidFill>
-                  <a:srgbClr val="002060"/>
-                </a:solidFill>
-                <a:ea typeface="Calibri" panose="020F0502020204030204" pitchFamily="34" charset="0"/>
-                <a:cs typeface="Times New Roman" panose="02020603050405020304" pitchFamily="18" charset="0"/>
-              </a:rPr>
-              <a:t>При столкновении должен воспроизводиться звук.</a:t>
-            </a:r>
-          </a:p>
-          <a:p>
-            <a:endParaRPr lang="ru-RU" sz="2200" dirty="0">
-              <a:solidFill>
-                <a:srgbClr val="002060"/>
-              </a:solidFill>
-              <a:ea typeface="Calibri" panose="020F0502020204030204" pitchFamily="34" charset="0"/>
-              <a:cs typeface="Times New Roman" panose="02020603050405020304" pitchFamily="18" charset="0"/>
-            </a:endParaRPr>
-          </a:p>
-          <a:p>
-            <a:endParaRPr lang="ru-RU" sz="2200" dirty="0">
-              <a:solidFill>
-                <a:srgbClr val="002060"/>
-              </a:solidFill>
-              <a:ea typeface="Calibri" panose="020F0502020204030204" pitchFamily="34" charset="0"/>
-              <a:cs typeface="Times New Roman" panose="02020603050405020304" pitchFamily="18" charset="0"/>
-            </a:endParaRPr>
-          </a:p>
-          <a:p>
-            <a:endParaRPr lang="ru-RU" sz="2200" dirty="0">
-              <a:solidFill>
-                <a:srgbClr val="002060"/>
-              </a:solidFill>
-              <a:effectLst/>
-              <a:ea typeface="Calibri" panose="020F0502020204030204" pitchFamily="34" charset="0"/>
-              <a:cs typeface="Times New Roman" panose="02020603050405020304" pitchFamily="18" charset="0"/>
-            </a:endParaRPr>
-          </a:p>
-          <a:p>
-            <a:endParaRPr lang="ru-RU" sz="2200" dirty="0">
-              <a:solidFill>
-                <a:srgbClr val="002060"/>
-              </a:solidFill>
-            </a:endParaRPr>
-          </a:p>
-        </p:txBody>
-      </p:sp>
-      <p:sp>
-        <p:nvSpPr>
-          <p:cNvPr id="2" name="Прямоугольник 1">
-            <a:extLst>
-              <a:ext uri="{FF2B5EF4-FFF2-40B4-BE49-F238E27FC236}">
-                <a16:creationId xmlns:a16="http://schemas.microsoft.com/office/drawing/2014/main" id="{6C6E2B47-803B-4C65-B616-E4B49C47EC96}"/>
-              </a:ext>
-            </a:extLst>
-          </p:cNvPr>
-          <p:cNvSpPr/>
-          <p:nvPr/>
-        </p:nvSpPr>
-        <p:spPr>
-          <a:xfrm>
-            <a:off x="6811618" y="1580507"/>
-            <a:ext cx="4313582" cy="4454533"/>
-          </a:xfrm>
-          <a:prstGeom prst="rect">
-            <a:avLst/>
-          </a:prstGeom>
-        </p:spPr>
-        <p:style>
-          <a:lnRef idx="2">
-            <a:schemeClr val="accent3">
-              <a:shade val="50000"/>
-            </a:schemeClr>
-          </a:lnRef>
-          <a:fillRef idx="1">
-            <a:schemeClr val="accent3"/>
-          </a:fillRef>
-          <a:effectRef idx="0">
-            <a:schemeClr val="accent3"/>
-          </a:effectRef>
-          <a:fontRef idx="minor">
-            <a:schemeClr val="lt1"/>
-          </a:fontRef>
-        </p:style>
-        <p:txBody>
-          <a:bodyPr rtlCol="0" anchor="ctr"/>
-          <a:lstStyle/>
-          <a:p>
-            <a:pPr algn="ctr"/>
-            <a:endParaRPr lang="ru-RU" dirty="0"/>
-          </a:p>
-        </p:txBody>
-      </p:sp>
-      <p:pic>
-        <p:nvPicPr>
-          <p:cNvPr id="7" name="Рисунок 6">
-            <a:extLst>
-              <a:ext uri="{FF2B5EF4-FFF2-40B4-BE49-F238E27FC236}">
-                <a16:creationId xmlns:a16="http://schemas.microsoft.com/office/drawing/2014/main" id="{835E51D2-DA79-4A58-B008-46890E6293F7}"/>
-              </a:ext>
-            </a:extLst>
-          </p:cNvPr>
-          <p:cNvPicPr>
-            <a:picLocks noChangeAspect="1"/>
-          </p:cNvPicPr>
-          <p:nvPr/>
-        </p:nvPicPr>
-        <p:blipFill>
-          <a:blip r:embed="rId2">
-            <a:extLst>
-              <a:ext uri="{28A0092B-C50C-407E-A947-70E740481C1C}">
-                <a14:useLocalDpi xmlns:a14="http://schemas.microsoft.com/office/drawing/2010/main" val="0"/>
-              </a:ext>
-            </a:extLst>
-          </a:blip>
-          <a:stretch>
-            <a:fillRect/>
-          </a:stretch>
-        </p:blipFill>
-        <p:spPr>
-          <a:xfrm>
-            <a:off x="8491745" y="5100311"/>
-            <a:ext cx="953328" cy="746151"/>
-          </a:xfrm>
-          <a:prstGeom prst="rect">
-            <a:avLst/>
-          </a:prstGeom>
-        </p:spPr>
-      </p:pic>
-      <p:sp>
-        <p:nvSpPr>
-          <p:cNvPr id="6" name="Облако 5">
-            <a:extLst>
-              <a:ext uri="{FF2B5EF4-FFF2-40B4-BE49-F238E27FC236}">
-                <a16:creationId xmlns:a16="http://schemas.microsoft.com/office/drawing/2014/main" id="{4537CD8B-C05D-4DEF-911D-5385BF92693A}"/>
-              </a:ext>
-            </a:extLst>
-          </p:cNvPr>
-          <p:cNvSpPr/>
-          <p:nvPr/>
-        </p:nvSpPr>
-        <p:spPr>
-          <a:xfrm>
-            <a:off x="7521886" y="1741336"/>
-            <a:ext cx="2893045" cy="1497495"/>
-          </a:xfrm>
-          <a:prstGeom prst="cloud">
-            <a:avLst/>
-          </a:prstGeom>
-          <a:solidFill>
-            <a:schemeClr val="bg1"/>
-          </a:solidFill>
-        </p:spPr>
-        <p:style>
-          <a:lnRef idx="2">
-            <a:schemeClr val="accent1">
-              <a:shade val="50000"/>
-            </a:schemeClr>
-          </a:lnRef>
-          <a:fillRef idx="1">
-            <a:schemeClr val="accent1"/>
-          </a:fillRef>
-          <a:effectRef idx="0">
-            <a:schemeClr val="accent1"/>
-          </a:effectRef>
-          <a:fontRef idx="minor">
-            <a:schemeClr val="lt1"/>
-          </a:fontRef>
-        </p:style>
-        <p:txBody>
-          <a:bodyPr rtlCol="0" anchor="ctr"/>
-          <a:lstStyle/>
-          <a:p>
-            <a:pPr algn="ctr"/>
-            <a:endParaRPr lang="ru-RU"/>
-          </a:p>
-        </p:txBody>
-      </p:sp>
-    </p:spTree>
-    <p:extLst>
-      <p:ext uri="{BB962C8B-B14F-4D97-AF65-F5344CB8AC3E}">
-        <p14:creationId xmlns:p14="http://schemas.microsoft.com/office/powerpoint/2010/main" val="3337537378"/>
-      </p:ext>
-    </p:extLst>
-  </p:cSld>
-  <p:clrMapOvr>
-    <a:masterClrMapping/>
-  </p:clrMapOvr>
-</p:sld>
-</file>
-
 <file path=ppt/slides/slide3.xml><?xml version="1.0" encoding="utf-8"?>
 <p:sld xmlns:a="http://schemas.openxmlformats.org/drawingml/2006/main" xmlns:r="http://schemas.openxmlformats.org/officeDocument/2006/relationships" xmlns:p="http://schemas.openxmlformats.org/presentationml/2006/main">
   <p:cSld>
@@ -11050,7 +7048,7 @@
             <a:pPr rtl="0"/>
             <a:fld id="{629C2F20-7994-4D1E-A01C-96ECBA4612EB}" type="datetime1">
               <a:rPr lang="ru-RU" smtClean="0"/>
-              <a:t>17.09.2020</a:t>
+              <a:t>04.10.2020</a:t>
             </a:fld>
             <a:endParaRPr lang="en-US"/>
           </a:p>
@@ -11706,7 +7704,7 @@
             <a:pPr rtl="0"/>
             <a:fld id="{629C2F20-7994-4D1E-A01C-96ECBA4612EB}" type="datetime1">
               <a:rPr lang="ru-RU" smtClean="0"/>
-              <a:t>17.09.2020</a:t>
+              <a:t>04.10.2020</a:t>
             </a:fld>
             <a:endParaRPr lang="en-US"/>
           </a:p>
@@ -13280,7 +9278,7 @@
             <a:pPr rtl="0"/>
             <a:fld id="{629C2F20-7994-4D1E-A01C-96ECBA4612EB}" type="datetime1">
               <a:rPr lang="ru-RU" smtClean="0"/>
-              <a:t>17.09.2020</a:t>
+              <a:t>04.10.2020</a:t>
             </a:fld>
             <a:endParaRPr lang="en-US"/>
           </a:p>
@@ -13314,7 +9312,7 @@
           <a:p>
             <a:pPr algn="ctr"/>
             <a:r>
-              <a:rPr lang="ru-RU" b="1" dirty="0">
+              <a:rPr lang="ru-RU" b="1" dirty="0" err="1">
                 <a:solidFill>
                   <a:schemeClr val="accent3">
                     <a:lumMod val="75000"/>
@@ -13322,10 +9320,10 @@
                 </a:solidFill>
                 <a:latin typeface="Segoe Print" panose="02000600000000000000" pitchFamily="2" charset="0"/>
               </a:rPr>
-              <a:t>Столкновение </a:t>
-            </a:r>
-            <a:r>
-              <a:rPr lang="en-US" b="1" dirty="0" err="1">
+              <a:t>Префабы</a:t>
+            </a:r>
+            <a:r>
+              <a:rPr lang="ru-RU" b="1" dirty="0">
                 <a:solidFill>
                   <a:schemeClr val="accent3">
                     <a:lumMod val="75000"/>
@@ -13333,405 +9331,497 @@
                 </a:solidFill>
                 <a:latin typeface="Segoe Print" panose="02000600000000000000" pitchFamily="2" charset="0"/>
               </a:rPr>
-              <a:t>GameObject</a:t>
-            </a:r>
-            <a:r>
-              <a:rPr lang="en-US" b="1" dirty="0">
-                <a:solidFill>
-                  <a:schemeClr val="accent3">
-                    <a:lumMod val="75000"/>
-                  </a:schemeClr>
-                </a:solidFill>
-                <a:latin typeface="Segoe Print" panose="02000600000000000000" pitchFamily="2" charset="0"/>
-              </a:rPr>
-              <a:t>-</a:t>
-            </a:r>
-            <a:r>
-              <a:rPr lang="ru-RU" b="1" dirty="0" err="1">
-                <a:solidFill>
-                  <a:schemeClr val="accent3">
-                    <a:lumMod val="75000"/>
-                  </a:schemeClr>
-                </a:solidFill>
-                <a:latin typeface="Segoe Print" panose="02000600000000000000" pitchFamily="2" charset="0"/>
-              </a:rPr>
-              <a:t>ов</a:t>
-            </a:r>
-            <a:endParaRPr lang="ru-RU" b="1" dirty="0">
-              <a:solidFill>
-                <a:schemeClr val="accent3">
-                  <a:lumMod val="75000"/>
-                </a:schemeClr>
-              </a:solidFill>
-              <a:latin typeface="Segoe Print" panose="02000600000000000000" pitchFamily="2" charset="0"/>
-            </a:endParaRPr>
-          </a:p>
-        </p:txBody>
-      </p:sp>
-      <p:pic>
-        <p:nvPicPr>
-          <p:cNvPr id="3" name="Рисунок 2">
+              <a:t> в действии</a:t>
+            </a:r>
+          </a:p>
+        </p:txBody>
+      </p:sp>
+      <p:grpSp>
+        <p:nvGrpSpPr>
+          <p:cNvPr id="25" name="Группа 24">
             <a:extLst>
               <a:ext uri="{FF2B5EF4-FFF2-40B4-BE49-F238E27FC236}">
-                <a16:creationId xmlns:a16="http://schemas.microsoft.com/office/drawing/2014/main" id="{7F8A0143-680E-4C8D-9833-40AC592D2426}"/>
+                <a16:creationId xmlns:a16="http://schemas.microsoft.com/office/drawing/2014/main" id="{84D260DC-F054-4718-9456-0F1E5B294679}"/>
               </a:ext>
             </a:extLst>
           </p:cNvPr>
-          <p:cNvPicPr>
-            <a:picLocks noChangeAspect="1"/>
-          </p:cNvPicPr>
+          <p:cNvGrpSpPr/>
           <p:nvPr/>
-        </p:nvPicPr>
-        <p:blipFill>
-          <a:blip r:embed="rId2">
-            <a:extLst>
-              <a:ext uri="{28A0092B-C50C-407E-A947-70E740481C1C}">
-                <a14:useLocalDpi xmlns:a14="http://schemas.microsoft.com/office/drawing/2010/main" val="0"/>
-              </a:ext>
-            </a:extLst>
-          </a:blip>
-          <a:stretch>
-            <a:fillRect/>
-          </a:stretch>
-        </p:blipFill>
-        <p:spPr>
-          <a:xfrm>
-            <a:off x="3585584" y="1473455"/>
-            <a:ext cx="2228281" cy="1740559"/>
-          </a:xfrm>
-          <a:prstGeom prst="rect">
-            <a:avLst/>
-          </a:prstGeom>
-        </p:spPr>
-      </p:pic>
-      <p:pic>
-        <p:nvPicPr>
-          <p:cNvPr id="10" name="Рисунок 9">
+        </p:nvGrpSpPr>
+        <p:grpSpPr>
+          <a:xfrm>
+            <a:off x="5071246" y="4278419"/>
+            <a:ext cx="2336800" cy="1900745"/>
+            <a:chOff x="869244" y="1345430"/>
+            <a:chExt cx="2336800" cy="1900745"/>
+          </a:xfrm>
+        </p:grpSpPr>
+        <p:pic>
+          <p:nvPicPr>
+            <p:cNvPr id="13" name="Рисунок 12">
+              <a:extLst>
+                <a:ext uri="{FF2B5EF4-FFF2-40B4-BE49-F238E27FC236}">
+                  <a16:creationId xmlns:a16="http://schemas.microsoft.com/office/drawing/2014/main" id="{36746E43-F277-40A0-BFB8-D0AAA56A9F45}"/>
+                </a:ext>
+              </a:extLst>
+            </p:cNvPr>
+            <p:cNvPicPr>
+              <a:picLocks noChangeAspect="1"/>
+            </p:cNvPicPr>
+            <p:nvPr/>
+          </p:nvPicPr>
+          <p:blipFill>
+            <a:blip r:embed="rId2">
+              <a:extLst>
+                <a:ext uri="{28A0092B-C50C-407E-A947-70E740481C1C}">
+                  <a14:useLocalDpi xmlns:a14="http://schemas.microsoft.com/office/drawing/2010/main" val="0"/>
+                </a:ext>
+              </a:extLst>
+            </a:blip>
+            <a:stretch>
+              <a:fillRect/>
+            </a:stretch>
+          </p:blipFill>
+          <p:spPr>
+            <a:xfrm>
+              <a:off x="1259962" y="1689819"/>
+              <a:ext cx="1542581" cy="1204944"/>
+            </a:xfrm>
+            <a:prstGeom prst="rect">
+              <a:avLst/>
+            </a:prstGeom>
+          </p:spPr>
+        </p:pic>
+        <p:pic>
+          <p:nvPicPr>
+            <p:cNvPr id="17" name="Рисунок 16">
+              <a:extLst>
+                <a:ext uri="{FF2B5EF4-FFF2-40B4-BE49-F238E27FC236}">
+                  <a16:creationId xmlns:a16="http://schemas.microsoft.com/office/drawing/2014/main" id="{19DEAB3D-AF3C-4090-B65F-2B5CD5D62F87}"/>
+                </a:ext>
+              </a:extLst>
+            </p:cNvPr>
+            <p:cNvPicPr>
+              <a:picLocks noChangeAspect="1"/>
+            </p:cNvPicPr>
+            <p:nvPr/>
+          </p:nvPicPr>
+          <p:blipFill>
+            <a:blip r:embed="rId3">
+              <a:extLst>
+                <a:ext uri="{28A0092B-C50C-407E-A947-70E740481C1C}">
+                  <a14:useLocalDpi xmlns:a14="http://schemas.microsoft.com/office/drawing/2010/main" val="0"/>
+                </a:ext>
+              </a:extLst>
+            </a:blip>
+            <a:stretch>
+              <a:fillRect/>
+            </a:stretch>
+          </p:blipFill>
+          <p:spPr>
+            <a:xfrm>
+              <a:off x="1102800" y="2292291"/>
+              <a:ext cx="314325" cy="314325"/>
+            </a:xfrm>
+            <a:prstGeom prst="rect">
+              <a:avLst/>
+            </a:prstGeom>
+          </p:spPr>
+        </p:pic>
+        <p:sp>
+          <p:nvSpPr>
+            <p:cNvPr id="24" name="Прямоугольник 23">
+              <a:extLst>
+                <a:ext uri="{FF2B5EF4-FFF2-40B4-BE49-F238E27FC236}">
+                  <a16:creationId xmlns:a16="http://schemas.microsoft.com/office/drawing/2014/main" id="{B100DC9E-24B8-4BCC-9019-FBE8BEE853C0}"/>
+                </a:ext>
+              </a:extLst>
+            </p:cNvPr>
+            <p:cNvSpPr/>
+            <p:nvPr/>
+          </p:nvSpPr>
+          <p:spPr>
+            <a:xfrm>
+              <a:off x="869244" y="1345430"/>
+              <a:ext cx="2336800" cy="1900745"/>
+            </a:xfrm>
+            <a:prstGeom prst="rect">
+              <a:avLst/>
+            </a:prstGeom>
+            <a:noFill/>
+            <a:ln w="28575" cap="flat" cmpd="sng" algn="ctr">
+              <a:solidFill>
+                <a:schemeClr val="accent3"/>
+              </a:solidFill>
+              <a:prstDash val="solid"/>
+              <a:round/>
+              <a:headEnd type="none" w="med" len="med"/>
+              <a:tailEnd type="none" w="med" len="med"/>
+            </a:ln>
+          </p:spPr>
+          <p:style>
+            <a:lnRef idx="0">
+              <a:scrgbClr r="0" g="0" b="0"/>
+            </a:lnRef>
+            <a:fillRef idx="0">
+              <a:scrgbClr r="0" g="0" b="0"/>
+            </a:fillRef>
+            <a:effectRef idx="0">
+              <a:scrgbClr r="0" g="0" b="0"/>
+            </a:effectRef>
+            <a:fontRef idx="minor">
+              <a:schemeClr val="accent3"/>
+            </a:fontRef>
+          </p:style>
+          <p:txBody>
+            <a:bodyPr rtlCol="0" anchor="ctr"/>
+            <a:lstStyle/>
+            <a:p>
+              <a:pPr algn="ctr"/>
+              <a:endParaRPr lang="ru-RU"/>
+            </a:p>
+          </p:txBody>
+        </p:sp>
+      </p:grpSp>
+      <p:grpSp>
+        <p:nvGrpSpPr>
+          <p:cNvPr id="29" name="Группа 28">
             <a:extLst>
               <a:ext uri="{FF2B5EF4-FFF2-40B4-BE49-F238E27FC236}">
-                <a16:creationId xmlns:a16="http://schemas.microsoft.com/office/drawing/2014/main" id="{8DD44E32-CA5A-46C9-86CB-6C4EF3ADD592}"/>
+                <a16:creationId xmlns:a16="http://schemas.microsoft.com/office/drawing/2014/main" id="{5C6533C2-A79C-4A01-B984-BFF87A02903F}"/>
               </a:ext>
             </a:extLst>
           </p:cNvPr>
-          <p:cNvPicPr>
-            <a:picLocks noChangeAspect="1"/>
-          </p:cNvPicPr>
+          <p:cNvGrpSpPr/>
           <p:nvPr/>
-        </p:nvPicPr>
-        <p:blipFill>
-          <a:blip r:embed="rId3">
-            <a:extLst>
-              <a:ext uri="{28A0092B-C50C-407E-A947-70E740481C1C}">
-                <a14:useLocalDpi xmlns:a14="http://schemas.microsoft.com/office/drawing/2010/main" val="0"/>
-              </a:ext>
-            </a:extLst>
-          </a:blip>
-          <a:stretch>
-            <a:fillRect/>
-          </a:stretch>
-        </p:blipFill>
-        <p:spPr>
-          <a:xfrm>
-            <a:off x="5575349" y="1380350"/>
-            <a:ext cx="1114425" cy="1524000"/>
-          </a:xfrm>
-          <a:prstGeom prst="rect">
-            <a:avLst/>
-          </a:prstGeom>
-        </p:spPr>
-      </p:pic>
-      <p:sp>
-        <p:nvSpPr>
-          <p:cNvPr id="13" name="TextBox 12">
+        </p:nvGrpSpPr>
+        <p:grpSpPr>
+          <a:xfrm>
+            <a:off x="955657" y="1605577"/>
+            <a:ext cx="2336800" cy="1900745"/>
+            <a:chOff x="873760" y="3752875"/>
+            <a:chExt cx="2336800" cy="1900745"/>
+          </a:xfrm>
+        </p:grpSpPr>
+        <p:pic>
+          <p:nvPicPr>
+            <p:cNvPr id="19" name="Рисунок 18">
+              <a:extLst>
+                <a:ext uri="{FF2B5EF4-FFF2-40B4-BE49-F238E27FC236}">
+                  <a16:creationId xmlns:a16="http://schemas.microsoft.com/office/drawing/2014/main" id="{496EDBFB-314F-4FEB-9651-E8B7EB815273}"/>
+                </a:ext>
+              </a:extLst>
+            </p:cNvPr>
+            <p:cNvPicPr>
+              <a:picLocks noChangeAspect="1"/>
+            </p:cNvPicPr>
+            <p:nvPr/>
+          </p:nvPicPr>
+          <p:blipFill>
+            <a:blip r:embed="rId4">
+              <a:extLst>
+                <a:ext uri="{28A0092B-C50C-407E-A947-70E740481C1C}">
+                  <a14:useLocalDpi xmlns:a14="http://schemas.microsoft.com/office/drawing/2010/main" val="0"/>
+                </a:ext>
+              </a:extLst>
+            </a:blip>
+            <a:stretch>
+              <a:fillRect/>
+            </a:stretch>
+          </p:blipFill>
+          <p:spPr>
+            <a:xfrm>
+              <a:off x="1583331" y="4942782"/>
+              <a:ext cx="904875" cy="504825"/>
+            </a:xfrm>
+            <a:prstGeom prst="rect">
+              <a:avLst/>
+            </a:prstGeom>
+          </p:spPr>
+        </p:pic>
+        <p:pic>
+          <p:nvPicPr>
+            <p:cNvPr id="23" name="Рисунок 22">
+              <a:extLst>
+                <a:ext uri="{FF2B5EF4-FFF2-40B4-BE49-F238E27FC236}">
+                  <a16:creationId xmlns:a16="http://schemas.microsoft.com/office/drawing/2014/main" id="{F6CB46A8-FF79-44CD-8F3F-098991E4E7FA}"/>
+                </a:ext>
+              </a:extLst>
+            </p:cNvPr>
+            <p:cNvPicPr>
+              <a:picLocks noChangeAspect="1"/>
+            </p:cNvPicPr>
+            <p:nvPr/>
+          </p:nvPicPr>
+          <p:blipFill>
+            <a:blip r:embed="rId2">
+              <a:extLst>
+                <a:ext uri="{28A0092B-C50C-407E-A947-70E740481C1C}">
+                  <a14:useLocalDpi xmlns:a14="http://schemas.microsoft.com/office/drawing/2010/main" val="0"/>
+                </a:ext>
+              </a:extLst>
+            </a:blip>
+            <a:stretch>
+              <a:fillRect/>
+            </a:stretch>
+          </p:blipFill>
+          <p:spPr>
+            <a:xfrm>
+              <a:off x="1270870" y="3955899"/>
+              <a:ext cx="1542581" cy="1204944"/>
+            </a:xfrm>
+            <a:prstGeom prst="rect">
+              <a:avLst/>
+            </a:prstGeom>
+          </p:spPr>
+        </p:pic>
+        <p:sp>
+          <p:nvSpPr>
+            <p:cNvPr id="28" name="Прямоугольник 27">
+              <a:extLst>
+                <a:ext uri="{FF2B5EF4-FFF2-40B4-BE49-F238E27FC236}">
+                  <a16:creationId xmlns:a16="http://schemas.microsoft.com/office/drawing/2014/main" id="{71F86450-E5CE-4CCA-89D9-856B44EFD4D6}"/>
+                </a:ext>
+              </a:extLst>
+            </p:cNvPr>
+            <p:cNvSpPr/>
+            <p:nvPr/>
+          </p:nvSpPr>
+          <p:spPr>
+            <a:xfrm>
+              <a:off x="873760" y="3752875"/>
+              <a:ext cx="2336800" cy="1900745"/>
+            </a:xfrm>
+            <a:prstGeom prst="rect">
+              <a:avLst/>
+            </a:prstGeom>
+            <a:noFill/>
+            <a:ln w="28575" cap="flat" cmpd="sng" algn="ctr">
+              <a:solidFill>
+                <a:schemeClr val="accent3"/>
+              </a:solidFill>
+              <a:prstDash val="solid"/>
+              <a:round/>
+              <a:headEnd type="none" w="med" len="med"/>
+              <a:tailEnd type="none" w="med" len="med"/>
+            </a:ln>
+          </p:spPr>
+          <p:style>
+            <a:lnRef idx="0">
+              <a:scrgbClr r="0" g="0" b="0"/>
+            </a:lnRef>
+            <a:fillRef idx="0">
+              <a:scrgbClr r="0" g="0" b="0"/>
+            </a:fillRef>
+            <a:effectRef idx="0">
+              <a:scrgbClr r="0" g="0" b="0"/>
+            </a:effectRef>
+            <a:fontRef idx="minor">
+              <a:schemeClr val="accent3"/>
+            </a:fontRef>
+          </p:style>
+          <p:txBody>
+            <a:bodyPr rtlCol="0" anchor="ctr"/>
+            <a:lstStyle/>
+            <a:p>
+              <a:pPr algn="ctr"/>
+              <a:endParaRPr lang="ru-RU"/>
+            </a:p>
+          </p:txBody>
+        </p:sp>
+      </p:grpSp>
+      <p:grpSp>
+        <p:nvGrpSpPr>
+          <p:cNvPr id="36" name="Группа 35">
             <a:extLst>
               <a:ext uri="{FF2B5EF4-FFF2-40B4-BE49-F238E27FC236}">
-                <a16:creationId xmlns:a16="http://schemas.microsoft.com/office/drawing/2014/main" id="{8ED9BC39-BF77-4B35-89E2-DA8162B523B0}"/>
+                <a16:creationId xmlns:a16="http://schemas.microsoft.com/office/drawing/2014/main" id="{86CABDCE-DC73-4ECA-805B-BD956E9C4049}"/>
               </a:ext>
             </a:extLst>
           </p:cNvPr>
-          <p:cNvSpPr txBox="1"/>
+          <p:cNvGrpSpPr/>
           <p:nvPr/>
-        </p:nvSpPr>
-        <p:spPr>
-          <a:xfrm>
-            <a:off x="4352377" y="2959225"/>
-            <a:ext cx="4014402" cy="646331"/>
-          </a:xfrm>
-          <a:prstGeom prst="rect">
-            <a:avLst/>
-          </a:prstGeom>
-          <a:noFill/>
-        </p:spPr>
-        <p:txBody>
-          <a:bodyPr wrap="square" rtlCol="0">
-            <a:spAutoFit/>
-          </a:bodyPr>
-          <a:lstStyle/>
-          <a:p>
-            <a:r>
-              <a:rPr lang="en-US" sz="3600" b="1" dirty="0">
-                <a:solidFill>
-                  <a:schemeClr val="accent6">
-                    <a:lumMod val="75000"/>
-                  </a:schemeClr>
-                </a:solidFill>
-                <a:latin typeface="Segoe Print" panose="02000600000000000000" pitchFamily="2" charset="0"/>
-              </a:rPr>
-              <a:t>Sprite</a:t>
-            </a:r>
-            <a:endParaRPr lang="ru-RU" sz="3600" b="1" dirty="0">
+        </p:nvGrpSpPr>
+        <p:grpSpPr>
+          <a:xfrm>
+            <a:off x="5071246" y="1605577"/>
+            <a:ext cx="2336800" cy="1900745"/>
+            <a:chOff x="4032669" y="1614044"/>
+            <a:chExt cx="2336800" cy="1900745"/>
+          </a:xfrm>
+        </p:grpSpPr>
+        <p:pic>
+          <p:nvPicPr>
+            <p:cNvPr id="21" name="Рисунок 20">
+              <a:extLst>
+                <a:ext uri="{FF2B5EF4-FFF2-40B4-BE49-F238E27FC236}">
+                  <a16:creationId xmlns:a16="http://schemas.microsoft.com/office/drawing/2014/main" id="{04C1AE3D-9328-4F11-9736-3BAE0A76E4D2}"/>
+                </a:ext>
+              </a:extLst>
+            </p:cNvPr>
+            <p:cNvPicPr>
+              <a:picLocks noChangeAspect="1"/>
+            </p:cNvPicPr>
+            <p:nvPr/>
+          </p:nvPicPr>
+          <p:blipFill>
+            <a:blip r:embed="rId5">
+              <a:extLst>
+                <a:ext uri="{28A0092B-C50C-407E-A947-70E740481C1C}">
+                  <a14:useLocalDpi xmlns:a14="http://schemas.microsoft.com/office/drawing/2010/main" val="0"/>
+                </a:ext>
+              </a:extLst>
+            </a:blip>
+            <a:stretch>
+              <a:fillRect/>
+            </a:stretch>
+          </p:blipFill>
+          <p:spPr>
+            <a:xfrm>
+              <a:off x="4934369" y="2023387"/>
+              <a:ext cx="781050" cy="866775"/>
+            </a:xfrm>
+            <a:prstGeom prst="rect">
+              <a:avLst/>
+            </a:prstGeom>
+          </p:spPr>
+        </p:pic>
+        <p:sp>
+          <p:nvSpPr>
+            <p:cNvPr id="31" name="Прямоугольник 30">
+              <a:extLst>
+                <a:ext uri="{FF2B5EF4-FFF2-40B4-BE49-F238E27FC236}">
+                  <a16:creationId xmlns:a16="http://schemas.microsoft.com/office/drawing/2014/main" id="{AC5F1D2F-2E7C-4207-B9B8-A75FA0C392B1}"/>
+                </a:ext>
+              </a:extLst>
+            </p:cNvPr>
+            <p:cNvSpPr/>
+            <p:nvPr/>
+          </p:nvSpPr>
+          <p:spPr>
+            <a:xfrm>
+              <a:off x="4032669" y="1614044"/>
+              <a:ext cx="2336800" cy="1900745"/>
+            </a:xfrm>
+            <a:prstGeom prst="rect">
+              <a:avLst/>
+            </a:prstGeom>
+            <a:noFill/>
+            <a:ln w="28575" cap="flat" cmpd="sng" algn="ctr">
               <a:solidFill>
-                <a:schemeClr val="accent6">
-                  <a:lumMod val="75000"/>
-                </a:schemeClr>
+                <a:schemeClr val="accent3"/>
               </a:solidFill>
-              <a:latin typeface="Segoe Print" panose="02000600000000000000" pitchFamily="2" charset="0"/>
-            </a:endParaRPr>
-          </a:p>
-        </p:txBody>
-      </p:sp>
-      <p:pic>
-        <p:nvPicPr>
-          <p:cNvPr id="21" name="Рисунок 20">
+              <a:prstDash val="solid"/>
+              <a:round/>
+              <a:headEnd type="none" w="med" len="med"/>
+              <a:tailEnd type="none" w="med" len="med"/>
+            </a:ln>
+          </p:spPr>
+          <p:style>
+            <a:lnRef idx="0">
+              <a:scrgbClr r="0" g="0" b="0"/>
+            </a:lnRef>
+            <a:fillRef idx="0">
+              <a:scrgbClr r="0" g="0" b="0"/>
+            </a:fillRef>
+            <a:effectRef idx="0">
+              <a:scrgbClr r="0" g="0" b="0"/>
+            </a:effectRef>
+            <a:fontRef idx="minor">
+              <a:schemeClr val="accent3"/>
+            </a:fontRef>
+          </p:style>
+          <p:txBody>
+            <a:bodyPr rtlCol="0" anchor="ctr"/>
+            <a:lstStyle/>
+            <a:p>
+              <a:pPr algn="ctr"/>
+              <a:endParaRPr lang="ru-RU"/>
+            </a:p>
+          </p:txBody>
+        </p:sp>
+        <p:pic>
+          <p:nvPicPr>
+            <p:cNvPr id="35" name="Рисунок 34">
+              <a:extLst>
+                <a:ext uri="{FF2B5EF4-FFF2-40B4-BE49-F238E27FC236}">
+                  <a16:creationId xmlns:a16="http://schemas.microsoft.com/office/drawing/2014/main" id="{75C56176-AE44-4A4C-A152-E6807FAA5F08}"/>
+                </a:ext>
+              </a:extLst>
+            </p:cNvPr>
+            <p:cNvPicPr>
+              <a:picLocks noChangeAspect="1"/>
+            </p:cNvPicPr>
+            <p:nvPr/>
+          </p:nvPicPr>
+          <p:blipFill>
+            <a:blip r:embed="rId4">
+              <a:extLst>
+                <a:ext uri="{28A0092B-C50C-407E-A947-70E740481C1C}">
+                  <a14:useLocalDpi xmlns:a14="http://schemas.microsoft.com/office/drawing/2010/main" val="0"/>
+                </a:ext>
+              </a:extLst>
+            </a:blip>
+            <a:stretch>
+              <a:fillRect/>
+            </a:stretch>
+          </p:blipFill>
+          <p:spPr>
+            <a:xfrm>
+              <a:off x="4810544" y="2795484"/>
+              <a:ext cx="904875" cy="504825"/>
+            </a:xfrm>
+            <a:prstGeom prst="rect">
+              <a:avLst/>
+            </a:prstGeom>
+          </p:spPr>
+        </p:pic>
+      </p:grpSp>
+      <p:cxnSp>
+        <p:nvCxnSpPr>
+          <p:cNvPr id="38" name="Прямая со стрелкой 37">
             <a:extLst>
               <a:ext uri="{FF2B5EF4-FFF2-40B4-BE49-F238E27FC236}">
-                <a16:creationId xmlns:a16="http://schemas.microsoft.com/office/drawing/2014/main" id="{DEAAD0D0-F3D2-4706-B062-05FB1B3FACDB}"/>
+                <a16:creationId xmlns:a16="http://schemas.microsoft.com/office/drawing/2014/main" id="{66DF73BA-35F2-41D3-B57C-2DC242CD9282}"/>
               </a:ext>
             </a:extLst>
           </p:cNvPr>
-          <p:cNvPicPr>
-            <a:picLocks noChangeAspect="1"/>
-          </p:cNvPicPr>
+          <p:cNvCxnSpPr/>
           <p:nvPr/>
-        </p:nvPicPr>
-        <p:blipFill>
-          <a:blip r:embed="rId2">
-            <a:extLst>
-              <a:ext uri="{28A0092B-C50C-407E-A947-70E740481C1C}">
-                <a14:useLocalDpi xmlns:a14="http://schemas.microsoft.com/office/drawing/2010/main" val="0"/>
-              </a:ext>
-            </a:extLst>
-          </a:blip>
-          <a:stretch>
-            <a:fillRect/>
-          </a:stretch>
-        </p:blipFill>
-        <p:spPr>
-          <a:xfrm>
-            <a:off x="1750370" y="3993477"/>
-            <a:ext cx="2228281" cy="1740559"/>
-          </a:xfrm>
-          <a:prstGeom prst="rect">
+        </p:nvCxnSpPr>
+        <p:spPr>
+          <a:xfrm>
+            <a:off x="3499556" y="2555949"/>
+            <a:ext cx="1275644" cy="0"/>
+          </a:xfrm>
+          <a:prstGeom prst="straightConnector1">
             <a:avLst/>
           </a:prstGeom>
-        </p:spPr>
-      </p:pic>
-      <p:pic>
-        <p:nvPicPr>
-          <p:cNvPr id="28" name="Рисунок 27">
+          <a:ln>
+            <a:tailEnd type="triangle"/>
+          </a:ln>
+        </p:spPr>
+        <p:style>
+          <a:lnRef idx="3">
+            <a:schemeClr val="accent1"/>
+          </a:lnRef>
+          <a:fillRef idx="0">
+            <a:schemeClr val="accent1"/>
+          </a:fillRef>
+          <a:effectRef idx="2">
+            <a:schemeClr val="accent1"/>
+          </a:effectRef>
+          <a:fontRef idx="minor">
+            <a:schemeClr val="tx1"/>
+          </a:fontRef>
+        </p:style>
+      </p:cxnSp>
+      <p:sp>
+        <p:nvSpPr>
+          <p:cNvPr id="39" name="Прямоугольник 38">
             <a:extLst>
               <a:ext uri="{FF2B5EF4-FFF2-40B4-BE49-F238E27FC236}">
-                <a16:creationId xmlns:a16="http://schemas.microsoft.com/office/drawing/2014/main" id="{BDE08BA9-CE78-4256-B780-1FA9099A445B}"/>
-              </a:ext>
-            </a:extLst>
-          </p:cNvPr>
-          <p:cNvPicPr>
-            <a:picLocks noChangeAspect="1"/>
-          </p:cNvPicPr>
-          <p:nvPr/>
-        </p:nvPicPr>
-        <p:blipFill>
-          <a:blip r:embed="rId3">
-            <a:extLst>
-              <a:ext uri="{28A0092B-C50C-407E-A947-70E740481C1C}">
-                <a14:useLocalDpi xmlns:a14="http://schemas.microsoft.com/office/drawing/2010/main" val="0"/>
-              </a:ext>
-            </a:extLst>
-          </a:blip>
-          <a:stretch>
-            <a:fillRect/>
-          </a:stretch>
-        </p:blipFill>
-        <p:spPr>
-          <a:xfrm>
-            <a:off x="2318513" y="3886871"/>
-            <a:ext cx="1114425" cy="1524000"/>
-          </a:xfrm>
-          <a:prstGeom prst="rect">
-            <a:avLst/>
-          </a:prstGeom>
-        </p:spPr>
-      </p:pic>
-      <p:sp>
-        <p:nvSpPr>
-          <p:cNvPr id="30" name="TextBox 29">
-            <a:extLst>
-              <a:ext uri="{FF2B5EF4-FFF2-40B4-BE49-F238E27FC236}">
-                <a16:creationId xmlns:a16="http://schemas.microsoft.com/office/drawing/2014/main" id="{0CA7AABD-92D0-46D7-99F3-DCF5980D47A5}"/>
-              </a:ext>
-            </a:extLst>
-          </p:cNvPr>
-          <p:cNvSpPr txBox="1"/>
-          <p:nvPr/>
-        </p:nvSpPr>
-        <p:spPr>
-          <a:xfrm>
-            <a:off x="1187221" y="5410871"/>
-            <a:ext cx="4014402" cy="646331"/>
-          </a:xfrm>
-          <a:prstGeom prst="rect">
-            <a:avLst/>
-          </a:prstGeom>
-          <a:noFill/>
-        </p:spPr>
-        <p:txBody>
-          <a:bodyPr wrap="square" rtlCol="0">
-            <a:spAutoFit/>
-          </a:bodyPr>
-          <a:lstStyle/>
-          <a:p>
-            <a:r>
-              <a:rPr lang="en-US" sz="3600" b="1" dirty="0">
-                <a:solidFill>
-                  <a:schemeClr val="accent6">
-                    <a:lumMod val="75000"/>
-                  </a:schemeClr>
-                </a:solidFill>
-                <a:latin typeface="Segoe Print" panose="02000600000000000000" pitchFamily="2" charset="0"/>
-              </a:rPr>
-              <a:t>Game Object</a:t>
-            </a:r>
-            <a:endParaRPr lang="ru-RU" sz="3600" b="1" dirty="0">
-              <a:solidFill>
-                <a:schemeClr val="accent6">
-                  <a:lumMod val="75000"/>
-                </a:schemeClr>
-              </a:solidFill>
-              <a:latin typeface="Segoe Print" panose="02000600000000000000" pitchFamily="2" charset="0"/>
-            </a:endParaRPr>
-          </a:p>
-        </p:txBody>
-      </p:sp>
-      <p:pic>
-        <p:nvPicPr>
-          <p:cNvPr id="32" name="Рисунок 31">
-            <a:extLst>
-              <a:ext uri="{FF2B5EF4-FFF2-40B4-BE49-F238E27FC236}">
-                <a16:creationId xmlns:a16="http://schemas.microsoft.com/office/drawing/2014/main" id="{14C3D4B3-ED68-4CB1-8E86-5D75D4C90028}"/>
-              </a:ext>
-            </a:extLst>
-          </p:cNvPr>
-          <p:cNvPicPr>
-            <a:picLocks noChangeAspect="1"/>
-          </p:cNvPicPr>
-          <p:nvPr/>
-        </p:nvPicPr>
-        <p:blipFill>
-          <a:blip r:embed="rId3">
-            <a:extLst>
-              <a:ext uri="{28A0092B-C50C-407E-A947-70E740481C1C}">
-                <a14:useLocalDpi xmlns:a14="http://schemas.microsoft.com/office/drawing/2010/main" val="0"/>
-              </a:ext>
-            </a:extLst>
-          </a:blip>
-          <a:stretch>
-            <a:fillRect/>
-          </a:stretch>
-        </p:blipFill>
-        <p:spPr>
-          <a:xfrm>
-            <a:off x="8413509" y="3837867"/>
-            <a:ext cx="1114425" cy="1524000"/>
-          </a:xfrm>
-          <a:prstGeom prst="rect">
-            <a:avLst/>
-          </a:prstGeom>
-        </p:spPr>
-      </p:pic>
-      <p:sp>
-        <p:nvSpPr>
-          <p:cNvPr id="34" name="TextBox 33">
-            <a:extLst>
-              <a:ext uri="{FF2B5EF4-FFF2-40B4-BE49-F238E27FC236}">
-                <a16:creationId xmlns:a16="http://schemas.microsoft.com/office/drawing/2014/main" id="{DE5606B5-D4AE-4E3A-80B3-9D015E158789}"/>
-              </a:ext>
-            </a:extLst>
-          </p:cNvPr>
-          <p:cNvSpPr txBox="1"/>
-          <p:nvPr/>
-        </p:nvSpPr>
-        <p:spPr>
-          <a:xfrm>
-            <a:off x="6508503" y="5388709"/>
-            <a:ext cx="5288566" cy="646331"/>
-          </a:xfrm>
-          <a:prstGeom prst="rect">
-            <a:avLst/>
-          </a:prstGeom>
-          <a:noFill/>
-        </p:spPr>
-        <p:txBody>
-          <a:bodyPr wrap="square" rtlCol="0">
-            <a:spAutoFit/>
-          </a:bodyPr>
-          <a:lstStyle/>
-          <a:p>
-            <a:r>
-              <a:rPr lang="ru-RU" sz="3600" b="1" dirty="0">
-                <a:solidFill>
-                  <a:schemeClr val="accent6">
-                    <a:lumMod val="75000"/>
-                  </a:schemeClr>
-                </a:solidFill>
-                <a:latin typeface="Segoe Print" panose="02000600000000000000" pitchFamily="2" charset="0"/>
-              </a:rPr>
-              <a:t>Столкновение</a:t>
-            </a:r>
-          </a:p>
-        </p:txBody>
-      </p:sp>
-      <p:pic>
-        <p:nvPicPr>
-          <p:cNvPr id="36" name="Рисунок 35">
-            <a:extLst>
-              <a:ext uri="{FF2B5EF4-FFF2-40B4-BE49-F238E27FC236}">
-                <a16:creationId xmlns:a16="http://schemas.microsoft.com/office/drawing/2014/main" id="{3B00573D-2839-434F-8FF2-D1D6D9C8FE11}"/>
-              </a:ext>
-            </a:extLst>
-          </p:cNvPr>
-          <p:cNvPicPr>
-            <a:picLocks noChangeAspect="1"/>
-          </p:cNvPicPr>
-          <p:nvPr/>
-        </p:nvPicPr>
-        <p:blipFill>
-          <a:blip r:embed="rId2">
-            <a:extLst>
-              <a:ext uri="{28A0092B-C50C-407E-A947-70E740481C1C}">
-                <a14:useLocalDpi xmlns:a14="http://schemas.microsoft.com/office/drawing/2010/main" val="0"/>
-              </a:ext>
-            </a:extLst>
-          </a:blip>
-          <a:stretch>
-            <a:fillRect/>
-          </a:stretch>
-        </p:blipFill>
-        <p:spPr>
-          <a:xfrm>
-            <a:off x="6583725" y="3971316"/>
-            <a:ext cx="2228281" cy="1740559"/>
-          </a:xfrm>
-          <a:prstGeom prst="rect">
-            <a:avLst/>
-          </a:prstGeom>
-        </p:spPr>
-      </p:pic>
-      <p:sp>
-        <p:nvSpPr>
-          <p:cNvPr id="41" name="Прямоугольник 40">
-            <a:extLst>
-              <a:ext uri="{FF2B5EF4-FFF2-40B4-BE49-F238E27FC236}">
-                <a16:creationId xmlns:a16="http://schemas.microsoft.com/office/drawing/2014/main" id="{0F1BBDCC-2BEE-495E-BC24-B1F19C9EC4A8}"/>
+                <a16:creationId xmlns:a16="http://schemas.microsoft.com/office/drawing/2014/main" id="{E79F45E1-ABCA-40A1-9C93-5FA12F1C2FBF}"/>
               </a:ext>
             </a:extLst>
           </p:cNvPr>
@@ -13740,100 +9830,69 @@
         </p:nvSpPr>
         <p:spPr>
           <a:xfrm>
-            <a:off x="6936457" y="4475924"/>
-            <a:ext cx="1450623" cy="939628"/>
+            <a:off x="7408046" y="4715296"/>
+            <a:ext cx="915376" cy="923330"/>
           </a:xfrm>
           <a:prstGeom prst="rect">
             <a:avLst/>
           </a:prstGeom>
-          <a:solidFill>
-            <a:schemeClr val="accent2">
-              <a:alpha val="50000"/>
-            </a:schemeClr>
-          </a:solidFill>
-          <a:ln>
-            <a:noFill/>
-          </a:ln>
-        </p:spPr>
-        <p:style>
-          <a:lnRef idx="0">
-            <a:scrgbClr r="0" g="0" b="0"/>
-          </a:lnRef>
-          <a:fillRef idx="0">
-            <a:scrgbClr r="0" g="0" b="0"/>
-          </a:fillRef>
-          <a:effectRef idx="0">
-            <a:scrgbClr r="0" g="0" b="0"/>
-          </a:effectRef>
-          <a:fontRef idx="minor">
-            <a:schemeClr val="lt1"/>
-          </a:fontRef>
-        </p:style>
-        <p:txBody>
-          <a:bodyPr rtlCol="0" anchor="ctr"/>
+          <a:noFill/>
+        </p:spPr>
+        <p:txBody>
+          <a:bodyPr wrap="square" lIns="91440" tIns="45720" rIns="91440" bIns="45720">
+            <a:spAutoFit/>
+          </a:bodyPr>
           <a:lstStyle/>
           <a:p>
             <a:pPr algn="ctr"/>
-            <a:endParaRPr lang="ru-RU" dirty="0"/>
-          </a:p>
-        </p:txBody>
-      </p:sp>
-      <p:sp>
-        <p:nvSpPr>
-          <p:cNvPr id="43" name="Прямоугольник 42">
-            <a:extLst>
-              <a:ext uri="{FF2B5EF4-FFF2-40B4-BE49-F238E27FC236}">
-                <a16:creationId xmlns:a16="http://schemas.microsoft.com/office/drawing/2014/main" id="{4CD29A39-B29E-416D-A1FF-A417170CA43C}"/>
-              </a:ext>
-            </a:extLst>
-          </p:cNvPr>
-          <p:cNvSpPr/>
-          <p:nvPr/>
-        </p:nvSpPr>
-        <p:spPr>
-          <a:xfrm>
-            <a:off x="8366779" y="3774718"/>
-            <a:ext cx="1134724" cy="1636153"/>
-          </a:xfrm>
-          <a:prstGeom prst="rect">
-            <a:avLst/>
-          </a:prstGeom>
-          <a:solidFill>
-            <a:schemeClr val="accent4">
-              <a:alpha val="50000"/>
-            </a:schemeClr>
-          </a:solidFill>
-          <a:ln>
-            <a:noFill/>
-          </a:ln>
-        </p:spPr>
-        <p:style>
-          <a:lnRef idx="0">
-            <a:scrgbClr r="0" g="0" b="0"/>
-          </a:lnRef>
-          <a:fillRef idx="0">
-            <a:scrgbClr r="0" g="0" b="0"/>
-          </a:fillRef>
-          <a:effectRef idx="0">
-            <a:scrgbClr r="0" g="0" b="0"/>
-          </a:effectRef>
-          <a:fontRef idx="minor">
-            <a:schemeClr val="lt1"/>
-          </a:fontRef>
-        </p:style>
-        <p:txBody>
-          <a:bodyPr rtlCol="0" anchor="ctr"/>
-          <a:lstStyle/>
-          <a:p>
-            <a:pPr algn="ctr"/>
-            <a:endParaRPr lang="ru-RU" dirty="0"/>
+            <a:r>
+              <a:rPr lang="ru-RU" sz="5400" b="1" dirty="0">
+                <a:ln w="13462">
+                  <a:solidFill>
+                    <a:schemeClr val="bg1"/>
+                  </a:solidFill>
+                  <a:prstDash val="solid"/>
+                </a:ln>
+                <a:solidFill>
+                  <a:schemeClr val="tx1">
+                    <a:lumMod val="85000"/>
+                    <a:lumOff val="15000"/>
+                  </a:schemeClr>
+                </a:solidFill>
+                <a:effectLst>
+                  <a:outerShdw dist="38100" dir="2700000" algn="bl" rotWithShape="0">
+                    <a:schemeClr val="accent5"/>
+                  </a:outerShdw>
+                </a:effectLst>
+              </a:rPr>
+              <a:t>?</a:t>
+            </a:r>
+            <a:endParaRPr lang="ru-RU" sz="5400" b="1" cap="none" spc="0" dirty="0">
+              <a:ln w="13462">
+                <a:solidFill>
+                  <a:schemeClr val="bg1"/>
+                </a:solidFill>
+                <a:prstDash val="solid"/>
+              </a:ln>
+              <a:solidFill>
+                <a:schemeClr val="tx1">
+                  <a:lumMod val="85000"/>
+                  <a:lumOff val="15000"/>
+                </a:schemeClr>
+              </a:solidFill>
+              <a:effectLst>
+                <a:outerShdw dist="38100" dir="2700000" algn="bl" rotWithShape="0">
+                  <a:schemeClr val="accent5"/>
+                </a:outerShdw>
+              </a:effectLst>
+            </a:endParaRPr>
           </a:p>
         </p:txBody>
       </p:sp>
     </p:spTree>
     <p:extLst>
       <p:ext uri="{BB962C8B-B14F-4D97-AF65-F5344CB8AC3E}">
-        <p14:creationId xmlns:p14="http://schemas.microsoft.com/office/powerpoint/2010/main" val="454772966"/>
+        <p14:creationId xmlns:p14="http://schemas.microsoft.com/office/powerpoint/2010/main" val="667590827"/>
       </p:ext>
     </p:extLst>
   </p:cSld>
@@ -13884,7 +9943,7 @@
             <a:pPr rtl="0"/>
             <a:fld id="{629C2F20-7994-4D1E-A01C-96ECBA4612EB}" type="datetime1">
               <a:rPr lang="ru-RU" smtClean="0"/>
-              <a:t>17.09.2020</a:t>
+              <a:t>04.10.2020</a:t>
             </a:fld>
             <a:endParaRPr lang="en-US"/>
           </a:p>
@@ -13918,7 +9977,7 @@
           <a:p>
             <a:pPr algn="ctr"/>
             <a:r>
-              <a:rPr lang="ru-RU" b="1" dirty="0">
+              <a:rPr lang="ru-RU" b="1" dirty="0" err="1">
                 <a:solidFill>
                   <a:schemeClr val="accent3">
                     <a:lumMod val="75000"/>
@@ -13926,10 +9985,10 @@
                 </a:solidFill>
                 <a:latin typeface="Segoe Print" panose="02000600000000000000" pitchFamily="2" charset="0"/>
               </a:rPr>
-              <a:t>Что такое </a:t>
-            </a:r>
-            <a:r>
-              <a:rPr lang="en-US" b="1" dirty="0">
+              <a:t>Содание</a:t>
+            </a:r>
+            <a:r>
+              <a:rPr lang="ru-RU" b="1" dirty="0">
                 <a:solidFill>
                   <a:schemeClr val="accent3">
                     <a:lumMod val="75000"/>
@@ -13937,25 +9996,39 @@
                 </a:solidFill>
                 <a:latin typeface="Segoe Print" panose="02000600000000000000" pitchFamily="2" charset="0"/>
               </a:rPr>
-              <a:t>Rigidbody2D</a:t>
-            </a:r>
-            <a:endParaRPr lang="ru-RU" b="1" dirty="0">
-              <a:solidFill>
-                <a:schemeClr val="accent3">
-                  <a:lumMod val="75000"/>
-                </a:schemeClr>
-              </a:solidFill>
-              <a:latin typeface="Segoe Print" panose="02000600000000000000" pitchFamily="2" charset="0"/>
-            </a:endParaRPr>
-          </a:p>
-        </p:txBody>
-      </p:sp>
-      <p:sp>
-        <p:nvSpPr>
-          <p:cNvPr id="13" name="TextBox 12">
+              <a:t> </a:t>
+            </a:r>
+            <a:r>
+              <a:rPr lang="ru-RU" b="1" dirty="0" err="1">
+                <a:solidFill>
+                  <a:schemeClr val="accent3">
+                    <a:lumMod val="75000"/>
+                  </a:schemeClr>
+                </a:solidFill>
+                <a:latin typeface="Segoe Print" panose="02000600000000000000" pitchFamily="2" charset="0"/>
+              </a:rPr>
+              <a:t>префаба</a:t>
+            </a:r>
+            <a:r>
+              <a:rPr lang="ru-RU" b="1" dirty="0">
+                <a:solidFill>
+                  <a:schemeClr val="accent3">
+                    <a:lumMod val="75000"/>
+                  </a:schemeClr>
+                </a:solidFill>
+                <a:latin typeface="Segoe Print" panose="02000600000000000000" pitchFamily="2" charset="0"/>
+              </a:rPr>
+              <a:t> в нужный момент</a:t>
+            </a:r>
+          </a:p>
+        </p:txBody>
+      </p:sp>
+      <p:sp>
+        <p:nvSpPr>
+          <p:cNvPr id="20" name="TextBox 19">
             <a:extLst>
               <a:ext uri="{FF2B5EF4-FFF2-40B4-BE49-F238E27FC236}">
-                <a16:creationId xmlns:a16="http://schemas.microsoft.com/office/drawing/2014/main" id="{1B1C4CBB-80FE-424A-A473-99412A6EB5BF}"/>
+                <a16:creationId xmlns:a16="http://schemas.microsoft.com/office/drawing/2014/main" id="{5811AB85-59DC-43C4-AC3C-9218C516EAD2}"/>
               </a:ext>
             </a:extLst>
           </p:cNvPr>
@@ -13964,8 +10037,8 @@
         </p:nvSpPr>
         <p:spPr>
           <a:xfrm>
-            <a:off x="2022973" y="3294573"/>
-            <a:ext cx="3113083" cy="646331"/>
+            <a:off x="756356" y="1603513"/>
+            <a:ext cx="10679288" cy="5008102"/>
           </a:xfrm>
           <a:prstGeom prst="rect">
             <a:avLst/>
@@ -13973,246 +10046,289 @@
           <a:noFill/>
         </p:spPr>
         <p:txBody>
-          <a:bodyPr wrap="square" rtlCol="0">
+          <a:bodyPr wrap="square">
             <a:spAutoFit/>
           </a:bodyPr>
           <a:lstStyle/>
           <a:p>
-            <a:r>
-              <a:rPr lang="en-US" sz="3600" b="1" dirty="0" err="1">
-                <a:solidFill>
-                  <a:schemeClr val="accent6">
-                    <a:lumMod val="75000"/>
+            <a:pPr>
+              <a:lnSpc>
+                <a:spcPct val="150000"/>
+              </a:lnSpc>
+            </a:pPr>
+            <a:r>
+              <a:rPr lang="en-US" sz="2400" dirty="0">
+                <a:solidFill>
+                  <a:schemeClr val="tx1">
+                    <a:lumMod val="95000"/>
+                    <a:lumOff val="5000"/>
                   </a:schemeClr>
                 </a:solidFill>
-                <a:latin typeface="Segoe Print" panose="02000600000000000000" pitchFamily="2" charset="0"/>
               </a:rPr>
-              <a:t>GameObject</a:t>
-            </a:r>
-            <a:endParaRPr lang="ru-RU" sz="3600" b="1" dirty="0">
+              <a:t>1</a:t>
+            </a:r>
+            <a:r>
+              <a:rPr lang="ru-RU" sz="2400" dirty="0">
+                <a:solidFill>
+                  <a:schemeClr val="tx1">
+                    <a:lumMod val="95000"/>
+                    <a:lumOff val="5000"/>
+                  </a:schemeClr>
+                </a:solidFill>
+              </a:rPr>
+              <a:t>Определение переменной для </a:t>
+            </a:r>
+            <a:r>
+              <a:rPr lang="ru-RU" sz="2400" dirty="0" err="1">
+                <a:solidFill>
+                  <a:schemeClr val="tx1">
+                    <a:lumMod val="95000"/>
+                    <a:lumOff val="5000"/>
+                  </a:schemeClr>
+                </a:solidFill>
+              </a:rPr>
+              <a:t>префаба</a:t>
+            </a:r>
+            <a:endParaRPr lang="en-US" sz="2400" dirty="0">
               <a:solidFill>
-                <a:schemeClr val="accent6">
-                  <a:lumMod val="75000"/>
+                <a:schemeClr val="tx1">
+                  <a:lumMod val="95000"/>
+                  <a:lumOff val="5000"/>
                 </a:schemeClr>
               </a:solidFill>
-              <a:latin typeface="Segoe Print" panose="02000600000000000000" pitchFamily="2" charset="0"/>
             </a:endParaRPr>
           </a:p>
-        </p:txBody>
-      </p:sp>
-      <p:sp>
-        <p:nvSpPr>
-          <p:cNvPr id="15" name="TextBox 14">
-            <a:extLst>
-              <a:ext uri="{FF2B5EF4-FFF2-40B4-BE49-F238E27FC236}">
-                <a16:creationId xmlns:a16="http://schemas.microsoft.com/office/drawing/2014/main" id="{17BBB32A-AFD8-423E-9A41-5133E622B1F7}"/>
-              </a:ext>
-            </a:extLst>
-          </p:cNvPr>
-          <p:cNvSpPr txBox="1"/>
-          <p:nvPr/>
-        </p:nvSpPr>
-        <p:spPr>
-          <a:xfrm>
-            <a:off x="6435521" y="3294574"/>
-            <a:ext cx="4087850" cy="646331"/>
-          </a:xfrm>
-          <a:prstGeom prst="rect">
-            <a:avLst/>
-          </a:prstGeom>
-          <a:noFill/>
-        </p:spPr>
-        <p:txBody>
-          <a:bodyPr wrap="square" rtlCol="0">
-            <a:spAutoFit/>
-          </a:bodyPr>
-          <a:lstStyle/>
-          <a:p>
-            <a:r>
-              <a:rPr lang="en-US" sz="3600" b="1" dirty="0">
-                <a:solidFill>
-                  <a:schemeClr val="accent6">
-                    <a:lumMod val="75000"/>
-                  </a:schemeClr>
-                </a:solidFill>
-                <a:latin typeface="Segoe Print" panose="02000600000000000000" pitchFamily="2" charset="0"/>
+          <a:p>
+            <a:pPr>
+              <a:lnSpc>
+                <a:spcPct val="150000"/>
+              </a:lnSpc>
+            </a:pPr>
+            <a:r>
+              <a:rPr lang="ru-RU" sz="2400" dirty="0" err="1">
+                <a:solidFill>
+                  <a:srgbClr val="0070C0"/>
+                </a:solidFill>
               </a:rPr>
-              <a:t>Rigidbody2D</a:t>
-            </a:r>
-            <a:endParaRPr lang="ru-RU" sz="3600" b="1" dirty="0">
+              <a:t>public</a:t>
+            </a:r>
+            <a:r>
+              <a:rPr lang="ru-RU" sz="2400" dirty="0"/>
+              <a:t> </a:t>
+            </a:r>
+            <a:r>
+              <a:rPr lang="ru-RU" sz="2400" dirty="0" err="1"/>
+              <a:t>GameObject</a:t>
+            </a:r>
+            <a:r>
+              <a:rPr lang="ru-RU" sz="2400" dirty="0"/>
+              <a:t> </a:t>
+            </a:r>
+            <a:r>
+              <a:rPr lang="en-US" sz="2400" dirty="0">
+                <a:solidFill>
+                  <a:srgbClr val="FF0000"/>
+                </a:solidFill>
+              </a:rPr>
+              <a:t>Explosion</a:t>
+            </a:r>
+            <a:r>
+              <a:rPr lang="ru-RU" sz="2400" dirty="0"/>
+              <a:t>;</a:t>
+            </a:r>
+            <a:endParaRPr lang="en-US" sz="2400" dirty="0"/>
+          </a:p>
+          <a:p>
+            <a:pPr>
+              <a:lnSpc>
+                <a:spcPct val="150000"/>
+              </a:lnSpc>
+            </a:pPr>
+            <a:endParaRPr lang="ru-RU" sz="2400" dirty="0">
               <a:solidFill>
-                <a:schemeClr val="accent6">
-                  <a:lumMod val="75000"/>
+                <a:schemeClr val="tx1">
+                  <a:lumMod val="95000"/>
+                  <a:lumOff val="5000"/>
                 </a:schemeClr>
               </a:solidFill>
-              <a:latin typeface="Segoe Print" panose="02000600000000000000" pitchFamily="2" charset="0"/>
             </a:endParaRPr>
           </a:p>
-        </p:txBody>
-      </p:sp>
-      <p:pic>
-        <p:nvPicPr>
-          <p:cNvPr id="7" name="Рисунок 6">
-            <a:extLst>
-              <a:ext uri="{FF2B5EF4-FFF2-40B4-BE49-F238E27FC236}">
-                <a16:creationId xmlns:a16="http://schemas.microsoft.com/office/drawing/2014/main" id="{7E3EF2A2-5AA2-43C9-8871-FD6E2F0EBB46}"/>
-              </a:ext>
-            </a:extLst>
-          </p:cNvPr>
-          <p:cNvPicPr>
-            <a:picLocks noChangeAspect="1"/>
-          </p:cNvPicPr>
-          <p:nvPr/>
-        </p:nvPicPr>
-        <p:blipFill>
-          <a:blip r:embed="rId2">
-            <a:extLst>
-              <a:ext uri="{28A0092B-C50C-407E-A947-70E740481C1C}">
-                <a14:useLocalDpi xmlns:a14="http://schemas.microsoft.com/office/drawing/2010/main" val="0"/>
-              </a:ext>
-            </a:extLst>
-          </a:blip>
-          <a:stretch>
-            <a:fillRect/>
-          </a:stretch>
-        </p:blipFill>
-        <p:spPr>
-          <a:xfrm>
-            <a:off x="6435521" y="1230616"/>
-            <a:ext cx="3119688" cy="2436856"/>
-          </a:xfrm>
-          <a:prstGeom prst="rect">
-            <a:avLst/>
-          </a:prstGeom>
-          <a:ln>
-            <a:noFill/>
-          </a:ln>
-          <a:effectLst>
-            <a:outerShdw blurRad="190500" algn="tl" rotWithShape="0">
-              <a:srgbClr val="000000">
-                <a:alpha val="70000"/>
-              </a:srgbClr>
-            </a:outerShdw>
-          </a:effectLst>
-        </p:spPr>
-      </p:pic>
-      <p:pic>
-        <p:nvPicPr>
-          <p:cNvPr id="14" name="Рисунок 13">
-            <a:extLst>
-              <a:ext uri="{FF2B5EF4-FFF2-40B4-BE49-F238E27FC236}">
-                <a16:creationId xmlns:a16="http://schemas.microsoft.com/office/drawing/2014/main" id="{26B6AFB6-6520-4683-AFBC-DD03FBABC2D5}"/>
-              </a:ext>
-            </a:extLst>
-          </p:cNvPr>
-          <p:cNvPicPr>
-            <a:picLocks noChangeAspect="1"/>
-          </p:cNvPicPr>
-          <p:nvPr/>
-        </p:nvPicPr>
-        <p:blipFill>
-          <a:blip r:embed="rId3"/>
-          <a:stretch>
-            <a:fillRect/>
-          </a:stretch>
-        </p:blipFill>
-        <p:spPr>
-          <a:xfrm>
-            <a:off x="2022973" y="1206526"/>
-            <a:ext cx="3113083" cy="2436856"/>
-          </a:xfrm>
-          <a:prstGeom prst="rect">
-            <a:avLst/>
-          </a:prstGeom>
-        </p:spPr>
-      </p:pic>
-      <p:pic>
-        <p:nvPicPr>
-          <p:cNvPr id="5122" name="Picture 2">
-            <a:extLst>
-              <a:ext uri="{FF2B5EF4-FFF2-40B4-BE49-F238E27FC236}">
-                <a16:creationId xmlns:a16="http://schemas.microsoft.com/office/drawing/2014/main" id="{DAFD3F6F-065C-404B-82DC-A87118FE6C52}"/>
-              </a:ext>
-            </a:extLst>
-          </p:cNvPr>
-          <p:cNvPicPr>
-            <a:picLocks noChangeAspect="1" noChangeArrowheads="1"/>
-          </p:cNvPicPr>
-          <p:nvPr/>
-        </p:nvPicPr>
-        <p:blipFill>
-          <a:blip r:embed="rId4">
-            <a:extLst>
-              <a:ext uri="{28A0092B-C50C-407E-A947-70E740481C1C}">
-                <a14:useLocalDpi xmlns:a14="http://schemas.microsoft.com/office/drawing/2010/main" val="0"/>
-              </a:ext>
-            </a:extLst>
-          </a:blip>
-          <a:srcRect/>
-          <a:stretch>
-            <a:fillRect/>
-          </a:stretch>
-        </p:blipFill>
-        <p:spPr bwMode="auto">
-          <a:xfrm>
-            <a:off x="7042865" y="4130040"/>
-            <a:ext cx="1905000" cy="1905000"/>
-          </a:xfrm>
-          <a:prstGeom prst="rect">
-            <a:avLst/>
-          </a:prstGeom>
-          <a:noFill/>
-          <a:extLst>
-            <a:ext uri="{909E8E84-426E-40DD-AFC4-6F175D3DCCD1}">
-              <a14:hiddenFill xmlns:a14="http://schemas.microsoft.com/office/drawing/2010/main">
-                <a:solidFill>
-                  <a:srgbClr val="FFFFFF"/>
-                </a:solidFill>
-              </a14:hiddenFill>
-            </a:ext>
-          </a:extLst>
-        </p:spPr>
-      </p:pic>
-      <p:pic>
-        <p:nvPicPr>
-          <p:cNvPr id="31" name="Рисунок 30">
-            <a:extLst>
-              <a:ext uri="{FF2B5EF4-FFF2-40B4-BE49-F238E27FC236}">
-                <a16:creationId xmlns:a16="http://schemas.microsoft.com/office/drawing/2014/main" id="{5DD5AF2E-50C9-4469-94F1-2A14DDF63CBD}"/>
-              </a:ext>
-            </a:extLst>
-          </p:cNvPr>
-          <p:cNvPicPr>
-            <a:picLocks noChangeAspect="1"/>
-          </p:cNvPicPr>
-          <p:nvPr/>
-        </p:nvPicPr>
-        <p:blipFill>
-          <a:blip r:embed="rId5">
-            <a:extLst>
-              <a:ext uri="{28A0092B-C50C-407E-A947-70E740481C1C}">
-                <a14:useLocalDpi xmlns:a14="http://schemas.microsoft.com/office/drawing/2010/main" val="0"/>
-              </a:ext>
-            </a:extLst>
-          </a:blip>
-          <a:stretch>
-            <a:fillRect/>
-          </a:stretch>
-        </p:blipFill>
-        <p:spPr>
-          <a:xfrm>
-            <a:off x="2327470" y="4054914"/>
-            <a:ext cx="1948554" cy="1948554"/>
-          </a:xfrm>
-          <a:prstGeom prst="rect">
-            <a:avLst/>
-          </a:prstGeom>
-        </p:spPr>
-      </p:pic>
+          <a:p>
+            <a:pPr>
+              <a:lnSpc>
+                <a:spcPct val="150000"/>
+              </a:lnSpc>
+            </a:pPr>
+            <a:r>
+              <a:rPr lang="ru-RU" sz="2400" dirty="0">
+                <a:solidFill>
+                  <a:schemeClr val="tx1">
+                    <a:lumMod val="95000"/>
+                    <a:lumOff val="5000"/>
+                  </a:schemeClr>
+                </a:solidFill>
+              </a:rPr>
+              <a:t>2 Создание </a:t>
+            </a:r>
+            <a:r>
+              <a:rPr lang="ru-RU" sz="2400" dirty="0" err="1">
+                <a:solidFill>
+                  <a:schemeClr val="tx1">
+                    <a:lumMod val="95000"/>
+                    <a:lumOff val="5000"/>
+                  </a:schemeClr>
+                </a:solidFill>
+              </a:rPr>
+              <a:t>префаба</a:t>
+            </a:r>
+            <a:endParaRPr lang="en-US" sz="2400" dirty="0">
+              <a:solidFill>
+                <a:schemeClr val="tx1">
+                  <a:lumMod val="95000"/>
+                  <a:lumOff val="5000"/>
+                </a:schemeClr>
+              </a:solidFill>
+            </a:endParaRPr>
+          </a:p>
+          <a:p>
+            <a:pPr>
+              <a:lnSpc>
+                <a:spcPct val="150000"/>
+              </a:lnSpc>
+            </a:pPr>
+            <a:r>
+              <a:rPr lang="fr-FR" sz="2400" dirty="0" err="1">
+                <a:solidFill>
+                  <a:srgbClr val="00B050"/>
+                </a:solidFill>
+              </a:rPr>
+              <a:t>Instantiate</a:t>
+            </a:r>
+            <a:r>
+              <a:rPr lang="fr-FR" sz="2400" dirty="0"/>
+              <a:t>(</a:t>
+            </a:r>
+            <a:r>
+              <a:rPr lang="en-US" sz="2400" dirty="0">
+                <a:solidFill>
+                  <a:srgbClr val="FF0000"/>
+                </a:solidFill>
+              </a:rPr>
+              <a:t>Explosion</a:t>
+            </a:r>
+            <a:r>
+              <a:rPr lang="fr-FR" sz="2400" dirty="0"/>
+              <a:t>, </a:t>
+            </a:r>
+            <a:r>
+              <a:rPr lang="fr-FR" sz="2400" dirty="0" err="1"/>
+              <a:t>transform.position</a:t>
+            </a:r>
+            <a:r>
+              <a:rPr lang="fr-FR" sz="2400" dirty="0"/>
+              <a:t>, </a:t>
+            </a:r>
+            <a:r>
+              <a:rPr lang="fr-FR" sz="2400" dirty="0" err="1"/>
+              <a:t>transform.rotation</a:t>
+            </a:r>
+            <a:r>
+              <a:rPr lang="fr-FR" sz="2400" dirty="0"/>
+              <a:t>);</a:t>
+            </a:r>
+            <a:endParaRPr lang="ru-RU" sz="2400" dirty="0"/>
+          </a:p>
+          <a:p>
+            <a:pPr>
+              <a:lnSpc>
+                <a:spcPct val="150000"/>
+              </a:lnSpc>
+            </a:pPr>
+            <a:endParaRPr lang="ru-RU" sz="2400" dirty="0"/>
+          </a:p>
+          <a:p>
+            <a:pPr>
+              <a:lnSpc>
+                <a:spcPct val="150000"/>
+              </a:lnSpc>
+            </a:pPr>
+            <a:r>
+              <a:rPr lang="ru-RU" sz="2400" dirty="0">
+                <a:solidFill>
+                  <a:schemeClr val="tx1">
+                    <a:lumMod val="95000"/>
+                    <a:lumOff val="5000"/>
+                  </a:schemeClr>
+                </a:solidFill>
+              </a:rPr>
+              <a:t>3 Уничтожение </a:t>
+            </a:r>
+            <a:r>
+              <a:rPr lang="ru-RU" sz="2400" dirty="0" err="1">
+                <a:solidFill>
+                  <a:schemeClr val="tx1">
+                    <a:lumMod val="95000"/>
+                    <a:lumOff val="5000"/>
+                  </a:schemeClr>
+                </a:solidFill>
+              </a:rPr>
+              <a:t>префаба</a:t>
+            </a:r>
+            <a:endParaRPr lang="en-US" sz="2400" dirty="0">
+              <a:solidFill>
+                <a:schemeClr val="tx1">
+                  <a:lumMod val="95000"/>
+                  <a:lumOff val="5000"/>
+                </a:schemeClr>
+              </a:solidFill>
+            </a:endParaRPr>
+          </a:p>
+          <a:p>
+            <a:pPr>
+              <a:lnSpc>
+                <a:spcPct val="150000"/>
+              </a:lnSpc>
+            </a:pPr>
+            <a:r>
+              <a:rPr lang="en-US" sz="2400" dirty="0">
+                <a:solidFill>
+                  <a:srgbClr val="00B050"/>
+                </a:solidFill>
+              </a:rPr>
+              <a:t>Destroy</a:t>
+            </a:r>
+            <a:r>
+              <a:rPr lang="fr-FR" sz="2400" dirty="0"/>
+              <a:t>(</a:t>
+            </a:r>
+            <a:r>
+              <a:rPr lang="en-US" sz="2400" dirty="0">
+                <a:solidFill>
+                  <a:srgbClr val="FF0000"/>
+                </a:solidFill>
+              </a:rPr>
+              <a:t>Explosion</a:t>
+            </a:r>
+            <a:r>
+              <a:rPr lang="fr-FR" sz="2400" dirty="0"/>
+              <a:t>);</a:t>
+            </a:r>
+            <a:endParaRPr lang="ru-RU" sz="2400" dirty="0"/>
+          </a:p>
+          <a:p>
+            <a:pPr>
+              <a:lnSpc>
+                <a:spcPct val="150000"/>
+              </a:lnSpc>
+            </a:pPr>
+            <a:endParaRPr lang="ru-RU" sz="2400" dirty="0"/>
+          </a:p>
+        </p:txBody>
+      </p:sp>
     </p:spTree>
     <p:extLst>
       <p:ext uri="{BB962C8B-B14F-4D97-AF65-F5344CB8AC3E}">
-        <p14:creationId xmlns:p14="http://schemas.microsoft.com/office/powerpoint/2010/main" val="3108766160"/>
+        <p14:creationId xmlns:p14="http://schemas.microsoft.com/office/powerpoint/2010/main" val="3862583146"/>
       </p:ext>
     </p:extLst>
   </p:cSld>
@@ -14244,7 +10360,7 @@
           <p:cNvPr id="4" name="Дата 3">
             <a:extLst>
               <a:ext uri="{FF2B5EF4-FFF2-40B4-BE49-F238E27FC236}">
-                <a16:creationId xmlns:a16="http://schemas.microsoft.com/office/drawing/2014/main" id="{A9577426-050A-4C6D-8771-B1DFD0D56CFB}"/>
+                <a16:creationId xmlns:a16="http://schemas.microsoft.com/office/drawing/2014/main" id="{A740430A-C502-4F9B-89E2-D51D1348D0C3}"/>
               </a:ext>
             </a:extLst>
           </p:cNvPr>
@@ -14263,7 +10379,7 @@
             <a:pPr rtl="0"/>
             <a:fld id="{629C2F20-7994-4D1E-A01C-96ECBA4612EB}" type="datetime1">
               <a:rPr lang="ru-RU" smtClean="0"/>
-              <a:t>17.09.2020</a:t>
+              <a:t>04.10.2020</a:t>
             </a:fld>
             <a:endParaRPr lang="en-US"/>
           </a:p>
@@ -14274,30 +10390,55 @@
           <p:cNvPr id="5" name="Заголовок 1">
             <a:extLst>
               <a:ext uri="{FF2B5EF4-FFF2-40B4-BE49-F238E27FC236}">
-                <a16:creationId xmlns:a16="http://schemas.microsoft.com/office/drawing/2014/main" id="{211AF984-8FAD-4380-9159-6A130D50EF68}"/>
+                <a16:creationId xmlns:a16="http://schemas.microsoft.com/office/drawing/2014/main" id="{894A68B8-8475-4BAC-B9EA-8C6D3471A70E}"/>
               </a:ext>
             </a:extLst>
           </p:cNvPr>
-          <p:cNvSpPr>
-            <a:spLocks noGrp="1"/>
+          <p:cNvSpPr txBox="1">
+            <a:spLocks/>
           </p:cNvSpPr>
-          <p:nvPr>
-            <p:ph type="title"/>
-          </p:nvPr>
-        </p:nvSpPr>
-        <p:spPr>
-          <a:xfrm>
-            <a:off x="1066800" y="231913"/>
-            <a:ext cx="10058400" cy="1371600"/>
-          </a:xfrm>
-        </p:spPr>
-        <p:txBody>
-          <a:bodyPr/>
-          <a:lstStyle/>
+          <p:nvPr/>
+        </p:nvSpPr>
+        <p:spPr>
+          <a:xfrm>
+            <a:off x="1041647" y="457200"/>
+            <a:ext cx="10058400" cy="1527313"/>
+          </a:xfrm>
+          <a:prstGeom prst="rect">
+            <a:avLst/>
+          </a:prstGeom>
+        </p:spPr>
+        <p:txBody>
+          <a:bodyPr vert="horz" lIns="91440" tIns="45720" rIns="91440" bIns="45720" rtlCol="0" anchor="ctr">
+            <a:normAutofit/>
+          </a:bodyPr>
+          <a:lstStyle>
+            <a:lvl1pPr algn="l" defTabSz="914400" rtl="0" eaLnBrk="1" latinLnBrk="0" hangingPunct="1">
+              <a:lnSpc>
+                <a:spcPct val="90000"/>
+              </a:lnSpc>
+              <a:spcBef>
+                <a:spcPct val="0"/>
+              </a:spcBef>
+              <a:buNone/>
+              <a:defRPr lang="en-US" sz="4000" i="0" kern="1200" cap="none" spc="0" baseline="0" dirty="0">
+                <a:solidFill>
+                  <a:schemeClr val="tx1">
+                    <a:lumMod val="85000"/>
+                    <a:lumOff val="15000"/>
+                  </a:schemeClr>
+                </a:solidFill>
+                <a:effectLst/>
+                <a:latin typeface="+mj-lt"/>
+                <a:ea typeface="+mn-ea"/>
+                <a:cs typeface="+mn-cs"/>
+              </a:defRPr>
+            </a:lvl1pPr>
+          </a:lstStyle>
           <a:p>
             <a:pPr algn="ctr"/>
             <a:r>
-              <a:rPr lang="ru-RU" b="1" dirty="0">
+              <a:rPr lang="en-US" b="1" dirty="0" err="1">
                 <a:solidFill>
                   <a:schemeClr val="accent3">
                     <a:lumMod val="75000"/>
@@ -14305,18 +10446,7 @@
                 </a:solidFill>
                 <a:latin typeface="Segoe Print" panose="02000600000000000000" pitchFamily="2" charset="0"/>
               </a:rPr>
-              <a:t>Что такое </a:t>
-            </a:r>
-            <a:r>
-              <a:rPr lang="en-US" b="1" dirty="0">
-                <a:solidFill>
-                  <a:schemeClr val="accent3">
-                    <a:lumMod val="75000"/>
-                  </a:schemeClr>
-                </a:solidFill>
-                <a:latin typeface="Segoe Print" panose="02000600000000000000" pitchFamily="2" charset="0"/>
-              </a:rPr>
-              <a:t>Rigidbody2D</a:t>
+              <a:t>GameOver</a:t>
             </a:r>
             <a:endParaRPr lang="ru-RU" b="1" dirty="0">
               <a:solidFill>
@@ -14329,342 +10459,12 @@
           </a:p>
         </p:txBody>
       </p:sp>
-      <p:sp>
-        <p:nvSpPr>
-          <p:cNvPr id="15" name="TextBox 14">
+      <p:pic>
+        <p:nvPicPr>
+          <p:cNvPr id="1026" name="Picture 2" descr="Unity 5: UI - 7.2 Controlling a slider in scripts - YouTube">
             <a:extLst>
               <a:ext uri="{FF2B5EF4-FFF2-40B4-BE49-F238E27FC236}">
-                <a16:creationId xmlns:a16="http://schemas.microsoft.com/office/drawing/2014/main" id="{17BBB32A-AFD8-423E-9A41-5133E622B1F7}"/>
-              </a:ext>
-            </a:extLst>
-          </p:cNvPr>
-          <p:cNvSpPr txBox="1"/>
-          <p:nvPr/>
-        </p:nvSpPr>
-        <p:spPr>
-          <a:xfrm>
-            <a:off x="6435521" y="3294574"/>
-            <a:ext cx="4087850" cy="646331"/>
-          </a:xfrm>
-          <a:prstGeom prst="rect">
-            <a:avLst/>
-          </a:prstGeom>
-          <a:noFill/>
-        </p:spPr>
-        <p:txBody>
-          <a:bodyPr wrap="square" rtlCol="0">
-            <a:spAutoFit/>
-          </a:bodyPr>
-          <a:lstStyle/>
-          <a:p>
-            <a:r>
-              <a:rPr lang="en-US" sz="3600" b="1" dirty="0">
-                <a:solidFill>
-                  <a:schemeClr val="accent6">
-                    <a:lumMod val="75000"/>
-                  </a:schemeClr>
-                </a:solidFill>
-                <a:latin typeface="Segoe Print" panose="02000600000000000000" pitchFamily="2" charset="0"/>
-              </a:rPr>
-              <a:t>Rigidbody2D</a:t>
-            </a:r>
-            <a:endParaRPr lang="ru-RU" sz="3600" b="1" dirty="0">
-              <a:solidFill>
-                <a:schemeClr val="accent6">
-                  <a:lumMod val="75000"/>
-                </a:schemeClr>
-              </a:solidFill>
-              <a:latin typeface="Segoe Print" panose="02000600000000000000" pitchFamily="2" charset="0"/>
-            </a:endParaRPr>
-          </a:p>
-        </p:txBody>
-      </p:sp>
-      <p:pic>
-        <p:nvPicPr>
-          <p:cNvPr id="7" name="Рисунок 6">
-            <a:extLst>
-              <a:ext uri="{FF2B5EF4-FFF2-40B4-BE49-F238E27FC236}">
-                <a16:creationId xmlns:a16="http://schemas.microsoft.com/office/drawing/2014/main" id="{7E3EF2A2-5AA2-43C9-8871-FD6E2F0EBB46}"/>
-              </a:ext>
-            </a:extLst>
-          </p:cNvPr>
-          <p:cNvPicPr>
-            <a:picLocks noChangeAspect="1"/>
-          </p:cNvPicPr>
-          <p:nvPr/>
-        </p:nvPicPr>
-        <p:blipFill>
-          <a:blip r:embed="rId2">
-            <a:extLst>
-              <a:ext uri="{28A0092B-C50C-407E-A947-70E740481C1C}">
-                <a14:useLocalDpi xmlns:a14="http://schemas.microsoft.com/office/drawing/2010/main" val="0"/>
-              </a:ext>
-            </a:extLst>
-          </a:blip>
-          <a:stretch>
-            <a:fillRect/>
-          </a:stretch>
-        </p:blipFill>
-        <p:spPr>
-          <a:xfrm>
-            <a:off x="6435521" y="1230616"/>
-            <a:ext cx="3119688" cy="2436856"/>
-          </a:xfrm>
-          <a:prstGeom prst="rect">
-            <a:avLst/>
-          </a:prstGeom>
-          <a:ln>
-            <a:noFill/>
-          </a:ln>
-          <a:effectLst>
-            <a:outerShdw blurRad="190500" algn="tl" rotWithShape="0">
-              <a:srgbClr val="000000">
-                <a:alpha val="70000"/>
-              </a:srgbClr>
-            </a:outerShdw>
-          </a:effectLst>
-        </p:spPr>
-      </p:pic>
-      <p:pic>
-        <p:nvPicPr>
-          <p:cNvPr id="14" name="Рисунок 13">
-            <a:extLst>
-              <a:ext uri="{FF2B5EF4-FFF2-40B4-BE49-F238E27FC236}">
-                <a16:creationId xmlns:a16="http://schemas.microsoft.com/office/drawing/2014/main" id="{26B6AFB6-6520-4683-AFBC-DD03FBABC2D5}"/>
-              </a:ext>
-            </a:extLst>
-          </p:cNvPr>
-          <p:cNvPicPr>
-            <a:picLocks noChangeAspect="1"/>
-          </p:cNvPicPr>
-          <p:nvPr/>
-        </p:nvPicPr>
-        <p:blipFill>
-          <a:blip r:embed="rId3"/>
-          <a:stretch>
-            <a:fillRect/>
-          </a:stretch>
-        </p:blipFill>
-        <p:spPr>
-          <a:xfrm>
-            <a:off x="2022973" y="1206526"/>
-            <a:ext cx="3113083" cy="2436856"/>
-          </a:xfrm>
-          <a:prstGeom prst="rect">
-            <a:avLst/>
-          </a:prstGeom>
-        </p:spPr>
-      </p:pic>
-      <p:pic>
-        <p:nvPicPr>
-          <p:cNvPr id="17" name="Рисунок 16">
-            <a:extLst>
-              <a:ext uri="{FF2B5EF4-FFF2-40B4-BE49-F238E27FC236}">
-                <a16:creationId xmlns:a16="http://schemas.microsoft.com/office/drawing/2014/main" id="{07EDFD38-57E1-458F-BC70-044961F7F162}"/>
-              </a:ext>
-            </a:extLst>
-          </p:cNvPr>
-          <p:cNvPicPr>
-            <a:picLocks noChangeAspect="1"/>
-          </p:cNvPicPr>
-          <p:nvPr/>
-        </p:nvPicPr>
-        <p:blipFill>
-          <a:blip r:embed="rId4">
-            <a:extLst>
-              <a:ext uri="{28A0092B-C50C-407E-A947-70E740481C1C}">
-                <a14:useLocalDpi xmlns:a14="http://schemas.microsoft.com/office/drawing/2010/main" val="0"/>
-              </a:ext>
-            </a:extLst>
-          </a:blip>
-          <a:stretch>
-            <a:fillRect/>
-          </a:stretch>
-        </p:blipFill>
-        <p:spPr>
-          <a:xfrm>
-            <a:off x="3908221" y="4823912"/>
-            <a:ext cx="3113084" cy="1655123"/>
-          </a:xfrm>
-          <a:prstGeom prst="rect">
-            <a:avLst/>
-          </a:prstGeom>
-        </p:spPr>
-      </p:pic>
-      <p:pic>
-        <p:nvPicPr>
-          <p:cNvPr id="21" name="Рисунок 20">
-            <a:extLst>
-              <a:ext uri="{FF2B5EF4-FFF2-40B4-BE49-F238E27FC236}">
-                <a16:creationId xmlns:a16="http://schemas.microsoft.com/office/drawing/2014/main" id="{42F51D14-69F7-4B86-9821-C7934BD29C23}"/>
-              </a:ext>
-            </a:extLst>
-          </p:cNvPr>
-          <p:cNvPicPr>
-            <a:picLocks noChangeAspect="1"/>
-          </p:cNvPicPr>
-          <p:nvPr/>
-        </p:nvPicPr>
-        <p:blipFill>
-          <a:blip r:embed="rId5">
-            <a:extLst>
-              <a:ext uri="{28A0092B-C50C-407E-A947-70E740481C1C}">
-                <a14:useLocalDpi xmlns:a14="http://schemas.microsoft.com/office/drawing/2010/main" val="0"/>
-              </a:ext>
-            </a:extLst>
-          </a:blip>
-          <a:stretch>
-            <a:fillRect/>
-          </a:stretch>
-        </p:blipFill>
-        <p:spPr>
-          <a:xfrm>
-            <a:off x="3579514" y="4443872"/>
-            <a:ext cx="800490" cy="800490"/>
-          </a:xfrm>
-          <a:prstGeom prst="rect">
-            <a:avLst/>
-          </a:prstGeom>
-        </p:spPr>
-      </p:pic>
-      <p:cxnSp>
-        <p:nvCxnSpPr>
-          <p:cNvPr id="23" name="Прямая со стрелкой 22">
-            <a:extLst>
-              <a:ext uri="{FF2B5EF4-FFF2-40B4-BE49-F238E27FC236}">
-                <a16:creationId xmlns:a16="http://schemas.microsoft.com/office/drawing/2014/main" id="{B3A35279-CA8C-4FB4-9E2E-18FF3FB8C83C}"/>
-              </a:ext>
-            </a:extLst>
-          </p:cNvPr>
-          <p:cNvCxnSpPr>
-            <a:cxnSpLocks/>
-          </p:cNvCxnSpPr>
-          <p:nvPr/>
-        </p:nvCxnSpPr>
-        <p:spPr>
-          <a:xfrm flipH="1" flipV="1">
-            <a:off x="4048859" y="3829620"/>
-            <a:ext cx="623299" cy="1393538"/>
-          </a:xfrm>
-          <a:prstGeom prst="straightConnector1">
-            <a:avLst/>
-          </a:prstGeom>
-          <a:ln w="38100">
-            <a:tailEnd type="triangle"/>
-          </a:ln>
-        </p:spPr>
-        <p:style>
-          <a:lnRef idx="1">
-            <a:schemeClr val="accent2"/>
-          </a:lnRef>
-          <a:fillRef idx="0">
-            <a:schemeClr val="accent2"/>
-          </a:fillRef>
-          <a:effectRef idx="0">
-            <a:schemeClr val="accent2"/>
-          </a:effectRef>
-          <a:fontRef idx="minor">
-            <a:schemeClr val="tx1"/>
-          </a:fontRef>
-        </p:style>
-      </p:cxnSp>
-      <p:cxnSp>
-        <p:nvCxnSpPr>
-          <p:cNvPr id="25" name="Прямая со стрелкой 24">
-            <a:extLst>
-              <a:ext uri="{FF2B5EF4-FFF2-40B4-BE49-F238E27FC236}">
-                <a16:creationId xmlns:a16="http://schemas.microsoft.com/office/drawing/2014/main" id="{4A23818C-874E-43A3-86DA-EC0C06FDCA4B}"/>
-              </a:ext>
-            </a:extLst>
-          </p:cNvPr>
-          <p:cNvCxnSpPr>
-            <a:cxnSpLocks/>
-          </p:cNvCxnSpPr>
-          <p:nvPr/>
-        </p:nvCxnSpPr>
-        <p:spPr>
-          <a:xfrm rot="3120000" flipH="1" flipV="1">
-            <a:off x="6398006" y="3865174"/>
-            <a:ext cx="623299" cy="1393538"/>
-          </a:xfrm>
-          <a:prstGeom prst="straightConnector1">
-            <a:avLst/>
-          </a:prstGeom>
-          <a:ln w="38100">
-            <a:tailEnd type="triangle"/>
-          </a:ln>
-        </p:spPr>
-        <p:style>
-          <a:lnRef idx="1">
-            <a:schemeClr val="accent2"/>
-          </a:lnRef>
-          <a:fillRef idx="0">
-            <a:schemeClr val="accent2"/>
-          </a:fillRef>
-          <a:effectRef idx="0">
-            <a:schemeClr val="accent2"/>
-          </a:effectRef>
-          <a:fontRef idx="minor">
-            <a:schemeClr val="tx1"/>
-          </a:fontRef>
-        </p:style>
-      </p:cxnSp>
-      <p:sp>
-        <p:nvSpPr>
-          <p:cNvPr id="2" name="TextBox 1">
-            <a:extLst>
-              <a:ext uri="{FF2B5EF4-FFF2-40B4-BE49-F238E27FC236}">
-                <a16:creationId xmlns:a16="http://schemas.microsoft.com/office/drawing/2014/main" id="{ADE5CF8D-7B4D-4A11-B04C-17B9E51A154E}"/>
-              </a:ext>
-            </a:extLst>
-          </p:cNvPr>
-          <p:cNvSpPr txBox="1"/>
-          <p:nvPr/>
-        </p:nvSpPr>
-        <p:spPr>
-          <a:xfrm>
-            <a:off x="2022973" y="3207276"/>
-            <a:ext cx="3113083" cy="646331"/>
-          </a:xfrm>
-          <a:prstGeom prst="rect">
-            <a:avLst/>
-          </a:prstGeom>
-          <a:noFill/>
-        </p:spPr>
-        <p:txBody>
-          <a:bodyPr wrap="square" rtlCol="0">
-            <a:spAutoFit/>
-          </a:bodyPr>
-          <a:lstStyle/>
-          <a:p>
-            <a:r>
-              <a:rPr lang="en-US" sz="3600" b="1" dirty="0" err="1">
-                <a:solidFill>
-                  <a:schemeClr val="accent6">
-                    <a:lumMod val="75000"/>
-                  </a:schemeClr>
-                </a:solidFill>
-                <a:latin typeface="Segoe Print" panose="02000600000000000000" pitchFamily="2" charset="0"/>
-              </a:rPr>
-              <a:t>GameObject</a:t>
-            </a:r>
-            <a:endParaRPr lang="ru-RU" sz="3600" b="1" dirty="0">
-              <a:solidFill>
-                <a:schemeClr val="accent6">
-                  <a:lumMod val="75000"/>
-                </a:schemeClr>
-              </a:solidFill>
-              <a:latin typeface="Segoe Print" panose="02000600000000000000" pitchFamily="2" charset="0"/>
-            </a:endParaRPr>
-          </a:p>
-        </p:txBody>
-      </p:sp>
-      <p:pic>
-        <p:nvPicPr>
-          <p:cNvPr id="13" name="Picture 2">
-            <a:extLst>
-              <a:ext uri="{FF2B5EF4-FFF2-40B4-BE49-F238E27FC236}">
-                <a16:creationId xmlns:a16="http://schemas.microsoft.com/office/drawing/2014/main" id="{AE8C12CA-8700-477B-B809-2CDD30CD7DC8}"/>
+                <a16:creationId xmlns:a16="http://schemas.microsoft.com/office/drawing/2014/main" id="{10D508D9-D76E-4AF7-BC50-5BA11D4A4B6C}"/>
               </a:ext>
             </a:extLst>
           </p:cNvPr>
@@ -14673,23 +10473,21 @@
           </p:cNvPicPr>
           <p:nvPr/>
         </p:nvPicPr>
-        <p:blipFill>
-          <a:blip r:embed="rId6">
+        <p:blipFill rotWithShape="1">
+          <a:blip r:embed="rId2">
             <a:extLst>
               <a:ext uri="{28A0092B-C50C-407E-A947-70E740481C1C}">
                 <a14:useLocalDpi xmlns:a14="http://schemas.microsoft.com/office/drawing/2010/main" val="0"/>
               </a:ext>
             </a:extLst>
           </a:blip>
-          <a:srcRect/>
-          <a:stretch>
-            <a:fillRect/>
-          </a:stretch>
+          <a:srcRect t="30291" r="35558" b="13786"/>
+          <a:stretch/>
         </p:blipFill>
         <p:spPr bwMode="auto">
           <a:xfrm>
-            <a:off x="6992314" y="4322911"/>
-            <a:ext cx="715395" cy="715395"/>
+            <a:off x="1041647" y="2476364"/>
+            <a:ext cx="6072326" cy="2964119"/>
           </a:xfrm>
           <a:prstGeom prst="rect">
             <a:avLst/>
@@ -14706,10 +10504,93 @@
           </a:extLst>
         </p:spPr>
       </p:pic>
+      <p:sp>
+        <p:nvSpPr>
+          <p:cNvPr id="2" name="TextBox 1">
+            <a:extLst>
+              <a:ext uri="{FF2B5EF4-FFF2-40B4-BE49-F238E27FC236}">
+                <a16:creationId xmlns:a16="http://schemas.microsoft.com/office/drawing/2014/main" id="{B1AFDA2A-7B84-40DE-8256-473D8FAFBA06}"/>
+              </a:ext>
+            </a:extLst>
+          </p:cNvPr>
+          <p:cNvSpPr txBox="1"/>
+          <p:nvPr/>
+        </p:nvSpPr>
+        <p:spPr>
+          <a:xfrm>
+            <a:off x="8114191" y="2476364"/>
+            <a:ext cx="2630848" cy="369332"/>
+          </a:xfrm>
+          <a:prstGeom prst="rect">
+            <a:avLst/>
+          </a:prstGeom>
+          <a:noFill/>
+        </p:spPr>
+        <p:txBody>
+          <a:bodyPr wrap="none" rtlCol="0">
+            <a:spAutoFit/>
+          </a:bodyPr>
+          <a:lstStyle/>
+          <a:p>
+            <a:r>
+              <a:rPr lang="ru-RU" dirty="0">
+                <a:solidFill>
+                  <a:srgbClr val="C00000"/>
+                </a:solidFill>
+              </a:rPr>
+              <a:t>Компонент слайдер</a:t>
+            </a:r>
+          </a:p>
+        </p:txBody>
+      </p:sp>
+      <p:sp>
+        <p:nvSpPr>
+          <p:cNvPr id="3" name="TextBox 2">
+            <a:extLst>
+              <a:ext uri="{FF2B5EF4-FFF2-40B4-BE49-F238E27FC236}">
+                <a16:creationId xmlns:a16="http://schemas.microsoft.com/office/drawing/2014/main" id="{CD5C2E65-B22C-43DB-87AB-57C1E44B3AFE}"/>
+              </a:ext>
+            </a:extLst>
+          </p:cNvPr>
+          <p:cNvSpPr txBox="1"/>
+          <p:nvPr/>
+        </p:nvSpPr>
+        <p:spPr>
+          <a:xfrm>
+            <a:off x="8866800" y="3085813"/>
+            <a:ext cx="1125629" cy="523220"/>
+          </a:xfrm>
+          <a:prstGeom prst="rect">
+            <a:avLst/>
+          </a:prstGeom>
+          <a:noFill/>
+        </p:spPr>
+        <p:txBody>
+          <a:bodyPr wrap="none" rtlCol="0">
+            <a:spAutoFit/>
+          </a:bodyPr>
+          <a:lstStyle/>
+          <a:p>
+            <a:r>
+              <a:rPr lang="en-US" sz="2800" b="1" dirty="0">
+                <a:solidFill>
+                  <a:srgbClr val="0070C0"/>
+                </a:solidFill>
+              </a:rPr>
+              <a:t>Slider</a:t>
+            </a:r>
+            <a:endParaRPr lang="ru-RU" sz="2800" b="1" dirty="0">
+              <a:solidFill>
+                <a:srgbClr val="0070C0"/>
+              </a:solidFill>
+            </a:endParaRPr>
+          </a:p>
+        </p:txBody>
+      </p:sp>
     </p:spTree>
     <p:extLst>
       <p:ext uri="{BB962C8B-B14F-4D97-AF65-F5344CB8AC3E}">
-        <p14:creationId xmlns:p14="http://schemas.microsoft.com/office/powerpoint/2010/main" val="2211530583"/>
+        <p14:creationId xmlns:p14="http://schemas.microsoft.com/office/powerpoint/2010/main" val="3615717467"/>
       </p:ext>
     </p:extLst>
   </p:cSld>
@@ -14741,7 +10622,7 @@
           <p:cNvPr id="4" name="Дата 3">
             <a:extLst>
               <a:ext uri="{FF2B5EF4-FFF2-40B4-BE49-F238E27FC236}">
-                <a16:creationId xmlns:a16="http://schemas.microsoft.com/office/drawing/2014/main" id="{A9577426-050A-4C6D-8771-B1DFD0D56CFB}"/>
+                <a16:creationId xmlns:a16="http://schemas.microsoft.com/office/drawing/2014/main" id="{A740430A-C502-4F9B-89E2-D51D1348D0C3}"/>
               </a:ext>
             </a:extLst>
           </p:cNvPr>
@@ -14760,7 +10641,7 @@
             <a:pPr rtl="0"/>
             <a:fld id="{629C2F20-7994-4D1E-A01C-96ECBA4612EB}" type="datetime1">
               <a:rPr lang="ru-RU" smtClean="0"/>
-              <a:t>17.09.2020</a:t>
+              <a:t>04.10.2020</a:t>
             </a:fld>
             <a:endParaRPr lang="en-US"/>
           </a:p>
@@ -14771,26 +10652,51 @@
           <p:cNvPr id="5" name="Заголовок 1">
             <a:extLst>
               <a:ext uri="{FF2B5EF4-FFF2-40B4-BE49-F238E27FC236}">
-                <a16:creationId xmlns:a16="http://schemas.microsoft.com/office/drawing/2014/main" id="{211AF984-8FAD-4380-9159-6A130D50EF68}"/>
+                <a16:creationId xmlns:a16="http://schemas.microsoft.com/office/drawing/2014/main" id="{894A68B8-8475-4BAC-B9EA-8C6D3471A70E}"/>
               </a:ext>
             </a:extLst>
           </p:cNvPr>
-          <p:cNvSpPr>
-            <a:spLocks noGrp="1"/>
+          <p:cNvSpPr txBox="1">
+            <a:spLocks/>
           </p:cNvSpPr>
-          <p:nvPr>
-            <p:ph type="title"/>
-          </p:nvPr>
-        </p:nvSpPr>
-        <p:spPr>
-          <a:xfrm>
-            <a:off x="1066800" y="231913"/>
-            <a:ext cx="10058400" cy="1371600"/>
-          </a:xfrm>
-        </p:spPr>
-        <p:txBody>
-          <a:bodyPr/>
-          <a:lstStyle/>
+          <p:nvPr/>
+        </p:nvSpPr>
+        <p:spPr>
+          <a:xfrm>
+            <a:off x="1066800" y="101338"/>
+            <a:ext cx="10058400" cy="1527313"/>
+          </a:xfrm>
+          <a:prstGeom prst="rect">
+            <a:avLst/>
+          </a:prstGeom>
+        </p:spPr>
+        <p:txBody>
+          <a:bodyPr vert="horz" lIns="91440" tIns="45720" rIns="91440" bIns="45720" rtlCol="0" anchor="ctr">
+            <a:normAutofit/>
+          </a:bodyPr>
+          <a:lstStyle>
+            <a:lvl1pPr algn="l" defTabSz="914400" rtl="0" eaLnBrk="1" latinLnBrk="0" hangingPunct="1">
+              <a:lnSpc>
+                <a:spcPct val="90000"/>
+              </a:lnSpc>
+              <a:spcBef>
+                <a:spcPct val="0"/>
+              </a:spcBef>
+              <a:buNone/>
+              <a:defRPr lang="en-US" sz="4000" i="0" kern="1200" cap="none" spc="0" baseline="0" dirty="0">
+                <a:solidFill>
+                  <a:schemeClr val="tx1">
+                    <a:lumMod val="85000"/>
+                    <a:lumOff val="15000"/>
+                  </a:schemeClr>
+                </a:solidFill>
+                <a:effectLst/>
+                <a:latin typeface="+mj-lt"/>
+                <a:ea typeface="+mn-ea"/>
+                <a:cs typeface="+mn-cs"/>
+              </a:defRPr>
+            </a:lvl1pPr>
+          </a:lstStyle>
           <a:p>
             <a:pPr algn="ctr"/>
             <a:r>
@@ -14802,110 +10708,26 @@
                 </a:solidFill>
                 <a:latin typeface="Segoe Print" panose="02000600000000000000" pitchFamily="2" charset="0"/>
               </a:rPr>
-              <a:t>Тип </a:t>
-            </a:r>
-            <a:r>
-              <a:rPr lang="en-US" b="1" dirty="0">
-                <a:solidFill>
-                  <a:schemeClr val="accent3">
-                    <a:lumMod val="75000"/>
-                  </a:schemeClr>
-                </a:solidFill>
-                <a:latin typeface="Segoe Print" panose="02000600000000000000" pitchFamily="2" charset="0"/>
-              </a:rPr>
-              <a:t>Rigidbody2D</a:t>
-            </a:r>
-            <a:endParaRPr lang="ru-RU" b="1" dirty="0">
-              <a:solidFill>
-                <a:schemeClr val="accent3">
-                  <a:lumMod val="75000"/>
-                </a:schemeClr>
-              </a:solidFill>
-              <a:latin typeface="Segoe Print" panose="02000600000000000000" pitchFamily="2" charset="0"/>
-            </a:endParaRPr>
-          </a:p>
-        </p:txBody>
-      </p:sp>
-      <p:sp>
-        <p:nvSpPr>
-          <p:cNvPr id="15" name="TextBox 14">
+              <a:t>Индикатор здоровья</a:t>
+            </a:r>
+          </a:p>
+        </p:txBody>
+      </p:sp>
+      <p:pic>
+        <p:nvPicPr>
+          <p:cNvPr id="1026" name="Picture 2" descr="Unity 5: UI - 7.2 Controlling a slider in scripts - YouTube">
             <a:extLst>
               <a:ext uri="{FF2B5EF4-FFF2-40B4-BE49-F238E27FC236}">
-                <a16:creationId xmlns:a16="http://schemas.microsoft.com/office/drawing/2014/main" id="{17BBB32A-AFD8-423E-9A41-5133E622B1F7}"/>
-              </a:ext>
-            </a:extLst>
-          </p:cNvPr>
-          <p:cNvSpPr txBox="1"/>
-          <p:nvPr/>
-        </p:nvSpPr>
-        <p:spPr>
-          <a:xfrm>
-            <a:off x="577426" y="3407932"/>
-            <a:ext cx="3604830" cy="1200329"/>
-          </a:xfrm>
-          <a:prstGeom prst="rect">
-            <a:avLst/>
-          </a:prstGeom>
-          <a:noFill/>
-        </p:spPr>
-        <p:txBody>
-          <a:bodyPr wrap="square" rtlCol="0">
-            <a:spAutoFit/>
-          </a:bodyPr>
-          <a:lstStyle/>
-          <a:p>
-            <a:pPr algn="ctr"/>
-            <a:r>
-              <a:rPr lang="en-US" sz="3600" b="1" dirty="0">
-                <a:solidFill>
-                  <a:schemeClr val="accent6">
-                    <a:lumMod val="75000"/>
-                  </a:schemeClr>
-                </a:solidFill>
-                <a:latin typeface="Segoe Print" panose="02000600000000000000" pitchFamily="2" charset="0"/>
-              </a:rPr>
-              <a:t>Dynamic</a:t>
-            </a:r>
-          </a:p>
-          <a:p>
-            <a:pPr algn="ctr"/>
-            <a:r>
-              <a:rPr lang="en-US" sz="3600" b="1" dirty="0">
-                <a:solidFill>
-                  <a:schemeClr val="accent6">
-                    <a:lumMod val="75000"/>
-                  </a:schemeClr>
-                </a:solidFill>
-                <a:latin typeface="Segoe Print" panose="02000600000000000000" pitchFamily="2" charset="0"/>
-              </a:rPr>
-              <a:t>Rigidbody2D</a:t>
-            </a:r>
-            <a:endParaRPr lang="ru-RU" sz="3600" b="1" dirty="0">
-              <a:solidFill>
-                <a:schemeClr val="accent6">
-                  <a:lumMod val="75000"/>
-                </a:schemeClr>
-              </a:solidFill>
-              <a:latin typeface="Segoe Print" panose="02000600000000000000" pitchFamily="2" charset="0"/>
-            </a:endParaRPr>
-          </a:p>
-        </p:txBody>
-      </p:sp>
-      <p:pic>
-        <p:nvPicPr>
-          <p:cNvPr id="7" name="Рисунок 6">
-            <a:extLst>
-              <a:ext uri="{FF2B5EF4-FFF2-40B4-BE49-F238E27FC236}">
-                <a16:creationId xmlns:a16="http://schemas.microsoft.com/office/drawing/2014/main" id="{7E3EF2A2-5AA2-43C9-8871-FD6E2F0EBB46}"/>
+                <a16:creationId xmlns:a16="http://schemas.microsoft.com/office/drawing/2014/main" id="{10D508D9-D76E-4AF7-BC50-5BA11D4A4B6C}"/>
               </a:ext>
             </a:extLst>
           </p:cNvPr>
           <p:cNvPicPr>
-            <a:picLocks noChangeAspect="1"/>
+            <a:picLocks noChangeAspect="1" noChangeArrowheads="1"/>
           </p:cNvPicPr>
           <p:nvPr/>
         </p:nvPicPr>
-        <p:blipFill>
+        <p:blipFill rotWithShape="1">
           <a:blip r:embed="rId2">
             <a:extLst>
               <a:ext uri="{28A0092B-C50C-407E-A947-70E740481C1C}">
@@ -14913,82 +10735,35 @@
               </a:ext>
             </a:extLst>
           </a:blip>
-          <a:stretch>
-            <a:fillRect/>
-          </a:stretch>
+          <a:srcRect l="31342" t="30291" r="35558" b="13786"/>
+          <a:stretch/>
         </p:blipFill>
-        <p:spPr>
-          <a:xfrm>
-            <a:off x="799219" y="1230616"/>
-            <a:ext cx="3119688" cy="2436856"/>
+        <p:spPr bwMode="auto">
+          <a:xfrm>
+            <a:off x="4526132" y="1517575"/>
+            <a:ext cx="3139736" cy="2983805"/>
           </a:xfrm>
           <a:prstGeom prst="rect">
             <a:avLst/>
           </a:prstGeom>
-          <a:ln>
-            <a:noFill/>
-          </a:ln>
-          <a:effectLst>
-            <a:outerShdw blurRad="190500" algn="tl" rotWithShape="0">
-              <a:srgbClr val="000000">
-                <a:alpha val="70000"/>
-              </a:srgbClr>
-            </a:outerShdw>
-          </a:effectLst>
+          <a:noFill/>
+          <a:extLst>
+            <a:ext uri="{909E8E84-426E-40DD-AFC4-6F175D3DCCD1}">
+              <a14:hiddenFill xmlns:a14="http://schemas.microsoft.com/office/drawing/2010/main">
+                <a:solidFill>
+                  <a:srgbClr val="FFFFFF"/>
+                </a:solidFill>
+              </a14:hiddenFill>
+            </a:ext>
+          </a:extLst>
         </p:spPr>
       </p:pic>
-      <p:pic>
-        <p:nvPicPr>
-          <p:cNvPr id="2" name="Рисунок 1">
+      <p:sp>
+        <p:nvSpPr>
+          <p:cNvPr id="8" name="TextBox 7">
             <a:extLst>
               <a:ext uri="{FF2B5EF4-FFF2-40B4-BE49-F238E27FC236}">
-                <a16:creationId xmlns:a16="http://schemas.microsoft.com/office/drawing/2014/main" id="{A59638F4-B4AF-4AA6-B78B-FBC3FE47C2D3}"/>
-              </a:ext>
-            </a:extLst>
-          </p:cNvPr>
-          <p:cNvPicPr>
-            <a:picLocks noChangeAspect="1"/>
-          </p:cNvPicPr>
-          <p:nvPr/>
-        </p:nvPicPr>
-        <p:blipFill>
-          <a:blip r:embed="rId3">
-            <a:extLst>
-              <a:ext uri="{28A0092B-C50C-407E-A947-70E740481C1C}">
-                <a14:useLocalDpi xmlns:a14="http://schemas.microsoft.com/office/drawing/2010/main" val="0"/>
-              </a:ext>
-            </a:extLst>
-          </a:blip>
-          <a:stretch>
-            <a:fillRect/>
-          </a:stretch>
-        </p:blipFill>
-        <p:spPr>
-          <a:xfrm>
-            <a:off x="4875138" y="2959037"/>
-            <a:ext cx="1534250" cy="2098121"/>
-          </a:xfrm>
-          <a:prstGeom prst="rect">
-            <a:avLst/>
-          </a:prstGeom>
-          <a:ln>
-            <a:noFill/>
-          </a:ln>
-          <a:effectLst>
-            <a:outerShdw blurRad="292100" dist="139700" dir="2700000" algn="tl" rotWithShape="0">
-              <a:srgbClr val="333333">
-                <a:alpha val="65000"/>
-              </a:srgbClr>
-            </a:outerShdw>
-          </a:effectLst>
-        </p:spPr>
-      </p:pic>
-      <p:sp>
-        <p:nvSpPr>
-          <p:cNvPr id="3" name="TextBox 2">
-            <a:extLst>
-              <a:ext uri="{FF2B5EF4-FFF2-40B4-BE49-F238E27FC236}">
-                <a16:creationId xmlns:a16="http://schemas.microsoft.com/office/drawing/2014/main" id="{C9035A23-7CFD-405F-BBF2-932E6D8A3D3E}"/>
+                <a16:creationId xmlns:a16="http://schemas.microsoft.com/office/drawing/2014/main" id="{FF7254F3-20C9-4572-8B26-F3F42D0A57CF}"/>
               </a:ext>
             </a:extLst>
           </p:cNvPr>
@@ -14997,8 +10772,8 @@
         </p:nvSpPr>
         <p:spPr>
           <a:xfrm>
-            <a:off x="3913726" y="5108631"/>
-            <a:ext cx="3457075" cy="1200329"/>
+            <a:off x="1661959" y="3978160"/>
+            <a:ext cx="1930337" cy="523220"/>
           </a:xfrm>
           <a:prstGeom prst="rect">
             <a:avLst/>
@@ -15006,61 +10781,33 @@
           <a:noFill/>
         </p:spPr>
         <p:txBody>
-          <a:bodyPr wrap="square" rtlCol="0">
+          <a:bodyPr wrap="none" rtlCol="0">
             <a:spAutoFit/>
           </a:bodyPr>
           <a:lstStyle/>
           <a:p>
-            <a:pPr algn="ctr"/>
-            <a:r>
-              <a:rPr lang="en-US" sz="3600" b="1" dirty="0">
-                <a:solidFill>
-                  <a:schemeClr val="accent6">
-                    <a:lumMod val="75000"/>
-                  </a:schemeClr>
-                </a:solidFill>
-                <a:latin typeface="Segoe Print" panose="02000600000000000000" pitchFamily="2" charset="0"/>
+            <a:r>
+              <a:rPr lang="en-US" sz="2800" b="1" dirty="0">
+                <a:solidFill>
+                  <a:srgbClr val="0070C0"/>
+                </a:solidFill>
               </a:rPr>
-              <a:t>Static</a:t>
-            </a:r>
-            <a:endParaRPr lang="ru-RU" sz="3600" b="1" dirty="0">
+              <a:t>Min Value</a:t>
+            </a:r>
+            <a:endParaRPr lang="ru-RU" sz="2800" b="1" dirty="0">
               <a:solidFill>
-                <a:schemeClr val="accent6">
-                  <a:lumMod val="75000"/>
-                </a:schemeClr>
+                <a:srgbClr val="0070C0"/>
               </a:solidFill>
-              <a:latin typeface="Segoe Print" panose="02000600000000000000" pitchFamily="2" charset="0"/>
             </a:endParaRPr>
           </a:p>
-          <a:p>
-            <a:r>
-              <a:rPr lang="en-US" sz="3600" b="1" dirty="0">
-                <a:solidFill>
-                  <a:schemeClr val="accent6">
-                    <a:lumMod val="75000"/>
-                  </a:schemeClr>
-                </a:solidFill>
-                <a:latin typeface="Segoe Print" panose="02000600000000000000" pitchFamily="2" charset="0"/>
-              </a:rPr>
-              <a:t>Rigidbody2D</a:t>
-            </a:r>
-            <a:endParaRPr lang="ru-RU" sz="3600" b="1" dirty="0">
-              <a:solidFill>
-                <a:schemeClr val="accent6">
-                  <a:lumMod val="75000"/>
-                </a:schemeClr>
-              </a:solidFill>
-              <a:latin typeface="Segoe Print" panose="02000600000000000000" pitchFamily="2" charset="0"/>
-            </a:endParaRPr>
-          </a:p>
-        </p:txBody>
-      </p:sp>
-      <p:sp>
-        <p:nvSpPr>
-          <p:cNvPr id="6" name="TextBox 5">
+        </p:txBody>
+      </p:sp>
+      <p:sp>
+        <p:nvSpPr>
+          <p:cNvPr id="9" name="TextBox 8">
             <a:extLst>
               <a:ext uri="{FF2B5EF4-FFF2-40B4-BE49-F238E27FC236}">
-                <a16:creationId xmlns:a16="http://schemas.microsoft.com/office/drawing/2014/main" id="{60ED8DA5-85BF-4B89-B66E-C05495D97FC2}"/>
+                <a16:creationId xmlns:a16="http://schemas.microsoft.com/office/drawing/2014/main" id="{564A4ECB-80AC-4547-A555-948E19E30BFA}"/>
               </a:ext>
             </a:extLst>
           </p:cNvPr>
@@ -15069,8 +10816,8 @@
         </p:nvSpPr>
         <p:spPr>
           <a:xfrm>
-            <a:off x="7200344" y="3324683"/>
-            <a:ext cx="4087850" cy="1200329"/>
+            <a:off x="8783331" y="3978160"/>
+            <a:ext cx="2066591" cy="523220"/>
           </a:xfrm>
           <a:prstGeom prst="rect">
             <a:avLst/>
@@ -15078,178 +10825,197 @@
           <a:noFill/>
         </p:spPr>
         <p:txBody>
-          <a:bodyPr wrap="square" rtlCol="0">
+          <a:bodyPr wrap="none" rtlCol="0">
             <a:spAutoFit/>
           </a:bodyPr>
           <a:lstStyle/>
           <a:p>
-            <a:pPr algn="ctr"/>
-            <a:r>
-              <a:rPr lang="en-US" sz="3600" b="1" dirty="0">
-                <a:solidFill>
-                  <a:schemeClr val="accent6">
-                    <a:lumMod val="75000"/>
-                  </a:schemeClr>
-                </a:solidFill>
-                <a:latin typeface="Segoe Print" panose="02000600000000000000" pitchFamily="2" charset="0"/>
+            <a:r>
+              <a:rPr lang="en-US" sz="2800" b="1" dirty="0">
+                <a:solidFill>
+                  <a:srgbClr val="0070C0"/>
+                </a:solidFill>
               </a:rPr>
-              <a:t>Kinematic</a:t>
-            </a:r>
-            <a:endParaRPr lang="ru-RU" sz="3600" b="1" dirty="0">
+              <a:t>Max Value</a:t>
+            </a:r>
+            <a:endParaRPr lang="ru-RU" sz="2800" b="1" dirty="0">
               <a:solidFill>
-                <a:schemeClr val="accent6">
-                  <a:lumMod val="75000"/>
-                </a:schemeClr>
+                <a:srgbClr val="0070C0"/>
               </a:solidFill>
-              <a:latin typeface="Segoe Print" panose="02000600000000000000" pitchFamily="2" charset="0"/>
             </a:endParaRPr>
           </a:p>
-          <a:p>
-            <a:pPr algn="ctr"/>
-            <a:r>
-              <a:rPr lang="en-US" sz="3600" b="1" dirty="0">
-                <a:solidFill>
-                  <a:schemeClr val="accent6">
-                    <a:lumMod val="75000"/>
-                  </a:schemeClr>
-                </a:solidFill>
-                <a:latin typeface="Segoe Print" panose="02000600000000000000" pitchFamily="2" charset="0"/>
-              </a:rPr>
-              <a:t>Rigidbody2D</a:t>
-            </a:r>
-            <a:endParaRPr lang="ru-RU" sz="3600" b="1" dirty="0">
-              <a:solidFill>
-                <a:schemeClr val="accent6">
-                  <a:lumMod val="75000"/>
-                </a:schemeClr>
-              </a:solidFill>
-              <a:latin typeface="Segoe Print" panose="02000600000000000000" pitchFamily="2" charset="0"/>
-            </a:endParaRPr>
-          </a:p>
-        </p:txBody>
-      </p:sp>
-      <p:pic>
-        <p:nvPicPr>
-          <p:cNvPr id="8" name="Рисунок 7">
+        </p:txBody>
+      </p:sp>
+      <p:sp>
+        <p:nvSpPr>
+          <p:cNvPr id="10" name="TextBox 9">
             <a:extLst>
               <a:ext uri="{FF2B5EF4-FFF2-40B4-BE49-F238E27FC236}">
-                <a16:creationId xmlns:a16="http://schemas.microsoft.com/office/drawing/2014/main" id="{116445A8-3D98-4BCB-A204-6D4554C9115A}"/>
+                <a16:creationId xmlns:a16="http://schemas.microsoft.com/office/drawing/2014/main" id="{277CC84C-49E7-4510-AFB5-144B73393845}"/>
               </a:ext>
             </a:extLst>
           </p:cNvPr>
-          <p:cNvPicPr>
-            <a:picLocks noChangeAspect="1"/>
-          </p:cNvPicPr>
+          <p:cNvSpPr txBox="1"/>
           <p:nvPr/>
-        </p:nvPicPr>
-        <p:blipFill>
-          <a:blip r:embed="rId2">
-            <a:extLst>
-              <a:ext uri="{28A0092B-C50C-407E-A947-70E740481C1C}">
-                <a14:useLocalDpi xmlns:a14="http://schemas.microsoft.com/office/drawing/2010/main" val="0"/>
-              </a:ext>
-            </a:extLst>
-          </a:blip>
-          <a:stretch>
-            <a:fillRect/>
-          </a:stretch>
-        </p:blipFill>
-        <p:spPr>
-          <a:xfrm>
-            <a:off x="7684425" y="1230616"/>
-            <a:ext cx="3119688" cy="2436856"/>
+        </p:nvSpPr>
+        <p:spPr>
+          <a:xfrm>
+            <a:off x="5493912" y="5269720"/>
+            <a:ext cx="1204176" cy="523220"/>
           </a:xfrm>
           <a:prstGeom prst="rect">
             <a:avLst/>
           </a:prstGeom>
-          <a:ln>
-            <a:noFill/>
-          </a:ln>
-          <a:effectLst>
-            <a:outerShdw blurRad="190500" algn="tl" rotWithShape="0">
-              <a:srgbClr val="000000">
-                <a:alpha val="70000"/>
-              </a:srgbClr>
-            </a:outerShdw>
-          </a:effectLst>
-        </p:spPr>
-      </p:pic>
-      <p:pic>
-        <p:nvPicPr>
-          <p:cNvPr id="9" name="Рисунок 8">
+          <a:noFill/>
+        </p:spPr>
+        <p:txBody>
+          <a:bodyPr wrap="none" rtlCol="0">
+            <a:spAutoFit/>
+          </a:bodyPr>
+          <a:lstStyle/>
+          <a:p>
+            <a:r>
+              <a:rPr lang="en-US" sz="2800" b="1" dirty="0">
+                <a:solidFill>
+                  <a:srgbClr val="0070C0"/>
+                </a:solidFill>
+              </a:rPr>
+              <a:t>Value</a:t>
+            </a:r>
+            <a:endParaRPr lang="ru-RU" sz="2800" b="1" dirty="0">
+              <a:solidFill>
+                <a:srgbClr val="0070C0"/>
+              </a:solidFill>
+            </a:endParaRPr>
+          </a:p>
+        </p:txBody>
+      </p:sp>
+      <p:cxnSp>
+        <p:nvCxnSpPr>
+          <p:cNvPr id="11" name="Прямая со стрелкой 10">
             <a:extLst>
               <a:ext uri="{FF2B5EF4-FFF2-40B4-BE49-F238E27FC236}">
-                <a16:creationId xmlns:a16="http://schemas.microsoft.com/office/drawing/2014/main" id="{A9E5E883-987D-4B10-A749-F737EF8B89EE}"/>
+                <a16:creationId xmlns:a16="http://schemas.microsoft.com/office/drawing/2014/main" id="{BCA259A5-9E23-4FE0-8153-D0A53F10E4CF}"/>
               </a:ext>
             </a:extLst>
           </p:cNvPr>
-          <p:cNvPicPr>
-            <a:picLocks noChangeAspect="1"/>
-          </p:cNvPicPr>
+          <p:cNvCxnSpPr/>
           <p:nvPr/>
-        </p:nvPicPr>
-        <p:blipFill>
-          <a:blip r:embed="rId4">
-            <a:extLst>
-              <a:ext uri="{28A0092B-C50C-407E-A947-70E740481C1C}">
-                <a14:useLocalDpi xmlns:a14="http://schemas.microsoft.com/office/drawing/2010/main" val="0"/>
-              </a:ext>
-            </a:extLst>
-          </a:blip>
-          <a:stretch>
-            <a:fillRect/>
-          </a:stretch>
-        </p:blipFill>
-        <p:spPr>
-          <a:xfrm>
-            <a:off x="1021207" y="4393370"/>
-            <a:ext cx="2360646" cy="1255077"/>
-          </a:xfrm>
-          <a:prstGeom prst="rect">
+        </p:nvCxnSpPr>
+        <p:spPr>
+          <a:xfrm flipV="1">
+            <a:off x="3506680" y="2938509"/>
+            <a:ext cx="1535837" cy="1039651"/>
+          </a:xfrm>
+          <a:prstGeom prst="straightConnector1">
             <a:avLst/>
           </a:prstGeom>
-        </p:spPr>
-      </p:pic>
-      <p:pic>
-        <p:nvPicPr>
-          <p:cNvPr id="11" name="Рисунок 10">
+          <a:ln>
+            <a:tailEnd type="triangle"/>
+          </a:ln>
+        </p:spPr>
+        <p:style>
+          <a:lnRef idx="3">
+            <a:schemeClr val="accent2"/>
+          </a:lnRef>
+          <a:fillRef idx="0">
+            <a:schemeClr val="accent2"/>
+          </a:fillRef>
+          <a:effectRef idx="2">
+            <a:schemeClr val="accent2"/>
+          </a:effectRef>
+          <a:fontRef idx="minor">
+            <a:schemeClr val="tx1"/>
+          </a:fontRef>
+        </p:style>
+      </p:cxnSp>
+      <p:cxnSp>
+        <p:nvCxnSpPr>
+          <p:cNvPr id="13" name="Прямая со стрелкой 12">
             <a:extLst>
               <a:ext uri="{FF2B5EF4-FFF2-40B4-BE49-F238E27FC236}">
-                <a16:creationId xmlns:a16="http://schemas.microsoft.com/office/drawing/2014/main" id="{179820E5-59EB-44EC-8A6F-5A32D6BB8262}"/>
+                <a16:creationId xmlns:a16="http://schemas.microsoft.com/office/drawing/2014/main" id="{7905062D-47EA-46BE-8F11-8E94B05FF7B3}"/>
               </a:ext>
             </a:extLst>
           </p:cNvPr>
-          <p:cNvPicPr>
-            <a:picLocks noChangeAspect="1"/>
-          </p:cNvPicPr>
+          <p:cNvCxnSpPr>
+            <a:cxnSpLocks/>
+          </p:cNvCxnSpPr>
           <p:nvPr/>
-        </p:nvPicPr>
-        <p:blipFill>
-          <a:blip r:embed="rId5">
+        </p:nvCxnSpPr>
+        <p:spPr>
+          <a:xfrm flipH="1" flipV="1">
+            <a:off x="7051629" y="2938512"/>
+            <a:ext cx="1731702" cy="1127461"/>
+          </a:xfrm>
+          <a:prstGeom prst="straightConnector1">
+            <a:avLst/>
+          </a:prstGeom>
+          <a:ln>
+            <a:tailEnd type="triangle"/>
+          </a:ln>
+        </p:spPr>
+        <p:style>
+          <a:lnRef idx="3">
+            <a:schemeClr val="accent2"/>
+          </a:lnRef>
+          <a:fillRef idx="0">
+            <a:schemeClr val="accent2"/>
+          </a:fillRef>
+          <a:effectRef idx="2">
+            <a:schemeClr val="accent2"/>
+          </a:effectRef>
+          <a:fontRef idx="minor">
+            <a:schemeClr val="tx1"/>
+          </a:fontRef>
+        </p:style>
+      </p:cxnSp>
+      <p:cxnSp>
+        <p:nvCxnSpPr>
+          <p:cNvPr id="18" name="Прямая со стрелкой 17">
             <a:extLst>
-              <a:ext uri="{28A0092B-C50C-407E-A947-70E740481C1C}">
-                <a14:useLocalDpi xmlns:a14="http://schemas.microsoft.com/office/drawing/2010/main" val="0"/>
+              <a:ext uri="{FF2B5EF4-FFF2-40B4-BE49-F238E27FC236}">
+                <a16:creationId xmlns:a16="http://schemas.microsoft.com/office/drawing/2014/main" id="{F5BEFA6B-04AB-4ADB-B768-7FBBFEB70D3F}"/>
               </a:ext>
             </a:extLst>
-          </a:blip>
-          <a:stretch>
-            <a:fillRect/>
-          </a:stretch>
-        </p:blipFill>
-        <p:spPr>
-          <a:xfrm>
-            <a:off x="8598698" y="4423114"/>
-            <a:ext cx="1291142" cy="1371033"/>
-          </a:xfrm>
-          <a:prstGeom prst="rect">
+          </p:cNvPr>
+          <p:cNvCxnSpPr>
+            <a:cxnSpLocks/>
+            <a:stCxn id="10" idx="0"/>
+          </p:cNvCxnSpPr>
+          <p:nvPr/>
+        </p:nvCxnSpPr>
+        <p:spPr>
+          <a:xfrm flipV="1">
+            <a:off x="6096000" y="3044888"/>
+            <a:ext cx="21793" cy="2224832"/>
+          </a:xfrm>
+          <a:prstGeom prst="straightConnector1">
             <a:avLst/>
           </a:prstGeom>
-        </p:spPr>
-      </p:pic>
+          <a:ln>
+            <a:tailEnd type="triangle"/>
+          </a:ln>
+        </p:spPr>
+        <p:style>
+          <a:lnRef idx="3">
+            <a:schemeClr val="accent2"/>
+          </a:lnRef>
+          <a:fillRef idx="0">
+            <a:schemeClr val="accent2"/>
+          </a:fillRef>
+          <a:effectRef idx="2">
+            <a:schemeClr val="accent2"/>
+          </a:effectRef>
+          <a:fontRef idx="minor">
+            <a:schemeClr val="tx1"/>
+          </a:fontRef>
+        </p:style>
+      </p:cxnSp>
     </p:spTree>
     <p:extLst>
       <p:ext uri="{BB962C8B-B14F-4D97-AF65-F5344CB8AC3E}">
-        <p14:creationId xmlns:p14="http://schemas.microsoft.com/office/powerpoint/2010/main" val="1045969747"/>
+        <p14:creationId xmlns:p14="http://schemas.microsoft.com/office/powerpoint/2010/main" val="3194686424"/>
       </p:ext>
     </p:extLst>
   </p:cSld>

--- a/Unity/Lesson6/Prefab.pptx
+++ b/Unity/Lesson6/Prefab.pptx
@@ -5,10 +5,10 @@
     <p:sldMasterId id="2147483673" r:id="rId1"/>
   </p:sldMasterIdLst>
   <p:notesMasterIdLst>
-    <p:notesMasterId r:id="rId14"/>
+    <p:notesMasterId r:id="rId13"/>
   </p:notesMasterIdLst>
   <p:handoutMasterIdLst>
-    <p:handoutMasterId r:id="rId15"/>
+    <p:handoutMasterId r:id="rId14"/>
   </p:handoutMasterIdLst>
   <p:sldIdLst>
     <p:sldId id="257" r:id="rId2"/>
@@ -18,11 +18,10 @@
     <p:sldId id="363" r:id="rId6"/>
     <p:sldId id="364" r:id="rId7"/>
     <p:sldId id="365" r:id="rId8"/>
-    <p:sldId id="367" r:id="rId9"/>
-    <p:sldId id="314" r:id="rId10"/>
-    <p:sldId id="315" r:id="rId11"/>
-    <p:sldId id="316" r:id="rId12"/>
-    <p:sldId id="366" r:id="rId13"/>
+    <p:sldId id="371" r:id="rId9"/>
+    <p:sldId id="372" r:id="rId10"/>
+    <p:sldId id="367" r:id="rId11"/>
+    <p:sldId id="370" r:id="rId12"/>
   </p:sldIdLst>
   <p:sldSz cx="12192000" cy="6858000"/>
   <p:notesSz cx="6858000" cy="9144000"/>
@@ -228,7 +227,7 @@
             <a:pPr rtl="0"/>
             <a:fld id="{6B5C320A-F5C8-4FD6-86FF-35D2EBF085B6}" type="datetime1">
               <a:rPr lang="ru-RU" smtClean="0"/>
-              <a:t>04.10.2020</a:t>
+              <a:t>05.10.2020</a:t>
             </a:fld>
             <a:endParaRPr lang="en-US" dirty="0"/>
           </a:p>
@@ -398,7 +397,7 @@
             <a:pPr rtl="0"/>
             <a:fld id="{15C702C7-E599-40D9-B30E-0392896973B5}" type="datetime1">
               <a:rPr lang="ru-RU" smtClean="0"/>
-              <a:t>04.10.2020</a:t>
+              <a:t>05.10.2020</a:t>
             </a:fld>
             <a:endParaRPr lang="en-US"/>
           </a:p>
@@ -1143,7 +1142,7 @@
             <a:pPr rtl="0"/>
             <a:fld id="{6506E9A3-1561-45B7-908B-DACC52528ABB}" type="datetime1">
               <a:rPr lang="ru-RU" smtClean="0"/>
-              <a:t>04.10.2020</a:t>
+              <a:t>05.10.2020</a:t>
             </a:fld>
             <a:endParaRPr lang="en-US" dirty="0"/>
           </a:p>
@@ -1349,7 +1348,7 @@
             <a:pPr rtl="0"/>
             <a:fld id="{3E92B999-6CB2-48D4-8AF6-3D1A5D13436B}" type="datetime1">
               <a:rPr lang="ru-RU" smtClean="0"/>
-              <a:t>04.10.2020</a:t>
+              <a:t>05.10.2020</a:t>
             </a:fld>
             <a:endParaRPr lang="en-US"/>
           </a:p>
@@ -1533,7 +1532,7 @@
             <a:pPr rtl="0"/>
             <a:fld id="{B52C98DB-1092-48C4-AD4E-BD3E9D2E2345}" type="datetime1">
               <a:rPr lang="ru-RU" smtClean="0"/>
-              <a:t>04.10.2020</a:t>
+              <a:t>05.10.2020</a:t>
             </a:fld>
             <a:endParaRPr lang="en-US"/>
           </a:p>
@@ -1707,7 +1706,7 @@
             <a:pPr rtl="0"/>
             <a:fld id="{629C2F20-7994-4D1E-A01C-96ECBA4612EB}" type="datetime1">
               <a:rPr lang="ru-RU" smtClean="0"/>
-              <a:t>04.10.2020</a:t>
+              <a:t>05.10.2020</a:t>
             </a:fld>
             <a:endParaRPr lang="en-US"/>
           </a:p>
@@ -2310,7 +2309,7 @@
             <a:pPr rtl="0"/>
             <a:fld id="{7B2CE4EA-3B49-4A00-ADF3-7C7272A626C1}" type="datetime1">
               <a:rPr lang="ru-RU" smtClean="0"/>
-              <a:t>04.10.2020</a:t>
+              <a:t>05.10.2020</a:t>
             </a:fld>
             <a:endParaRPr lang="en-US" dirty="0"/>
           </a:p>
@@ -2634,7 +2633,7 @@
             <a:pPr rtl="0"/>
             <a:fld id="{9A16848F-27AD-43B9-904C-1CF05D24EB3C}" type="datetime1">
               <a:rPr lang="ru-RU" smtClean="0"/>
-              <a:t>04.10.2020</a:t>
+              <a:t>05.10.2020</a:t>
             </a:fld>
             <a:endParaRPr lang="en-US"/>
           </a:p>
@@ -3075,7 +3074,7 @@
             <a:pPr rtl="0"/>
             <a:fld id="{23090412-2DE5-405A-816E-F08FB54EB168}" type="datetime1">
               <a:rPr lang="ru-RU" smtClean="0"/>
-              <a:t>04.10.2020</a:t>
+              <a:t>05.10.2020</a:t>
             </a:fld>
             <a:endParaRPr lang="en-US"/>
           </a:p>
@@ -3197,7 +3196,7 @@
             <a:pPr rtl="0"/>
             <a:fld id="{F4C2D7CB-4DC1-4BB7-BF00-4C36160857E0}" type="datetime1">
               <a:rPr lang="ru-RU" smtClean="0"/>
-              <a:t>04.10.2020</a:t>
+              <a:t>05.10.2020</a:t>
             </a:fld>
             <a:endParaRPr lang="en-US"/>
           </a:p>
@@ -3295,7 +3294,7 @@
             <a:pPr rtl="0"/>
             <a:fld id="{4060D38F-E364-4ED4-9BF4-D7F00FFBE76A}" type="datetime1">
               <a:rPr lang="ru-RU" smtClean="0"/>
-              <a:t>04.10.2020</a:t>
+              <a:t>05.10.2020</a:t>
             </a:fld>
             <a:endParaRPr lang="en-US"/>
           </a:p>
@@ -3716,7 +3715,7 @@
             <a:pPr rtl="0"/>
             <a:fld id="{F183FEFD-AB08-4CB5-AE4D-2F6B12D8E3B0}" type="datetime1">
               <a:rPr lang="ru-RU" smtClean="0"/>
-              <a:t>04.10.2020</a:t>
+              <a:t>05.10.2020</a:t>
             </a:fld>
             <a:endParaRPr lang="en-US"/>
           </a:p>
@@ -3981,7 +3980,7 @@
             <a:pPr rtl="0"/>
             <a:fld id="{EBEA1583-5CEF-4E36-A7FC-D34B7E954D76}" type="datetime1">
               <a:rPr lang="ru-RU" smtClean="0"/>
-              <a:t>04.10.2020</a:t>
+              <a:t>05.10.2020</a:t>
             </a:fld>
             <a:endParaRPr lang="en-US" dirty="0"/>
           </a:p>
@@ -4501,7 +4500,7 @@
             <a:pPr rtl="0"/>
             <a:fld id="{1068A786-B8BF-4988-ACBA-DD9B5BC8D522}" type="datetime1">
               <a:rPr lang="ru-RU" smtClean="0"/>
-              <a:t>04.10.2020</a:t>
+              <a:t>05.10.2020</a:t>
             </a:fld>
             <a:endParaRPr lang="en-US" dirty="0"/>
           </a:p>
@@ -5259,7 +5258,7 @@
             <a:pPr rtl="0"/>
             <a:fld id="{629C2F20-7994-4D1E-A01C-96ECBA4612EB}" type="datetime1">
               <a:rPr lang="ru-RU" smtClean="0"/>
-              <a:t>04.10.2020</a:t>
+              <a:t>05.10.2020</a:t>
             </a:fld>
             <a:endParaRPr lang="en-US"/>
           </a:p>
@@ -5281,8 +5280,8 @@
         </p:nvSpPr>
         <p:spPr>
           <a:xfrm>
-            <a:off x="1066800" y="101338"/>
-            <a:ext cx="10058400" cy="1527313"/>
+            <a:off x="2896903" y="457200"/>
+            <a:ext cx="6215147" cy="812307"/>
           </a:xfrm>
           <a:prstGeom prst="rect">
             <a:avLst/>
@@ -5326,62 +5325,46 @@
                 </a:solidFill>
                 <a:latin typeface="Segoe Print" panose="02000600000000000000" pitchFamily="2" charset="0"/>
               </a:rPr>
-              <a:t>Индикатор здоровья</a:t>
+              <a:t>Считаем очки</a:t>
             </a:r>
           </a:p>
         </p:txBody>
       </p:sp>
       <p:pic>
         <p:nvPicPr>
-          <p:cNvPr id="1026" name="Picture 2" descr="Unity 5: UI - 7.2 Controlling a slider in scripts - YouTube">
+          <p:cNvPr id="7" name="Рисунок 6">
             <a:extLst>
               <a:ext uri="{FF2B5EF4-FFF2-40B4-BE49-F238E27FC236}">
-                <a16:creationId xmlns:a16="http://schemas.microsoft.com/office/drawing/2014/main" id="{10D508D9-D76E-4AF7-BC50-5BA11D4A4B6C}"/>
+                <a16:creationId xmlns:a16="http://schemas.microsoft.com/office/drawing/2014/main" id="{3B09C82B-65F2-4612-A892-79510D4C9DF4}"/>
               </a:ext>
             </a:extLst>
           </p:cNvPr>
           <p:cNvPicPr>
-            <a:picLocks noChangeAspect="1" noChangeArrowheads="1"/>
+            <a:picLocks noChangeAspect="1"/>
           </p:cNvPicPr>
           <p:nvPr/>
         </p:nvPicPr>
         <p:blipFill rotWithShape="1">
-          <a:blip r:embed="rId2">
-            <a:extLst>
-              <a:ext uri="{28A0092B-C50C-407E-A947-70E740481C1C}">
-                <a14:useLocalDpi xmlns:a14="http://schemas.microsoft.com/office/drawing/2010/main" val="0"/>
-              </a:ext>
-            </a:extLst>
-          </a:blip>
-          <a:srcRect l="31342" t="30291" r="35558" b="13786"/>
+          <a:blip r:embed="rId2"/>
+          <a:srcRect t="15792" r="36068" b="44208"/>
           <a:stretch/>
         </p:blipFill>
-        <p:spPr bwMode="auto">
-          <a:xfrm>
-            <a:off x="4526132" y="1517575"/>
-            <a:ext cx="3139736" cy="2983805"/>
+        <p:spPr>
+          <a:xfrm>
+            <a:off x="734487" y="1414525"/>
+            <a:ext cx="8467217" cy="2979921"/>
           </a:xfrm>
           <a:prstGeom prst="rect">
             <a:avLst/>
           </a:prstGeom>
-          <a:noFill/>
-          <a:extLst>
-            <a:ext uri="{909E8E84-426E-40DD-AFC4-6F175D3DCCD1}">
-              <a14:hiddenFill xmlns:a14="http://schemas.microsoft.com/office/drawing/2010/main">
-                <a:solidFill>
-                  <a:srgbClr val="FFFFFF"/>
-                </a:solidFill>
-              </a14:hiddenFill>
-            </a:ext>
-          </a:extLst>
         </p:spPr>
       </p:pic>
       <p:sp>
         <p:nvSpPr>
-          <p:cNvPr id="8" name="TextBox 7">
+          <p:cNvPr id="9" name="TextBox 8">
             <a:extLst>
               <a:ext uri="{FF2B5EF4-FFF2-40B4-BE49-F238E27FC236}">
-                <a16:creationId xmlns:a16="http://schemas.microsoft.com/office/drawing/2014/main" id="{FF7254F3-20C9-4572-8B26-F3F42D0A57CF}"/>
+                <a16:creationId xmlns:a16="http://schemas.microsoft.com/office/drawing/2014/main" id="{BB06BBF7-DB3D-45E5-A59A-2384AA9B37B7}"/>
               </a:ext>
             </a:extLst>
           </p:cNvPr>
@@ -5390,8 +5373,8 @@
         </p:nvSpPr>
         <p:spPr>
           <a:xfrm>
-            <a:off x="1661959" y="3978160"/>
-            <a:ext cx="1930337" cy="523220"/>
+            <a:off x="9534617" y="2525354"/>
+            <a:ext cx="1770036" cy="523220"/>
           </a:xfrm>
           <a:prstGeom prst="rect">
             <a:avLst/>
@@ -5410,7 +5393,7 @@
                   <a:srgbClr val="0070C0"/>
                 </a:solidFill>
               </a:rPr>
-              <a:t>Min Value</a:t>
+              <a:t>UI -&gt; Text</a:t>
             </a:r>
             <a:endParaRPr lang="ru-RU" sz="2800" b="1" dirty="0">
               <a:solidFill>
@@ -5422,218 +5405,108 @@
       </p:sp>
       <p:sp>
         <p:nvSpPr>
-          <p:cNvPr id="9" name="TextBox 8">
+          <p:cNvPr id="8" name="Прямоугольник 7">
             <a:extLst>
               <a:ext uri="{FF2B5EF4-FFF2-40B4-BE49-F238E27FC236}">
-                <a16:creationId xmlns:a16="http://schemas.microsoft.com/office/drawing/2014/main" id="{564A4ECB-80AC-4547-A555-948E19E30BFA}"/>
+                <a16:creationId xmlns:a16="http://schemas.microsoft.com/office/drawing/2014/main" id="{EA183D67-E83A-4F0A-BA33-9EB52A931E55}"/>
               </a:ext>
             </a:extLst>
           </p:cNvPr>
-          <p:cNvSpPr txBox="1"/>
+          <p:cNvSpPr/>
           <p:nvPr/>
         </p:nvSpPr>
         <p:spPr>
           <a:xfrm>
-            <a:off x="8783331" y="3978160"/>
-            <a:ext cx="2066591" cy="523220"/>
+            <a:off x="805509" y="4815190"/>
+            <a:ext cx="9492587" cy="957121"/>
           </a:xfrm>
           <a:prstGeom prst="rect">
             <a:avLst/>
           </a:prstGeom>
-          <a:noFill/>
-        </p:spPr>
-        <p:txBody>
-          <a:bodyPr wrap="none" rtlCol="0">
+        </p:spPr>
+        <p:txBody>
+          <a:bodyPr wrap="square">
             <a:spAutoFit/>
           </a:bodyPr>
           <a:lstStyle/>
           <a:p>
-            <a:r>
-              <a:rPr lang="en-US" sz="2800" b="1" dirty="0">
-                <a:solidFill>
-                  <a:srgbClr val="0070C0"/>
+            <a:pPr>
+              <a:lnSpc>
+                <a:spcPct val="150000"/>
+              </a:lnSpc>
+            </a:pPr>
+            <a:r>
+              <a:rPr lang="en-US" sz="2000" dirty="0">
+                <a:solidFill>
+                  <a:schemeClr val="tx1">
+                    <a:lumMod val="95000"/>
+                    <a:lumOff val="5000"/>
+                  </a:schemeClr>
                 </a:solidFill>
               </a:rPr>
-              <a:t>Max Value</a:t>
-            </a:r>
-            <a:endParaRPr lang="ru-RU" sz="2800" b="1" dirty="0">
+              <a:t>Text </a:t>
+            </a:r>
+            <a:r>
+              <a:rPr lang="en-US" sz="2000" dirty="0" err="1"/>
+              <a:t>scoreText</a:t>
+            </a:r>
+            <a:r>
+              <a:rPr lang="en-US" sz="2000" dirty="0">
+                <a:solidFill>
+                  <a:schemeClr val="tx1">
+                    <a:lumMod val="95000"/>
+                    <a:lumOff val="5000"/>
+                  </a:schemeClr>
+                </a:solidFill>
+              </a:rPr>
+              <a:t>;</a:t>
+            </a:r>
+          </a:p>
+          <a:p>
+            <a:pPr>
+              <a:lnSpc>
+                <a:spcPct val="150000"/>
+              </a:lnSpc>
+            </a:pPr>
+            <a:r>
+              <a:rPr lang="en-US" sz="2000" dirty="0" err="1"/>
+              <a:t>scoreText</a:t>
+            </a:r>
+            <a:r>
+              <a:rPr lang="en-US" sz="2000" dirty="0"/>
+              <a:t> = </a:t>
+            </a:r>
+            <a:r>
+              <a:rPr lang="en-US" sz="2000" dirty="0" err="1"/>
+              <a:t>GameObject.Find</a:t>
+            </a:r>
+            <a:r>
+              <a:rPr lang="en-US" sz="2000" dirty="0"/>
+              <a:t>("Canvas/Text").</a:t>
+            </a:r>
+            <a:r>
+              <a:rPr lang="en-US" sz="2000" dirty="0" err="1"/>
+              <a:t>GetComponent</a:t>
+            </a:r>
+            <a:r>
+              <a:rPr lang="en-US" sz="2000" dirty="0"/>
+              <a:t>&lt;Text&gt;();</a:t>
+            </a:r>
+            <a:endParaRPr lang="ru-RU" sz="2000" dirty="0">
               <a:solidFill>
-                <a:srgbClr val="0070C0"/>
+                <a:schemeClr val="tx1">
+                  <a:lumMod val="95000"/>
+                  <a:lumOff val="5000"/>
+                </a:schemeClr>
               </a:solidFill>
             </a:endParaRPr>
           </a:p>
         </p:txBody>
       </p:sp>
-      <p:sp>
-        <p:nvSpPr>
-          <p:cNvPr id="10" name="TextBox 9">
-            <a:extLst>
-              <a:ext uri="{FF2B5EF4-FFF2-40B4-BE49-F238E27FC236}">
-                <a16:creationId xmlns:a16="http://schemas.microsoft.com/office/drawing/2014/main" id="{277CC84C-49E7-4510-AFB5-144B73393845}"/>
-              </a:ext>
-            </a:extLst>
-          </p:cNvPr>
-          <p:cNvSpPr txBox="1"/>
-          <p:nvPr/>
-        </p:nvSpPr>
-        <p:spPr>
-          <a:xfrm>
-            <a:off x="5493912" y="5269720"/>
-            <a:ext cx="1204176" cy="523220"/>
-          </a:xfrm>
-          <a:prstGeom prst="rect">
-            <a:avLst/>
-          </a:prstGeom>
-          <a:noFill/>
-        </p:spPr>
-        <p:txBody>
-          <a:bodyPr wrap="none" rtlCol="0">
-            <a:spAutoFit/>
-          </a:bodyPr>
-          <a:lstStyle/>
-          <a:p>
-            <a:r>
-              <a:rPr lang="en-US" sz="2800" b="1" dirty="0">
-                <a:solidFill>
-                  <a:srgbClr val="0070C0"/>
-                </a:solidFill>
-              </a:rPr>
-              <a:t>Value</a:t>
-            </a:r>
-            <a:endParaRPr lang="ru-RU" sz="2800" b="1" dirty="0">
-              <a:solidFill>
-                <a:srgbClr val="0070C0"/>
-              </a:solidFill>
-            </a:endParaRPr>
-          </a:p>
-        </p:txBody>
-      </p:sp>
-      <p:cxnSp>
-        <p:nvCxnSpPr>
-          <p:cNvPr id="11" name="Прямая со стрелкой 10">
-            <a:extLst>
-              <a:ext uri="{FF2B5EF4-FFF2-40B4-BE49-F238E27FC236}">
-                <a16:creationId xmlns:a16="http://schemas.microsoft.com/office/drawing/2014/main" id="{BCA259A5-9E23-4FE0-8153-D0A53F10E4CF}"/>
-              </a:ext>
-            </a:extLst>
-          </p:cNvPr>
-          <p:cNvCxnSpPr/>
-          <p:nvPr/>
-        </p:nvCxnSpPr>
-        <p:spPr>
-          <a:xfrm flipV="1">
-            <a:off x="3506680" y="2938509"/>
-            <a:ext cx="1535837" cy="1039651"/>
-          </a:xfrm>
-          <a:prstGeom prst="straightConnector1">
-            <a:avLst/>
-          </a:prstGeom>
-          <a:ln>
-            <a:tailEnd type="triangle"/>
-          </a:ln>
-        </p:spPr>
-        <p:style>
-          <a:lnRef idx="3">
-            <a:schemeClr val="accent2"/>
-          </a:lnRef>
-          <a:fillRef idx="0">
-            <a:schemeClr val="accent2"/>
-          </a:fillRef>
-          <a:effectRef idx="2">
-            <a:schemeClr val="accent2"/>
-          </a:effectRef>
-          <a:fontRef idx="minor">
-            <a:schemeClr val="tx1"/>
-          </a:fontRef>
-        </p:style>
-      </p:cxnSp>
-      <p:cxnSp>
-        <p:nvCxnSpPr>
-          <p:cNvPr id="13" name="Прямая со стрелкой 12">
-            <a:extLst>
-              <a:ext uri="{FF2B5EF4-FFF2-40B4-BE49-F238E27FC236}">
-                <a16:creationId xmlns:a16="http://schemas.microsoft.com/office/drawing/2014/main" id="{7905062D-47EA-46BE-8F11-8E94B05FF7B3}"/>
-              </a:ext>
-            </a:extLst>
-          </p:cNvPr>
-          <p:cNvCxnSpPr>
-            <a:cxnSpLocks/>
-          </p:cNvCxnSpPr>
-          <p:nvPr/>
-        </p:nvCxnSpPr>
-        <p:spPr>
-          <a:xfrm flipH="1" flipV="1">
-            <a:off x="7051629" y="2938512"/>
-            <a:ext cx="1731702" cy="1127461"/>
-          </a:xfrm>
-          <a:prstGeom prst="straightConnector1">
-            <a:avLst/>
-          </a:prstGeom>
-          <a:ln>
-            <a:tailEnd type="triangle"/>
-          </a:ln>
-        </p:spPr>
-        <p:style>
-          <a:lnRef idx="3">
-            <a:schemeClr val="accent2"/>
-          </a:lnRef>
-          <a:fillRef idx="0">
-            <a:schemeClr val="accent2"/>
-          </a:fillRef>
-          <a:effectRef idx="2">
-            <a:schemeClr val="accent2"/>
-          </a:effectRef>
-          <a:fontRef idx="minor">
-            <a:schemeClr val="tx1"/>
-          </a:fontRef>
-        </p:style>
-      </p:cxnSp>
-      <p:cxnSp>
-        <p:nvCxnSpPr>
-          <p:cNvPr id="18" name="Прямая со стрелкой 17">
-            <a:extLst>
-              <a:ext uri="{FF2B5EF4-FFF2-40B4-BE49-F238E27FC236}">
-                <a16:creationId xmlns:a16="http://schemas.microsoft.com/office/drawing/2014/main" id="{F5BEFA6B-04AB-4ADB-B768-7FBBFEB70D3F}"/>
-              </a:ext>
-            </a:extLst>
-          </p:cNvPr>
-          <p:cNvCxnSpPr>
-            <a:cxnSpLocks/>
-            <a:stCxn id="10" idx="0"/>
-          </p:cNvCxnSpPr>
-          <p:nvPr/>
-        </p:nvCxnSpPr>
-        <p:spPr>
-          <a:xfrm flipV="1">
-            <a:off x="6096000" y="3044888"/>
-            <a:ext cx="21793" cy="2224832"/>
-          </a:xfrm>
-          <a:prstGeom prst="straightConnector1">
-            <a:avLst/>
-          </a:prstGeom>
-          <a:ln>
-            <a:tailEnd type="triangle"/>
-          </a:ln>
-        </p:spPr>
-        <p:style>
-          <a:lnRef idx="3">
-            <a:schemeClr val="accent2"/>
-          </a:lnRef>
-          <a:fillRef idx="0">
-            <a:schemeClr val="accent2"/>
-          </a:fillRef>
-          <a:effectRef idx="2">
-            <a:schemeClr val="accent2"/>
-          </a:effectRef>
-          <a:fontRef idx="minor">
-            <a:schemeClr val="tx1"/>
-          </a:fontRef>
-        </p:style>
-      </p:cxnSp>
     </p:spTree>
     <p:extLst>
       <p:ext uri="{BB962C8B-B14F-4D97-AF65-F5344CB8AC3E}">
-        <p14:creationId xmlns:p14="http://schemas.microsoft.com/office/powerpoint/2010/main" val="19393585"/>
+        <p14:creationId xmlns:p14="http://schemas.microsoft.com/office/powerpoint/2010/main" val="3615717467"/>
       </p:ext>
     </p:extLst>
   </p:cSld>
@@ -5662,6 +5535,41 @@
       </p:grpSpPr>
       <p:sp>
         <p:nvSpPr>
+          <p:cNvPr id="4" name="Дата 3">
+            <a:extLst>
+              <a:ext uri="{FF2B5EF4-FFF2-40B4-BE49-F238E27FC236}">
+                <a16:creationId xmlns:a16="http://schemas.microsoft.com/office/drawing/2014/main" id="{A740430A-C502-4F9B-89E2-D51D1348D0C3}"/>
+              </a:ext>
+            </a:extLst>
+          </p:cNvPr>
+          <p:cNvSpPr>
+            <a:spLocks noGrp="1"/>
+          </p:cNvSpPr>
+          <p:nvPr>
+            <p:ph type="dt" sz="half" idx="10"/>
+          </p:nvPr>
+        </p:nvSpPr>
+        <p:spPr>
+          <a:xfrm>
+            <a:off x="7452102" y="5639142"/>
+            <a:ext cx="2893045" cy="365760"/>
+          </a:xfrm>
+        </p:spPr>
+        <p:txBody>
+          <a:bodyPr/>
+          <a:lstStyle/>
+          <a:p>
+            <a:pPr rtl="0"/>
+            <a:fld id="{629C2F20-7994-4D1E-A01C-96ECBA4612EB}" type="datetime1">
+              <a:rPr lang="ru-RU" smtClean="0"/>
+              <a:t>05.10.2020</a:t>
+            </a:fld>
+            <a:endParaRPr lang="en-US"/>
+          </a:p>
+        </p:txBody>
+      </p:sp>
+      <p:sp>
+        <p:nvSpPr>
           <p:cNvPr id="5" name="Заголовок 1">
             <a:extLst>
               <a:ext uri="{FF2B5EF4-FFF2-40B4-BE49-F238E27FC236}">
@@ -5676,8 +5584,8 @@
         </p:nvSpPr>
         <p:spPr>
           <a:xfrm>
-            <a:off x="1066800" y="101338"/>
-            <a:ext cx="10058400" cy="1527313"/>
+            <a:off x="2607425" y="499513"/>
+            <a:ext cx="7596326" cy="930776"/>
           </a:xfrm>
           <a:prstGeom prst="rect">
             <a:avLst/>
@@ -5721,17 +5629,17 @@
                 </a:solidFill>
                 <a:latin typeface="Segoe Print" panose="02000600000000000000" pitchFamily="2" charset="0"/>
               </a:rPr>
-              <a:t>Индикатор здоровья</a:t>
-            </a:r>
-          </a:p>
-        </p:txBody>
-      </p:sp>
-      <p:sp>
-        <p:nvSpPr>
-          <p:cNvPr id="2" name="Прямоугольник 1">
+              <a:t>Считаем монетки</a:t>
+            </a:r>
+          </a:p>
+        </p:txBody>
+      </p:sp>
+      <p:sp>
+        <p:nvSpPr>
+          <p:cNvPr id="6" name="Прямоугольник 5">
             <a:extLst>
               <a:ext uri="{FF2B5EF4-FFF2-40B4-BE49-F238E27FC236}">
-                <a16:creationId xmlns:a16="http://schemas.microsoft.com/office/drawing/2014/main" id="{1BEF9174-EC58-4924-87A0-12DEA357D644}"/>
+                <a16:creationId xmlns:a16="http://schemas.microsoft.com/office/drawing/2014/main" id="{6BABCC37-5AEC-4D96-9683-E7F18B5AB294}"/>
               </a:ext>
             </a:extLst>
           </p:cNvPr>
@@ -5740,375 +5648,36 @@
         </p:nvSpPr>
         <p:spPr>
           <a:xfrm>
-            <a:off x="701335" y="2031637"/>
-            <a:ext cx="10502284" cy="3662541"/>
+            <a:off x="1487137" y="1491179"/>
+            <a:ext cx="3502882" cy="523220"/>
           </a:xfrm>
           <a:prstGeom prst="rect">
             <a:avLst/>
           </a:prstGeom>
         </p:spPr>
         <p:txBody>
-          <a:bodyPr wrap="square">
+          <a:bodyPr wrap="none">
             <a:spAutoFit/>
           </a:bodyPr>
           <a:lstStyle/>
           <a:p>
             <a:r>
-              <a:rPr lang="ru-RU" sz="2000" b="1" dirty="0">
-                <a:solidFill>
-                  <a:srgbClr val="0070C0"/>
+              <a:rPr lang="ru-RU" sz="2800" dirty="0">
+                <a:solidFill>
+                  <a:srgbClr val="C00000"/>
                 </a:solidFill>
               </a:rPr>
-              <a:t>Как найти слайдер</a:t>
-            </a:r>
-          </a:p>
-          <a:p>
-            <a:endParaRPr lang="ru-RU" sz="2000" b="1" dirty="0">
-              <a:solidFill>
-                <a:srgbClr val="0070C0"/>
-              </a:solidFill>
-            </a:endParaRPr>
-          </a:p>
-          <a:p>
-            <a:r>
-              <a:rPr lang="en-US" sz="2400" dirty="0">
-                <a:solidFill>
-                  <a:schemeClr val="tx1">
-                    <a:lumMod val="95000"/>
-                    <a:lumOff val="5000"/>
-                  </a:schemeClr>
-                </a:solidFill>
-              </a:rPr>
-              <a:t>Slider </a:t>
-            </a:r>
-            <a:r>
-              <a:rPr lang="en-US" sz="2400" dirty="0" err="1">
-                <a:solidFill>
-                  <a:schemeClr val="tx1">
-                    <a:lumMod val="95000"/>
-                    <a:lumOff val="5000"/>
-                  </a:schemeClr>
-                </a:solidFill>
-              </a:rPr>
-              <a:t>mySlider</a:t>
-            </a:r>
-            <a:r>
-              <a:rPr lang="en-US" sz="2400" dirty="0">
-                <a:solidFill>
-                  <a:schemeClr val="tx1">
-                    <a:lumMod val="95000"/>
-                    <a:lumOff val="5000"/>
-                  </a:schemeClr>
-                </a:solidFill>
-              </a:rPr>
-              <a:t>;</a:t>
-            </a:r>
-          </a:p>
-          <a:p>
-            <a:r>
-              <a:rPr lang="en-US" sz="2400" dirty="0">
-                <a:solidFill>
-                  <a:schemeClr val="tx1">
-                    <a:lumMod val="95000"/>
-                    <a:lumOff val="5000"/>
-                  </a:schemeClr>
-                </a:solidFill>
-              </a:rPr>
-              <a:t>slider = </a:t>
-            </a:r>
-            <a:r>
-              <a:rPr lang="en-US" sz="2400" dirty="0" err="1">
-                <a:solidFill>
-                  <a:schemeClr val="tx1">
-                    <a:lumMod val="95000"/>
-                    <a:lumOff val="5000"/>
-                  </a:schemeClr>
-                </a:solidFill>
-              </a:rPr>
-              <a:t>GameObject.Find</a:t>
-            </a:r>
-            <a:r>
-              <a:rPr lang="en-US" sz="2400" dirty="0">
-                <a:solidFill>
-                  <a:schemeClr val="tx1">
-                    <a:lumMod val="95000"/>
-                    <a:lumOff val="5000"/>
-                  </a:schemeClr>
-                </a:solidFill>
-              </a:rPr>
-              <a:t>("Canvas/Slider").</a:t>
-            </a:r>
-            <a:r>
-              <a:rPr lang="en-US" sz="2400" dirty="0" err="1">
-                <a:solidFill>
-                  <a:schemeClr val="tx1">
-                    <a:lumMod val="95000"/>
-                    <a:lumOff val="5000"/>
-                  </a:schemeClr>
-                </a:solidFill>
-              </a:rPr>
-              <a:t>GetComponent</a:t>
-            </a:r>
-            <a:r>
-              <a:rPr lang="en-US" sz="2400" dirty="0">
-                <a:solidFill>
-                  <a:schemeClr val="tx1">
-                    <a:lumMod val="95000"/>
-                    <a:lumOff val="5000"/>
-                  </a:schemeClr>
-                </a:solidFill>
-              </a:rPr>
-              <a:t>&lt;Slider&gt;();</a:t>
-            </a:r>
-            <a:endParaRPr lang="ru-RU" sz="2400" dirty="0">
-              <a:solidFill>
-                <a:schemeClr val="tx1">
-                  <a:lumMod val="95000"/>
-                  <a:lumOff val="5000"/>
-                </a:schemeClr>
-              </a:solidFill>
-            </a:endParaRPr>
-          </a:p>
-          <a:p>
-            <a:endParaRPr lang="ru-RU" sz="2400" dirty="0">
-              <a:solidFill>
-                <a:schemeClr val="tx1">
-                  <a:lumMod val="95000"/>
-                  <a:lumOff val="5000"/>
-                </a:schemeClr>
-              </a:solidFill>
-            </a:endParaRPr>
-          </a:p>
-          <a:p>
-            <a:endParaRPr lang="ru-RU" sz="2400" dirty="0">
-              <a:solidFill>
-                <a:schemeClr val="tx1">
-                  <a:lumMod val="95000"/>
-                  <a:lumOff val="5000"/>
-                </a:schemeClr>
-              </a:solidFill>
-            </a:endParaRPr>
-          </a:p>
-          <a:p>
-            <a:r>
-              <a:rPr lang="ru-RU" sz="2400" b="1" dirty="0">
-                <a:solidFill>
-                  <a:srgbClr val="0070C0"/>
-                </a:solidFill>
-              </a:rPr>
-              <a:t>Как изменить значение слайдера</a:t>
-            </a:r>
-          </a:p>
-          <a:p>
-            <a:endParaRPr lang="en-US" sz="2400" b="1" dirty="0">
-              <a:solidFill>
-                <a:srgbClr val="0070C0"/>
-              </a:solidFill>
-            </a:endParaRPr>
-          </a:p>
-          <a:p>
-            <a:r>
-              <a:rPr lang="en-US" sz="2400" dirty="0" err="1">
-                <a:solidFill>
-                  <a:schemeClr val="tx1">
-                    <a:lumMod val="95000"/>
-                    <a:lumOff val="5000"/>
-                  </a:schemeClr>
-                </a:solidFill>
-              </a:rPr>
-              <a:t>slider.value</a:t>
-            </a:r>
-            <a:r>
-              <a:rPr lang="en-US" sz="2400" dirty="0">
-                <a:solidFill>
-                  <a:schemeClr val="tx1">
-                    <a:lumMod val="95000"/>
-                    <a:lumOff val="5000"/>
-                  </a:schemeClr>
-                </a:solidFill>
-              </a:rPr>
-              <a:t> = </a:t>
-            </a:r>
-            <a:r>
-              <a:rPr lang="en-US" sz="2400" dirty="0" err="1">
-                <a:solidFill>
-                  <a:schemeClr val="tx1">
-                    <a:lumMod val="95000"/>
-                    <a:lumOff val="5000"/>
-                  </a:schemeClr>
-                </a:solidFill>
-              </a:rPr>
-              <a:t>slider.value</a:t>
-            </a:r>
-            <a:r>
-              <a:rPr lang="en-US" sz="2400" dirty="0">
-                <a:solidFill>
-                  <a:schemeClr val="tx1">
-                    <a:lumMod val="95000"/>
-                    <a:lumOff val="5000"/>
-                  </a:schemeClr>
-                </a:solidFill>
-              </a:rPr>
-              <a:t> – 10;</a:t>
-            </a:r>
-            <a:endParaRPr lang="ru-RU" sz="2400" b="1" dirty="0">
-              <a:solidFill>
-                <a:srgbClr val="0070C0"/>
-              </a:solidFill>
-            </a:endParaRPr>
-          </a:p>
-          <a:p>
-            <a:endParaRPr lang="ru-RU" sz="2400" dirty="0">
-              <a:solidFill>
-                <a:schemeClr val="tx1">
-                  <a:lumMod val="95000"/>
-                  <a:lumOff val="5000"/>
-                </a:schemeClr>
-              </a:solidFill>
-            </a:endParaRPr>
-          </a:p>
-        </p:txBody>
-      </p:sp>
-    </p:spTree>
-    <p:extLst>
-      <p:ext uri="{BB962C8B-B14F-4D97-AF65-F5344CB8AC3E}">
-        <p14:creationId xmlns:p14="http://schemas.microsoft.com/office/powerpoint/2010/main" val="1872532882"/>
-      </p:ext>
-    </p:extLst>
-  </p:cSld>
-  <p:clrMapOvr>
-    <a:masterClrMapping/>
-  </p:clrMapOvr>
-</p:sld>
-</file>
-
-<file path=ppt/slides/slide12.xml><?xml version="1.0" encoding="utf-8"?>
-<p:sld xmlns:a="http://schemas.openxmlformats.org/drawingml/2006/main" xmlns:r="http://schemas.openxmlformats.org/officeDocument/2006/relationships" xmlns:p="http://schemas.openxmlformats.org/presentationml/2006/main">
-  <p:cSld>
-    <p:spTree>
-      <p:nvGrpSpPr>
-        <p:cNvPr id="1" name=""/>
-        <p:cNvGrpSpPr/>
-        <p:nvPr/>
-      </p:nvGrpSpPr>
-      <p:grpSpPr>
-        <a:xfrm>
-          <a:off x="0" y="0"/>
-          <a:ext cx="0" cy="0"/>
-          <a:chOff x="0" y="0"/>
-          <a:chExt cx="0" cy="0"/>
-        </a:xfrm>
-      </p:grpSpPr>
-      <p:sp>
-        <p:nvSpPr>
-          <p:cNvPr id="4" name="Дата 3">
+              <a:t>https://goo.su/2f9h</a:t>
+            </a:r>
+          </a:p>
+        </p:txBody>
+      </p:sp>
+      <p:sp>
+        <p:nvSpPr>
+          <p:cNvPr id="2" name="TextBox 1">
             <a:extLst>
               <a:ext uri="{FF2B5EF4-FFF2-40B4-BE49-F238E27FC236}">
-                <a16:creationId xmlns:a16="http://schemas.microsoft.com/office/drawing/2014/main" id="{A9577426-050A-4C6D-8771-B1DFD0D56CFB}"/>
-              </a:ext>
-            </a:extLst>
-          </p:cNvPr>
-          <p:cNvSpPr>
-            <a:spLocks noGrp="1"/>
-          </p:cNvSpPr>
-          <p:nvPr>
-            <p:ph type="dt" sz="half" idx="10"/>
-          </p:nvPr>
-        </p:nvSpPr>
-        <p:spPr/>
-        <p:txBody>
-          <a:bodyPr/>
-          <a:lstStyle/>
-          <a:p>
-            <a:pPr rtl="0"/>
-            <a:fld id="{629C2F20-7994-4D1E-A01C-96ECBA4612EB}" type="datetime1">
-              <a:rPr lang="ru-RU" smtClean="0"/>
-              <a:t>04.10.2020</a:t>
-            </a:fld>
-            <a:endParaRPr lang="en-US"/>
-          </a:p>
-        </p:txBody>
-      </p:sp>
-      <p:sp>
-        <p:nvSpPr>
-          <p:cNvPr id="5" name="Заголовок 1">
-            <a:extLst>
-              <a:ext uri="{FF2B5EF4-FFF2-40B4-BE49-F238E27FC236}">
-                <a16:creationId xmlns:a16="http://schemas.microsoft.com/office/drawing/2014/main" id="{211AF984-8FAD-4380-9159-6A130D50EF68}"/>
-              </a:ext>
-            </a:extLst>
-          </p:cNvPr>
-          <p:cNvSpPr>
-            <a:spLocks noGrp="1"/>
-          </p:cNvSpPr>
-          <p:nvPr>
-            <p:ph type="title"/>
-          </p:nvPr>
-        </p:nvSpPr>
-        <p:spPr>
-          <a:xfrm>
-            <a:off x="1066800" y="231913"/>
-            <a:ext cx="10058400" cy="1371600"/>
-          </a:xfrm>
-        </p:spPr>
-        <p:txBody>
-          <a:bodyPr/>
-          <a:lstStyle/>
-          <a:p>
-            <a:pPr algn="ctr"/>
-            <a:r>
-              <a:rPr lang="ru-RU" b="1" dirty="0" err="1">
-                <a:solidFill>
-                  <a:schemeClr val="accent3">
-                    <a:lumMod val="75000"/>
-                  </a:schemeClr>
-                </a:solidFill>
-                <a:latin typeface="Segoe Print" panose="02000600000000000000" pitchFamily="2" charset="0"/>
-              </a:rPr>
-              <a:t>Содание</a:t>
-            </a:r>
-            <a:r>
-              <a:rPr lang="ru-RU" b="1" dirty="0">
-                <a:solidFill>
-                  <a:schemeClr val="accent3">
-                    <a:lumMod val="75000"/>
-                  </a:schemeClr>
-                </a:solidFill>
-                <a:latin typeface="Segoe Print" panose="02000600000000000000" pitchFamily="2" charset="0"/>
-              </a:rPr>
-              <a:t> </a:t>
-            </a:r>
-            <a:r>
-              <a:rPr lang="ru-RU" b="1" dirty="0" err="1">
-                <a:solidFill>
-                  <a:schemeClr val="accent3">
-                    <a:lumMod val="75000"/>
-                  </a:schemeClr>
-                </a:solidFill>
-                <a:latin typeface="Segoe Print" panose="02000600000000000000" pitchFamily="2" charset="0"/>
-              </a:rPr>
-              <a:t>префаба</a:t>
-            </a:r>
-            <a:r>
-              <a:rPr lang="ru-RU" b="1" dirty="0">
-                <a:solidFill>
-                  <a:schemeClr val="accent3">
-                    <a:lumMod val="75000"/>
-                  </a:schemeClr>
-                </a:solidFill>
-                <a:latin typeface="Segoe Print" panose="02000600000000000000" pitchFamily="2" charset="0"/>
-              </a:rPr>
-              <a:t> в нужный момент</a:t>
-            </a:r>
-          </a:p>
-        </p:txBody>
-      </p:sp>
-      <p:sp>
-        <p:nvSpPr>
-          <p:cNvPr id="20" name="TextBox 19">
-            <a:extLst>
-              <a:ext uri="{FF2B5EF4-FFF2-40B4-BE49-F238E27FC236}">
-                <a16:creationId xmlns:a16="http://schemas.microsoft.com/office/drawing/2014/main" id="{5811AB85-59DC-43C4-AC3C-9218C516EAD2}"/>
+                <a16:creationId xmlns:a16="http://schemas.microsoft.com/office/drawing/2014/main" id="{A0FCF007-0318-464F-BD2B-8CA960F51D2D}"/>
               </a:ext>
             </a:extLst>
           </p:cNvPr>
@@ -6117,8 +5686,8 @@
         </p:nvSpPr>
         <p:spPr>
           <a:xfrm>
-            <a:off x="756356" y="1603513"/>
-            <a:ext cx="10679288" cy="5008102"/>
+            <a:off x="5047437" y="1568123"/>
+            <a:ext cx="4809330" cy="369332"/>
           </a:xfrm>
           <a:prstGeom prst="rect">
             <a:avLst/>
@@ -6126,289 +5695,590 @@
           <a:noFill/>
         </p:spPr>
         <p:txBody>
+          <a:bodyPr wrap="none" rtlCol="0">
+            <a:spAutoFit/>
+          </a:bodyPr>
+          <a:lstStyle/>
+          <a:p>
+            <a:r>
+              <a:rPr lang="ru-RU" dirty="0"/>
+              <a:t>-    скачать файл со спрайтом монетки</a:t>
+            </a:r>
+          </a:p>
+        </p:txBody>
+      </p:sp>
+      <p:sp>
+        <p:nvSpPr>
+          <p:cNvPr id="3" name="TextBox 2">
+            <a:extLst>
+              <a:ext uri="{FF2B5EF4-FFF2-40B4-BE49-F238E27FC236}">
+                <a16:creationId xmlns:a16="http://schemas.microsoft.com/office/drawing/2014/main" id="{A10D244E-1E0B-4294-86C9-E8B09148E0D5}"/>
+              </a:ext>
+            </a:extLst>
+          </p:cNvPr>
+          <p:cNvSpPr txBox="1"/>
+          <p:nvPr/>
+        </p:nvSpPr>
+        <p:spPr>
+          <a:xfrm>
+            <a:off x="1487137" y="2468769"/>
+            <a:ext cx="2047355" cy="461665"/>
+          </a:xfrm>
+          <a:prstGeom prst="rect">
+            <a:avLst/>
+          </a:prstGeom>
+          <a:noFill/>
+        </p:spPr>
+        <p:txBody>
+          <a:bodyPr wrap="none" rtlCol="0">
+            <a:spAutoFit/>
+          </a:bodyPr>
+          <a:lstStyle/>
+          <a:p>
+            <a:r>
+              <a:rPr lang="en-US" sz="2400" dirty="0">
+                <a:solidFill>
+                  <a:srgbClr val="C00000"/>
+                </a:solidFill>
+              </a:rPr>
+              <a:t>int score = 0;</a:t>
+            </a:r>
+            <a:endParaRPr lang="ru-RU" sz="2400" dirty="0">
+              <a:solidFill>
+                <a:srgbClr val="C00000"/>
+              </a:solidFill>
+            </a:endParaRPr>
+          </a:p>
+        </p:txBody>
+      </p:sp>
+      <p:sp>
+        <p:nvSpPr>
+          <p:cNvPr id="7" name="TextBox 6">
+            <a:extLst>
+              <a:ext uri="{FF2B5EF4-FFF2-40B4-BE49-F238E27FC236}">
+                <a16:creationId xmlns:a16="http://schemas.microsoft.com/office/drawing/2014/main" id="{A3FC8DAA-7562-4D6F-BFA5-56CC5082E1CF}"/>
+              </a:ext>
+            </a:extLst>
+          </p:cNvPr>
+          <p:cNvSpPr txBox="1"/>
+          <p:nvPr/>
+        </p:nvSpPr>
+        <p:spPr>
+          <a:xfrm>
+            <a:off x="807303" y="1429624"/>
+            <a:ext cx="413896" cy="584775"/>
+          </a:xfrm>
+          <a:prstGeom prst="rect">
+            <a:avLst/>
+          </a:prstGeom>
+          <a:noFill/>
+        </p:spPr>
+        <p:txBody>
+          <a:bodyPr wrap="none" rtlCol="0">
+            <a:spAutoFit/>
+          </a:bodyPr>
+          <a:lstStyle/>
+          <a:p>
+            <a:r>
+              <a:rPr lang="ru-RU" sz="3200" b="1" dirty="0">
+                <a:solidFill>
+                  <a:schemeClr val="accent5">
+                    <a:lumMod val="50000"/>
+                  </a:schemeClr>
+                </a:solidFill>
+              </a:rPr>
+              <a:t>1</a:t>
+            </a:r>
+          </a:p>
+        </p:txBody>
+      </p:sp>
+      <p:sp>
+        <p:nvSpPr>
+          <p:cNvPr id="8" name="TextBox 7">
+            <a:extLst>
+              <a:ext uri="{FF2B5EF4-FFF2-40B4-BE49-F238E27FC236}">
+                <a16:creationId xmlns:a16="http://schemas.microsoft.com/office/drawing/2014/main" id="{ACBFA704-DE49-409E-9B30-37DE7C9944E0}"/>
+              </a:ext>
+            </a:extLst>
+          </p:cNvPr>
+          <p:cNvSpPr txBox="1"/>
+          <p:nvPr/>
+        </p:nvSpPr>
+        <p:spPr>
+          <a:xfrm>
+            <a:off x="854568" y="2204302"/>
+            <a:ext cx="413896" cy="584775"/>
+          </a:xfrm>
+          <a:prstGeom prst="rect">
+            <a:avLst/>
+          </a:prstGeom>
+          <a:noFill/>
+        </p:spPr>
+        <p:txBody>
+          <a:bodyPr wrap="none" rtlCol="0">
+            <a:spAutoFit/>
+          </a:bodyPr>
+          <a:lstStyle/>
+          <a:p>
+            <a:r>
+              <a:rPr lang="ru-RU" sz="3200" b="1" dirty="0">
+                <a:solidFill>
+                  <a:schemeClr val="accent5">
+                    <a:lumMod val="50000"/>
+                  </a:schemeClr>
+                </a:solidFill>
+              </a:rPr>
+              <a:t>2</a:t>
+            </a:r>
+          </a:p>
+        </p:txBody>
+      </p:sp>
+      <p:sp>
+        <p:nvSpPr>
+          <p:cNvPr id="9" name="TextBox 8">
+            <a:extLst>
+              <a:ext uri="{FF2B5EF4-FFF2-40B4-BE49-F238E27FC236}">
+                <a16:creationId xmlns:a16="http://schemas.microsoft.com/office/drawing/2014/main" id="{12FD076E-360C-48CC-AE85-834679111373}"/>
+              </a:ext>
+            </a:extLst>
+          </p:cNvPr>
+          <p:cNvSpPr txBox="1"/>
+          <p:nvPr/>
+        </p:nvSpPr>
+        <p:spPr>
+          <a:xfrm>
+            <a:off x="1487137" y="2213205"/>
+            <a:ext cx="6110968" cy="369332"/>
+          </a:xfrm>
+          <a:prstGeom prst="rect">
+            <a:avLst/>
+          </a:prstGeom>
+          <a:noFill/>
+        </p:spPr>
+        <p:txBody>
+          <a:bodyPr wrap="none" rtlCol="0">
+            <a:spAutoFit/>
+          </a:bodyPr>
+          <a:lstStyle/>
+          <a:p>
+            <a:r>
+              <a:rPr lang="ru-RU" dirty="0"/>
+              <a:t>Инициализируем переменную для подсчета очков</a:t>
+            </a:r>
+          </a:p>
+        </p:txBody>
+      </p:sp>
+      <p:sp>
+        <p:nvSpPr>
+          <p:cNvPr id="10" name="TextBox 9">
+            <a:extLst>
+              <a:ext uri="{FF2B5EF4-FFF2-40B4-BE49-F238E27FC236}">
+                <a16:creationId xmlns:a16="http://schemas.microsoft.com/office/drawing/2014/main" id="{E9A4C024-CF16-4E03-9B33-FD50A126C6DD}"/>
+              </a:ext>
+            </a:extLst>
+          </p:cNvPr>
+          <p:cNvSpPr txBox="1"/>
+          <p:nvPr/>
+        </p:nvSpPr>
+        <p:spPr>
+          <a:xfrm>
+            <a:off x="1511160" y="3246067"/>
+            <a:ext cx="2779928" cy="461665"/>
+          </a:xfrm>
+          <a:prstGeom prst="rect">
+            <a:avLst/>
+          </a:prstGeom>
+          <a:noFill/>
+        </p:spPr>
+        <p:txBody>
+          <a:bodyPr wrap="none" rtlCol="0">
+            <a:spAutoFit/>
+          </a:bodyPr>
+          <a:lstStyle/>
+          <a:p>
+            <a:r>
+              <a:rPr lang="en-US" sz="2400" dirty="0">
+                <a:solidFill>
+                  <a:srgbClr val="C00000"/>
+                </a:solidFill>
+              </a:rPr>
+              <a:t>score = score + 1;</a:t>
+            </a:r>
+            <a:endParaRPr lang="ru-RU" sz="2400" dirty="0">
+              <a:solidFill>
+                <a:srgbClr val="C00000"/>
+              </a:solidFill>
+            </a:endParaRPr>
+          </a:p>
+        </p:txBody>
+      </p:sp>
+      <p:sp>
+        <p:nvSpPr>
+          <p:cNvPr id="11" name="TextBox 10">
+            <a:extLst>
+              <a:ext uri="{FF2B5EF4-FFF2-40B4-BE49-F238E27FC236}">
+                <a16:creationId xmlns:a16="http://schemas.microsoft.com/office/drawing/2014/main" id="{7AD80547-022B-40D1-86A7-E87D7CD155C7}"/>
+              </a:ext>
+            </a:extLst>
+          </p:cNvPr>
+          <p:cNvSpPr txBox="1"/>
+          <p:nvPr/>
+        </p:nvSpPr>
+        <p:spPr>
+          <a:xfrm>
+            <a:off x="905996" y="3029453"/>
+            <a:ext cx="413896" cy="584775"/>
+          </a:xfrm>
+          <a:prstGeom prst="rect">
+            <a:avLst/>
+          </a:prstGeom>
+          <a:noFill/>
+        </p:spPr>
+        <p:txBody>
+          <a:bodyPr wrap="none" rtlCol="0">
+            <a:spAutoFit/>
+          </a:bodyPr>
+          <a:lstStyle/>
+          <a:p>
+            <a:r>
+              <a:rPr lang="ru-RU" sz="3200" b="1" dirty="0">
+                <a:solidFill>
+                  <a:schemeClr val="accent5">
+                    <a:lumMod val="50000"/>
+                  </a:schemeClr>
+                </a:solidFill>
+              </a:rPr>
+              <a:t>3</a:t>
+            </a:r>
+          </a:p>
+        </p:txBody>
+      </p:sp>
+      <p:sp>
+        <p:nvSpPr>
+          <p:cNvPr id="12" name="TextBox 11">
+            <a:extLst>
+              <a:ext uri="{FF2B5EF4-FFF2-40B4-BE49-F238E27FC236}">
+                <a16:creationId xmlns:a16="http://schemas.microsoft.com/office/drawing/2014/main" id="{A69A032A-7C3B-4AD3-9CA9-402F89EAB990}"/>
+              </a:ext>
+            </a:extLst>
+          </p:cNvPr>
+          <p:cNvSpPr txBox="1"/>
+          <p:nvPr/>
+        </p:nvSpPr>
+        <p:spPr>
+          <a:xfrm>
+            <a:off x="1511160" y="3024887"/>
+            <a:ext cx="4458272" cy="369332"/>
+          </a:xfrm>
+          <a:prstGeom prst="rect">
+            <a:avLst/>
+          </a:prstGeom>
+          <a:noFill/>
+        </p:spPr>
+        <p:txBody>
+          <a:bodyPr wrap="none" rtlCol="0">
+            <a:spAutoFit/>
+          </a:bodyPr>
+          <a:lstStyle/>
+          <a:p>
+            <a:r>
+              <a:rPr lang="ru-RU" dirty="0"/>
+              <a:t>Увеличиваем значение переменной</a:t>
+            </a:r>
+          </a:p>
+        </p:txBody>
+      </p:sp>
+      <p:sp>
+        <p:nvSpPr>
+          <p:cNvPr id="13" name="TextBox 12">
+            <a:extLst>
+              <a:ext uri="{FF2B5EF4-FFF2-40B4-BE49-F238E27FC236}">
+                <a16:creationId xmlns:a16="http://schemas.microsoft.com/office/drawing/2014/main" id="{7C1D60CD-A4EE-4FED-A45F-FEC478870D5A}"/>
+              </a:ext>
+            </a:extLst>
+          </p:cNvPr>
+          <p:cNvSpPr txBox="1"/>
+          <p:nvPr/>
+        </p:nvSpPr>
+        <p:spPr>
+          <a:xfrm>
+            <a:off x="905996" y="3907786"/>
+            <a:ext cx="413896" cy="584775"/>
+          </a:xfrm>
+          <a:prstGeom prst="rect">
+            <a:avLst/>
+          </a:prstGeom>
+          <a:noFill/>
+        </p:spPr>
+        <p:txBody>
+          <a:bodyPr wrap="none" rtlCol="0">
+            <a:spAutoFit/>
+          </a:bodyPr>
+          <a:lstStyle/>
+          <a:p>
+            <a:r>
+              <a:rPr lang="en-US" sz="3200" b="1" dirty="0">
+                <a:solidFill>
+                  <a:schemeClr val="accent5">
+                    <a:lumMod val="50000"/>
+                  </a:schemeClr>
+                </a:solidFill>
+              </a:rPr>
+              <a:t>4</a:t>
+            </a:r>
+            <a:endParaRPr lang="ru-RU" sz="3200" b="1" dirty="0">
+              <a:solidFill>
+                <a:schemeClr val="accent5">
+                  <a:lumMod val="50000"/>
+                </a:schemeClr>
+              </a:solidFill>
+            </a:endParaRPr>
+          </a:p>
+        </p:txBody>
+      </p:sp>
+      <p:sp>
+        <p:nvSpPr>
+          <p:cNvPr id="14" name="TextBox 13">
+            <a:extLst>
+              <a:ext uri="{FF2B5EF4-FFF2-40B4-BE49-F238E27FC236}">
+                <a16:creationId xmlns:a16="http://schemas.microsoft.com/office/drawing/2014/main" id="{8F65A22E-0427-427C-8417-481BE043FDBD}"/>
+              </a:ext>
+            </a:extLst>
+          </p:cNvPr>
+          <p:cNvSpPr txBox="1"/>
+          <p:nvPr/>
+        </p:nvSpPr>
+        <p:spPr>
+          <a:xfrm>
+            <a:off x="1487137" y="3830842"/>
+            <a:ext cx="5083443" cy="369332"/>
+          </a:xfrm>
+          <a:prstGeom prst="rect">
+            <a:avLst/>
+          </a:prstGeom>
+          <a:noFill/>
+        </p:spPr>
+        <p:txBody>
+          <a:bodyPr wrap="none" rtlCol="0">
+            <a:spAutoFit/>
+          </a:bodyPr>
+          <a:lstStyle/>
+          <a:p>
+            <a:r>
+              <a:rPr lang="ru-RU" dirty="0"/>
+              <a:t>Выводим значение переменной на экран</a:t>
+            </a:r>
+          </a:p>
+        </p:txBody>
+      </p:sp>
+      <p:sp>
+        <p:nvSpPr>
+          <p:cNvPr id="15" name="Прямоугольник 14">
+            <a:extLst>
+              <a:ext uri="{FF2B5EF4-FFF2-40B4-BE49-F238E27FC236}">
+                <a16:creationId xmlns:a16="http://schemas.microsoft.com/office/drawing/2014/main" id="{C9F77B8D-EFED-4CC6-A90D-8EED6104A827}"/>
+              </a:ext>
+            </a:extLst>
+          </p:cNvPr>
+          <p:cNvSpPr/>
+          <p:nvPr/>
+        </p:nvSpPr>
+        <p:spPr>
+          <a:xfrm>
+            <a:off x="1511160" y="4093656"/>
+            <a:ext cx="5041765" cy="461665"/>
+          </a:xfrm>
+          <a:prstGeom prst="rect">
+            <a:avLst/>
+          </a:prstGeom>
+        </p:spPr>
+        <p:txBody>
+          <a:bodyPr wrap="none">
+            <a:spAutoFit/>
+          </a:bodyPr>
+          <a:lstStyle/>
+          <a:p>
+            <a:r>
+              <a:rPr lang="en-US" sz="2400" dirty="0" err="1">
+                <a:solidFill>
+                  <a:srgbClr val="C00000"/>
+                </a:solidFill>
+              </a:rPr>
+              <a:t>scoreText.text</a:t>
+            </a:r>
+            <a:r>
+              <a:rPr lang="en-US" sz="2400" dirty="0">
+                <a:solidFill>
+                  <a:srgbClr val="C00000"/>
+                </a:solidFill>
+              </a:rPr>
+              <a:t> = "Score: " + score;</a:t>
+            </a:r>
+            <a:endParaRPr lang="ru-RU" sz="2400" dirty="0">
+              <a:solidFill>
+                <a:srgbClr val="C00000"/>
+              </a:solidFill>
+            </a:endParaRPr>
+          </a:p>
+        </p:txBody>
+      </p:sp>
+      <p:sp>
+        <p:nvSpPr>
+          <p:cNvPr id="16" name="TextBox 15">
+            <a:extLst>
+              <a:ext uri="{FF2B5EF4-FFF2-40B4-BE49-F238E27FC236}">
+                <a16:creationId xmlns:a16="http://schemas.microsoft.com/office/drawing/2014/main" id="{5BEAF4C8-42E4-4485-A1A8-ED223379BBA4}"/>
+              </a:ext>
+            </a:extLst>
+          </p:cNvPr>
+          <p:cNvSpPr txBox="1"/>
+          <p:nvPr/>
+        </p:nvSpPr>
+        <p:spPr>
+          <a:xfrm>
+            <a:off x="927652" y="4882322"/>
+            <a:ext cx="413896" cy="584775"/>
+          </a:xfrm>
+          <a:prstGeom prst="rect">
+            <a:avLst/>
+          </a:prstGeom>
+          <a:noFill/>
+        </p:spPr>
+        <p:txBody>
+          <a:bodyPr wrap="none" rtlCol="0">
+            <a:spAutoFit/>
+          </a:bodyPr>
+          <a:lstStyle/>
+          <a:p>
+            <a:r>
+              <a:rPr lang="ru-RU" sz="3200" b="1" dirty="0">
+                <a:solidFill>
+                  <a:schemeClr val="accent5">
+                    <a:lumMod val="50000"/>
+                  </a:schemeClr>
+                </a:solidFill>
+              </a:rPr>
+              <a:t>5</a:t>
+            </a:r>
+          </a:p>
+        </p:txBody>
+      </p:sp>
+      <p:sp>
+        <p:nvSpPr>
+          <p:cNvPr id="17" name="TextBox 16">
+            <a:extLst>
+              <a:ext uri="{FF2B5EF4-FFF2-40B4-BE49-F238E27FC236}">
+                <a16:creationId xmlns:a16="http://schemas.microsoft.com/office/drawing/2014/main" id="{B46FBB6B-F3AD-49CA-BD09-CA59C71972AB}"/>
+              </a:ext>
+            </a:extLst>
+          </p:cNvPr>
+          <p:cNvSpPr txBox="1"/>
+          <p:nvPr/>
+        </p:nvSpPr>
+        <p:spPr>
+          <a:xfrm>
+            <a:off x="1511160" y="4765732"/>
+            <a:ext cx="2682145" cy="369332"/>
+          </a:xfrm>
+          <a:prstGeom prst="rect">
+            <a:avLst/>
+          </a:prstGeom>
+          <a:noFill/>
+        </p:spPr>
+        <p:txBody>
+          <a:bodyPr wrap="none" rtlCol="0">
+            <a:spAutoFit/>
+          </a:bodyPr>
+          <a:lstStyle/>
+          <a:p>
+            <a:r>
+              <a:rPr lang="ru-RU" dirty="0"/>
+              <a:t>Уничтожаем монетку</a:t>
+            </a:r>
+          </a:p>
+        </p:txBody>
+      </p:sp>
+      <p:sp>
+        <p:nvSpPr>
+          <p:cNvPr id="18" name="Прямоугольник 17">
+            <a:extLst>
+              <a:ext uri="{FF2B5EF4-FFF2-40B4-BE49-F238E27FC236}">
+                <a16:creationId xmlns:a16="http://schemas.microsoft.com/office/drawing/2014/main" id="{D11229F6-E768-4337-8485-908D48C887E4}"/>
+              </a:ext>
+            </a:extLst>
+          </p:cNvPr>
+          <p:cNvSpPr/>
+          <p:nvPr/>
+        </p:nvSpPr>
+        <p:spPr>
+          <a:xfrm>
+            <a:off x="1487137" y="5071004"/>
+            <a:ext cx="9275386" cy="830997"/>
+          </a:xfrm>
+          <a:prstGeom prst="rect">
+            <a:avLst/>
+          </a:prstGeom>
+        </p:spPr>
+        <p:txBody>
           <a:bodyPr wrap="square">
             <a:spAutoFit/>
           </a:bodyPr>
           <a:lstStyle/>
           <a:p>
-            <a:pPr>
-              <a:lnSpc>
-                <a:spcPct val="150000"/>
-              </a:lnSpc>
-            </a:pPr>
+            <a:r>
+              <a:rPr lang="en-US" sz="2400" dirty="0" err="1">
+                <a:solidFill>
+                  <a:srgbClr val="C00000"/>
+                </a:solidFill>
+              </a:rPr>
+              <a:t>GameObject</a:t>
+            </a:r>
             <a:r>
               <a:rPr lang="en-US" sz="2400" dirty="0">
                 <a:solidFill>
-                  <a:schemeClr val="tx1">
-                    <a:lumMod val="95000"/>
-                    <a:lumOff val="5000"/>
-                  </a:schemeClr>
+                  <a:srgbClr val="C00000"/>
                 </a:solidFill>
               </a:rPr>
-              <a:t>1</a:t>
-            </a:r>
-            <a:r>
-              <a:rPr lang="ru-RU" sz="2400" dirty="0">
-                <a:solidFill>
-                  <a:schemeClr val="tx1">
-                    <a:lumMod val="95000"/>
-                    <a:lumOff val="5000"/>
-                  </a:schemeClr>
+              <a:t> g = </a:t>
+            </a:r>
+            <a:r>
+              <a:rPr lang="en-US" sz="2400" dirty="0" err="1">
+                <a:solidFill>
+                  <a:srgbClr val="C00000"/>
                 </a:solidFill>
               </a:rPr>
-              <a:t>Определение переменной для </a:t>
-            </a:r>
-            <a:r>
-              <a:rPr lang="ru-RU" sz="2400" dirty="0" err="1">
-                <a:solidFill>
-                  <a:schemeClr val="tx1">
-                    <a:lumMod val="95000"/>
-                    <a:lumOff val="5000"/>
-                  </a:schemeClr>
+              <a:t>GameObject.Find</a:t>
+            </a:r>
+            <a:r>
+              <a:rPr lang="en-US" sz="2400" dirty="0">
+                <a:solidFill>
+                  <a:srgbClr val="C00000"/>
                 </a:solidFill>
               </a:rPr>
-              <a:t>префаба</a:t>
-            </a:r>
-            <a:endParaRPr lang="en-US" sz="2400" dirty="0">
+              <a:t>("money");</a:t>
+            </a:r>
+          </a:p>
+          <a:p>
+            <a:r>
+              <a:rPr lang="en-US" sz="2400" dirty="0">
+                <a:solidFill>
+                  <a:srgbClr val="C00000"/>
+                </a:solidFill>
+              </a:rPr>
+              <a:t>Destroy(g);</a:t>
+            </a:r>
+            <a:endParaRPr lang="ru-RU" sz="2400" dirty="0">
               <a:solidFill>
-                <a:schemeClr val="tx1">
-                  <a:lumMod val="95000"/>
-                  <a:lumOff val="5000"/>
-                </a:schemeClr>
+                <a:srgbClr val="C00000"/>
               </a:solidFill>
             </a:endParaRPr>
-          </a:p>
-          <a:p>
-            <a:pPr>
-              <a:lnSpc>
-                <a:spcPct val="150000"/>
-              </a:lnSpc>
-            </a:pPr>
-            <a:r>
-              <a:rPr lang="ru-RU" sz="2400" dirty="0" err="1">
-                <a:solidFill>
-                  <a:srgbClr val="0070C0"/>
-                </a:solidFill>
-              </a:rPr>
-              <a:t>public</a:t>
-            </a:r>
-            <a:r>
-              <a:rPr lang="ru-RU" sz="2400" dirty="0"/>
-              <a:t> </a:t>
-            </a:r>
-            <a:r>
-              <a:rPr lang="ru-RU" sz="2400" dirty="0" err="1"/>
-              <a:t>GameObject</a:t>
-            </a:r>
-            <a:r>
-              <a:rPr lang="ru-RU" sz="2400" dirty="0"/>
-              <a:t> </a:t>
-            </a:r>
-            <a:r>
-              <a:rPr lang="en-US" sz="2400" dirty="0">
-                <a:solidFill>
-                  <a:srgbClr val="FF0000"/>
-                </a:solidFill>
-              </a:rPr>
-              <a:t>Explosion</a:t>
-            </a:r>
-            <a:r>
-              <a:rPr lang="ru-RU" sz="2400" dirty="0"/>
-              <a:t>;</a:t>
-            </a:r>
-            <a:endParaRPr lang="en-US" sz="2400" dirty="0"/>
-          </a:p>
-          <a:p>
-            <a:pPr>
-              <a:lnSpc>
-                <a:spcPct val="150000"/>
-              </a:lnSpc>
-            </a:pPr>
-            <a:endParaRPr lang="ru-RU" sz="2400" dirty="0">
-              <a:solidFill>
-                <a:schemeClr val="tx1">
-                  <a:lumMod val="95000"/>
-                  <a:lumOff val="5000"/>
-                </a:schemeClr>
-              </a:solidFill>
-            </a:endParaRPr>
-          </a:p>
-          <a:p>
-            <a:pPr>
-              <a:lnSpc>
-                <a:spcPct val="150000"/>
-              </a:lnSpc>
-            </a:pPr>
-            <a:r>
-              <a:rPr lang="ru-RU" sz="2400" dirty="0">
-                <a:solidFill>
-                  <a:schemeClr val="tx1">
-                    <a:lumMod val="95000"/>
-                    <a:lumOff val="5000"/>
-                  </a:schemeClr>
-                </a:solidFill>
-              </a:rPr>
-              <a:t>2 Создание </a:t>
-            </a:r>
-            <a:r>
-              <a:rPr lang="ru-RU" sz="2400" dirty="0" err="1">
-                <a:solidFill>
-                  <a:schemeClr val="tx1">
-                    <a:lumMod val="95000"/>
-                    <a:lumOff val="5000"/>
-                  </a:schemeClr>
-                </a:solidFill>
-              </a:rPr>
-              <a:t>префаба</a:t>
-            </a:r>
-            <a:endParaRPr lang="en-US" sz="2400" dirty="0">
-              <a:solidFill>
-                <a:schemeClr val="tx1">
-                  <a:lumMod val="95000"/>
-                  <a:lumOff val="5000"/>
-                </a:schemeClr>
-              </a:solidFill>
-            </a:endParaRPr>
-          </a:p>
-          <a:p>
-            <a:pPr>
-              <a:lnSpc>
-                <a:spcPct val="150000"/>
-              </a:lnSpc>
-            </a:pPr>
-            <a:r>
-              <a:rPr lang="fr-FR" sz="2400" dirty="0" err="1">
-                <a:solidFill>
-                  <a:srgbClr val="00B050"/>
-                </a:solidFill>
-              </a:rPr>
-              <a:t>Instantiate</a:t>
-            </a:r>
-            <a:r>
-              <a:rPr lang="fr-FR" sz="2400" dirty="0"/>
-              <a:t>(</a:t>
-            </a:r>
-            <a:r>
-              <a:rPr lang="en-US" sz="2400" dirty="0">
-                <a:solidFill>
-                  <a:srgbClr val="FF0000"/>
-                </a:solidFill>
-              </a:rPr>
-              <a:t>Explosion</a:t>
-            </a:r>
-            <a:r>
-              <a:rPr lang="fr-FR" sz="2400" dirty="0"/>
-              <a:t>, </a:t>
-            </a:r>
-            <a:r>
-              <a:rPr lang="fr-FR" sz="2400" dirty="0" err="1"/>
-              <a:t>transform.position</a:t>
-            </a:r>
-            <a:r>
-              <a:rPr lang="fr-FR" sz="2400" dirty="0"/>
-              <a:t>, </a:t>
-            </a:r>
-            <a:r>
-              <a:rPr lang="fr-FR" sz="2400" dirty="0" err="1"/>
-              <a:t>transform.rotation</a:t>
-            </a:r>
-            <a:r>
-              <a:rPr lang="fr-FR" sz="2400" dirty="0"/>
-              <a:t>);</a:t>
-            </a:r>
-            <a:endParaRPr lang="ru-RU" sz="2400" dirty="0"/>
-          </a:p>
-          <a:p>
-            <a:pPr>
-              <a:lnSpc>
-                <a:spcPct val="150000"/>
-              </a:lnSpc>
-            </a:pPr>
-            <a:endParaRPr lang="ru-RU" sz="2400" dirty="0"/>
-          </a:p>
-          <a:p>
-            <a:pPr>
-              <a:lnSpc>
-                <a:spcPct val="150000"/>
-              </a:lnSpc>
-            </a:pPr>
-            <a:r>
-              <a:rPr lang="ru-RU" sz="2400" dirty="0">
-                <a:solidFill>
-                  <a:schemeClr val="tx1">
-                    <a:lumMod val="95000"/>
-                    <a:lumOff val="5000"/>
-                  </a:schemeClr>
-                </a:solidFill>
-              </a:rPr>
-              <a:t>3 Уничтожение </a:t>
-            </a:r>
-            <a:r>
-              <a:rPr lang="ru-RU" sz="2400" dirty="0" err="1">
-                <a:solidFill>
-                  <a:schemeClr val="tx1">
-                    <a:lumMod val="95000"/>
-                    <a:lumOff val="5000"/>
-                  </a:schemeClr>
-                </a:solidFill>
-              </a:rPr>
-              <a:t>префаба</a:t>
-            </a:r>
-            <a:endParaRPr lang="en-US" sz="2400" dirty="0">
-              <a:solidFill>
-                <a:schemeClr val="tx1">
-                  <a:lumMod val="95000"/>
-                  <a:lumOff val="5000"/>
-                </a:schemeClr>
-              </a:solidFill>
-            </a:endParaRPr>
-          </a:p>
-          <a:p>
-            <a:pPr>
-              <a:lnSpc>
-                <a:spcPct val="150000"/>
-              </a:lnSpc>
-            </a:pPr>
-            <a:r>
-              <a:rPr lang="en-US" sz="2400" dirty="0">
-                <a:solidFill>
-                  <a:srgbClr val="00B050"/>
-                </a:solidFill>
-              </a:rPr>
-              <a:t>Destroy</a:t>
-            </a:r>
-            <a:r>
-              <a:rPr lang="fr-FR" sz="2400" dirty="0"/>
-              <a:t>(</a:t>
-            </a:r>
-            <a:r>
-              <a:rPr lang="en-US" sz="2400" dirty="0">
-                <a:solidFill>
-                  <a:srgbClr val="FF0000"/>
-                </a:solidFill>
-              </a:rPr>
-              <a:t>Explosion</a:t>
-            </a:r>
-            <a:r>
-              <a:rPr lang="fr-FR" sz="2400" dirty="0"/>
-              <a:t>);</a:t>
-            </a:r>
-            <a:endParaRPr lang="ru-RU" sz="2400" dirty="0"/>
-          </a:p>
-          <a:p>
-            <a:pPr>
-              <a:lnSpc>
-                <a:spcPct val="150000"/>
-              </a:lnSpc>
-            </a:pPr>
-            <a:endParaRPr lang="ru-RU" sz="2400" dirty="0"/>
           </a:p>
         </p:txBody>
       </p:sp>
     </p:spTree>
     <p:extLst>
       <p:ext uri="{BB962C8B-B14F-4D97-AF65-F5344CB8AC3E}">
-        <p14:creationId xmlns:p14="http://schemas.microsoft.com/office/powerpoint/2010/main" val="1963700559"/>
+        <p14:creationId xmlns:p14="http://schemas.microsoft.com/office/powerpoint/2010/main" val="945546109"/>
       </p:ext>
     </p:extLst>
   </p:cSld>
@@ -6459,7 +6329,7 @@
             <a:pPr rtl="0"/>
             <a:fld id="{629C2F20-7994-4D1E-A01C-96ECBA4612EB}" type="datetime1">
               <a:rPr lang="ru-RU" smtClean="0"/>
-              <a:t>04.10.2020</a:t>
+              <a:t>05.10.2020</a:t>
             </a:fld>
             <a:endParaRPr lang="en-US"/>
           </a:p>
@@ -7048,7 +6918,7 @@
             <a:pPr rtl="0"/>
             <a:fld id="{629C2F20-7994-4D1E-A01C-96ECBA4612EB}" type="datetime1">
               <a:rPr lang="ru-RU" smtClean="0"/>
-              <a:t>04.10.2020</a:t>
+              <a:t>05.10.2020</a:t>
             </a:fld>
             <a:endParaRPr lang="en-US"/>
           </a:p>
@@ -7704,7 +7574,7 @@
             <a:pPr rtl="0"/>
             <a:fld id="{629C2F20-7994-4D1E-A01C-96ECBA4612EB}" type="datetime1">
               <a:rPr lang="ru-RU" smtClean="0"/>
-              <a:t>04.10.2020</a:t>
+              <a:t>05.10.2020</a:t>
             </a:fld>
             <a:endParaRPr lang="en-US"/>
           </a:p>
@@ -9278,7 +9148,7 @@
             <a:pPr rtl="0"/>
             <a:fld id="{629C2F20-7994-4D1E-A01C-96ECBA4612EB}" type="datetime1">
               <a:rPr lang="ru-RU" smtClean="0"/>
-              <a:t>04.10.2020</a:t>
+              <a:t>05.10.2020</a:t>
             </a:fld>
             <a:endParaRPr lang="en-US"/>
           </a:p>
@@ -9943,7 +9813,7 @@
             <a:pPr rtl="0"/>
             <a:fld id="{629C2F20-7994-4D1E-A01C-96ECBA4612EB}" type="datetime1">
               <a:rPr lang="ru-RU" smtClean="0"/>
-              <a:t>04.10.2020</a:t>
+              <a:t>05.10.2020</a:t>
             </a:fld>
             <a:endParaRPr lang="en-US"/>
           </a:p>
@@ -10322,6 +10192,44 @@
               </a:lnSpc>
             </a:pPr>
             <a:endParaRPr lang="ru-RU" sz="2400" dirty="0"/>
+          </a:p>
+        </p:txBody>
+      </p:sp>
+      <p:sp>
+        <p:nvSpPr>
+          <p:cNvPr id="6" name="Прямоугольник 5">
+            <a:extLst>
+              <a:ext uri="{FF2B5EF4-FFF2-40B4-BE49-F238E27FC236}">
+                <a16:creationId xmlns:a16="http://schemas.microsoft.com/office/drawing/2014/main" id="{13E4A675-1E5A-42FB-B30F-43D75BAE9DCF}"/>
+              </a:ext>
+            </a:extLst>
+          </p:cNvPr>
+          <p:cNvSpPr/>
+          <p:nvPr/>
+        </p:nvSpPr>
+        <p:spPr>
+          <a:xfrm>
+            <a:off x="6867005" y="5087630"/>
+            <a:ext cx="3502882" cy="523220"/>
+          </a:xfrm>
+          <a:prstGeom prst="rect">
+            <a:avLst/>
+          </a:prstGeom>
+        </p:spPr>
+        <p:txBody>
+          <a:bodyPr wrap="none">
+            <a:spAutoFit/>
+          </a:bodyPr>
+          <a:lstStyle/>
+          <a:p>
+            <a:r>
+              <a:rPr lang="ru-RU" sz="2800" dirty="0">
+                <a:solidFill>
+                  <a:srgbClr val="C00000"/>
+                </a:solidFill>
+              </a:rPr>
+              <a:t>https://goo.su/2f9h</a:t>
+            </a:r>
           </a:p>
         </p:txBody>
       </p:sp>
@@ -10379,7 +10287,7 @@
             <a:pPr rtl="0"/>
             <a:fld id="{629C2F20-7994-4D1E-A01C-96ECBA4612EB}" type="datetime1">
               <a:rPr lang="ru-RU" smtClean="0"/>
-              <a:t>04.10.2020</a:t>
+              <a:t>05.10.2020</a:t>
             </a:fld>
             <a:endParaRPr lang="en-US"/>
           </a:p>
@@ -10401,8 +10309,8 @@
         </p:nvSpPr>
         <p:spPr>
           <a:xfrm>
-            <a:off x="1041647" y="457200"/>
-            <a:ext cx="10058400" cy="1527313"/>
+            <a:off x="2896903" y="457200"/>
+            <a:ext cx="6215147" cy="812307"/>
           </a:xfrm>
           <a:prstGeom prst="rect">
             <a:avLst/>
@@ -10438,7 +10346,7 @@
           <a:p>
             <a:pPr algn="ctr"/>
             <a:r>
-              <a:rPr lang="en-US" b="1" dirty="0" err="1">
+              <a:rPr lang="en-US" b="1" dirty="0">
                 <a:solidFill>
                   <a:schemeClr val="accent3">
                     <a:lumMod val="75000"/>
@@ -10446,7 +10354,7 @@
                 </a:solidFill>
                 <a:latin typeface="Segoe Print" panose="02000600000000000000" pitchFamily="2" charset="0"/>
               </a:rPr>
-              <a:t>GameOver</a:t>
+              <a:t>Game Over</a:t>
             </a:r>
             <a:endParaRPr lang="ru-RU" b="1" dirty="0">
               <a:solidFill>
@@ -10459,57 +10367,12 @@
           </a:p>
         </p:txBody>
       </p:sp>
-      <p:pic>
-        <p:nvPicPr>
-          <p:cNvPr id="1026" name="Picture 2" descr="Unity 5: UI - 7.2 Controlling a slider in scripts - YouTube">
+      <p:sp>
+        <p:nvSpPr>
+          <p:cNvPr id="9" name="TextBox 8">
             <a:extLst>
               <a:ext uri="{FF2B5EF4-FFF2-40B4-BE49-F238E27FC236}">
-                <a16:creationId xmlns:a16="http://schemas.microsoft.com/office/drawing/2014/main" id="{10D508D9-D76E-4AF7-BC50-5BA11D4A4B6C}"/>
-              </a:ext>
-            </a:extLst>
-          </p:cNvPr>
-          <p:cNvPicPr>
-            <a:picLocks noChangeAspect="1" noChangeArrowheads="1"/>
-          </p:cNvPicPr>
-          <p:nvPr/>
-        </p:nvPicPr>
-        <p:blipFill rotWithShape="1">
-          <a:blip r:embed="rId2">
-            <a:extLst>
-              <a:ext uri="{28A0092B-C50C-407E-A947-70E740481C1C}">
-                <a14:useLocalDpi xmlns:a14="http://schemas.microsoft.com/office/drawing/2010/main" val="0"/>
-              </a:ext>
-            </a:extLst>
-          </a:blip>
-          <a:srcRect t="30291" r="35558" b="13786"/>
-          <a:stretch/>
-        </p:blipFill>
-        <p:spPr bwMode="auto">
-          <a:xfrm>
-            <a:off x="1041647" y="2476364"/>
-            <a:ext cx="6072326" cy="2964119"/>
-          </a:xfrm>
-          <a:prstGeom prst="rect">
-            <a:avLst/>
-          </a:prstGeom>
-          <a:noFill/>
-          <a:extLst>
-            <a:ext uri="{909E8E84-426E-40DD-AFC4-6F175D3DCCD1}">
-              <a14:hiddenFill xmlns:a14="http://schemas.microsoft.com/office/drawing/2010/main">
-                <a:solidFill>
-                  <a:srgbClr val="FFFFFF"/>
-                </a:solidFill>
-              </a14:hiddenFill>
-            </a:ext>
-          </a:extLst>
-        </p:spPr>
-      </p:pic>
-      <p:sp>
-        <p:nvSpPr>
-          <p:cNvPr id="2" name="TextBox 1">
-            <a:extLst>
-              <a:ext uri="{FF2B5EF4-FFF2-40B4-BE49-F238E27FC236}">
-                <a16:creationId xmlns:a16="http://schemas.microsoft.com/office/drawing/2014/main" id="{B1AFDA2A-7B84-40DE-8256-473D8FAFBA06}"/>
+                <a16:creationId xmlns:a16="http://schemas.microsoft.com/office/drawing/2014/main" id="{BB06BBF7-DB3D-45E5-A59A-2384AA9B37B7}"/>
               </a:ext>
             </a:extLst>
           </p:cNvPr>
@@ -10518,8 +10381,8 @@
         </p:nvSpPr>
         <p:spPr>
           <a:xfrm>
-            <a:off x="8114191" y="2476364"/>
-            <a:ext cx="2630848" cy="369332"/>
+            <a:off x="1308182" y="1900847"/>
+            <a:ext cx="1548822" cy="461665"/>
           </a:xfrm>
           <a:prstGeom prst="rect">
             <a:avLst/>
@@ -10533,22 +10396,146 @@
           <a:lstStyle/>
           <a:p>
             <a:r>
-              <a:rPr lang="ru-RU" dirty="0">
-                <a:solidFill>
-                  <a:srgbClr val="C00000"/>
+              <a:rPr lang="en-US" sz="2400" b="1" dirty="0">
+                <a:solidFill>
+                  <a:srgbClr val="0070C0"/>
                 </a:solidFill>
               </a:rPr>
-              <a:t>Компонент слайдер</a:t>
-            </a:r>
-          </a:p>
-        </p:txBody>
-      </p:sp>
-      <p:sp>
-        <p:nvSpPr>
-          <p:cNvPr id="3" name="TextBox 2">
+              <a:t>UI -&gt; Text</a:t>
+            </a:r>
+            <a:endParaRPr lang="ru-RU" sz="2400" b="1" dirty="0">
+              <a:solidFill>
+                <a:srgbClr val="0070C0"/>
+              </a:solidFill>
+            </a:endParaRPr>
+          </a:p>
+        </p:txBody>
+      </p:sp>
+      <p:sp>
+        <p:nvSpPr>
+          <p:cNvPr id="8" name="Прямоугольник 7">
             <a:extLst>
               <a:ext uri="{FF2B5EF4-FFF2-40B4-BE49-F238E27FC236}">
-                <a16:creationId xmlns:a16="http://schemas.microsoft.com/office/drawing/2014/main" id="{CD5C2E65-B22C-43DB-87AB-57C1E44B3AFE}"/>
+                <a16:creationId xmlns:a16="http://schemas.microsoft.com/office/drawing/2014/main" id="{EA183D67-E83A-4F0A-BA33-9EB52A931E55}"/>
+              </a:ext>
+            </a:extLst>
+          </p:cNvPr>
+          <p:cNvSpPr/>
+          <p:nvPr/>
+        </p:nvSpPr>
+        <p:spPr>
+          <a:xfrm>
+            <a:off x="907254" y="2833729"/>
+            <a:ext cx="11090569" cy="1128899"/>
+          </a:xfrm>
+          <a:prstGeom prst="rect">
+            <a:avLst/>
+          </a:prstGeom>
+        </p:spPr>
+        <p:txBody>
+          <a:bodyPr wrap="square">
+            <a:spAutoFit/>
+          </a:bodyPr>
+          <a:lstStyle/>
+          <a:p>
+            <a:pPr>
+              <a:lnSpc>
+                <a:spcPct val="150000"/>
+              </a:lnSpc>
+            </a:pPr>
+            <a:r>
+              <a:rPr lang="en-US" sz="2400" b="1" dirty="0">
+                <a:solidFill>
+                  <a:srgbClr val="0070C0"/>
+                </a:solidFill>
+              </a:rPr>
+              <a:t>Text </a:t>
+            </a:r>
+            <a:r>
+              <a:rPr lang="en-US" sz="2400" b="1" dirty="0" err="1">
+                <a:solidFill>
+                  <a:srgbClr val="0070C0"/>
+                </a:solidFill>
+              </a:rPr>
+              <a:t>gameText</a:t>
+            </a:r>
+            <a:r>
+              <a:rPr lang="en-US" sz="2400" b="1" dirty="0">
+                <a:solidFill>
+                  <a:srgbClr val="0070C0"/>
+                </a:solidFill>
+              </a:rPr>
+              <a:t>;</a:t>
+            </a:r>
+          </a:p>
+          <a:p>
+            <a:pPr>
+              <a:lnSpc>
+                <a:spcPct val="150000"/>
+              </a:lnSpc>
+            </a:pPr>
+            <a:r>
+              <a:rPr lang="en-US" sz="2400" b="1" dirty="0" err="1">
+                <a:solidFill>
+                  <a:srgbClr val="0070C0"/>
+                </a:solidFill>
+              </a:rPr>
+              <a:t>gameText</a:t>
+            </a:r>
+            <a:r>
+              <a:rPr lang="en-US" sz="2400" b="1" dirty="0">
+                <a:solidFill>
+                  <a:srgbClr val="0070C0"/>
+                </a:solidFill>
+              </a:rPr>
+              <a:t> = </a:t>
+            </a:r>
+            <a:r>
+              <a:rPr lang="en-US" sz="2400" b="1" dirty="0" err="1">
+                <a:solidFill>
+                  <a:srgbClr val="0070C0"/>
+                </a:solidFill>
+              </a:rPr>
+              <a:t>GameObject.Find</a:t>
+            </a:r>
+            <a:r>
+              <a:rPr lang="en-US" sz="2400" b="1" dirty="0">
+                <a:solidFill>
+                  <a:srgbClr val="0070C0"/>
+                </a:solidFill>
+              </a:rPr>
+              <a:t>("Canvas/Text").</a:t>
+            </a:r>
+            <a:r>
+              <a:rPr lang="en-US" sz="2400" b="1" dirty="0" err="1">
+                <a:solidFill>
+                  <a:srgbClr val="0070C0"/>
+                </a:solidFill>
+              </a:rPr>
+              <a:t>GetComponent</a:t>
+            </a:r>
+            <a:r>
+              <a:rPr lang="en-US" sz="2400" b="1" dirty="0">
+                <a:solidFill>
+                  <a:srgbClr val="0070C0"/>
+                </a:solidFill>
+              </a:rPr>
+              <a:t>&lt;Text&gt;();</a:t>
+            </a:r>
+            <a:endParaRPr lang="ru-RU" sz="2400" b="1" dirty="0">
+              <a:solidFill>
+                <a:srgbClr val="0070C0"/>
+              </a:solidFill>
+            </a:endParaRPr>
+          </a:p>
+        </p:txBody>
+      </p:sp>
+      <p:sp>
+        <p:nvSpPr>
+          <p:cNvPr id="10" name="TextBox 9">
+            <a:extLst>
+              <a:ext uri="{FF2B5EF4-FFF2-40B4-BE49-F238E27FC236}">
+                <a16:creationId xmlns:a16="http://schemas.microsoft.com/office/drawing/2014/main" id="{56FA7B18-6DCF-4D50-815F-6E2D95901B88}"/>
               </a:ext>
             </a:extLst>
           </p:cNvPr>
@@ -10557,8 +10544,8 @@
         </p:nvSpPr>
         <p:spPr>
           <a:xfrm>
-            <a:off x="8866800" y="3085813"/>
-            <a:ext cx="1125629" cy="523220"/>
+            <a:off x="805509" y="1398846"/>
+            <a:ext cx="413896" cy="584775"/>
           </a:xfrm>
           <a:prstGeom prst="rect">
             <a:avLst/>
@@ -10572,14 +10559,256 @@
           <a:lstStyle/>
           <a:p>
             <a:r>
-              <a:rPr lang="en-US" sz="2800" b="1" dirty="0">
+              <a:rPr lang="ru-RU" sz="3200" b="1" dirty="0">
+                <a:solidFill>
+                  <a:schemeClr val="accent5">
+                    <a:lumMod val="50000"/>
+                  </a:schemeClr>
+                </a:solidFill>
+              </a:rPr>
+              <a:t>1</a:t>
+            </a:r>
+          </a:p>
+        </p:txBody>
+      </p:sp>
+      <p:sp>
+        <p:nvSpPr>
+          <p:cNvPr id="11" name="TextBox 10">
+            <a:extLst>
+              <a:ext uri="{FF2B5EF4-FFF2-40B4-BE49-F238E27FC236}">
+                <a16:creationId xmlns:a16="http://schemas.microsoft.com/office/drawing/2014/main" id="{25C47264-39E2-4F1C-A445-611810AA4DC1}"/>
+              </a:ext>
+            </a:extLst>
+          </p:cNvPr>
+          <p:cNvSpPr txBox="1"/>
+          <p:nvPr/>
+        </p:nvSpPr>
+        <p:spPr>
+          <a:xfrm>
+            <a:off x="1308182" y="1506567"/>
+            <a:ext cx="5144357" cy="369332"/>
+          </a:xfrm>
+          <a:prstGeom prst="rect">
+            <a:avLst/>
+          </a:prstGeom>
+          <a:noFill/>
+        </p:spPr>
+        <p:txBody>
+          <a:bodyPr wrap="none" rtlCol="0">
+            <a:spAutoFit/>
+          </a:bodyPr>
+          <a:lstStyle/>
+          <a:p>
+            <a:r>
+              <a:rPr lang="ru-RU" dirty="0"/>
+              <a:t>Создаем пустое текстовое поле на сцене</a:t>
+            </a:r>
+          </a:p>
+        </p:txBody>
+      </p:sp>
+      <p:sp>
+        <p:nvSpPr>
+          <p:cNvPr id="12" name="TextBox 11">
+            <a:extLst>
+              <a:ext uri="{FF2B5EF4-FFF2-40B4-BE49-F238E27FC236}">
+                <a16:creationId xmlns:a16="http://schemas.microsoft.com/office/drawing/2014/main" id="{703C4546-5C54-41F4-ADDD-E56873B602F8}"/>
+              </a:ext>
+            </a:extLst>
+          </p:cNvPr>
+          <p:cNvSpPr txBox="1"/>
+          <p:nvPr/>
+        </p:nvSpPr>
+        <p:spPr>
+          <a:xfrm>
+            <a:off x="805509" y="2424067"/>
+            <a:ext cx="413896" cy="584775"/>
+          </a:xfrm>
+          <a:prstGeom prst="rect">
+            <a:avLst/>
+          </a:prstGeom>
+          <a:noFill/>
+        </p:spPr>
+        <p:txBody>
+          <a:bodyPr wrap="none" rtlCol="0">
+            <a:spAutoFit/>
+          </a:bodyPr>
+          <a:lstStyle/>
+          <a:p>
+            <a:r>
+              <a:rPr lang="ru-RU" sz="3200" b="1" dirty="0">
+                <a:solidFill>
+                  <a:schemeClr val="accent5">
+                    <a:lumMod val="50000"/>
+                  </a:schemeClr>
+                </a:solidFill>
+              </a:rPr>
+              <a:t>2</a:t>
+            </a:r>
+          </a:p>
+        </p:txBody>
+      </p:sp>
+      <p:sp>
+        <p:nvSpPr>
+          <p:cNvPr id="13" name="TextBox 12">
+            <a:extLst>
+              <a:ext uri="{FF2B5EF4-FFF2-40B4-BE49-F238E27FC236}">
+                <a16:creationId xmlns:a16="http://schemas.microsoft.com/office/drawing/2014/main" id="{68382DEF-3BCE-433A-B91F-15BAD9937BD2}"/>
+              </a:ext>
+            </a:extLst>
+          </p:cNvPr>
+          <p:cNvSpPr txBox="1"/>
+          <p:nvPr/>
+        </p:nvSpPr>
+        <p:spPr>
+          <a:xfrm>
+            <a:off x="1308182" y="2554486"/>
+            <a:ext cx="7326044" cy="369332"/>
+          </a:xfrm>
+          <a:prstGeom prst="rect">
+            <a:avLst/>
+          </a:prstGeom>
+          <a:noFill/>
+        </p:spPr>
+        <p:txBody>
+          <a:bodyPr wrap="none" rtlCol="0">
+            <a:spAutoFit/>
+          </a:bodyPr>
+          <a:lstStyle/>
+          <a:p>
+            <a:r>
+              <a:rPr lang="ru-RU" dirty="0"/>
+              <a:t>Инициализируем в коде переменную для доступа к надписи</a:t>
+            </a:r>
+          </a:p>
+        </p:txBody>
+      </p:sp>
+      <p:sp>
+        <p:nvSpPr>
+          <p:cNvPr id="14" name="TextBox 13">
+            <a:extLst>
+              <a:ext uri="{FF2B5EF4-FFF2-40B4-BE49-F238E27FC236}">
+                <a16:creationId xmlns:a16="http://schemas.microsoft.com/office/drawing/2014/main" id="{E40CE815-5973-448C-9390-B832CD75E3C5}"/>
+              </a:ext>
+            </a:extLst>
+          </p:cNvPr>
+          <p:cNvSpPr txBox="1"/>
+          <p:nvPr/>
+        </p:nvSpPr>
+        <p:spPr>
+          <a:xfrm>
+            <a:off x="805509" y="4024271"/>
+            <a:ext cx="413896" cy="584775"/>
+          </a:xfrm>
+          <a:prstGeom prst="rect">
+            <a:avLst/>
+          </a:prstGeom>
+          <a:noFill/>
+        </p:spPr>
+        <p:txBody>
+          <a:bodyPr wrap="none" rtlCol="0">
+            <a:spAutoFit/>
+          </a:bodyPr>
+          <a:lstStyle/>
+          <a:p>
+            <a:r>
+              <a:rPr lang="en-US" sz="3200" b="1" dirty="0">
+                <a:solidFill>
+                  <a:schemeClr val="accent5">
+                    <a:lumMod val="50000"/>
+                  </a:schemeClr>
+                </a:solidFill>
+              </a:rPr>
+              <a:t>3</a:t>
+            </a:r>
+            <a:endParaRPr lang="ru-RU" sz="3200" b="1" dirty="0">
+              <a:solidFill>
+                <a:schemeClr val="accent5">
+                  <a:lumMod val="50000"/>
+                </a:schemeClr>
+              </a:solidFill>
+            </a:endParaRPr>
+          </a:p>
+        </p:txBody>
+      </p:sp>
+      <p:sp>
+        <p:nvSpPr>
+          <p:cNvPr id="15" name="TextBox 14">
+            <a:extLst>
+              <a:ext uri="{FF2B5EF4-FFF2-40B4-BE49-F238E27FC236}">
+                <a16:creationId xmlns:a16="http://schemas.microsoft.com/office/drawing/2014/main" id="{0921A08E-2DF5-4B8A-92AF-65E960BAB4B3}"/>
+              </a:ext>
+            </a:extLst>
+          </p:cNvPr>
+          <p:cNvSpPr txBox="1"/>
+          <p:nvPr/>
+        </p:nvSpPr>
+        <p:spPr>
+          <a:xfrm>
+            <a:off x="1308182" y="4154690"/>
+            <a:ext cx="5408853" cy="369332"/>
+          </a:xfrm>
+          <a:prstGeom prst="rect">
+            <a:avLst/>
+          </a:prstGeom>
+          <a:noFill/>
+        </p:spPr>
+        <p:txBody>
+          <a:bodyPr wrap="none" rtlCol="0">
+            <a:spAutoFit/>
+          </a:bodyPr>
+          <a:lstStyle/>
+          <a:p>
+            <a:r>
+              <a:rPr lang="ru-RU" dirty="0"/>
+              <a:t>В нужный момент добавляем в него надпись</a:t>
+            </a:r>
+          </a:p>
+        </p:txBody>
+      </p:sp>
+      <p:sp>
+        <p:nvSpPr>
+          <p:cNvPr id="2" name="Прямоугольник 1">
+            <a:extLst>
+              <a:ext uri="{FF2B5EF4-FFF2-40B4-BE49-F238E27FC236}">
+                <a16:creationId xmlns:a16="http://schemas.microsoft.com/office/drawing/2014/main" id="{B6CCCC3D-750A-40BE-B129-9DDC33032F8C}"/>
+              </a:ext>
+            </a:extLst>
+          </p:cNvPr>
+          <p:cNvSpPr/>
+          <p:nvPr/>
+        </p:nvSpPr>
+        <p:spPr>
+          <a:xfrm>
+            <a:off x="805509" y="4609046"/>
+            <a:ext cx="4738798" cy="461665"/>
+          </a:xfrm>
+          <a:prstGeom prst="rect">
+            <a:avLst/>
+          </a:prstGeom>
+        </p:spPr>
+        <p:txBody>
+          <a:bodyPr wrap="none">
+            <a:spAutoFit/>
+          </a:bodyPr>
+          <a:lstStyle/>
+          <a:p>
+            <a:r>
+              <a:rPr lang="en-US" sz="2400" b="1" dirty="0" err="1">
                 <a:solidFill>
                   <a:srgbClr val="0070C0"/>
                 </a:solidFill>
               </a:rPr>
-              <a:t>Slider</a:t>
-            </a:r>
-            <a:endParaRPr lang="ru-RU" sz="2800" b="1" dirty="0">
+              <a:t>gameText.text</a:t>
+            </a:r>
+            <a:r>
+              <a:rPr lang="en-US" sz="2400" b="1" dirty="0">
+                <a:solidFill>
+                  <a:srgbClr val="0070C0"/>
+                </a:solidFill>
+              </a:rPr>
+              <a:t> = "Game Over";</a:t>
+            </a:r>
+            <a:endParaRPr lang="ru-RU" sz="2400" b="1" dirty="0">
               <a:solidFill>
                 <a:srgbClr val="0070C0"/>
               </a:solidFill>
@@ -10590,7 +10819,7 @@
     </p:spTree>
     <p:extLst>
       <p:ext uri="{BB962C8B-B14F-4D97-AF65-F5344CB8AC3E}">
-        <p14:creationId xmlns:p14="http://schemas.microsoft.com/office/powerpoint/2010/main" val="3615717467"/>
+        <p14:creationId xmlns:p14="http://schemas.microsoft.com/office/powerpoint/2010/main" val="2304577539"/>
       </p:ext>
     </p:extLst>
   </p:cSld>
@@ -10619,36 +10848,6 @@
       </p:grpSpPr>
       <p:sp>
         <p:nvSpPr>
-          <p:cNvPr id="4" name="Дата 3">
-            <a:extLst>
-              <a:ext uri="{FF2B5EF4-FFF2-40B4-BE49-F238E27FC236}">
-                <a16:creationId xmlns:a16="http://schemas.microsoft.com/office/drawing/2014/main" id="{A740430A-C502-4F9B-89E2-D51D1348D0C3}"/>
-              </a:ext>
-            </a:extLst>
-          </p:cNvPr>
-          <p:cNvSpPr>
-            <a:spLocks noGrp="1"/>
-          </p:cNvSpPr>
-          <p:nvPr>
-            <p:ph type="dt" sz="half" idx="10"/>
-          </p:nvPr>
-        </p:nvSpPr>
-        <p:spPr/>
-        <p:txBody>
-          <a:bodyPr/>
-          <a:lstStyle/>
-          <a:p>
-            <a:pPr rtl="0"/>
-            <a:fld id="{629C2F20-7994-4D1E-A01C-96ECBA4612EB}" type="datetime1">
-              <a:rPr lang="ru-RU" smtClean="0"/>
-              <a:t>04.10.2020</a:t>
-            </a:fld>
-            <a:endParaRPr lang="en-US"/>
-          </a:p>
-        </p:txBody>
-      </p:sp>
-      <p:sp>
-        <p:nvSpPr>
           <p:cNvPr id="5" name="Заголовок 1">
             <a:extLst>
               <a:ext uri="{FF2B5EF4-FFF2-40B4-BE49-F238E27FC236}">
@@ -10663,8 +10862,8 @@
         </p:nvSpPr>
         <p:spPr>
           <a:xfrm>
-            <a:off x="1066800" y="101338"/>
-            <a:ext cx="10058400" cy="1527313"/>
+            <a:off x="2896903" y="457200"/>
+            <a:ext cx="6215147" cy="812307"/>
           </a:xfrm>
           <a:prstGeom prst="rect">
             <a:avLst/>
@@ -10672,7 +10871,7 @@
         </p:spPr>
         <p:txBody>
           <a:bodyPr vert="horz" lIns="91440" tIns="45720" rIns="91440" bIns="45720" rtlCol="0" anchor="ctr">
-            <a:normAutofit/>
+            <a:normAutofit fontScale="92500"/>
           </a:bodyPr>
           <a:lstStyle>
             <a:lvl1pPr algn="l" defTabSz="914400" rtl="0" eaLnBrk="1" latinLnBrk="0" hangingPunct="1">
@@ -10708,62 +10907,17 @@
                 </a:solidFill>
                 <a:latin typeface="Segoe Print" panose="02000600000000000000" pitchFamily="2" charset="0"/>
               </a:rPr>
-              <a:t>Индикатор здоровья</a:t>
-            </a:r>
-          </a:p>
-        </p:txBody>
-      </p:sp>
-      <p:pic>
-        <p:nvPicPr>
-          <p:cNvPr id="1026" name="Picture 2" descr="Unity 5: UI - 7.2 Controlling a slider in scripts - YouTube">
+              <a:t>Недоступные объекты</a:t>
+            </a:r>
+          </a:p>
+        </p:txBody>
+      </p:sp>
+      <p:sp>
+        <p:nvSpPr>
+          <p:cNvPr id="3" name="TextBox 2">
             <a:extLst>
               <a:ext uri="{FF2B5EF4-FFF2-40B4-BE49-F238E27FC236}">
-                <a16:creationId xmlns:a16="http://schemas.microsoft.com/office/drawing/2014/main" id="{10D508D9-D76E-4AF7-BC50-5BA11D4A4B6C}"/>
-              </a:ext>
-            </a:extLst>
-          </p:cNvPr>
-          <p:cNvPicPr>
-            <a:picLocks noChangeAspect="1" noChangeArrowheads="1"/>
-          </p:cNvPicPr>
-          <p:nvPr/>
-        </p:nvPicPr>
-        <p:blipFill rotWithShape="1">
-          <a:blip r:embed="rId2">
-            <a:extLst>
-              <a:ext uri="{28A0092B-C50C-407E-A947-70E740481C1C}">
-                <a14:useLocalDpi xmlns:a14="http://schemas.microsoft.com/office/drawing/2010/main" val="0"/>
-              </a:ext>
-            </a:extLst>
-          </a:blip>
-          <a:srcRect l="31342" t="30291" r="35558" b="13786"/>
-          <a:stretch/>
-        </p:blipFill>
-        <p:spPr bwMode="auto">
-          <a:xfrm>
-            <a:off x="4526132" y="1517575"/>
-            <a:ext cx="3139736" cy="2983805"/>
-          </a:xfrm>
-          <a:prstGeom prst="rect">
-            <a:avLst/>
-          </a:prstGeom>
-          <a:noFill/>
-          <a:extLst>
-            <a:ext uri="{909E8E84-426E-40DD-AFC4-6F175D3DCCD1}">
-              <a14:hiddenFill xmlns:a14="http://schemas.microsoft.com/office/drawing/2010/main">
-                <a:solidFill>
-                  <a:srgbClr val="FFFFFF"/>
-                </a:solidFill>
-              </a14:hiddenFill>
-            </a:ext>
-          </a:extLst>
-        </p:spPr>
-      </p:pic>
-      <p:sp>
-        <p:nvSpPr>
-          <p:cNvPr id="8" name="TextBox 7">
-            <a:extLst>
-              <a:ext uri="{FF2B5EF4-FFF2-40B4-BE49-F238E27FC236}">
-                <a16:creationId xmlns:a16="http://schemas.microsoft.com/office/drawing/2014/main" id="{FF7254F3-20C9-4572-8B26-F3F42D0A57CF}"/>
+                <a16:creationId xmlns:a16="http://schemas.microsoft.com/office/drawing/2014/main" id="{180E4BF5-3840-4B19-89CB-08EB2763F0E5}"/>
               </a:ext>
             </a:extLst>
           </p:cNvPr>
@@ -10772,8 +10926,8 @@
         </p:nvSpPr>
         <p:spPr>
           <a:xfrm>
-            <a:off x="1661959" y="3978160"/>
-            <a:ext cx="1930337" cy="523220"/>
+            <a:off x="4504706" y="1482570"/>
+            <a:ext cx="2999539" cy="461665"/>
           </a:xfrm>
           <a:prstGeom prst="rect">
             <a:avLst/>
@@ -10787,16 +10941,24 @@
           <a:lstStyle/>
           <a:p>
             <a:r>
-              <a:rPr lang="en-US" sz="2800" b="1" dirty="0">
-                <a:solidFill>
-                  <a:srgbClr val="0070C0"/>
+              <a:rPr lang="ru-RU" sz="2400" dirty="0">
+                <a:solidFill>
+                  <a:srgbClr val="C00000"/>
                 </a:solidFill>
               </a:rPr>
-              <a:t>Min Value</a:t>
-            </a:r>
-            <a:endParaRPr lang="ru-RU" sz="2800" b="1" dirty="0">
+              <a:t>Свойство </a:t>
+            </a:r>
+            <a:r>
+              <a:rPr lang="en-US" sz="2400" b="1" i="1" dirty="0">
+                <a:solidFill>
+                  <a:srgbClr val="C00000"/>
+                </a:solidFill>
+              </a:rPr>
+              <a:t>enabled</a:t>
+            </a:r>
+            <a:endParaRPr lang="ru-RU" sz="2400" b="1" i="1" dirty="0">
               <a:solidFill>
-                <a:srgbClr val="0070C0"/>
+                <a:srgbClr val="C00000"/>
               </a:solidFill>
             </a:endParaRPr>
           </a:p>
@@ -10804,10 +10966,10 @@
       </p:sp>
       <p:sp>
         <p:nvSpPr>
-          <p:cNvPr id="9" name="TextBox 8">
+          <p:cNvPr id="6" name="TextBox 5">
             <a:extLst>
               <a:ext uri="{FF2B5EF4-FFF2-40B4-BE49-F238E27FC236}">
-                <a16:creationId xmlns:a16="http://schemas.microsoft.com/office/drawing/2014/main" id="{564A4ECB-80AC-4547-A555-948E19E30BFA}"/>
+                <a16:creationId xmlns:a16="http://schemas.microsoft.com/office/drawing/2014/main" id="{7A3C9540-0952-4576-8189-DD2BE80A0FCF}"/>
               </a:ext>
             </a:extLst>
           </p:cNvPr>
@@ -10816,8 +10978,8 @@
         </p:nvSpPr>
         <p:spPr>
           <a:xfrm>
-            <a:off x="8783331" y="3978160"/>
-            <a:ext cx="2066591" cy="523220"/>
+            <a:off x="656947" y="2157298"/>
+            <a:ext cx="11020966" cy="3262432"/>
           </a:xfrm>
           <a:prstGeom prst="rect">
             <a:avLst/>
@@ -10831,191 +10993,111 @@
           <a:lstStyle/>
           <a:p>
             <a:r>
-              <a:rPr lang="en-US" sz="2800" b="1" dirty="0">
-                <a:solidFill>
-                  <a:srgbClr val="0070C0"/>
-                </a:solidFill>
-              </a:rPr>
-              <a:t>Max Value</a:t>
-            </a:r>
-            <a:endParaRPr lang="ru-RU" sz="2800" b="1" dirty="0">
+              <a:rPr lang="ru-RU" sz="2400" dirty="0"/>
+              <a:t>Объект доступен для пользователя, с ним можно совершать действия</a:t>
+            </a:r>
+            <a:endParaRPr lang="en-US" sz="2400" dirty="0"/>
+          </a:p>
+          <a:p>
+            <a:endParaRPr lang="ru-RU" sz="2000" b="1" dirty="0">
               <a:solidFill>
-                <a:srgbClr val="0070C0"/>
+                <a:srgbClr val="27870D"/>
               </a:solidFill>
             </a:endParaRPr>
           </a:p>
-        </p:txBody>
-      </p:sp>
-      <p:sp>
-        <p:nvSpPr>
-          <p:cNvPr id="10" name="TextBox 9">
-            <a:extLst>
-              <a:ext uri="{FF2B5EF4-FFF2-40B4-BE49-F238E27FC236}">
-                <a16:creationId xmlns:a16="http://schemas.microsoft.com/office/drawing/2014/main" id="{277CC84C-49E7-4510-AFB5-144B73393845}"/>
-              </a:ext>
-            </a:extLst>
-          </p:cNvPr>
-          <p:cNvSpPr txBox="1"/>
-          <p:nvPr/>
-        </p:nvSpPr>
-        <p:spPr>
-          <a:xfrm>
-            <a:off x="5493912" y="5269720"/>
-            <a:ext cx="1204176" cy="523220"/>
-          </a:xfrm>
-          <a:prstGeom prst="rect">
-            <a:avLst/>
-          </a:prstGeom>
-          <a:noFill/>
-        </p:spPr>
-        <p:txBody>
-          <a:bodyPr wrap="none" rtlCol="0">
-            <a:spAutoFit/>
-          </a:bodyPr>
-          <a:lstStyle/>
-          <a:p>
-            <a:r>
-              <a:rPr lang="en-US" sz="2800" b="1" dirty="0">
-                <a:solidFill>
-                  <a:srgbClr val="0070C0"/>
+          <a:p>
+            <a:r>
+              <a:rPr lang="en-US" sz="2000" b="1" dirty="0">
+                <a:solidFill>
+                  <a:srgbClr val="27870D"/>
                 </a:solidFill>
               </a:rPr>
-              <a:t>Value</a:t>
-            </a:r>
-            <a:endParaRPr lang="ru-RU" sz="2800" b="1" dirty="0">
+              <a:t>enabled = true;</a:t>
+            </a:r>
+            <a:endParaRPr lang="ru-RU" sz="2000" b="1" dirty="0">
               <a:solidFill>
-                <a:srgbClr val="0070C0"/>
+                <a:srgbClr val="27870D"/>
               </a:solidFill>
             </a:endParaRPr>
           </a:p>
-        </p:txBody>
-      </p:sp>
-      <p:cxnSp>
-        <p:nvCxnSpPr>
-          <p:cNvPr id="11" name="Прямая со стрелкой 10">
-            <a:extLst>
-              <a:ext uri="{FF2B5EF4-FFF2-40B4-BE49-F238E27FC236}">
-                <a16:creationId xmlns:a16="http://schemas.microsoft.com/office/drawing/2014/main" id="{BCA259A5-9E23-4FE0-8153-D0A53F10E4CF}"/>
-              </a:ext>
-            </a:extLst>
-          </p:cNvPr>
-          <p:cNvCxnSpPr/>
-          <p:nvPr/>
-        </p:nvCxnSpPr>
-        <p:spPr>
-          <a:xfrm flipV="1">
-            <a:off x="3506680" y="2938509"/>
-            <a:ext cx="1535837" cy="1039651"/>
-          </a:xfrm>
-          <a:prstGeom prst="straightConnector1">
-            <a:avLst/>
-          </a:prstGeom>
-          <a:ln>
-            <a:tailEnd type="triangle"/>
-          </a:ln>
-        </p:spPr>
-        <p:style>
-          <a:lnRef idx="3">
-            <a:schemeClr val="accent2"/>
-          </a:lnRef>
-          <a:fillRef idx="0">
-            <a:schemeClr val="accent2"/>
-          </a:fillRef>
-          <a:effectRef idx="2">
-            <a:schemeClr val="accent2"/>
-          </a:effectRef>
-          <a:fontRef idx="minor">
-            <a:schemeClr val="tx1"/>
-          </a:fontRef>
-        </p:style>
-      </p:cxnSp>
-      <p:cxnSp>
-        <p:nvCxnSpPr>
-          <p:cNvPr id="13" name="Прямая со стрелкой 12">
-            <a:extLst>
-              <a:ext uri="{FF2B5EF4-FFF2-40B4-BE49-F238E27FC236}">
-                <a16:creationId xmlns:a16="http://schemas.microsoft.com/office/drawing/2014/main" id="{7905062D-47EA-46BE-8F11-8E94B05FF7B3}"/>
-              </a:ext>
-            </a:extLst>
-          </p:cNvPr>
-          <p:cNvCxnSpPr>
-            <a:cxnSpLocks/>
-          </p:cNvCxnSpPr>
-          <p:nvPr/>
-        </p:nvCxnSpPr>
-        <p:spPr>
-          <a:xfrm flipH="1" flipV="1">
-            <a:off x="7051629" y="2938512"/>
-            <a:ext cx="1731702" cy="1127461"/>
-          </a:xfrm>
-          <a:prstGeom prst="straightConnector1">
-            <a:avLst/>
-          </a:prstGeom>
-          <a:ln>
-            <a:tailEnd type="triangle"/>
-          </a:ln>
-        </p:spPr>
-        <p:style>
-          <a:lnRef idx="3">
-            <a:schemeClr val="accent2"/>
-          </a:lnRef>
-          <a:fillRef idx="0">
-            <a:schemeClr val="accent2"/>
-          </a:fillRef>
-          <a:effectRef idx="2">
-            <a:schemeClr val="accent2"/>
-          </a:effectRef>
-          <a:fontRef idx="minor">
-            <a:schemeClr val="tx1"/>
-          </a:fontRef>
-        </p:style>
-      </p:cxnSp>
-      <p:cxnSp>
-        <p:nvCxnSpPr>
-          <p:cNvPr id="18" name="Прямая со стрелкой 17">
-            <a:extLst>
-              <a:ext uri="{FF2B5EF4-FFF2-40B4-BE49-F238E27FC236}">
-                <a16:creationId xmlns:a16="http://schemas.microsoft.com/office/drawing/2014/main" id="{F5BEFA6B-04AB-4ADB-B768-7FBBFEB70D3F}"/>
-              </a:ext>
-            </a:extLst>
-          </p:cNvPr>
-          <p:cNvCxnSpPr>
-            <a:cxnSpLocks/>
-            <a:stCxn id="10" idx="0"/>
-          </p:cNvCxnSpPr>
-          <p:nvPr/>
-        </p:nvCxnSpPr>
-        <p:spPr>
-          <a:xfrm flipV="1">
-            <a:off x="6096000" y="3044888"/>
-            <a:ext cx="21793" cy="2224832"/>
-          </a:xfrm>
-          <a:prstGeom prst="straightConnector1">
-            <a:avLst/>
-          </a:prstGeom>
-          <a:ln>
-            <a:tailEnd type="triangle"/>
-          </a:ln>
-        </p:spPr>
-        <p:style>
-          <a:lnRef idx="3">
-            <a:schemeClr val="accent2"/>
-          </a:lnRef>
-          <a:fillRef idx="0">
-            <a:schemeClr val="accent2"/>
-          </a:fillRef>
-          <a:effectRef idx="2">
-            <a:schemeClr val="accent2"/>
-          </a:effectRef>
-          <a:fontRef idx="minor">
-            <a:schemeClr val="tx1"/>
-          </a:fontRef>
-        </p:style>
-      </p:cxnSp>
+          <a:p>
+            <a:endParaRPr lang="ru-RU" sz="2000" b="1" dirty="0">
+              <a:solidFill>
+                <a:srgbClr val="27870D"/>
+              </a:solidFill>
+            </a:endParaRPr>
+          </a:p>
+          <a:p>
+            <a:endParaRPr lang="ru-RU" sz="2000" b="1" dirty="0">
+              <a:solidFill>
+                <a:srgbClr val="27870D"/>
+              </a:solidFill>
+            </a:endParaRPr>
+          </a:p>
+          <a:p>
+            <a:r>
+              <a:rPr lang="ru-RU" sz="2000" dirty="0"/>
+              <a:t>Объект </a:t>
+            </a:r>
+            <a:r>
+              <a:rPr lang="ru-RU" sz="2000" dirty="0">
+                <a:solidFill>
+                  <a:srgbClr val="C00000"/>
+                </a:solidFill>
+              </a:rPr>
+              <a:t>НЕ</a:t>
+            </a:r>
+            <a:r>
+              <a:rPr lang="ru-RU" sz="2000" dirty="0"/>
+              <a:t> доступен для пользователя, с ним </a:t>
+            </a:r>
+            <a:r>
+              <a:rPr lang="ru-RU" sz="2000" dirty="0">
+                <a:solidFill>
+                  <a:srgbClr val="C00000"/>
+                </a:solidFill>
+              </a:rPr>
+              <a:t>нельзя</a:t>
+            </a:r>
+            <a:r>
+              <a:rPr lang="ru-RU" sz="2000" dirty="0"/>
+              <a:t> совершать действия</a:t>
+            </a:r>
+            <a:endParaRPr lang="en-US" sz="2000" dirty="0"/>
+          </a:p>
+          <a:p>
+            <a:endParaRPr lang="ru-RU" b="1" dirty="0">
+              <a:solidFill>
+                <a:srgbClr val="27870D"/>
+              </a:solidFill>
+            </a:endParaRPr>
+          </a:p>
+          <a:p>
+            <a:r>
+              <a:rPr lang="en-US" b="1" dirty="0">
+                <a:solidFill>
+                  <a:srgbClr val="C00000"/>
+                </a:solidFill>
+              </a:rPr>
+              <a:t>enabled = false;</a:t>
+            </a:r>
+          </a:p>
+          <a:p>
+            <a:endParaRPr lang="en-US" sz="2000" b="1" dirty="0">
+              <a:solidFill>
+                <a:srgbClr val="27870D"/>
+              </a:solidFill>
+            </a:endParaRPr>
+          </a:p>
+          <a:p>
+            <a:endParaRPr lang="ru-RU" dirty="0"/>
+          </a:p>
+        </p:txBody>
+      </p:sp>
     </p:spTree>
     <p:extLst>
       <p:ext uri="{BB962C8B-B14F-4D97-AF65-F5344CB8AC3E}">
-        <p14:creationId xmlns:p14="http://schemas.microsoft.com/office/powerpoint/2010/main" val="3194686424"/>
+        <p14:creationId xmlns:p14="http://schemas.microsoft.com/office/powerpoint/2010/main" val="988215076"/>
       </p:ext>
     </p:extLst>
   </p:cSld>
